--- a/Praesentation0802.pptx
+++ b/Praesentation0802.pptx
@@ -13,8 +13,8 @@
     <p:sldId id="278" r:id="rId4"/>
     <p:sldId id="267" r:id="rId5"/>
     <p:sldId id="271" r:id="rId6"/>
-    <p:sldId id="276" r:id="rId7"/>
-    <p:sldId id="272" r:id="rId8"/>
+    <p:sldId id="272" r:id="rId7"/>
+    <p:sldId id="276" r:id="rId8"/>
     <p:sldId id="275" r:id="rId9"/>
   </p:sldIdLst>
   <p:sldSz cx="12192000" cy="6858000"/>
@@ -8005,7 +8005,7 @@
         <p:cNvPr id="1" name="">
           <a:extLst>
             <a:ext uri="{FF2B5EF4-FFF2-40B4-BE49-F238E27FC236}">
-              <a16:creationId xmlns:a16="http://schemas.microsoft.com/office/drawing/2014/main" id="{DE2AFD91-FFBD-8B5B-F05F-6D348C2E0FBB}"/>
+              <a16:creationId xmlns:a16="http://schemas.microsoft.com/office/drawing/2014/main" id="{DB5650D5-B0F2-7E45-B50C-85DA26BE3CD7}"/>
             </a:ext>
           </a:extLst>
         </p:cNvPr>
@@ -8025,7 +8025,7 @@
           <p:cNvPr id="2" name="Titel 1">
             <a:extLst>
               <a:ext uri="{FF2B5EF4-FFF2-40B4-BE49-F238E27FC236}">
-                <a16:creationId xmlns:a16="http://schemas.microsoft.com/office/drawing/2014/main" id="{EDAE255C-A7F0-8957-D030-70B5F5E3959B}"/>
+                <a16:creationId xmlns:a16="http://schemas.microsoft.com/office/drawing/2014/main" id="{655129BB-48CC-82B1-CCA1-E615D1E93FED}"/>
               </a:ext>
             </a:extLst>
           </p:cNvPr>
@@ -8038,17 +8038,17 @@
         </p:nvSpPr>
         <p:spPr>
           <a:xfrm>
-            <a:off x="1079568" y="2486397"/>
-            <a:ext cx="10036632" cy="1240035"/>
+            <a:off x="1523997" y="1298781"/>
+            <a:ext cx="9144000" cy="1240035"/>
           </a:xfrm>
         </p:spPr>
         <p:txBody>
           <a:bodyPr>
-            <a:normAutofit/>
+            <a:normAutofit fontScale="90000"/>
           </a:bodyPr>
           <a:lstStyle/>
           <a:p>
-            <a:pPr>
+            <a:pPr algn="l">
               <a:lnSpc>
                 <a:spcPct val="150000"/>
               </a:lnSpc>
@@ -8061,9 +8061,16 @@
                   </a:schemeClr>
                 </a:solidFill>
               </a:rPr>
-              <a:t>Aufbau des Projektes </a:t>
-            </a:r>
-            <a:endParaRPr lang="de-AT" sz="2800" spc="-150" dirty="0"/>
+              <a:t>Event Driven Communication</a:t>
+            </a:r>
+            <a:br>
+              <a:rPr lang="de-DE" sz="4800" dirty="0"/>
+            </a:br>
+            <a:r>
+              <a:rPr lang="ko-KR" altLang="de-DE" sz="2400" spc="-150" dirty="0"/>
+              <a:t>ㅤ</a:t>
+            </a:r>
+            <a:endParaRPr lang="de-AT" sz="4800" spc="-150" dirty="0"/>
           </a:p>
         </p:txBody>
       </p:sp>
@@ -8072,7 +8079,7 @@
           <p:cNvPr id="3" name="Untertitel 2">
             <a:extLst>
               <a:ext uri="{FF2B5EF4-FFF2-40B4-BE49-F238E27FC236}">
-                <a16:creationId xmlns:a16="http://schemas.microsoft.com/office/drawing/2014/main" id="{A2DBB0EF-8485-F0E4-6A75-D02CEAAF1827}"/>
+                <a16:creationId xmlns:a16="http://schemas.microsoft.com/office/drawing/2014/main" id="{052B001E-B57F-D17C-5567-70C306436D34}"/>
               </a:ext>
             </a:extLst>
           </p:cNvPr>
@@ -8120,7 +8127,7 @@
           <p:cNvPr id="1026" name="Picture 2" descr="Schnuppertag: Bautechnik an der HTL Saalfelden">
             <a:extLst>
               <a:ext uri="{FF2B5EF4-FFF2-40B4-BE49-F238E27FC236}">
-                <a16:creationId xmlns:a16="http://schemas.microsoft.com/office/drawing/2014/main" id="{B4E6718C-57A3-FAF6-ACDF-1754D46F1A68}"/>
+                <a16:creationId xmlns:a16="http://schemas.microsoft.com/office/drawing/2014/main" id="{4B832CEA-99E1-2764-2FFD-72B203DF3455}"/>
               </a:ext>
             </a:extLst>
           </p:cNvPr>
@@ -8167,7 +8174,7 @@
           <p:cNvPr id="5" name="Untertitel 2">
             <a:extLst>
               <a:ext uri="{FF2B5EF4-FFF2-40B4-BE49-F238E27FC236}">
-                <a16:creationId xmlns:a16="http://schemas.microsoft.com/office/drawing/2014/main" id="{8732DD61-0E5D-AE82-AA1C-07E92AB31FEE}"/>
+                <a16:creationId xmlns:a16="http://schemas.microsoft.com/office/drawing/2014/main" id="{9A09F8E9-0160-4BB3-A03C-A95EEA6771FC}"/>
               </a:ext>
             </a:extLst>
           </p:cNvPr>
@@ -8375,7 +8382,7 @@
           <p:cNvPr id="7" name="Gerader Verbinder 6">
             <a:extLst>
               <a:ext uri="{FF2B5EF4-FFF2-40B4-BE49-F238E27FC236}">
-                <a16:creationId xmlns:a16="http://schemas.microsoft.com/office/drawing/2014/main" id="{D0A71F05-3F14-3F7A-BCE7-30E2B64BD65E}"/>
+                <a16:creationId xmlns:a16="http://schemas.microsoft.com/office/drawing/2014/main" id="{E6A726F6-01CE-6284-61CA-DAE7C343698A}"/>
               </a:ext>
             </a:extLst>
           </p:cNvPr>
@@ -8413,7 +8420,7 @@
           <p:cNvPr id="12" name="Gerader Verbinder 11">
             <a:extLst>
               <a:ext uri="{FF2B5EF4-FFF2-40B4-BE49-F238E27FC236}">
-                <a16:creationId xmlns:a16="http://schemas.microsoft.com/office/drawing/2014/main" id="{A7EC68E0-24A9-4DDB-1A62-68814181C599}"/>
+                <a16:creationId xmlns:a16="http://schemas.microsoft.com/office/drawing/2014/main" id="{F1A1600E-9C04-7E56-747E-56F24B5E22DC}"/>
               </a:ext>
             </a:extLst>
           </p:cNvPr>
@@ -8424,7 +8431,7 @@
         </p:nvCxnSpPr>
         <p:spPr>
           <a:xfrm>
-            <a:off x="1160893" y="3982079"/>
+            <a:off x="1195805" y="2186353"/>
             <a:ext cx="9644853" cy="0"/>
           </a:xfrm>
           <a:prstGeom prst="line">
@@ -8451,7 +8458,7 @@
           <p:cNvPr id="16" name="Gerader Verbinder 15">
             <a:extLst>
               <a:ext uri="{FF2B5EF4-FFF2-40B4-BE49-F238E27FC236}">
-                <a16:creationId xmlns:a16="http://schemas.microsoft.com/office/drawing/2014/main" id="{F6323BB4-C70A-DEC1-D832-C7D4F880668D}"/>
+                <a16:creationId xmlns:a16="http://schemas.microsoft.com/office/drawing/2014/main" id="{7B0B9D97-7037-A982-6BB7-EA6242CC15F7}"/>
               </a:ext>
             </a:extLst>
           </p:cNvPr>
@@ -8462,7 +8469,7 @@
         </p:nvCxnSpPr>
         <p:spPr>
           <a:xfrm>
-            <a:off x="-33340" y="6379760"/>
+            <a:off x="-33340" y="6388638"/>
             <a:ext cx="12258675" cy="0"/>
           </a:xfrm>
           <a:prstGeom prst="line">
@@ -8489,7 +8496,7 @@
           <p:cNvPr id="20" name="Datumsplatzhalter 3">
             <a:extLst>
               <a:ext uri="{FF2B5EF4-FFF2-40B4-BE49-F238E27FC236}">
-                <a16:creationId xmlns:a16="http://schemas.microsoft.com/office/drawing/2014/main" id="{987D0A12-830B-930D-F0CA-79478DB4EE25}"/>
+                <a16:creationId xmlns:a16="http://schemas.microsoft.com/office/drawing/2014/main" id="{0DA24111-525C-027B-7D7C-B69140C01CE2}"/>
               </a:ext>
             </a:extLst>
           </p:cNvPr>
@@ -8522,7 +8529,7 @@
           <p:cNvPr id="22" name="Foliennummernplatzhalter 21">
             <a:extLst>
               <a:ext uri="{FF2B5EF4-FFF2-40B4-BE49-F238E27FC236}">
-                <a16:creationId xmlns:a16="http://schemas.microsoft.com/office/drawing/2014/main" id="{3DB9D43D-40F6-5AA9-7F9A-2B3294A4791C}"/>
+                <a16:creationId xmlns:a16="http://schemas.microsoft.com/office/drawing/2014/main" id="{B4DB84F1-6A53-DBB6-AB9A-C4A924F8F291}"/>
               </a:ext>
             </a:extLst>
           </p:cNvPr>
@@ -8545,15 +8552,51 @@
           <a:p>
             <a:r>
               <a:rPr lang="de-AT" sz="2000" dirty="0"/>
-              <a:t>4/5</a:t>
-            </a:r>
-          </a:p>
-        </p:txBody>
-      </p:sp>
+              <a:t>2/5</a:t>
+            </a:r>
+          </a:p>
+        </p:txBody>
+      </p:sp>
+      <p:pic>
+        <p:nvPicPr>
+          <p:cNvPr id="8" name="Grafik 7" descr="Ein Bild, das Text, Diagramm, Schrift, Reihe enthält.&#10;&#10;Automatisch generierte Beschreibung">
+            <a:extLst>
+              <a:ext uri="{FF2B5EF4-FFF2-40B4-BE49-F238E27FC236}">
+                <a16:creationId xmlns:a16="http://schemas.microsoft.com/office/drawing/2014/main" id="{ABA3B0EF-9212-6E24-233C-A460B7E5F23A}"/>
+              </a:ext>
+            </a:extLst>
+          </p:cNvPr>
+          <p:cNvPicPr>
+            <a:picLocks noChangeAspect="1"/>
+          </p:cNvPicPr>
+          <p:nvPr/>
+        </p:nvPicPr>
+        <p:blipFill>
+          <a:blip r:embed="rId3">
+            <a:extLst>
+              <a:ext uri="{28A0092B-C50C-407E-A947-70E740481C1C}">
+                <a14:useLocalDpi xmlns:a14="http://schemas.microsoft.com/office/drawing/2010/main" val="0"/>
+              </a:ext>
+            </a:extLst>
+          </a:blip>
+          <a:stretch>
+            <a:fillRect/>
+          </a:stretch>
+        </p:blipFill>
+        <p:spPr>
+          <a:xfrm>
+            <a:off x="3035706" y="2538816"/>
+            <a:ext cx="6120582" cy="3557364"/>
+          </a:xfrm>
+          <a:prstGeom prst="rect">
+            <a:avLst/>
+          </a:prstGeom>
+        </p:spPr>
+      </p:pic>
     </p:spTree>
     <p:extLst>
       <p:ext uri="{BB962C8B-B14F-4D97-AF65-F5344CB8AC3E}">
-        <p14:creationId xmlns:p14="http://schemas.microsoft.com/office/powerpoint/2010/main" val="2417370953"/>
+        <p14:creationId xmlns:p14="http://schemas.microsoft.com/office/powerpoint/2010/main" val="2997998359"/>
       </p:ext>
     </p:extLst>
   </p:cSld>
@@ -8571,7 +8614,7 @@
         <p:cNvPr id="1" name="">
           <a:extLst>
             <a:ext uri="{FF2B5EF4-FFF2-40B4-BE49-F238E27FC236}">
-              <a16:creationId xmlns:a16="http://schemas.microsoft.com/office/drawing/2014/main" id="{DB5650D5-B0F2-7E45-B50C-85DA26BE3CD7}"/>
+              <a16:creationId xmlns:a16="http://schemas.microsoft.com/office/drawing/2014/main" id="{DE2AFD91-FFBD-8B5B-F05F-6D348C2E0FBB}"/>
             </a:ext>
           </a:extLst>
         </p:cNvPr>
@@ -8591,7 +8634,7 @@
           <p:cNvPr id="2" name="Titel 1">
             <a:extLst>
               <a:ext uri="{FF2B5EF4-FFF2-40B4-BE49-F238E27FC236}">
-                <a16:creationId xmlns:a16="http://schemas.microsoft.com/office/drawing/2014/main" id="{655129BB-48CC-82B1-CCA1-E615D1E93FED}"/>
+                <a16:creationId xmlns:a16="http://schemas.microsoft.com/office/drawing/2014/main" id="{EDAE255C-A7F0-8957-D030-70B5F5E3959B}"/>
               </a:ext>
             </a:extLst>
           </p:cNvPr>
@@ -8604,17 +8647,17 @@
         </p:nvSpPr>
         <p:spPr>
           <a:xfrm>
-            <a:off x="1523997" y="1298781"/>
-            <a:ext cx="9144000" cy="1240035"/>
+            <a:off x="1079568" y="2486397"/>
+            <a:ext cx="10036632" cy="1240035"/>
           </a:xfrm>
         </p:spPr>
         <p:txBody>
           <a:bodyPr>
-            <a:normAutofit fontScale="90000"/>
+            <a:normAutofit/>
           </a:bodyPr>
           <a:lstStyle/>
           <a:p>
-            <a:pPr algn="l">
+            <a:pPr>
               <a:lnSpc>
                 <a:spcPct val="150000"/>
               </a:lnSpc>
@@ -8627,16 +8670,9 @@
                   </a:schemeClr>
                 </a:solidFill>
               </a:rPr>
-              <a:t>Event Driven Communication</a:t>
-            </a:r>
-            <a:br>
-              <a:rPr lang="de-DE" sz="4800" dirty="0"/>
-            </a:br>
-            <a:r>
-              <a:rPr lang="ko-KR" altLang="de-DE" sz="2400" spc="-150" dirty="0"/>
-              <a:t>ㅤ</a:t>
-            </a:r>
-            <a:endParaRPr lang="de-AT" sz="4800" spc="-150" dirty="0"/>
+              <a:t>Aufbau des Projektes </a:t>
+            </a:r>
+            <a:endParaRPr lang="de-AT" sz="2800" spc="-150" dirty="0"/>
           </a:p>
         </p:txBody>
       </p:sp>
@@ -8645,7 +8681,7 @@
           <p:cNvPr id="3" name="Untertitel 2">
             <a:extLst>
               <a:ext uri="{FF2B5EF4-FFF2-40B4-BE49-F238E27FC236}">
-                <a16:creationId xmlns:a16="http://schemas.microsoft.com/office/drawing/2014/main" id="{052B001E-B57F-D17C-5567-70C306436D34}"/>
+                <a16:creationId xmlns:a16="http://schemas.microsoft.com/office/drawing/2014/main" id="{A2DBB0EF-8485-F0E4-6A75-D02CEAAF1827}"/>
               </a:ext>
             </a:extLst>
           </p:cNvPr>
@@ -8693,7 +8729,7 @@
           <p:cNvPr id="1026" name="Picture 2" descr="Schnuppertag: Bautechnik an der HTL Saalfelden">
             <a:extLst>
               <a:ext uri="{FF2B5EF4-FFF2-40B4-BE49-F238E27FC236}">
-                <a16:creationId xmlns:a16="http://schemas.microsoft.com/office/drawing/2014/main" id="{4B832CEA-99E1-2764-2FFD-72B203DF3455}"/>
+                <a16:creationId xmlns:a16="http://schemas.microsoft.com/office/drawing/2014/main" id="{B4E6718C-57A3-FAF6-ACDF-1754D46F1A68}"/>
               </a:ext>
             </a:extLst>
           </p:cNvPr>
@@ -8740,7 +8776,7 @@
           <p:cNvPr id="5" name="Untertitel 2">
             <a:extLst>
               <a:ext uri="{FF2B5EF4-FFF2-40B4-BE49-F238E27FC236}">
-                <a16:creationId xmlns:a16="http://schemas.microsoft.com/office/drawing/2014/main" id="{9A09F8E9-0160-4BB3-A03C-A95EEA6771FC}"/>
+                <a16:creationId xmlns:a16="http://schemas.microsoft.com/office/drawing/2014/main" id="{8732DD61-0E5D-AE82-AA1C-07E92AB31FEE}"/>
               </a:ext>
             </a:extLst>
           </p:cNvPr>
@@ -8948,7 +8984,7 @@
           <p:cNvPr id="7" name="Gerader Verbinder 6">
             <a:extLst>
               <a:ext uri="{FF2B5EF4-FFF2-40B4-BE49-F238E27FC236}">
-                <a16:creationId xmlns:a16="http://schemas.microsoft.com/office/drawing/2014/main" id="{E6A726F6-01CE-6284-61CA-DAE7C343698A}"/>
+                <a16:creationId xmlns:a16="http://schemas.microsoft.com/office/drawing/2014/main" id="{D0A71F05-3F14-3F7A-BCE7-30E2B64BD65E}"/>
               </a:ext>
             </a:extLst>
           </p:cNvPr>
@@ -8986,7 +9022,7 @@
           <p:cNvPr id="12" name="Gerader Verbinder 11">
             <a:extLst>
               <a:ext uri="{FF2B5EF4-FFF2-40B4-BE49-F238E27FC236}">
-                <a16:creationId xmlns:a16="http://schemas.microsoft.com/office/drawing/2014/main" id="{F1A1600E-9C04-7E56-747E-56F24B5E22DC}"/>
+                <a16:creationId xmlns:a16="http://schemas.microsoft.com/office/drawing/2014/main" id="{A7EC68E0-24A9-4DDB-1A62-68814181C599}"/>
               </a:ext>
             </a:extLst>
           </p:cNvPr>
@@ -8997,7 +9033,7 @@
         </p:nvCxnSpPr>
         <p:spPr>
           <a:xfrm>
-            <a:off x="1195805" y="2186353"/>
+            <a:off x="1160893" y="3982079"/>
             <a:ext cx="9644853" cy="0"/>
           </a:xfrm>
           <a:prstGeom prst="line">
@@ -9024,7 +9060,7 @@
           <p:cNvPr id="16" name="Gerader Verbinder 15">
             <a:extLst>
               <a:ext uri="{FF2B5EF4-FFF2-40B4-BE49-F238E27FC236}">
-                <a16:creationId xmlns:a16="http://schemas.microsoft.com/office/drawing/2014/main" id="{7B0B9D97-7037-A982-6BB7-EA6242CC15F7}"/>
+                <a16:creationId xmlns:a16="http://schemas.microsoft.com/office/drawing/2014/main" id="{F6323BB4-C70A-DEC1-D832-C7D4F880668D}"/>
               </a:ext>
             </a:extLst>
           </p:cNvPr>
@@ -9035,7 +9071,7 @@
         </p:nvCxnSpPr>
         <p:spPr>
           <a:xfrm>
-            <a:off x="-33340" y="6388638"/>
+            <a:off x="-33340" y="6379760"/>
             <a:ext cx="12258675" cy="0"/>
           </a:xfrm>
           <a:prstGeom prst="line">
@@ -9062,7 +9098,7 @@
           <p:cNvPr id="20" name="Datumsplatzhalter 3">
             <a:extLst>
               <a:ext uri="{FF2B5EF4-FFF2-40B4-BE49-F238E27FC236}">
-                <a16:creationId xmlns:a16="http://schemas.microsoft.com/office/drawing/2014/main" id="{0DA24111-525C-027B-7D7C-B69140C01CE2}"/>
+                <a16:creationId xmlns:a16="http://schemas.microsoft.com/office/drawing/2014/main" id="{987D0A12-830B-930D-F0CA-79478DB4EE25}"/>
               </a:ext>
             </a:extLst>
           </p:cNvPr>
@@ -9095,7 +9131,7 @@
           <p:cNvPr id="22" name="Foliennummernplatzhalter 21">
             <a:extLst>
               <a:ext uri="{FF2B5EF4-FFF2-40B4-BE49-F238E27FC236}">
-                <a16:creationId xmlns:a16="http://schemas.microsoft.com/office/drawing/2014/main" id="{B4DB84F1-6A53-DBB6-AB9A-C4A924F8F291}"/>
+                <a16:creationId xmlns:a16="http://schemas.microsoft.com/office/drawing/2014/main" id="{3DB9D43D-40F6-5AA9-7F9A-2B3294A4791C}"/>
               </a:ext>
             </a:extLst>
           </p:cNvPr>
@@ -9118,51 +9154,15 @@
           <a:p>
             <a:r>
               <a:rPr lang="de-AT" sz="2000" dirty="0"/>
-              <a:t>2/5</a:t>
-            </a:r>
-          </a:p>
-        </p:txBody>
-      </p:sp>
-      <p:pic>
-        <p:nvPicPr>
-          <p:cNvPr id="8" name="Grafik 7" descr="Ein Bild, das Text, Diagramm, Schrift, Reihe enthält.&#10;&#10;Automatisch generierte Beschreibung">
-            <a:extLst>
-              <a:ext uri="{FF2B5EF4-FFF2-40B4-BE49-F238E27FC236}">
-                <a16:creationId xmlns:a16="http://schemas.microsoft.com/office/drawing/2014/main" id="{ABA3B0EF-9212-6E24-233C-A460B7E5F23A}"/>
-              </a:ext>
-            </a:extLst>
-          </p:cNvPr>
-          <p:cNvPicPr>
-            <a:picLocks noChangeAspect="1"/>
-          </p:cNvPicPr>
-          <p:nvPr/>
-        </p:nvPicPr>
-        <p:blipFill>
-          <a:blip r:embed="rId3">
-            <a:extLst>
-              <a:ext uri="{28A0092B-C50C-407E-A947-70E740481C1C}">
-                <a14:useLocalDpi xmlns:a14="http://schemas.microsoft.com/office/drawing/2010/main" val="0"/>
-              </a:ext>
-            </a:extLst>
-          </a:blip>
-          <a:stretch>
-            <a:fillRect/>
-          </a:stretch>
-        </p:blipFill>
-        <p:spPr>
-          <a:xfrm>
-            <a:off x="3035706" y="2538816"/>
-            <a:ext cx="6120582" cy="3557364"/>
-          </a:xfrm>
-          <a:prstGeom prst="rect">
-            <a:avLst/>
-          </a:prstGeom>
-        </p:spPr>
-      </p:pic>
+              <a:t>4/5</a:t>
+            </a:r>
+          </a:p>
+        </p:txBody>
+      </p:sp>
     </p:spTree>
     <p:extLst>
       <p:ext uri="{BB962C8B-B14F-4D97-AF65-F5344CB8AC3E}">
-        <p14:creationId xmlns:p14="http://schemas.microsoft.com/office/powerpoint/2010/main" val="2997998359"/>
+        <p14:creationId xmlns:p14="http://schemas.microsoft.com/office/powerpoint/2010/main" val="2417370953"/>
       </p:ext>
     </p:extLst>
   </p:cSld>

--- a/Praesentation0802.pptx
+++ b/Praesentation0802.pptx
@@ -5,7 +5,7 @@
     <p:sldMasterId id="2147483648" r:id="rId1"/>
   </p:sldMasterIdLst>
   <p:notesMasterIdLst>
-    <p:notesMasterId r:id="rId10"/>
+    <p:notesMasterId r:id="rId15"/>
   </p:notesMasterIdLst>
   <p:sldIdLst>
     <p:sldId id="256" r:id="rId2"/>
@@ -14,8 +14,13 @@
     <p:sldId id="267" r:id="rId5"/>
     <p:sldId id="271" r:id="rId6"/>
     <p:sldId id="272" r:id="rId7"/>
-    <p:sldId id="276" r:id="rId8"/>
-    <p:sldId id="275" r:id="rId9"/>
+    <p:sldId id="279" r:id="rId8"/>
+    <p:sldId id="280" r:id="rId9"/>
+    <p:sldId id="281" r:id="rId10"/>
+    <p:sldId id="282" r:id="rId11"/>
+    <p:sldId id="283" r:id="rId12"/>
+    <p:sldId id="276" r:id="rId13"/>
+    <p:sldId id="275" r:id="rId14"/>
   </p:sldIdLst>
   <p:sldSz cx="12192000" cy="6858000"/>
   <p:notesSz cx="6858000" cy="9144000"/>
@@ -4368,7 +4373,7 @@
           <a:p>
             <a:r>
               <a:rPr lang="de-AT" sz="2000" dirty="0"/>
-              <a:t>19.12.2023</a:t>
+              <a:t>09.02.2024</a:t>
             </a:r>
           </a:p>
         </p:txBody>
@@ -4383,6 +4388,2520 @@
   <p:clrMapOvr>
     <a:masterClrMapping/>
   </p:clrMapOvr>
+</p:sld>
+</file>
+
+<file path=ppt/slides/slide10.xml><?xml version="1.0" encoding="utf-8"?>
+<p:sld xmlns:a="http://schemas.openxmlformats.org/drawingml/2006/main" xmlns:r="http://schemas.openxmlformats.org/officeDocument/2006/relationships" xmlns:p="http://schemas.openxmlformats.org/presentationml/2006/main">
+  <p:cSld>
+    <p:spTree>
+      <p:nvGrpSpPr>
+        <p:cNvPr id="1" name="">
+          <a:extLst>
+            <a:ext uri="{FF2B5EF4-FFF2-40B4-BE49-F238E27FC236}">
+              <a16:creationId xmlns:a16="http://schemas.microsoft.com/office/drawing/2014/main" id="{E57A0D54-737E-1036-0237-DA547E83161A}"/>
+            </a:ext>
+          </a:extLst>
+        </p:cNvPr>
+        <p:cNvGrpSpPr/>
+        <p:nvPr/>
+      </p:nvGrpSpPr>
+      <p:grpSpPr>
+        <a:xfrm>
+          <a:off x="0" y="0"/>
+          <a:ext cx="0" cy="0"/>
+          <a:chOff x="0" y="0"/>
+          <a:chExt cx="0" cy="0"/>
+        </a:xfrm>
+      </p:grpSpPr>
+      <p:sp>
+        <p:nvSpPr>
+          <p:cNvPr id="2" name="Titel 1">
+            <a:extLst>
+              <a:ext uri="{FF2B5EF4-FFF2-40B4-BE49-F238E27FC236}">
+                <a16:creationId xmlns:a16="http://schemas.microsoft.com/office/drawing/2014/main" id="{BCDA746D-3464-AA35-72F3-A2DCEFEC2C28}"/>
+              </a:ext>
+            </a:extLst>
+          </p:cNvPr>
+          <p:cNvSpPr>
+            <a:spLocks noGrp="1"/>
+          </p:cNvSpPr>
+          <p:nvPr>
+            <p:ph type="ctrTitle"/>
+          </p:nvPr>
+        </p:nvSpPr>
+        <p:spPr>
+          <a:xfrm>
+            <a:off x="4051783" y="1591857"/>
+            <a:ext cx="4088428" cy="1240035"/>
+          </a:xfrm>
+        </p:spPr>
+        <p:txBody>
+          <a:bodyPr>
+            <a:normAutofit fontScale="90000"/>
+          </a:bodyPr>
+          <a:lstStyle/>
+          <a:p>
+            <a:pPr algn="l">
+              <a:lnSpc>
+                <a:spcPct val="150000"/>
+              </a:lnSpc>
+            </a:pPr>
+            <a:r>
+              <a:rPr lang="de-DE" sz="4800" spc="-150" dirty="0" err="1">
+                <a:solidFill>
+                  <a:schemeClr val="accent5">
+                    <a:lumMod val="75000"/>
+                  </a:schemeClr>
+                </a:solidFill>
+              </a:rPr>
+              <a:t>ColorStateService</a:t>
+            </a:r>
+            <a:br>
+              <a:rPr lang="de-DE" sz="4800" spc="-150" dirty="0">
+                <a:solidFill>
+                  <a:schemeClr val="accent5">
+                    <a:lumMod val="75000"/>
+                  </a:schemeClr>
+                </a:solidFill>
+              </a:rPr>
+            </a:br>
+            <a:endParaRPr lang="de-AT" sz="4800" spc="-150" dirty="0"/>
+          </a:p>
+        </p:txBody>
+      </p:sp>
+      <p:sp>
+        <p:nvSpPr>
+          <p:cNvPr id="3" name="Untertitel 2">
+            <a:extLst>
+              <a:ext uri="{FF2B5EF4-FFF2-40B4-BE49-F238E27FC236}">
+                <a16:creationId xmlns:a16="http://schemas.microsoft.com/office/drawing/2014/main" id="{58AE71EC-CA5E-2445-9AF4-032DB5F13A78}"/>
+              </a:ext>
+            </a:extLst>
+          </p:cNvPr>
+          <p:cNvSpPr>
+            <a:spLocks noGrp="1"/>
+          </p:cNvSpPr>
+          <p:nvPr>
+            <p:ph type="subTitle" idx="1"/>
+          </p:nvPr>
+        </p:nvSpPr>
+        <p:spPr>
+          <a:xfrm>
+            <a:off x="492625" y="148264"/>
+            <a:ext cx="2062749" cy="920543"/>
+          </a:xfrm>
+        </p:spPr>
+        <p:txBody>
+          <a:bodyPr>
+            <a:normAutofit fontScale="85000" lnSpcReduction="20000"/>
+          </a:bodyPr>
+          <a:lstStyle/>
+          <a:p>
+            <a:r>
+              <a:rPr lang="de-DE" sz="2000" dirty="0"/>
+              <a:t>HTL Saalfelden</a:t>
+            </a:r>
+          </a:p>
+          <a:p>
+            <a:r>
+              <a:rPr lang="de-DE" sz="2000" dirty="0"/>
+              <a:t>Abteilung Informatik</a:t>
+            </a:r>
+          </a:p>
+          <a:p>
+            <a:r>
+              <a:rPr lang="de-DE" sz="2000" dirty="0"/>
+              <a:t>5. AHINF – 2023/24</a:t>
+            </a:r>
+            <a:endParaRPr lang="de-AT" sz="2000" dirty="0"/>
+          </a:p>
+        </p:txBody>
+      </p:sp>
+      <p:pic>
+        <p:nvPicPr>
+          <p:cNvPr id="1026" name="Picture 2" descr="Schnuppertag: Bautechnik an der HTL Saalfelden">
+            <a:extLst>
+              <a:ext uri="{FF2B5EF4-FFF2-40B4-BE49-F238E27FC236}">
+                <a16:creationId xmlns:a16="http://schemas.microsoft.com/office/drawing/2014/main" id="{32D0FB20-7301-2521-BBBE-C795287BCA3A}"/>
+              </a:ext>
+            </a:extLst>
+          </p:cNvPr>
+          <p:cNvPicPr>
+            <a:picLocks noChangeAspect="1" noChangeArrowheads="1"/>
+          </p:cNvPicPr>
+          <p:nvPr/>
+        </p:nvPicPr>
+        <p:blipFill>
+          <a:blip r:embed="rId2">
+            <a:extLst>
+              <a:ext uri="{28A0092B-C50C-407E-A947-70E740481C1C}">
+                <a14:useLocalDpi xmlns:a14="http://schemas.microsoft.com/office/drawing/2010/main" val="0"/>
+              </a:ext>
+            </a:extLst>
+          </a:blip>
+          <a:srcRect/>
+          <a:stretch>
+            <a:fillRect/>
+          </a:stretch>
+        </p:blipFill>
+        <p:spPr bwMode="auto">
+          <a:xfrm>
+            <a:off x="11116200" y="61624"/>
+            <a:ext cx="943806" cy="1045178"/>
+          </a:xfrm>
+          <a:prstGeom prst="rect">
+            <a:avLst/>
+          </a:prstGeom>
+          <a:noFill/>
+          <a:extLst>
+            <a:ext uri="{909E8E84-426E-40DD-AFC4-6F175D3DCCD1}">
+              <a14:hiddenFill xmlns:a14="http://schemas.microsoft.com/office/drawing/2010/main">
+                <a:solidFill>
+                  <a:srgbClr val="FFFFFF"/>
+                </a:solidFill>
+              </a14:hiddenFill>
+            </a:ext>
+          </a:extLst>
+        </p:spPr>
+      </p:pic>
+      <p:sp>
+        <p:nvSpPr>
+          <p:cNvPr id="5" name="Untertitel 2">
+            <a:extLst>
+              <a:ext uri="{FF2B5EF4-FFF2-40B4-BE49-F238E27FC236}">
+                <a16:creationId xmlns:a16="http://schemas.microsoft.com/office/drawing/2014/main" id="{36A36A7F-8606-9828-98DA-CC159491DA18}"/>
+              </a:ext>
+            </a:extLst>
+          </p:cNvPr>
+          <p:cNvSpPr txBox="1">
+            <a:spLocks/>
+          </p:cNvSpPr>
+          <p:nvPr/>
+        </p:nvSpPr>
+        <p:spPr>
+          <a:xfrm>
+            <a:off x="9268679" y="186505"/>
+            <a:ext cx="1407342" cy="844062"/>
+          </a:xfrm>
+          <a:prstGeom prst="rect">
+            <a:avLst/>
+          </a:prstGeom>
+        </p:spPr>
+        <p:txBody>
+          <a:bodyPr vert="horz" lIns="91440" tIns="45720" rIns="91440" bIns="45720" rtlCol="0">
+            <a:normAutofit/>
+          </a:bodyPr>
+          <a:lstStyle>
+            <a:lvl1pPr marL="0" indent="0" algn="ctr" defTabSz="914400" rtl="0" eaLnBrk="1" latinLnBrk="0" hangingPunct="1">
+              <a:lnSpc>
+                <a:spcPct val="90000"/>
+              </a:lnSpc>
+              <a:spcBef>
+                <a:spcPts val="1000"/>
+              </a:spcBef>
+              <a:buFont typeface="Arial" panose="020B0604020202020204" pitchFamily="34" charset="0"/>
+              <a:buNone/>
+              <a:defRPr sz="2400" kern="1200">
+                <a:solidFill>
+                  <a:schemeClr val="tx1"/>
+                </a:solidFill>
+                <a:latin typeface="+mn-lt"/>
+                <a:ea typeface="+mn-ea"/>
+                <a:cs typeface="+mn-cs"/>
+              </a:defRPr>
+            </a:lvl1pPr>
+            <a:lvl2pPr marL="457200" indent="0" algn="ctr" defTabSz="914400" rtl="0" eaLnBrk="1" latinLnBrk="0" hangingPunct="1">
+              <a:lnSpc>
+                <a:spcPct val="90000"/>
+              </a:lnSpc>
+              <a:spcBef>
+                <a:spcPts val="500"/>
+              </a:spcBef>
+              <a:buFont typeface="Arial" panose="020B0604020202020204" pitchFamily="34" charset="0"/>
+              <a:buNone/>
+              <a:defRPr sz="2000" kern="1200">
+                <a:solidFill>
+                  <a:schemeClr val="tx1"/>
+                </a:solidFill>
+                <a:latin typeface="+mn-lt"/>
+                <a:ea typeface="+mn-ea"/>
+                <a:cs typeface="+mn-cs"/>
+              </a:defRPr>
+            </a:lvl2pPr>
+            <a:lvl3pPr marL="914400" indent="0" algn="ctr" defTabSz="914400" rtl="0" eaLnBrk="1" latinLnBrk="0" hangingPunct="1">
+              <a:lnSpc>
+                <a:spcPct val="90000"/>
+              </a:lnSpc>
+              <a:spcBef>
+                <a:spcPts val="500"/>
+              </a:spcBef>
+              <a:buFont typeface="Arial" panose="020B0604020202020204" pitchFamily="34" charset="0"/>
+              <a:buNone/>
+              <a:defRPr sz="1800" kern="1200">
+                <a:solidFill>
+                  <a:schemeClr val="tx1"/>
+                </a:solidFill>
+                <a:latin typeface="+mn-lt"/>
+                <a:ea typeface="+mn-ea"/>
+                <a:cs typeface="+mn-cs"/>
+              </a:defRPr>
+            </a:lvl3pPr>
+            <a:lvl4pPr marL="1371600" indent="0" algn="ctr" defTabSz="914400" rtl="0" eaLnBrk="1" latinLnBrk="0" hangingPunct="1">
+              <a:lnSpc>
+                <a:spcPct val="90000"/>
+              </a:lnSpc>
+              <a:spcBef>
+                <a:spcPts val="500"/>
+              </a:spcBef>
+              <a:buFont typeface="Arial" panose="020B0604020202020204" pitchFamily="34" charset="0"/>
+              <a:buNone/>
+              <a:defRPr sz="1600" kern="1200">
+                <a:solidFill>
+                  <a:schemeClr val="tx1"/>
+                </a:solidFill>
+                <a:latin typeface="+mn-lt"/>
+                <a:ea typeface="+mn-ea"/>
+                <a:cs typeface="+mn-cs"/>
+              </a:defRPr>
+            </a:lvl4pPr>
+            <a:lvl5pPr marL="1828800" indent="0" algn="ctr" defTabSz="914400" rtl="0" eaLnBrk="1" latinLnBrk="0" hangingPunct="1">
+              <a:lnSpc>
+                <a:spcPct val="90000"/>
+              </a:lnSpc>
+              <a:spcBef>
+                <a:spcPts val="500"/>
+              </a:spcBef>
+              <a:buFont typeface="Arial" panose="020B0604020202020204" pitchFamily="34" charset="0"/>
+              <a:buNone/>
+              <a:defRPr sz="1600" kern="1200">
+                <a:solidFill>
+                  <a:schemeClr val="tx1"/>
+                </a:solidFill>
+                <a:latin typeface="+mn-lt"/>
+                <a:ea typeface="+mn-ea"/>
+                <a:cs typeface="+mn-cs"/>
+              </a:defRPr>
+            </a:lvl5pPr>
+            <a:lvl6pPr marL="2286000" indent="0" algn="ctr" defTabSz="914400" rtl="0" eaLnBrk="1" latinLnBrk="0" hangingPunct="1">
+              <a:lnSpc>
+                <a:spcPct val="90000"/>
+              </a:lnSpc>
+              <a:spcBef>
+                <a:spcPts val="500"/>
+              </a:spcBef>
+              <a:buFont typeface="Arial" panose="020B0604020202020204" pitchFamily="34" charset="0"/>
+              <a:buNone/>
+              <a:defRPr sz="1600" kern="1200">
+                <a:solidFill>
+                  <a:schemeClr val="tx1"/>
+                </a:solidFill>
+                <a:latin typeface="+mn-lt"/>
+                <a:ea typeface="+mn-ea"/>
+                <a:cs typeface="+mn-cs"/>
+              </a:defRPr>
+            </a:lvl6pPr>
+            <a:lvl7pPr marL="2743200" indent="0" algn="ctr" defTabSz="914400" rtl="0" eaLnBrk="1" latinLnBrk="0" hangingPunct="1">
+              <a:lnSpc>
+                <a:spcPct val="90000"/>
+              </a:lnSpc>
+              <a:spcBef>
+                <a:spcPts val="500"/>
+              </a:spcBef>
+              <a:buFont typeface="Arial" panose="020B0604020202020204" pitchFamily="34" charset="0"/>
+              <a:buNone/>
+              <a:defRPr sz="1600" kern="1200">
+                <a:solidFill>
+                  <a:schemeClr val="tx1"/>
+                </a:solidFill>
+                <a:latin typeface="+mn-lt"/>
+                <a:ea typeface="+mn-ea"/>
+                <a:cs typeface="+mn-cs"/>
+              </a:defRPr>
+            </a:lvl7pPr>
+            <a:lvl8pPr marL="3200400" indent="0" algn="ctr" defTabSz="914400" rtl="0" eaLnBrk="1" latinLnBrk="0" hangingPunct="1">
+              <a:lnSpc>
+                <a:spcPct val="90000"/>
+              </a:lnSpc>
+              <a:spcBef>
+                <a:spcPts val="500"/>
+              </a:spcBef>
+              <a:buFont typeface="Arial" panose="020B0604020202020204" pitchFamily="34" charset="0"/>
+              <a:buNone/>
+              <a:defRPr sz="1600" kern="1200">
+                <a:solidFill>
+                  <a:schemeClr val="tx1"/>
+                </a:solidFill>
+                <a:latin typeface="+mn-lt"/>
+                <a:ea typeface="+mn-ea"/>
+                <a:cs typeface="+mn-cs"/>
+              </a:defRPr>
+            </a:lvl8pPr>
+            <a:lvl9pPr marL="3657600" indent="0" algn="ctr" defTabSz="914400" rtl="0" eaLnBrk="1" latinLnBrk="0" hangingPunct="1">
+              <a:lnSpc>
+                <a:spcPct val="90000"/>
+              </a:lnSpc>
+              <a:spcBef>
+                <a:spcPts val="500"/>
+              </a:spcBef>
+              <a:buFont typeface="Arial" panose="020B0604020202020204" pitchFamily="34" charset="0"/>
+              <a:buNone/>
+              <a:defRPr sz="1600" kern="1200">
+                <a:solidFill>
+                  <a:schemeClr val="tx1"/>
+                </a:solidFill>
+                <a:latin typeface="+mn-lt"/>
+                <a:ea typeface="+mn-ea"/>
+                <a:cs typeface="+mn-cs"/>
+              </a:defRPr>
+            </a:lvl9pPr>
+          </a:lstStyle>
+          <a:p>
+            <a:pPr algn="r"/>
+            <a:r>
+              <a:rPr lang="de-DE" sz="2000" dirty="0"/>
+              <a:t>Davare</a:t>
+            </a:r>
+          </a:p>
+          <a:p>
+            <a:pPr algn="r"/>
+            <a:r>
+              <a:rPr lang="de-DE" sz="2000" dirty="0"/>
+              <a:t>Hagenhofer</a:t>
+            </a:r>
+            <a:endParaRPr lang="de-AT" sz="2000" dirty="0"/>
+          </a:p>
+        </p:txBody>
+      </p:sp>
+      <p:cxnSp>
+        <p:nvCxnSpPr>
+          <p:cNvPr id="7" name="Gerader Verbinder 6">
+            <a:extLst>
+              <a:ext uri="{FF2B5EF4-FFF2-40B4-BE49-F238E27FC236}">
+                <a16:creationId xmlns:a16="http://schemas.microsoft.com/office/drawing/2014/main" id="{6BE4C03E-B567-CBEB-0172-4507667B84C2}"/>
+              </a:ext>
+            </a:extLst>
+          </p:cNvPr>
+          <p:cNvCxnSpPr>
+            <a:cxnSpLocks/>
+          </p:cNvCxnSpPr>
+          <p:nvPr/>
+        </p:nvCxnSpPr>
+        <p:spPr>
+          <a:xfrm>
+            <a:off x="-66675" y="1142200"/>
+            <a:ext cx="12258675" cy="0"/>
+          </a:xfrm>
+          <a:prstGeom prst="line">
+            <a:avLst/>
+          </a:prstGeom>
+        </p:spPr>
+        <p:style>
+          <a:lnRef idx="1">
+            <a:schemeClr val="dk1"/>
+          </a:lnRef>
+          <a:fillRef idx="0">
+            <a:schemeClr val="dk1"/>
+          </a:fillRef>
+          <a:effectRef idx="0">
+            <a:schemeClr val="dk1"/>
+          </a:effectRef>
+          <a:fontRef idx="minor">
+            <a:schemeClr val="tx1"/>
+          </a:fontRef>
+        </p:style>
+      </p:cxnSp>
+      <p:cxnSp>
+        <p:nvCxnSpPr>
+          <p:cNvPr id="16" name="Gerader Verbinder 15">
+            <a:extLst>
+              <a:ext uri="{FF2B5EF4-FFF2-40B4-BE49-F238E27FC236}">
+                <a16:creationId xmlns:a16="http://schemas.microsoft.com/office/drawing/2014/main" id="{876E3049-7C1A-8B9C-D9E8-C487FEAE8BDC}"/>
+              </a:ext>
+            </a:extLst>
+          </p:cNvPr>
+          <p:cNvCxnSpPr>
+            <a:cxnSpLocks/>
+          </p:cNvCxnSpPr>
+          <p:nvPr/>
+        </p:nvCxnSpPr>
+        <p:spPr>
+          <a:xfrm>
+            <a:off x="-33340" y="6388638"/>
+            <a:ext cx="12258675" cy="0"/>
+          </a:xfrm>
+          <a:prstGeom prst="line">
+            <a:avLst/>
+          </a:prstGeom>
+        </p:spPr>
+        <p:style>
+          <a:lnRef idx="1">
+            <a:schemeClr val="dk1"/>
+          </a:lnRef>
+          <a:fillRef idx="0">
+            <a:schemeClr val="dk1"/>
+          </a:fillRef>
+          <a:effectRef idx="0">
+            <a:schemeClr val="dk1"/>
+          </a:effectRef>
+          <a:fontRef idx="minor">
+            <a:schemeClr val="tx1"/>
+          </a:fontRef>
+        </p:style>
+      </p:cxnSp>
+      <p:sp>
+        <p:nvSpPr>
+          <p:cNvPr id="20" name="Datumsplatzhalter 3">
+            <a:extLst>
+              <a:ext uri="{FF2B5EF4-FFF2-40B4-BE49-F238E27FC236}">
+                <a16:creationId xmlns:a16="http://schemas.microsoft.com/office/drawing/2014/main" id="{671C78F9-1F75-E796-E7F5-78E970C5435F}"/>
+              </a:ext>
+            </a:extLst>
+          </p:cNvPr>
+          <p:cNvSpPr>
+            <a:spLocks noGrp="1"/>
+          </p:cNvSpPr>
+          <p:nvPr>
+            <p:ph type="dt" sz="half" idx="10"/>
+          </p:nvPr>
+        </p:nvSpPr>
+        <p:spPr>
+          <a:xfrm>
+            <a:off x="838200" y="6567222"/>
+            <a:ext cx="2743200" cy="208546"/>
+          </a:xfrm>
+        </p:spPr>
+        <p:txBody>
+          <a:bodyPr/>
+          <a:lstStyle/>
+          <a:p>
+            <a:r>
+              <a:rPr lang="de-AT" sz="2000" dirty="0"/>
+              <a:t>09.02.2024</a:t>
+            </a:r>
+          </a:p>
+        </p:txBody>
+      </p:sp>
+      <p:sp>
+        <p:nvSpPr>
+          <p:cNvPr id="22" name="Foliennummernplatzhalter 21">
+            <a:extLst>
+              <a:ext uri="{FF2B5EF4-FFF2-40B4-BE49-F238E27FC236}">
+                <a16:creationId xmlns:a16="http://schemas.microsoft.com/office/drawing/2014/main" id="{DB91C733-C822-0647-F65A-6AEB58B052CD}"/>
+              </a:ext>
+            </a:extLst>
+          </p:cNvPr>
+          <p:cNvSpPr>
+            <a:spLocks noGrp="1"/>
+          </p:cNvSpPr>
+          <p:nvPr>
+            <p:ph type="sldNum" sz="quarter" idx="12"/>
+          </p:nvPr>
+        </p:nvSpPr>
+        <p:spPr>
+          <a:xfrm>
+            <a:off x="8610600" y="6594368"/>
+            <a:ext cx="2743200" cy="154253"/>
+          </a:xfrm>
+        </p:spPr>
+        <p:txBody>
+          <a:bodyPr/>
+          <a:lstStyle/>
+          <a:p>
+            <a:r>
+              <a:rPr lang="de-AT" sz="2000" dirty="0"/>
+              <a:t>2/5</a:t>
+            </a:r>
+          </a:p>
+        </p:txBody>
+      </p:sp>
+      <p:pic>
+        <p:nvPicPr>
+          <p:cNvPr id="12" name="Grafik 11">
+            <a:extLst>
+              <a:ext uri="{FF2B5EF4-FFF2-40B4-BE49-F238E27FC236}">
+                <a16:creationId xmlns:a16="http://schemas.microsoft.com/office/drawing/2014/main" id="{09BED6F0-154A-4E09-761C-B0E911B976F4}"/>
+              </a:ext>
+            </a:extLst>
+          </p:cNvPr>
+          <p:cNvPicPr>
+            <a:picLocks noChangeAspect="1"/>
+          </p:cNvPicPr>
+          <p:nvPr/>
+        </p:nvPicPr>
+        <p:blipFill>
+          <a:blip r:embed="rId3"/>
+          <a:stretch>
+            <a:fillRect/>
+          </a:stretch>
+        </p:blipFill>
+        <p:spPr>
+          <a:xfrm>
+            <a:off x="1449448" y="2132351"/>
+            <a:ext cx="9293103" cy="2813276"/>
+          </a:xfrm>
+          <a:prstGeom prst="rect">
+            <a:avLst/>
+          </a:prstGeom>
+        </p:spPr>
+      </p:pic>
+      <p:pic>
+        <p:nvPicPr>
+          <p:cNvPr id="15" name="Grafik 14">
+            <a:extLst>
+              <a:ext uri="{FF2B5EF4-FFF2-40B4-BE49-F238E27FC236}">
+                <a16:creationId xmlns:a16="http://schemas.microsoft.com/office/drawing/2014/main" id="{DCA67CEC-53D7-293C-5988-6CD3B8DA7CE3}"/>
+              </a:ext>
+            </a:extLst>
+          </p:cNvPr>
+          <p:cNvPicPr>
+            <a:picLocks noChangeAspect="1"/>
+          </p:cNvPicPr>
+          <p:nvPr/>
+        </p:nvPicPr>
+        <p:blipFill>
+          <a:blip r:embed="rId4"/>
+          <a:stretch>
+            <a:fillRect/>
+          </a:stretch>
+        </p:blipFill>
+        <p:spPr>
+          <a:xfrm>
+            <a:off x="1123949" y="2047508"/>
+            <a:ext cx="9877425" cy="3114675"/>
+          </a:xfrm>
+          <a:prstGeom prst="rect">
+            <a:avLst/>
+          </a:prstGeom>
+        </p:spPr>
+      </p:pic>
+    </p:spTree>
+    <p:extLst>
+      <p:ext uri="{BB962C8B-B14F-4D97-AF65-F5344CB8AC3E}">
+        <p14:creationId xmlns:p14="http://schemas.microsoft.com/office/powerpoint/2010/main" val="1548133269"/>
+      </p:ext>
+    </p:extLst>
+  </p:cSld>
+  <p:clrMapOvr>
+    <a:masterClrMapping/>
+  </p:clrMapOvr>
+  <p:timing>
+    <p:tnLst>
+      <p:par>
+        <p:cTn id="1" dur="indefinite" restart="never" nodeType="tmRoot">
+          <p:childTnLst>
+            <p:seq concurrent="1" nextAc="seek">
+              <p:cTn id="2" dur="indefinite" nodeType="mainSeq">
+                <p:childTnLst>
+                  <p:par>
+                    <p:cTn id="3" fill="hold">
+                      <p:stCondLst>
+                        <p:cond delay="indefinite"/>
+                      </p:stCondLst>
+                      <p:childTnLst>
+                        <p:par>
+                          <p:cTn id="4" fill="hold">
+                            <p:stCondLst>
+                              <p:cond delay="0"/>
+                            </p:stCondLst>
+                            <p:childTnLst>
+                              <p:par>
+                                <p:cTn id="5" presetID="1" presetClass="entr" presetSubtype="0" fill="hold" nodeType="clickEffect">
+                                  <p:stCondLst>
+                                    <p:cond delay="0"/>
+                                  </p:stCondLst>
+                                  <p:childTnLst>
+                                    <p:set>
+                                      <p:cBhvr>
+                                        <p:cTn id="6" dur="1" fill="hold">
+                                          <p:stCondLst>
+                                            <p:cond delay="0"/>
+                                          </p:stCondLst>
+                                        </p:cTn>
+                                        <p:tgtEl>
+                                          <p:spTgt spid="15"/>
+                                        </p:tgtEl>
+                                        <p:attrNameLst>
+                                          <p:attrName>style.visibility</p:attrName>
+                                        </p:attrNameLst>
+                                      </p:cBhvr>
+                                      <p:to>
+                                        <p:strVal val="visible"/>
+                                      </p:to>
+                                    </p:set>
+                                  </p:childTnLst>
+                                </p:cTn>
+                              </p:par>
+                            </p:childTnLst>
+                          </p:cTn>
+                        </p:par>
+                      </p:childTnLst>
+                    </p:cTn>
+                  </p:par>
+                </p:childTnLst>
+              </p:cTn>
+              <p:prevCondLst>
+                <p:cond evt="onPrev" delay="0">
+                  <p:tgtEl>
+                    <p:sldTgt/>
+                  </p:tgtEl>
+                </p:cond>
+              </p:prevCondLst>
+              <p:nextCondLst>
+                <p:cond evt="onNext" delay="0">
+                  <p:tgtEl>
+                    <p:sldTgt/>
+                  </p:tgtEl>
+                </p:cond>
+              </p:nextCondLst>
+            </p:seq>
+          </p:childTnLst>
+        </p:cTn>
+      </p:par>
+    </p:tnLst>
+  </p:timing>
+</p:sld>
+</file>
+
+<file path=ppt/slides/slide11.xml><?xml version="1.0" encoding="utf-8"?>
+<p:sld xmlns:a="http://schemas.openxmlformats.org/drawingml/2006/main" xmlns:r="http://schemas.openxmlformats.org/officeDocument/2006/relationships" xmlns:p="http://schemas.openxmlformats.org/presentationml/2006/main">
+  <p:cSld>
+    <p:spTree>
+      <p:nvGrpSpPr>
+        <p:cNvPr id="1" name="">
+          <a:extLst>
+            <a:ext uri="{FF2B5EF4-FFF2-40B4-BE49-F238E27FC236}">
+              <a16:creationId xmlns:a16="http://schemas.microsoft.com/office/drawing/2014/main" id="{A965D232-ECE6-81F8-5308-304824818946}"/>
+            </a:ext>
+          </a:extLst>
+        </p:cNvPr>
+        <p:cNvGrpSpPr/>
+        <p:nvPr/>
+      </p:nvGrpSpPr>
+      <p:grpSpPr>
+        <a:xfrm>
+          <a:off x="0" y="0"/>
+          <a:ext cx="0" cy="0"/>
+          <a:chOff x="0" y="0"/>
+          <a:chExt cx="0" cy="0"/>
+        </a:xfrm>
+      </p:grpSpPr>
+      <p:sp>
+        <p:nvSpPr>
+          <p:cNvPr id="2" name="Titel 1">
+            <a:extLst>
+              <a:ext uri="{FF2B5EF4-FFF2-40B4-BE49-F238E27FC236}">
+                <a16:creationId xmlns:a16="http://schemas.microsoft.com/office/drawing/2014/main" id="{FED2E151-97F8-1F79-618F-BDC09777E746}"/>
+              </a:ext>
+            </a:extLst>
+          </p:cNvPr>
+          <p:cNvSpPr>
+            <a:spLocks noGrp="1"/>
+          </p:cNvSpPr>
+          <p:nvPr>
+            <p:ph type="ctrTitle"/>
+          </p:nvPr>
+        </p:nvSpPr>
+        <p:spPr>
+          <a:xfrm>
+            <a:off x="4792533" y="1552888"/>
+            <a:ext cx="2606925" cy="1240035"/>
+          </a:xfrm>
+        </p:spPr>
+        <p:txBody>
+          <a:bodyPr>
+            <a:normAutofit fontScale="90000"/>
+          </a:bodyPr>
+          <a:lstStyle/>
+          <a:p>
+            <a:pPr algn="l">
+              <a:lnSpc>
+                <a:spcPct val="150000"/>
+              </a:lnSpc>
+            </a:pPr>
+            <a:r>
+              <a:rPr lang="de-DE" sz="4800" spc="-150" dirty="0" err="1">
+                <a:solidFill>
+                  <a:schemeClr val="accent5">
+                    <a:lumMod val="75000"/>
+                  </a:schemeClr>
+                </a:solidFill>
+              </a:rPr>
+              <a:t>MainLayout</a:t>
+            </a:r>
+            <a:br>
+              <a:rPr lang="de-DE" sz="4800" spc="-150" dirty="0">
+                <a:solidFill>
+                  <a:schemeClr val="accent5">
+                    <a:lumMod val="75000"/>
+                  </a:schemeClr>
+                </a:solidFill>
+              </a:rPr>
+            </a:br>
+            <a:endParaRPr lang="de-AT" sz="4800" spc="-150" dirty="0"/>
+          </a:p>
+        </p:txBody>
+      </p:sp>
+      <p:sp>
+        <p:nvSpPr>
+          <p:cNvPr id="3" name="Untertitel 2">
+            <a:extLst>
+              <a:ext uri="{FF2B5EF4-FFF2-40B4-BE49-F238E27FC236}">
+                <a16:creationId xmlns:a16="http://schemas.microsoft.com/office/drawing/2014/main" id="{4B1E1AF9-7C0D-A4D2-46AE-3943A53C1927}"/>
+              </a:ext>
+            </a:extLst>
+          </p:cNvPr>
+          <p:cNvSpPr>
+            <a:spLocks noGrp="1"/>
+          </p:cNvSpPr>
+          <p:nvPr>
+            <p:ph type="subTitle" idx="1"/>
+          </p:nvPr>
+        </p:nvSpPr>
+        <p:spPr>
+          <a:xfrm>
+            <a:off x="492625" y="148264"/>
+            <a:ext cx="2062749" cy="920543"/>
+          </a:xfrm>
+        </p:spPr>
+        <p:txBody>
+          <a:bodyPr>
+            <a:normAutofit fontScale="85000" lnSpcReduction="20000"/>
+          </a:bodyPr>
+          <a:lstStyle/>
+          <a:p>
+            <a:r>
+              <a:rPr lang="de-DE" sz="2000" dirty="0"/>
+              <a:t>HTL Saalfelden</a:t>
+            </a:r>
+          </a:p>
+          <a:p>
+            <a:r>
+              <a:rPr lang="de-DE" sz="2000" dirty="0"/>
+              <a:t>Abteilung Informatik</a:t>
+            </a:r>
+          </a:p>
+          <a:p>
+            <a:r>
+              <a:rPr lang="de-DE" sz="2000" dirty="0"/>
+              <a:t>5. AHINF – 2023/24</a:t>
+            </a:r>
+            <a:endParaRPr lang="de-AT" sz="2000" dirty="0"/>
+          </a:p>
+        </p:txBody>
+      </p:sp>
+      <p:pic>
+        <p:nvPicPr>
+          <p:cNvPr id="1026" name="Picture 2" descr="Schnuppertag: Bautechnik an der HTL Saalfelden">
+            <a:extLst>
+              <a:ext uri="{FF2B5EF4-FFF2-40B4-BE49-F238E27FC236}">
+                <a16:creationId xmlns:a16="http://schemas.microsoft.com/office/drawing/2014/main" id="{38ABE71F-484B-4073-2345-6CDFC2571A17}"/>
+              </a:ext>
+            </a:extLst>
+          </p:cNvPr>
+          <p:cNvPicPr>
+            <a:picLocks noChangeAspect="1" noChangeArrowheads="1"/>
+          </p:cNvPicPr>
+          <p:nvPr/>
+        </p:nvPicPr>
+        <p:blipFill>
+          <a:blip r:embed="rId2">
+            <a:extLst>
+              <a:ext uri="{28A0092B-C50C-407E-A947-70E740481C1C}">
+                <a14:useLocalDpi xmlns:a14="http://schemas.microsoft.com/office/drawing/2010/main" val="0"/>
+              </a:ext>
+            </a:extLst>
+          </a:blip>
+          <a:srcRect/>
+          <a:stretch>
+            <a:fillRect/>
+          </a:stretch>
+        </p:blipFill>
+        <p:spPr bwMode="auto">
+          <a:xfrm>
+            <a:off x="11116200" y="61624"/>
+            <a:ext cx="943806" cy="1045178"/>
+          </a:xfrm>
+          <a:prstGeom prst="rect">
+            <a:avLst/>
+          </a:prstGeom>
+          <a:noFill/>
+          <a:extLst>
+            <a:ext uri="{909E8E84-426E-40DD-AFC4-6F175D3DCCD1}">
+              <a14:hiddenFill xmlns:a14="http://schemas.microsoft.com/office/drawing/2010/main">
+                <a:solidFill>
+                  <a:srgbClr val="FFFFFF"/>
+                </a:solidFill>
+              </a14:hiddenFill>
+            </a:ext>
+          </a:extLst>
+        </p:spPr>
+      </p:pic>
+      <p:sp>
+        <p:nvSpPr>
+          <p:cNvPr id="5" name="Untertitel 2">
+            <a:extLst>
+              <a:ext uri="{FF2B5EF4-FFF2-40B4-BE49-F238E27FC236}">
+                <a16:creationId xmlns:a16="http://schemas.microsoft.com/office/drawing/2014/main" id="{7CB16306-BAD6-41AC-D1E3-E16A1D4FB459}"/>
+              </a:ext>
+            </a:extLst>
+          </p:cNvPr>
+          <p:cNvSpPr txBox="1">
+            <a:spLocks/>
+          </p:cNvSpPr>
+          <p:nvPr/>
+        </p:nvSpPr>
+        <p:spPr>
+          <a:xfrm>
+            <a:off x="9268679" y="186505"/>
+            <a:ext cx="1407342" cy="844062"/>
+          </a:xfrm>
+          <a:prstGeom prst="rect">
+            <a:avLst/>
+          </a:prstGeom>
+        </p:spPr>
+        <p:txBody>
+          <a:bodyPr vert="horz" lIns="91440" tIns="45720" rIns="91440" bIns="45720" rtlCol="0">
+            <a:normAutofit/>
+          </a:bodyPr>
+          <a:lstStyle>
+            <a:lvl1pPr marL="0" indent="0" algn="ctr" defTabSz="914400" rtl="0" eaLnBrk="1" latinLnBrk="0" hangingPunct="1">
+              <a:lnSpc>
+                <a:spcPct val="90000"/>
+              </a:lnSpc>
+              <a:spcBef>
+                <a:spcPts val="1000"/>
+              </a:spcBef>
+              <a:buFont typeface="Arial" panose="020B0604020202020204" pitchFamily="34" charset="0"/>
+              <a:buNone/>
+              <a:defRPr sz="2400" kern="1200">
+                <a:solidFill>
+                  <a:schemeClr val="tx1"/>
+                </a:solidFill>
+                <a:latin typeface="+mn-lt"/>
+                <a:ea typeface="+mn-ea"/>
+                <a:cs typeface="+mn-cs"/>
+              </a:defRPr>
+            </a:lvl1pPr>
+            <a:lvl2pPr marL="457200" indent="0" algn="ctr" defTabSz="914400" rtl="0" eaLnBrk="1" latinLnBrk="0" hangingPunct="1">
+              <a:lnSpc>
+                <a:spcPct val="90000"/>
+              </a:lnSpc>
+              <a:spcBef>
+                <a:spcPts val="500"/>
+              </a:spcBef>
+              <a:buFont typeface="Arial" panose="020B0604020202020204" pitchFamily="34" charset="0"/>
+              <a:buNone/>
+              <a:defRPr sz="2000" kern="1200">
+                <a:solidFill>
+                  <a:schemeClr val="tx1"/>
+                </a:solidFill>
+                <a:latin typeface="+mn-lt"/>
+                <a:ea typeface="+mn-ea"/>
+                <a:cs typeface="+mn-cs"/>
+              </a:defRPr>
+            </a:lvl2pPr>
+            <a:lvl3pPr marL="914400" indent="0" algn="ctr" defTabSz="914400" rtl="0" eaLnBrk="1" latinLnBrk="0" hangingPunct="1">
+              <a:lnSpc>
+                <a:spcPct val="90000"/>
+              </a:lnSpc>
+              <a:spcBef>
+                <a:spcPts val="500"/>
+              </a:spcBef>
+              <a:buFont typeface="Arial" panose="020B0604020202020204" pitchFamily="34" charset="0"/>
+              <a:buNone/>
+              <a:defRPr sz="1800" kern="1200">
+                <a:solidFill>
+                  <a:schemeClr val="tx1"/>
+                </a:solidFill>
+                <a:latin typeface="+mn-lt"/>
+                <a:ea typeface="+mn-ea"/>
+                <a:cs typeface="+mn-cs"/>
+              </a:defRPr>
+            </a:lvl3pPr>
+            <a:lvl4pPr marL="1371600" indent="0" algn="ctr" defTabSz="914400" rtl="0" eaLnBrk="1" latinLnBrk="0" hangingPunct="1">
+              <a:lnSpc>
+                <a:spcPct val="90000"/>
+              </a:lnSpc>
+              <a:spcBef>
+                <a:spcPts val="500"/>
+              </a:spcBef>
+              <a:buFont typeface="Arial" panose="020B0604020202020204" pitchFamily="34" charset="0"/>
+              <a:buNone/>
+              <a:defRPr sz="1600" kern="1200">
+                <a:solidFill>
+                  <a:schemeClr val="tx1"/>
+                </a:solidFill>
+                <a:latin typeface="+mn-lt"/>
+                <a:ea typeface="+mn-ea"/>
+                <a:cs typeface="+mn-cs"/>
+              </a:defRPr>
+            </a:lvl4pPr>
+            <a:lvl5pPr marL="1828800" indent="0" algn="ctr" defTabSz="914400" rtl="0" eaLnBrk="1" latinLnBrk="0" hangingPunct="1">
+              <a:lnSpc>
+                <a:spcPct val="90000"/>
+              </a:lnSpc>
+              <a:spcBef>
+                <a:spcPts val="500"/>
+              </a:spcBef>
+              <a:buFont typeface="Arial" panose="020B0604020202020204" pitchFamily="34" charset="0"/>
+              <a:buNone/>
+              <a:defRPr sz="1600" kern="1200">
+                <a:solidFill>
+                  <a:schemeClr val="tx1"/>
+                </a:solidFill>
+                <a:latin typeface="+mn-lt"/>
+                <a:ea typeface="+mn-ea"/>
+                <a:cs typeface="+mn-cs"/>
+              </a:defRPr>
+            </a:lvl5pPr>
+            <a:lvl6pPr marL="2286000" indent="0" algn="ctr" defTabSz="914400" rtl="0" eaLnBrk="1" latinLnBrk="0" hangingPunct="1">
+              <a:lnSpc>
+                <a:spcPct val="90000"/>
+              </a:lnSpc>
+              <a:spcBef>
+                <a:spcPts val="500"/>
+              </a:spcBef>
+              <a:buFont typeface="Arial" panose="020B0604020202020204" pitchFamily="34" charset="0"/>
+              <a:buNone/>
+              <a:defRPr sz="1600" kern="1200">
+                <a:solidFill>
+                  <a:schemeClr val="tx1"/>
+                </a:solidFill>
+                <a:latin typeface="+mn-lt"/>
+                <a:ea typeface="+mn-ea"/>
+                <a:cs typeface="+mn-cs"/>
+              </a:defRPr>
+            </a:lvl6pPr>
+            <a:lvl7pPr marL="2743200" indent="0" algn="ctr" defTabSz="914400" rtl="0" eaLnBrk="1" latinLnBrk="0" hangingPunct="1">
+              <a:lnSpc>
+                <a:spcPct val="90000"/>
+              </a:lnSpc>
+              <a:spcBef>
+                <a:spcPts val="500"/>
+              </a:spcBef>
+              <a:buFont typeface="Arial" panose="020B0604020202020204" pitchFamily="34" charset="0"/>
+              <a:buNone/>
+              <a:defRPr sz="1600" kern="1200">
+                <a:solidFill>
+                  <a:schemeClr val="tx1"/>
+                </a:solidFill>
+                <a:latin typeface="+mn-lt"/>
+                <a:ea typeface="+mn-ea"/>
+                <a:cs typeface="+mn-cs"/>
+              </a:defRPr>
+            </a:lvl7pPr>
+            <a:lvl8pPr marL="3200400" indent="0" algn="ctr" defTabSz="914400" rtl="0" eaLnBrk="1" latinLnBrk="0" hangingPunct="1">
+              <a:lnSpc>
+                <a:spcPct val="90000"/>
+              </a:lnSpc>
+              <a:spcBef>
+                <a:spcPts val="500"/>
+              </a:spcBef>
+              <a:buFont typeface="Arial" panose="020B0604020202020204" pitchFamily="34" charset="0"/>
+              <a:buNone/>
+              <a:defRPr sz="1600" kern="1200">
+                <a:solidFill>
+                  <a:schemeClr val="tx1"/>
+                </a:solidFill>
+                <a:latin typeface="+mn-lt"/>
+                <a:ea typeface="+mn-ea"/>
+                <a:cs typeface="+mn-cs"/>
+              </a:defRPr>
+            </a:lvl8pPr>
+            <a:lvl9pPr marL="3657600" indent="0" algn="ctr" defTabSz="914400" rtl="0" eaLnBrk="1" latinLnBrk="0" hangingPunct="1">
+              <a:lnSpc>
+                <a:spcPct val="90000"/>
+              </a:lnSpc>
+              <a:spcBef>
+                <a:spcPts val="500"/>
+              </a:spcBef>
+              <a:buFont typeface="Arial" panose="020B0604020202020204" pitchFamily="34" charset="0"/>
+              <a:buNone/>
+              <a:defRPr sz="1600" kern="1200">
+                <a:solidFill>
+                  <a:schemeClr val="tx1"/>
+                </a:solidFill>
+                <a:latin typeface="+mn-lt"/>
+                <a:ea typeface="+mn-ea"/>
+                <a:cs typeface="+mn-cs"/>
+              </a:defRPr>
+            </a:lvl9pPr>
+          </a:lstStyle>
+          <a:p>
+            <a:pPr algn="r"/>
+            <a:r>
+              <a:rPr lang="de-DE" sz="2000" dirty="0"/>
+              <a:t>Davare</a:t>
+            </a:r>
+          </a:p>
+          <a:p>
+            <a:pPr algn="r"/>
+            <a:r>
+              <a:rPr lang="de-DE" sz="2000" dirty="0"/>
+              <a:t>Hagenhofer</a:t>
+            </a:r>
+            <a:endParaRPr lang="de-AT" sz="2000" dirty="0"/>
+          </a:p>
+        </p:txBody>
+      </p:sp>
+      <p:cxnSp>
+        <p:nvCxnSpPr>
+          <p:cNvPr id="7" name="Gerader Verbinder 6">
+            <a:extLst>
+              <a:ext uri="{FF2B5EF4-FFF2-40B4-BE49-F238E27FC236}">
+                <a16:creationId xmlns:a16="http://schemas.microsoft.com/office/drawing/2014/main" id="{4774E35E-8360-D16C-CFB5-884670A57672}"/>
+              </a:ext>
+            </a:extLst>
+          </p:cNvPr>
+          <p:cNvCxnSpPr>
+            <a:cxnSpLocks/>
+          </p:cNvCxnSpPr>
+          <p:nvPr/>
+        </p:nvCxnSpPr>
+        <p:spPr>
+          <a:xfrm>
+            <a:off x="-66675" y="1142200"/>
+            <a:ext cx="12258675" cy="0"/>
+          </a:xfrm>
+          <a:prstGeom prst="line">
+            <a:avLst/>
+          </a:prstGeom>
+        </p:spPr>
+        <p:style>
+          <a:lnRef idx="1">
+            <a:schemeClr val="dk1"/>
+          </a:lnRef>
+          <a:fillRef idx="0">
+            <a:schemeClr val="dk1"/>
+          </a:fillRef>
+          <a:effectRef idx="0">
+            <a:schemeClr val="dk1"/>
+          </a:effectRef>
+          <a:fontRef idx="minor">
+            <a:schemeClr val="tx1"/>
+          </a:fontRef>
+        </p:style>
+      </p:cxnSp>
+      <p:cxnSp>
+        <p:nvCxnSpPr>
+          <p:cNvPr id="16" name="Gerader Verbinder 15">
+            <a:extLst>
+              <a:ext uri="{FF2B5EF4-FFF2-40B4-BE49-F238E27FC236}">
+                <a16:creationId xmlns:a16="http://schemas.microsoft.com/office/drawing/2014/main" id="{CE6E45F3-939C-2E5A-A581-0F6478042028}"/>
+              </a:ext>
+            </a:extLst>
+          </p:cNvPr>
+          <p:cNvCxnSpPr>
+            <a:cxnSpLocks/>
+          </p:cNvCxnSpPr>
+          <p:nvPr/>
+        </p:nvCxnSpPr>
+        <p:spPr>
+          <a:xfrm>
+            <a:off x="-33340" y="6388638"/>
+            <a:ext cx="12258675" cy="0"/>
+          </a:xfrm>
+          <a:prstGeom prst="line">
+            <a:avLst/>
+          </a:prstGeom>
+        </p:spPr>
+        <p:style>
+          <a:lnRef idx="1">
+            <a:schemeClr val="dk1"/>
+          </a:lnRef>
+          <a:fillRef idx="0">
+            <a:schemeClr val="dk1"/>
+          </a:fillRef>
+          <a:effectRef idx="0">
+            <a:schemeClr val="dk1"/>
+          </a:effectRef>
+          <a:fontRef idx="minor">
+            <a:schemeClr val="tx1"/>
+          </a:fontRef>
+        </p:style>
+      </p:cxnSp>
+      <p:sp>
+        <p:nvSpPr>
+          <p:cNvPr id="20" name="Datumsplatzhalter 3">
+            <a:extLst>
+              <a:ext uri="{FF2B5EF4-FFF2-40B4-BE49-F238E27FC236}">
+                <a16:creationId xmlns:a16="http://schemas.microsoft.com/office/drawing/2014/main" id="{AB6FE0EA-DEC0-122D-D877-0E343CCB79F0}"/>
+              </a:ext>
+            </a:extLst>
+          </p:cNvPr>
+          <p:cNvSpPr>
+            <a:spLocks noGrp="1"/>
+          </p:cNvSpPr>
+          <p:nvPr>
+            <p:ph type="dt" sz="half" idx="10"/>
+          </p:nvPr>
+        </p:nvSpPr>
+        <p:spPr>
+          <a:xfrm>
+            <a:off x="838200" y="6567222"/>
+            <a:ext cx="2743200" cy="208546"/>
+          </a:xfrm>
+        </p:spPr>
+        <p:txBody>
+          <a:bodyPr/>
+          <a:lstStyle/>
+          <a:p>
+            <a:r>
+              <a:rPr lang="de-AT" sz="2000" dirty="0"/>
+              <a:t>09.02.2024</a:t>
+            </a:r>
+          </a:p>
+        </p:txBody>
+      </p:sp>
+      <p:sp>
+        <p:nvSpPr>
+          <p:cNvPr id="22" name="Foliennummernplatzhalter 21">
+            <a:extLst>
+              <a:ext uri="{FF2B5EF4-FFF2-40B4-BE49-F238E27FC236}">
+                <a16:creationId xmlns:a16="http://schemas.microsoft.com/office/drawing/2014/main" id="{7E6163C9-72DF-2114-5617-51E9ECD80528}"/>
+              </a:ext>
+            </a:extLst>
+          </p:cNvPr>
+          <p:cNvSpPr>
+            <a:spLocks noGrp="1"/>
+          </p:cNvSpPr>
+          <p:nvPr>
+            <p:ph type="sldNum" sz="quarter" idx="12"/>
+          </p:nvPr>
+        </p:nvSpPr>
+        <p:spPr>
+          <a:xfrm>
+            <a:off x="8610600" y="6594368"/>
+            <a:ext cx="2743200" cy="154253"/>
+          </a:xfrm>
+        </p:spPr>
+        <p:txBody>
+          <a:bodyPr/>
+          <a:lstStyle/>
+          <a:p>
+            <a:r>
+              <a:rPr lang="de-AT" sz="2000" dirty="0"/>
+              <a:t>2/5</a:t>
+            </a:r>
+          </a:p>
+        </p:txBody>
+      </p:sp>
+      <p:pic>
+        <p:nvPicPr>
+          <p:cNvPr id="6" name="Grafik 5">
+            <a:extLst>
+              <a:ext uri="{FF2B5EF4-FFF2-40B4-BE49-F238E27FC236}">
+                <a16:creationId xmlns:a16="http://schemas.microsoft.com/office/drawing/2014/main" id="{7B298C2F-7298-43F3-5EDD-A2D0EB5DE3E3}"/>
+              </a:ext>
+            </a:extLst>
+          </p:cNvPr>
+          <p:cNvPicPr>
+            <a:picLocks noChangeAspect="1"/>
+          </p:cNvPicPr>
+          <p:nvPr/>
+        </p:nvPicPr>
+        <p:blipFill>
+          <a:blip r:embed="rId3"/>
+          <a:stretch>
+            <a:fillRect/>
+          </a:stretch>
+        </p:blipFill>
+        <p:spPr>
+          <a:xfrm>
+            <a:off x="2433634" y="1855542"/>
+            <a:ext cx="7324725" cy="4143375"/>
+          </a:xfrm>
+          <a:prstGeom prst="rect">
+            <a:avLst/>
+          </a:prstGeom>
+        </p:spPr>
+      </p:pic>
+    </p:spTree>
+    <p:extLst>
+      <p:ext uri="{BB962C8B-B14F-4D97-AF65-F5344CB8AC3E}">
+        <p14:creationId xmlns:p14="http://schemas.microsoft.com/office/powerpoint/2010/main" val="1081514375"/>
+      </p:ext>
+    </p:extLst>
+  </p:cSld>
+  <p:clrMapOvr>
+    <a:masterClrMapping/>
+  </p:clrMapOvr>
+</p:sld>
+</file>
+
+<file path=ppt/slides/slide12.xml><?xml version="1.0" encoding="utf-8"?>
+<p:sld xmlns:a="http://schemas.openxmlformats.org/drawingml/2006/main" xmlns:r="http://schemas.openxmlformats.org/officeDocument/2006/relationships" xmlns:p="http://schemas.openxmlformats.org/presentationml/2006/main">
+  <p:cSld>
+    <p:spTree>
+      <p:nvGrpSpPr>
+        <p:cNvPr id="1" name="">
+          <a:extLst>
+            <a:ext uri="{FF2B5EF4-FFF2-40B4-BE49-F238E27FC236}">
+              <a16:creationId xmlns:a16="http://schemas.microsoft.com/office/drawing/2014/main" id="{DE2AFD91-FFBD-8B5B-F05F-6D348C2E0FBB}"/>
+            </a:ext>
+          </a:extLst>
+        </p:cNvPr>
+        <p:cNvGrpSpPr/>
+        <p:nvPr/>
+      </p:nvGrpSpPr>
+      <p:grpSpPr>
+        <a:xfrm>
+          <a:off x="0" y="0"/>
+          <a:ext cx="0" cy="0"/>
+          <a:chOff x="0" y="0"/>
+          <a:chExt cx="0" cy="0"/>
+        </a:xfrm>
+      </p:grpSpPr>
+      <p:sp>
+        <p:nvSpPr>
+          <p:cNvPr id="2" name="Titel 1">
+            <a:extLst>
+              <a:ext uri="{FF2B5EF4-FFF2-40B4-BE49-F238E27FC236}">
+                <a16:creationId xmlns:a16="http://schemas.microsoft.com/office/drawing/2014/main" id="{EDAE255C-A7F0-8957-D030-70B5F5E3959B}"/>
+              </a:ext>
+            </a:extLst>
+          </p:cNvPr>
+          <p:cNvSpPr>
+            <a:spLocks noGrp="1"/>
+          </p:cNvSpPr>
+          <p:nvPr>
+            <p:ph type="ctrTitle"/>
+          </p:nvPr>
+        </p:nvSpPr>
+        <p:spPr>
+          <a:xfrm>
+            <a:off x="1079568" y="2486397"/>
+            <a:ext cx="10036632" cy="1240035"/>
+          </a:xfrm>
+        </p:spPr>
+        <p:txBody>
+          <a:bodyPr>
+            <a:normAutofit/>
+          </a:bodyPr>
+          <a:lstStyle/>
+          <a:p>
+            <a:pPr>
+              <a:lnSpc>
+                <a:spcPct val="150000"/>
+              </a:lnSpc>
+            </a:pPr>
+            <a:r>
+              <a:rPr lang="de-DE" sz="4800" dirty="0">
+                <a:solidFill>
+                  <a:schemeClr val="accent5">
+                    <a:lumMod val="75000"/>
+                  </a:schemeClr>
+                </a:solidFill>
+              </a:rPr>
+              <a:t>Aufbau des Projektes </a:t>
+            </a:r>
+            <a:endParaRPr lang="de-AT" sz="2800" spc="-150" dirty="0"/>
+          </a:p>
+        </p:txBody>
+      </p:sp>
+      <p:sp>
+        <p:nvSpPr>
+          <p:cNvPr id="3" name="Untertitel 2">
+            <a:extLst>
+              <a:ext uri="{FF2B5EF4-FFF2-40B4-BE49-F238E27FC236}">
+                <a16:creationId xmlns:a16="http://schemas.microsoft.com/office/drawing/2014/main" id="{A2DBB0EF-8485-F0E4-6A75-D02CEAAF1827}"/>
+              </a:ext>
+            </a:extLst>
+          </p:cNvPr>
+          <p:cNvSpPr>
+            <a:spLocks noGrp="1"/>
+          </p:cNvSpPr>
+          <p:nvPr>
+            <p:ph type="subTitle" idx="1"/>
+          </p:nvPr>
+        </p:nvSpPr>
+        <p:spPr>
+          <a:xfrm>
+            <a:off x="492625" y="148264"/>
+            <a:ext cx="2062749" cy="920543"/>
+          </a:xfrm>
+        </p:spPr>
+        <p:txBody>
+          <a:bodyPr>
+            <a:normAutofit fontScale="85000" lnSpcReduction="20000"/>
+          </a:bodyPr>
+          <a:lstStyle/>
+          <a:p>
+            <a:r>
+              <a:rPr lang="de-DE" sz="2000" dirty="0"/>
+              <a:t>HTL Saalfelden</a:t>
+            </a:r>
+          </a:p>
+          <a:p>
+            <a:r>
+              <a:rPr lang="de-DE" sz="2000" dirty="0"/>
+              <a:t>Abteilung Informatik</a:t>
+            </a:r>
+          </a:p>
+          <a:p>
+            <a:r>
+              <a:rPr lang="de-DE" sz="2000" dirty="0"/>
+              <a:t>5. AHINF – 2023/24</a:t>
+            </a:r>
+            <a:endParaRPr lang="de-AT" sz="2000" dirty="0"/>
+          </a:p>
+        </p:txBody>
+      </p:sp>
+      <p:pic>
+        <p:nvPicPr>
+          <p:cNvPr id="1026" name="Picture 2" descr="Schnuppertag: Bautechnik an der HTL Saalfelden">
+            <a:extLst>
+              <a:ext uri="{FF2B5EF4-FFF2-40B4-BE49-F238E27FC236}">
+                <a16:creationId xmlns:a16="http://schemas.microsoft.com/office/drawing/2014/main" id="{B4E6718C-57A3-FAF6-ACDF-1754D46F1A68}"/>
+              </a:ext>
+            </a:extLst>
+          </p:cNvPr>
+          <p:cNvPicPr>
+            <a:picLocks noChangeAspect="1" noChangeArrowheads="1"/>
+          </p:cNvPicPr>
+          <p:nvPr/>
+        </p:nvPicPr>
+        <p:blipFill>
+          <a:blip r:embed="rId2">
+            <a:extLst>
+              <a:ext uri="{28A0092B-C50C-407E-A947-70E740481C1C}">
+                <a14:useLocalDpi xmlns:a14="http://schemas.microsoft.com/office/drawing/2010/main" val="0"/>
+              </a:ext>
+            </a:extLst>
+          </a:blip>
+          <a:srcRect/>
+          <a:stretch>
+            <a:fillRect/>
+          </a:stretch>
+        </p:blipFill>
+        <p:spPr bwMode="auto">
+          <a:xfrm>
+            <a:off x="11116200" y="61624"/>
+            <a:ext cx="943806" cy="1045178"/>
+          </a:xfrm>
+          <a:prstGeom prst="rect">
+            <a:avLst/>
+          </a:prstGeom>
+          <a:noFill/>
+          <a:extLst>
+            <a:ext uri="{909E8E84-426E-40DD-AFC4-6F175D3DCCD1}">
+              <a14:hiddenFill xmlns:a14="http://schemas.microsoft.com/office/drawing/2010/main">
+                <a:solidFill>
+                  <a:srgbClr val="FFFFFF"/>
+                </a:solidFill>
+              </a14:hiddenFill>
+            </a:ext>
+          </a:extLst>
+        </p:spPr>
+      </p:pic>
+      <p:sp>
+        <p:nvSpPr>
+          <p:cNvPr id="5" name="Untertitel 2">
+            <a:extLst>
+              <a:ext uri="{FF2B5EF4-FFF2-40B4-BE49-F238E27FC236}">
+                <a16:creationId xmlns:a16="http://schemas.microsoft.com/office/drawing/2014/main" id="{8732DD61-0E5D-AE82-AA1C-07E92AB31FEE}"/>
+              </a:ext>
+            </a:extLst>
+          </p:cNvPr>
+          <p:cNvSpPr txBox="1">
+            <a:spLocks/>
+          </p:cNvSpPr>
+          <p:nvPr/>
+        </p:nvSpPr>
+        <p:spPr>
+          <a:xfrm>
+            <a:off x="9268679" y="186505"/>
+            <a:ext cx="1407342" cy="844062"/>
+          </a:xfrm>
+          <a:prstGeom prst="rect">
+            <a:avLst/>
+          </a:prstGeom>
+        </p:spPr>
+        <p:txBody>
+          <a:bodyPr vert="horz" lIns="91440" tIns="45720" rIns="91440" bIns="45720" rtlCol="0">
+            <a:normAutofit/>
+          </a:bodyPr>
+          <a:lstStyle>
+            <a:lvl1pPr marL="0" indent="0" algn="ctr" defTabSz="914400" rtl="0" eaLnBrk="1" latinLnBrk="0" hangingPunct="1">
+              <a:lnSpc>
+                <a:spcPct val="90000"/>
+              </a:lnSpc>
+              <a:spcBef>
+                <a:spcPts val="1000"/>
+              </a:spcBef>
+              <a:buFont typeface="Arial" panose="020B0604020202020204" pitchFamily="34" charset="0"/>
+              <a:buNone/>
+              <a:defRPr sz="2400" kern="1200">
+                <a:solidFill>
+                  <a:schemeClr val="tx1"/>
+                </a:solidFill>
+                <a:latin typeface="+mn-lt"/>
+                <a:ea typeface="+mn-ea"/>
+                <a:cs typeface="+mn-cs"/>
+              </a:defRPr>
+            </a:lvl1pPr>
+            <a:lvl2pPr marL="457200" indent="0" algn="ctr" defTabSz="914400" rtl="0" eaLnBrk="1" latinLnBrk="0" hangingPunct="1">
+              <a:lnSpc>
+                <a:spcPct val="90000"/>
+              </a:lnSpc>
+              <a:spcBef>
+                <a:spcPts val="500"/>
+              </a:spcBef>
+              <a:buFont typeface="Arial" panose="020B0604020202020204" pitchFamily="34" charset="0"/>
+              <a:buNone/>
+              <a:defRPr sz="2000" kern="1200">
+                <a:solidFill>
+                  <a:schemeClr val="tx1"/>
+                </a:solidFill>
+                <a:latin typeface="+mn-lt"/>
+                <a:ea typeface="+mn-ea"/>
+                <a:cs typeface="+mn-cs"/>
+              </a:defRPr>
+            </a:lvl2pPr>
+            <a:lvl3pPr marL="914400" indent="0" algn="ctr" defTabSz="914400" rtl="0" eaLnBrk="1" latinLnBrk="0" hangingPunct="1">
+              <a:lnSpc>
+                <a:spcPct val="90000"/>
+              </a:lnSpc>
+              <a:spcBef>
+                <a:spcPts val="500"/>
+              </a:spcBef>
+              <a:buFont typeface="Arial" panose="020B0604020202020204" pitchFamily="34" charset="0"/>
+              <a:buNone/>
+              <a:defRPr sz="1800" kern="1200">
+                <a:solidFill>
+                  <a:schemeClr val="tx1"/>
+                </a:solidFill>
+                <a:latin typeface="+mn-lt"/>
+                <a:ea typeface="+mn-ea"/>
+                <a:cs typeface="+mn-cs"/>
+              </a:defRPr>
+            </a:lvl3pPr>
+            <a:lvl4pPr marL="1371600" indent="0" algn="ctr" defTabSz="914400" rtl="0" eaLnBrk="1" latinLnBrk="0" hangingPunct="1">
+              <a:lnSpc>
+                <a:spcPct val="90000"/>
+              </a:lnSpc>
+              <a:spcBef>
+                <a:spcPts val="500"/>
+              </a:spcBef>
+              <a:buFont typeface="Arial" panose="020B0604020202020204" pitchFamily="34" charset="0"/>
+              <a:buNone/>
+              <a:defRPr sz="1600" kern="1200">
+                <a:solidFill>
+                  <a:schemeClr val="tx1"/>
+                </a:solidFill>
+                <a:latin typeface="+mn-lt"/>
+                <a:ea typeface="+mn-ea"/>
+                <a:cs typeface="+mn-cs"/>
+              </a:defRPr>
+            </a:lvl4pPr>
+            <a:lvl5pPr marL="1828800" indent="0" algn="ctr" defTabSz="914400" rtl="0" eaLnBrk="1" latinLnBrk="0" hangingPunct="1">
+              <a:lnSpc>
+                <a:spcPct val="90000"/>
+              </a:lnSpc>
+              <a:spcBef>
+                <a:spcPts val="500"/>
+              </a:spcBef>
+              <a:buFont typeface="Arial" panose="020B0604020202020204" pitchFamily="34" charset="0"/>
+              <a:buNone/>
+              <a:defRPr sz="1600" kern="1200">
+                <a:solidFill>
+                  <a:schemeClr val="tx1"/>
+                </a:solidFill>
+                <a:latin typeface="+mn-lt"/>
+                <a:ea typeface="+mn-ea"/>
+                <a:cs typeface="+mn-cs"/>
+              </a:defRPr>
+            </a:lvl5pPr>
+            <a:lvl6pPr marL="2286000" indent="0" algn="ctr" defTabSz="914400" rtl="0" eaLnBrk="1" latinLnBrk="0" hangingPunct="1">
+              <a:lnSpc>
+                <a:spcPct val="90000"/>
+              </a:lnSpc>
+              <a:spcBef>
+                <a:spcPts val="500"/>
+              </a:spcBef>
+              <a:buFont typeface="Arial" panose="020B0604020202020204" pitchFamily="34" charset="0"/>
+              <a:buNone/>
+              <a:defRPr sz="1600" kern="1200">
+                <a:solidFill>
+                  <a:schemeClr val="tx1"/>
+                </a:solidFill>
+                <a:latin typeface="+mn-lt"/>
+                <a:ea typeface="+mn-ea"/>
+                <a:cs typeface="+mn-cs"/>
+              </a:defRPr>
+            </a:lvl6pPr>
+            <a:lvl7pPr marL="2743200" indent="0" algn="ctr" defTabSz="914400" rtl="0" eaLnBrk="1" latinLnBrk="0" hangingPunct="1">
+              <a:lnSpc>
+                <a:spcPct val="90000"/>
+              </a:lnSpc>
+              <a:spcBef>
+                <a:spcPts val="500"/>
+              </a:spcBef>
+              <a:buFont typeface="Arial" panose="020B0604020202020204" pitchFamily="34" charset="0"/>
+              <a:buNone/>
+              <a:defRPr sz="1600" kern="1200">
+                <a:solidFill>
+                  <a:schemeClr val="tx1"/>
+                </a:solidFill>
+                <a:latin typeface="+mn-lt"/>
+                <a:ea typeface="+mn-ea"/>
+                <a:cs typeface="+mn-cs"/>
+              </a:defRPr>
+            </a:lvl7pPr>
+            <a:lvl8pPr marL="3200400" indent="0" algn="ctr" defTabSz="914400" rtl="0" eaLnBrk="1" latinLnBrk="0" hangingPunct="1">
+              <a:lnSpc>
+                <a:spcPct val="90000"/>
+              </a:lnSpc>
+              <a:spcBef>
+                <a:spcPts val="500"/>
+              </a:spcBef>
+              <a:buFont typeface="Arial" panose="020B0604020202020204" pitchFamily="34" charset="0"/>
+              <a:buNone/>
+              <a:defRPr sz="1600" kern="1200">
+                <a:solidFill>
+                  <a:schemeClr val="tx1"/>
+                </a:solidFill>
+                <a:latin typeface="+mn-lt"/>
+                <a:ea typeface="+mn-ea"/>
+                <a:cs typeface="+mn-cs"/>
+              </a:defRPr>
+            </a:lvl8pPr>
+            <a:lvl9pPr marL="3657600" indent="0" algn="ctr" defTabSz="914400" rtl="0" eaLnBrk="1" latinLnBrk="0" hangingPunct="1">
+              <a:lnSpc>
+                <a:spcPct val="90000"/>
+              </a:lnSpc>
+              <a:spcBef>
+                <a:spcPts val="500"/>
+              </a:spcBef>
+              <a:buFont typeface="Arial" panose="020B0604020202020204" pitchFamily="34" charset="0"/>
+              <a:buNone/>
+              <a:defRPr sz="1600" kern="1200">
+                <a:solidFill>
+                  <a:schemeClr val="tx1"/>
+                </a:solidFill>
+                <a:latin typeface="+mn-lt"/>
+                <a:ea typeface="+mn-ea"/>
+                <a:cs typeface="+mn-cs"/>
+              </a:defRPr>
+            </a:lvl9pPr>
+          </a:lstStyle>
+          <a:p>
+            <a:pPr algn="r"/>
+            <a:r>
+              <a:rPr lang="de-DE" sz="2000" dirty="0"/>
+              <a:t>Davare</a:t>
+            </a:r>
+          </a:p>
+          <a:p>
+            <a:pPr algn="r"/>
+            <a:r>
+              <a:rPr lang="de-DE" sz="2000" dirty="0"/>
+              <a:t>Hagenhofer</a:t>
+            </a:r>
+            <a:endParaRPr lang="de-AT" sz="2000" dirty="0"/>
+          </a:p>
+        </p:txBody>
+      </p:sp>
+      <p:cxnSp>
+        <p:nvCxnSpPr>
+          <p:cNvPr id="7" name="Gerader Verbinder 6">
+            <a:extLst>
+              <a:ext uri="{FF2B5EF4-FFF2-40B4-BE49-F238E27FC236}">
+                <a16:creationId xmlns:a16="http://schemas.microsoft.com/office/drawing/2014/main" id="{D0A71F05-3F14-3F7A-BCE7-30E2B64BD65E}"/>
+              </a:ext>
+            </a:extLst>
+          </p:cNvPr>
+          <p:cNvCxnSpPr>
+            <a:cxnSpLocks/>
+          </p:cNvCxnSpPr>
+          <p:nvPr/>
+        </p:nvCxnSpPr>
+        <p:spPr>
+          <a:xfrm>
+            <a:off x="-66675" y="1142200"/>
+            <a:ext cx="12258675" cy="0"/>
+          </a:xfrm>
+          <a:prstGeom prst="line">
+            <a:avLst/>
+          </a:prstGeom>
+        </p:spPr>
+        <p:style>
+          <a:lnRef idx="1">
+            <a:schemeClr val="dk1"/>
+          </a:lnRef>
+          <a:fillRef idx="0">
+            <a:schemeClr val="dk1"/>
+          </a:fillRef>
+          <a:effectRef idx="0">
+            <a:schemeClr val="dk1"/>
+          </a:effectRef>
+          <a:fontRef idx="minor">
+            <a:schemeClr val="tx1"/>
+          </a:fontRef>
+        </p:style>
+      </p:cxnSp>
+      <p:cxnSp>
+        <p:nvCxnSpPr>
+          <p:cNvPr id="12" name="Gerader Verbinder 11">
+            <a:extLst>
+              <a:ext uri="{FF2B5EF4-FFF2-40B4-BE49-F238E27FC236}">
+                <a16:creationId xmlns:a16="http://schemas.microsoft.com/office/drawing/2014/main" id="{A7EC68E0-24A9-4DDB-1A62-68814181C599}"/>
+              </a:ext>
+            </a:extLst>
+          </p:cNvPr>
+          <p:cNvCxnSpPr>
+            <a:cxnSpLocks/>
+          </p:cNvCxnSpPr>
+          <p:nvPr/>
+        </p:nvCxnSpPr>
+        <p:spPr>
+          <a:xfrm>
+            <a:off x="1160893" y="3982079"/>
+            <a:ext cx="9644853" cy="0"/>
+          </a:xfrm>
+          <a:prstGeom prst="line">
+            <a:avLst/>
+          </a:prstGeom>
+        </p:spPr>
+        <p:style>
+          <a:lnRef idx="1">
+            <a:schemeClr val="dk1"/>
+          </a:lnRef>
+          <a:fillRef idx="0">
+            <a:schemeClr val="dk1"/>
+          </a:fillRef>
+          <a:effectRef idx="0">
+            <a:schemeClr val="dk1"/>
+          </a:effectRef>
+          <a:fontRef idx="minor">
+            <a:schemeClr val="tx1"/>
+          </a:fontRef>
+        </p:style>
+      </p:cxnSp>
+      <p:cxnSp>
+        <p:nvCxnSpPr>
+          <p:cNvPr id="16" name="Gerader Verbinder 15">
+            <a:extLst>
+              <a:ext uri="{FF2B5EF4-FFF2-40B4-BE49-F238E27FC236}">
+                <a16:creationId xmlns:a16="http://schemas.microsoft.com/office/drawing/2014/main" id="{F6323BB4-C70A-DEC1-D832-C7D4F880668D}"/>
+              </a:ext>
+            </a:extLst>
+          </p:cNvPr>
+          <p:cNvCxnSpPr>
+            <a:cxnSpLocks/>
+          </p:cNvCxnSpPr>
+          <p:nvPr/>
+        </p:nvCxnSpPr>
+        <p:spPr>
+          <a:xfrm>
+            <a:off x="-33340" y="6379760"/>
+            <a:ext cx="12258675" cy="0"/>
+          </a:xfrm>
+          <a:prstGeom prst="line">
+            <a:avLst/>
+          </a:prstGeom>
+        </p:spPr>
+        <p:style>
+          <a:lnRef idx="1">
+            <a:schemeClr val="dk1"/>
+          </a:lnRef>
+          <a:fillRef idx="0">
+            <a:schemeClr val="dk1"/>
+          </a:fillRef>
+          <a:effectRef idx="0">
+            <a:schemeClr val="dk1"/>
+          </a:effectRef>
+          <a:fontRef idx="minor">
+            <a:schemeClr val="tx1"/>
+          </a:fontRef>
+        </p:style>
+      </p:cxnSp>
+      <p:sp>
+        <p:nvSpPr>
+          <p:cNvPr id="20" name="Datumsplatzhalter 3">
+            <a:extLst>
+              <a:ext uri="{FF2B5EF4-FFF2-40B4-BE49-F238E27FC236}">
+                <a16:creationId xmlns:a16="http://schemas.microsoft.com/office/drawing/2014/main" id="{987D0A12-830B-930D-F0CA-79478DB4EE25}"/>
+              </a:ext>
+            </a:extLst>
+          </p:cNvPr>
+          <p:cNvSpPr>
+            <a:spLocks noGrp="1"/>
+          </p:cNvSpPr>
+          <p:nvPr>
+            <p:ph type="dt" sz="half" idx="10"/>
+          </p:nvPr>
+        </p:nvSpPr>
+        <p:spPr>
+          <a:xfrm>
+            <a:off x="838200" y="6567222"/>
+            <a:ext cx="2743200" cy="208546"/>
+          </a:xfrm>
+        </p:spPr>
+        <p:txBody>
+          <a:bodyPr/>
+          <a:lstStyle/>
+          <a:p>
+            <a:r>
+              <a:rPr lang="de-AT" sz="2000" dirty="0"/>
+              <a:t>09.02.2024</a:t>
+            </a:r>
+          </a:p>
+        </p:txBody>
+      </p:sp>
+      <p:sp>
+        <p:nvSpPr>
+          <p:cNvPr id="22" name="Foliennummernplatzhalter 21">
+            <a:extLst>
+              <a:ext uri="{FF2B5EF4-FFF2-40B4-BE49-F238E27FC236}">
+                <a16:creationId xmlns:a16="http://schemas.microsoft.com/office/drawing/2014/main" id="{3DB9D43D-40F6-5AA9-7F9A-2B3294A4791C}"/>
+              </a:ext>
+            </a:extLst>
+          </p:cNvPr>
+          <p:cNvSpPr>
+            <a:spLocks noGrp="1"/>
+          </p:cNvSpPr>
+          <p:nvPr>
+            <p:ph type="sldNum" sz="quarter" idx="12"/>
+          </p:nvPr>
+        </p:nvSpPr>
+        <p:spPr>
+          <a:xfrm>
+            <a:off x="8610600" y="6594368"/>
+            <a:ext cx="2743200" cy="154253"/>
+          </a:xfrm>
+        </p:spPr>
+        <p:txBody>
+          <a:bodyPr/>
+          <a:lstStyle/>
+          <a:p>
+            <a:r>
+              <a:rPr lang="de-AT" sz="2000" dirty="0"/>
+              <a:t>4/5</a:t>
+            </a:r>
+          </a:p>
+        </p:txBody>
+      </p:sp>
+    </p:spTree>
+    <p:extLst>
+      <p:ext uri="{BB962C8B-B14F-4D97-AF65-F5344CB8AC3E}">
+        <p14:creationId xmlns:p14="http://schemas.microsoft.com/office/powerpoint/2010/main" val="2417370953"/>
+      </p:ext>
+    </p:extLst>
+  </p:cSld>
+  <p:clrMapOvr>
+    <a:masterClrMapping/>
+  </p:clrMapOvr>
+</p:sld>
+</file>
+
+<file path=ppt/slides/slide13.xml><?xml version="1.0" encoding="utf-8"?>
+<p:sld xmlns:a="http://schemas.openxmlformats.org/drawingml/2006/main" xmlns:r="http://schemas.openxmlformats.org/officeDocument/2006/relationships" xmlns:p="http://schemas.openxmlformats.org/presentationml/2006/main">
+  <p:cSld>
+    <p:spTree>
+      <p:nvGrpSpPr>
+        <p:cNvPr id="1" name="">
+          <a:extLst>
+            <a:ext uri="{FF2B5EF4-FFF2-40B4-BE49-F238E27FC236}">
+              <a16:creationId xmlns:a16="http://schemas.microsoft.com/office/drawing/2014/main" id="{1F1CB2DE-30FD-0BEE-58E7-D5A34A353598}"/>
+            </a:ext>
+          </a:extLst>
+        </p:cNvPr>
+        <p:cNvGrpSpPr/>
+        <p:nvPr/>
+      </p:nvGrpSpPr>
+      <p:grpSpPr>
+        <a:xfrm>
+          <a:off x="0" y="0"/>
+          <a:ext cx="0" cy="0"/>
+          <a:chOff x="0" y="0"/>
+          <a:chExt cx="0" cy="0"/>
+        </a:xfrm>
+      </p:grpSpPr>
+      <p:sp>
+        <p:nvSpPr>
+          <p:cNvPr id="3" name="Untertitel 2">
+            <a:extLst>
+              <a:ext uri="{FF2B5EF4-FFF2-40B4-BE49-F238E27FC236}">
+                <a16:creationId xmlns:a16="http://schemas.microsoft.com/office/drawing/2014/main" id="{458AC595-7F5B-6A9E-10A6-97A27D4489AD}"/>
+              </a:ext>
+            </a:extLst>
+          </p:cNvPr>
+          <p:cNvSpPr>
+            <a:spLocks noGrp="1"/>
+          </p:cNvSpPr>
+          <p:nvPr>
+            <p:ph type="subTitle" idx="1"/>
+          </p:nvPr>
+        </p:nvSpPr>
+        <p:spPr>
+          <a:xfrm>
+            <a:off x="492625" y="148264"/>
+            <a:ext cx="2062749" cy="920543"/>
+          </a:xfrm>
+        </p:spPr>
+        <p:txBody>
+          <a:bodyPr>
+            <a:normAutofit fontScale="85000" lnSpcReduction="20000"/>
+          </a:bodyPr>
+          <a:lstStyle/>
+          <a:p>
+            <a:r>
+              <a:rPr lang="de-DE" sz="2000" dirty="0"/>
+              <a:t>HTL Saalfelden</a:t>
+            </a:r>
+          </a:p>
+          <a:p>
+            <a:r>
+              <a:rPr lang="de-DE" sz="2000" dirty="0"/>
+              <a:t>Abteilung Informatik</a:t>
+            </a:r>
+          </a:p>
+          <a:p>
+            <a:r>
+              <a:rPr lang="de-DE" sz="2000" dirty="0"/>
+              <a:t>5. AHINF – 2023/24</a:t>
+            </a:r>
+            <a:endParaRPr lang="de-AT" sz="2000" dirty="0"/>
+          </a:p>
+        </p:txBody>
+      </p:sp>
+      <p:pic>
+        <p:nvPicPr>
+          <p:cNvPr id="1026" name="Picture 2" descr="Schnuppertag: Bautechnik an der HTL Saalfelden">
+            <a:extLst>
+              <a:ext uri="{FF2B5EF4-FFF2-40B4-BE49-F238E27FC236}">
+                <a16:creationId xmlns:a16="http://schemas.microsoft.com/office/drawing/2014/main" id="{B45EDC9A-B6C2-2CE6-246E-8E4EF63BE47C}"/>
+              </a:ext>
+            </a:extLst>
+          </p:cNvPr>
+          <p:cNvPicPr>
+            <a:picLocks noChangeAspect="1" noChangeArrowheads="1"/>
+          </p:cNvPicPr>
+          <p:nvPr/>
+        </p:nvPicPr>
+        <p:blipFill>
+          <a:blip r:embed="rId2">
+            <a:extLst>
+              <a:ext uri="{28A0092B-C50C-407E-A947-70E740481C1C}">
+                <a14:useLocalDpi xmlns:a14="http://schemas.microsoft.com/office/drawing/2010/main" val="0"/>
+              </a:ext>
+            </a:extLst>
+          </a:blip>
+          <a:srcRect/>
+          <a:stretch>
+            <a:fillRect/>
+          </a:stretch>
+        </p:blipFill>
+        <p:spPr bwMode="auto">
+          <a:xfrm>
+            <a:off x="11116200" y="61624"/>
+            <a:ext cx="943806" cy="1045178"/>
+          </a:xfrm>
+          <a:prstGeom prst="rect">
+            <a:avLst/>
+          </a:prstGeom>
+          <a:noFill/>
+          <a:extLst>
+            <a:ext uri="{909E8E84-426E-40DD-AFC4-6F175D3DCCD1}">
+              <a14:hiddenFill xmlns:a14="http://schemas.microsoft.com/office/drawing/2010/main">
+                <a:solidFill>
+                  <a:srgbClr val="FFFFFF"/>
+                </a:solidFill>
+              </a14:hiddenFill>
+            </a:ext>
+          </a:extLst>
+        </p:spPr>
+      </p:pic>
+      <p:sp>
+        <p:nvSpPr>
+          <p:cNvPr id="5" name="Untertitel 2">
+            <a:extLst>
+              <a:ext uri="{FF2B5EF4-FFF2-40B4-BE49-F238E27FC236}">
+                <a16:creationId xmlns:a16="http://schemas.microsoft.com/office/drawing/2014/main" id="{A85CFB45-39D9-2F44-3448-23C6AF99624D}"/>
+              </a:ext>
+            </a:extLst>
+          </p:cNvPr>
+          <p:cNvSpPr txBox="1">
+            <a:spLocks/>
+          </p:cNvSpPr>
+          <p:nvPr/>
+        </p:nvSpPr>
+        <p:spPr>
+          <a:xfrm>
+            <a:off x="9268679" y="186505"/>
+            <a:ext cx="1407342" cy="844062"/>
+          </a:xfrm>
+          <a:prstGeom prst="rect">
+            <a:avLst/>
+          </a:prstGeom>
+        </p:spPr>
+        <p:txBody>
+          <a:bodyPr vert="horz" lIns="91440" tIns="45720" rIns="91440" bIns="45720" rtlCol="0">
+            <a:normAutofit/>
+          </a:bodyPr>
+          <a:lstStyle>
+            <a:lvl1pPr marL="0" indent="0" algn="ctr" defTabSz="914400" rtl="0" eaLnBrk="1" latinLnBrk="0" hangingPunct="1">
+              <a:lnSpc>
+                <a:spcPct val="90000"/>
+              </a:lnSpc>
+              <a:spcBef>
+                <a:spcPts val="1000"/>
+              </a:spcBef>
+              <a:buFont typeface="Arial" panose="020B0604020202020204" pitchFamily="34" charset="0"/>
+              <a:buNone/>
+              <a:defRPr sz="2400" kern="1200">
+                <a:solidFill>
+                  <a:schemeClr val="tx1"/>
+                </a:solidFill>
+                <a:latin typeface="+mn-lt"/>
+                <a:ea typeface="+mn-ea"/>
+                <a:cs typeface="+mn-cs"/>
+              </a:defRPr>
+            </a:lvl1pPr>
+            <a:lvl2pPr marL="457200" indent="0" algn="ctr" defTabSz="914400" rtl="0" eaLnBrk="1" latinLnBrk="0" hangingPunct="1">
+              <a:lnSpc>
+                <a:spcPct val="90000"/>
+              </a:lnSpc>
+              <a:spcBef>
+                <a:spcPts val="500"/>
+              </a:spcBef>
+              <a:buFont typeface="Arial" panose="020B0604020202020204" pitchFamily="34" charset="0"/>
+              <a:buNone/>
+              <a:defRPr sz="2000" kern="1200">
+                <a:solidFill>
+                  <a:schemeClr val="tx1"/>
+                </a:solidFill>
+                <a:latin typeface="+mn-lt"/>
+                <a:ea typeface="+mn-ea"/>
+                <a:cs typeface="+mn-cs"/>
+              </a:defRPr>
+            </a:lvl2pPr>
+            <a:lvl3pPr marL="914400" indent="0" algn="ctr" defTabSz="914400" rtl="0" eaLnBrk="1" latinLnBrk="0" hangingPunct="1">
+              <a:lnSpc>
+                <a:spcPct val="90000"/>
+              </a:lnSpc>
+              <a:spcBef>
+                <a:spcPts val="500"/>
+              </a:spcBef>
+              <a:buFont typeface="Arial" panose="020B0604020202020204" pitchFamily="34" charset="0"/>
+              <a:buNone/>
+              <a:defRPr sz="1800" kern="1200">
+                <a:solidFill>
+                  <a:schemeClr val="tx1"/>
+                </a:solidFill>
+                <a:latin typeface="+mn-lt"/>
+                <a:ea typeface="+mn-ea"/>
+                <a:cs typeface="+mn-cs"/>
+              </a:defRPr>
+            </a:lvl3pPr>
+            <a:lvl4pPr marL="1371600" indent="0" algn="ctr" defTabSz="914400" rtl="0" eaLnBrk="1" latinLnBrk="0" hangingPunct="1">
+              <a:lnSpc>
+                <a:spcPct val="90000"/>
+              </a:lnSpc>
+              <a:spcBef>
+                <a:spcPts val="500"/>
+              </a:spcBef>
+              <a:buFont typeface="Arial" panose="020B0604020202020204" pitchFamily="34" charset="0"/>
+              <a:buNone/>
+              <a:defRPr sz="1600" kern="1200">
+                <a:solidFill>
+                  <a:schemeClr val="tx1"/>
+                </a:solidFill>
+                <a:latin typeface="+mn-lt"/>
+                <a:ea typeface="+mn-ea"/>
+                <a:cs typeface="+mn-cs"/>
+              </a:defRPr>
+            </a:lvl4pPr>
+            <a:lvl5pPr marL="1828800" indent="0" algn="ctr" defTabSz="914400" rtl="0" eaLnBrk="1" latinLnBrk="0" hangingPunct="1">
+              <a:lnSpc>
+                <a:spcPct val="90000"/>
+              </a:lnSpc>
+              <a:spcBef>
+                <a:spcPts val="500"/>
+              </a:spcBef>
+              <a:buFont typeface="Arial" panose="020B0604020202020204" pitchFamily="34" charset="0"/>
+              <a:buNone/>
+              <a:defRPr sz="1600" kern="1200">
+                <a:solidFill>
+                  <a:schemeClr val="tx1"/>
+                </a:solidFill>
+                <a:latin typeface="+mn-lt"/>
+                <a:ea typeface="+mn-ea"/>
+                <a:cs typeface="+mn-cs"/>
+              </a:defRPr>
+            </a:lvl5pPr>
+            <a:lvl6pPr marL="2286000" indent="0" algn="ctr" defTabSz="914400" rtl="0" eaLnBrk="1" latinLnBrk="0" hangingPunct="1">
+              <a:lnSpc>
+                <a:spcPct val="90000"/>
+              </a:lnSpc>
+              <a:spcBef>
+                <a:spcPts val="500"/>
+              </a:spcBef>
+              <a:buFont typeface="Arial" panose="020B0604020202020204" pitchFamily="34" charset="0"/>
+              <a:buNone/>
+              <a:defRPr sz="1600" kern="1200">
+                <a:solidFill>
+                  <a:schemeClr val="tx1"/>
+                </a:solidFill>
+                <a:latin typeface="+mn-lt"/>
+                <a:ea typeface="+mn-ea"/>
+                <a:cs typeface="+mn-cs"/>
+              </a:defRPr>
+            </a:lvl6pPr>
+            <a:lvl7pPr marL="2743200" indent="0" algn="ctr" defTabSz="914400" rtl="0" eaLnBrk="1" latinLnBrk="0" hangingPunct="1">
+              <a:lnSpc>
+                <a:spcPct val="90000"/>
+              </a:lnSpc>
+              <a:spcBef>
+                <a:spcPts val="500"/>
+              </a:spcBef>
+              <a:buFont typeface="Arial" panose="020B0604020202020204" pitchFamily="34" charset="0"/>
+              <a:buNone/>
+              <a:defRPr sz="1600" kern="1200">
+                <a:solidFill>
+                  <a:schemeClr val="tx1"/>
+                </a:solidFill>
+                <a:latin typeface="+mn-lt"/>
+                <a:ea typeface="+mn-ea"/>
+                <a:cs typeface="+mn-cs"/>
+              </a:defRPr>
+            </a:lvl7pPr>
+            <a:lvl8pPr marL="3200400" indent="0" algn="ctr" defTabSz="914400" rtl="0" eaLnBrk="1" latinLnBrk="0" hangingPunct="1">
+              <a:lnSpc>
+                <a:spcPct val="90000"/>
+              </a:lnSpc>
+              <a:spcBef>
+                <a:spcPts val="500"/>
+              </a:spcBef>
+              <a:buFont typeface="Arial" panose="020B0604020202020204" pitchFamily="34" charset="0"/>
+              <a:buNone/>
+              <a:defRPr sz="1600" kern="1200">
+                <a:solidFill>
+                  <a:schemeClr val="tx1"/>
+                </a:solidFill>
+                <a:latin typeface="+mn-lt"/>
+                <a:ea typeface="+mn-ea"/>
+                <a:cs typeface="+mn-cs"/>
+              </a:defRPr>
+            </a:lvl8pPr>
+            <a:lvl9pPr marL="3657600" indent="0" algn="ctr" defTabSz="914400" rtl="0" eaLnBrk="1" latinLnBrk="0" hangingPunct="1">
+              <a:lnSpc>
+                <a:spcPct val="90000"/>
+              </a:lnSpc>
+              <a:spcBef>
+                <a:spcPts val="500"/>
+              </a:spcBef>
+              <a:buFont typeface="Arial" panose="020B0604020202020204" pitchFamily="34" charset="0"/>
+              <a:buNone/>
+              <a:defRPr sz="1600" kern="1200">
+                <a:solidFill>
+                  <a:schemeClr val="tx1"/>
+                </a:solidFill>
+                <a:latin typeface="+mn-lt"/>
+                <a:ea typeface="+mn-ea"/>
+                <a:cs typeface="+mn-cs"/>
+              </a:defRPr>
+            </a:lvl9pPr>
+          </a:lstStyle>
+          <a:p>
+            <a:pPr algn="r"/>
+            <a:r>
+              <a:rPr lang="de-DE" sz="2000" dirty="0"/>
+              <a:t>Davare</a:t>
+            </a:r>
+          </a:p>
+          <a:p>
+            <a:pPr algn="r"/>
+            <a:r>
+              <a:rPr lang="de-DE" sz="2000" dirty="0"/>
+              <a:t>Hagenhofer</a:t>
+            </a:r>
+            <a:endParaRPr lang="de-AT" sz="2000" dirty="0"/>
+          </a:p>
+        </p:txBody>
+      </p:sp>
+      <p:cxnSp>
+        <p:nvCxnSpPr>
+          <p:cNvPr id="7" name="Gerader Verbinder 6">
+            <a:extLst>
+              <a:ext uri="{FF2B5EF4-FFF2-40B4-BE49-F238E27FC236}">
+                <a16:creationId xmlns:a16="http://schemas.microsoft.com/office/drawing/2014/main" id="{D8546DBC-404E-2B85-76BB-BC69A5463F85}"/>
+              </a:ext>
+            </a:extLst>
+          </p:cNvPr>
+          <p:cNvCxnSpPr>
+            <a:cxnSpLocks/>
+          </p:cNvCxnSpPr>
+          <p:nvPr/>
+        </p:nvCxnSpPr>
+        <p:spPr>
+          <a:xfrm>
+            <a:off x="-66675" y="1142200"/>
+            <a:ext cx="12258675" cy="0"/>
+          </a:xfrm>
+          <a:prstGeom prst="line">
+            <a:avLst/>
+          </a:prstGeom>
+        </p:spPr>
+        <p:style>
+          <a:lnRef idx="1">
+            <a:schemeClr val="dk1"/>
+          </a:lnRef>
+          <a:fillRef idx="0">
+            <a:schemeClr val="dk1"/>
+          </a:fillRef>
+          <a:effectRef idx="0">
+            <a:schemeClr val="dk1"/>
+          </a:effectRef>
+          <a:fontRef idx="minor">
+            <a:schemeClr val="tx1"/>
+          </a:fontRef>
+        </p:style>
+      </p:cxnSp>
+      <p:cxnSp>
+        <p:nvCxnSpPr>
+          <p:cNvPr id="16" name="Gerader Verbinder 15">
+            <a:extLst>
+              <a:ext uri="{FF2B5EF4-FFF2-40B4-BE49-F238E27FC236}">
+                <a16:creationId xmlns:a16="http://schemas.microsoft.com/office/drawing/2014/main" id="{9D845F79-1977-90CD-11B6-7632422C9B75}"/>
+              </a:ext>
+            </a:extLst>
+          </p:cNvPr>
+          <p:cNvCxnSpPr>
+            <a:cxnSpLocks/>
+          </p:cNvCxnSpPr>
+          <p:nvPr/>
+        </p:nvCxnSpPr>
+        <p:spPr>
+          <a:xfrm>
+            <a:off x="-33340" y="6388638"/>
+            <a:ext cx="12258675" cy="0"/>
+          </a:xfrm>
+          <a:prstGeom prst="line">
+            <a:avLst/>
+          </a:prstGeom>
+        </p:spPr>
+        <p:style>
+          <a:lnRef idx="1">
+            <a:schemeClr val="dk1"/>
+          </a:lnRef>
+          <a:fillRef idx="0">
+            <a:schemeClr val="dk1"/>
+          </a:fillRef>
+          <a:effectRef idx="0">
+            <a:schemeClr val="dk1"/>
+          </a:effectRef>
+          <a:fontRef idx="minor">
+            <a:schemeClr val="tx1"/>
+          </a:fontRef>
+        </p:style>
+      </p:cxnSp>
+      <p:sp>
+        <p:nvSpPr>
+          <p:cNvPr id="20" name="Datumsplatzhalter 3">
+            <a:extLst>
+              <a:ext uri="{FF2B5EF4-FFF2-40B4-BE49-F238E27FC236}">
+                <a16:creationId xmlns:a16="http://schemas.microsoft.com/office/drawing/2014/main" id="{9BA54236-0E02-281E-CE23-C8961280418A}"/>
+              </a:ext>
+            </a:extLst>
+          </p:cNvPr>
+          <p:cNvSpPr>
+            <a:spLocks noGrp="1"/>
+          </p:cNvSpPr>
+          <p:nvPr>
+            <p:ph type="dt" sz="half" idx="10"/>
+          </p:nvPr>
+        </p:nvSpPr>
+        <p:spPr>
+          <a:xfrm>
+            <a:off x="838200" y="6567222"/>
+            <a:ext cx="2743200" cy="208546"/>
+          </a:xfrm>
+        </p:spPr>
+        <p:txBody>
+          <a:bodyPr/>
+          <a:lstStyle/>
+          <a:p>
+            <a:r>
+              <a:rPr lang="de-AT" sz="2000" dirty="0"/>
+              <a:t>09.02.2024</a:t>
+            </a:r>
+          </a:p>
+        </p:txBody>
+      </p:sp>
+      <p:sp>
+        <p:nvSpPr>
+          <p:cNvPr id="22" name="Foliennummernplatzhalter 21">
+            <a:extLst>
+              <a:ext uri="{FF2B5EF4-FFF2-40B4-BE49-F238E27FC236}">
+                <a16:creationId xmlns:a16="http://schemas.microsoft.com/office/drawing/2014/main" id="{1ED7305F-D46E-9347-4DC1-DE12C3D8F643}"/>
+              </a:ext>
+            </a:extLst>
+          </p:cNvPr>
+          <p:cNvSpPr>
+            <a:spLocks noGrp="1"/>
+          </p:cNvSpPr>
+          <p:nvPr>
+            <p:ph type="sldNum" sz="quarter" idx="12"/>
+          </p:nvPr>
+        </p:nvSpPr>
+        <p:spPr>
+          <a:xfrm>
+            <a:off x="8610600" y="6594368"/>
+            <a:ext cx="2743200" cy="154253"/>
+          </a:xfrm>
+        </p:spPr>
+        <p:txBody>
+          <a:bodyPr/>
+          <a:lstStyle/>
+          <a:p>
+            <a:r>
+              <a:rPr lang="de-AT" sz="2000" dirty="0"/>
+              <a:t>2/5</a:t>
+            </a:r>
+          </a:p>
+        </p:txBody>
+      </p:sp>
+      <p:pic>
+        <p:nvPicPr>
+          <p:cNvPr id="6" name="Grafik 5" descr="Ein Bild, das Text, Diagramm, Screenshot, Kreis enthält.&#10;&#10;Automatisch generierte Beschreibung">
+            <a:extLst>
+              <a:ext uri="{FF2B5EF4-FFF2-40B4-BE49-F238E27FC236}">
+                <a16:creationId xmlns:a16="http://schemas.microsoft.com/office/drawing/2014/main" id="{14F2314B-A73A-6C3F-EC05-B06DFC7EB31B}"/>
+              </a:ext>
+            </a:extLst>
+          </p:cNvPr>
+          <p:cNvPicPr>
+            <a:picLocks noChangeAspect="1"/>
+          </p:cNvPicPr>
+          <p:nvPr/>
+        </p:nvPicPr>
+        <p:blipFill>
+          <a:blip r:embed="rId3">
+            <a:extLst>
+              <a:ext uri="{28A0092B-C50C-407E-A947-70E740481C1C}">
+                <a14:useLocalDpi xmlns:a14="http://schemas.microsoft.com/office/drawing/2010/main" val="0"/>
+              </a:ext>
+            </a:extLst>
+          </a:blip>
+          <a:stretch>
+            <a:fillRect/>
+          </a:stretch>
+        </p:blipFill>
+        <p:spPr>
+          <a:xfrm>
+            <a:off x="3356680" y="1177599"/>
+            <a:ext cx="5411964" cy="5192368"/>
+          </a:xfrm>
+          <a:prstGeom prst="rect">
+            <a:avLst/>
+          </a:prstGeom>
+        </p:spPr>
+      </p:pic>
+      <p:pic>
+        <p:nvPicPr>
+          <p:cNvPr id="8" name="Grafik 7" descr="Ein Bild, das Text, Diagramm, Screenshot, Kreis enthält.&#10;&#10;Automatisch generierte Beschreibung">
+            <a:extLst>
+              <a:ext uri="{FF2B5EF4-FFF2-40B4-BE49-F238E27FC236}">
+                <a16:creationId xmlns:a16="http://schemas.microsoft.com/office/drawing/2014/main" id="{9651CB0D-BEE7-256C-A2AC-8F3295F606BD}"/>
+              </a:ext>
+            </a:extLst>
+          </p:cNvPr>
+          <p:cNvPicPr>
+            <a:picLocks noChangeAspect="1"/>
+          </p:cNvPicPr>
+          <p:nvPr/>
+        </p:nvPicPr>
+        <p:blipFill>
+          <a:blip r:embed="rId4">
+            <a:extLst>
+              <a:ext uri="{28A0092B-C50C-407E-A947-70E740481C1C}">
+                <a14:useLocalDpi xmlns:a14="http://schemas.microsoft.com/office/drawing/2010/main" val="0"/>
+              </a:ext>
+            </a:extLst>
+          </a:blip>
+          <a:stretch>
+            <a:fillRect/>
+          </a:stretch>
+        </p:blipFill>
+        <p:spPr>
+          <a:xfrm>
+            <a:off x="3749039" y="1202303"/>
+            <a:ext cx="4861561" cy="5177000"/>
+          </a:xfrm>
+          <a:prstGeom prst="rect">
+            <a:avLst/>
+          </a:prstGeom>
+        </p:spPr>
+      </p:pic>
+      <p:pic>
+        <p:nvPicPr>
+          <p:cNvPr id="10" name="Grafik 9" descr="Ein Bild, das Diagramm, Text, Plan, Design enthält.&#10;&#10;Automatisch generierte Beschreibung">
+            <a:extLst>
+              <a:ext uri="{FF2B5EF4-FFF2-40B4-BE49-F238E27FC236}">
+                <a16:creationId xmlns:a16="http://schemas.microsoft.com/office/drawing/2014/main" id="{3EE279D8-F1EA-8E76-682E-7C6A9A72491F}"/>
+              </a:ext>
+            </a:extLst>
+          </p:cNvPr>
+          <p:cNvPicPr>
+            <a:picLocks noChangeAspect="1"/>
+          </p:cNvPicPr>
+          <p:nvPr/>
+        </p:nvPicPr>
+        <p:blipFill>
+          <a:blip r:embed="rId5">
+            <a:extLst>
+              <a:ext uri="{28A0092B-C50C-407E-A947-70E740481C1C}">
+                <a14:useLocalDpi xmlns:a14="http://schemas.microsoft.com/office/drawing/2010/main" val="0"/>
+              </a:ext>
+            </a:extLst>
+          </a:blip>
+          <a:stretch>
+            <a:fillRect/>
+          </a:stretch>
+        </p:blipFill>
+        <p:spPr>
+          <a:xfrm>
+            <a:off x="2912789" y="1249044"/>
+            <a:ext cx="6366415" cy="5049477"/>
+          </a:xfrm>
+          <a:prstGeom prst="rect">
+            <a:avLst/>
+          </a:prstGeom>
+        </p:spPr>
+      </p:pic>
+    </p:spTree>
+    <p:extLst>
+      <p:ext uri="{BB962C8B-B14F-4D97-AF65-F5344CB8AC3E}">
+        <p14:creationId xmlns:p14="http://schemas.microsoft.com/office/powerpoint/2010/main" val="589346808"/>
+      </p:ext>
+    </p:extLst>
+  </p:cSld>
+  <p:clrMapOvr>
+    <a:masterClrMapping/>
+  </p:clrMapOvr>
+  <p:timing>
+    <p:tnLst>
+      <p:par>
+        <p:cTn id="1" dur="indefinite" restart="never" nodeType="tmRoot">
+          <p:childTnLst>
+            <p:seq concurrent="1" nextAc="seek">
+              <p:cTn id="2" dur="indefinite" nodeType="mainSeq">
+                <p:childTnLst>
+                  <p:par>
+                    <p:cTn id="3" fill="hold">
+                      <p:stCondLst>
+                        <p:cond delay="indefinite"/>
+                      </p:stCondLst>
+                      <p:childTnLst>
+                        <p:par>
+                          <p:cTn id="4" fill="hold">
+                            <p:stCondLst>
+                              <p:cond delay="0"/>
+                            </p:stCondLst>
+                            <p:childTnLst>
+                              <p:par>
+                                <p:cTn id="5" presetID="1" presetClass="entr" presetSubtype="0" fill="hold" nodeType="clickEffect">
+                                  <p:stCondLst>
+                                    <p:cond delay="0"/>
+                                  </p:stCondLst>
+                                  <p:childTnLst>
+                                    <p:set>
+                                      <p:cBhvr>
+                                        <p:cTn id="6" dur="1" fill="hold">
+                                          <p:stCondLst>
+                                            <p:cond delay="0"/>
+                                          </p:stCondLst>
+                                        </p:cTn>
+                                        <p:tgtEl>
+                                          <p:spTgt spid="8"/>
+                                        </p:tgtEl>
+                                        <p:attrNameLst>
+                                          <p:attrName>style.visibility</p:attrName>
+                                        </p:attrNameLst>
+                                      </p:cBhvr>
+                                      <p:to>
+                                        <p:strVal val="visible"/>
+                                      </p:to>
+                                    </p:set>
+                                  </p:childTnLst>
+                                </p:cTn>
+                              </p:par>
+                            </p:childTnLst>
+                          </p:cTn>
+                        </p:par>
+                      </p:childTnLst>
+                    </p:cTn>
+                  </p:par>
+                  <p:par>
+                    <p:cTn id="7" fill="hold">
+                      <p:stCondLst>
+                        <p:cond delay="indefinite"/>
+                      </p:stCondLst>
+                      <p:childTnLst>
+                        <p:par>
+                          <p:cTn id="8" fill="hold">
+                            <p:stCondLst>
+                              <p:cond delay="0"/>
+                            </p:stCondLst>
+                            <p:childTnLst>
+                              <p:par>
+                                <p:cTn id="9" presetID="1" presetClass="entr" presetSubtype="0" fill="hold" nodeType="clickEffect">
+                                  <p:stCondLst>
+                                    <p:cond delay="0"/>
+                                  </p:stCondLst>
+                                  <p:childTnLst>
+                                    <p:set>
+                                      <p:cBhvr>
+                                        <p:cTn id="10" dur="1" fill="hold">
+                                          <p:stCondLst>
+                                            <p:cond delay="0"/>
+                                          </p:stCondLst>
+                                        </p:cTn>
+                                        <p:tgtEl>
+                                          <p:spTgt spid="10"/>
+                                        </p:tgtEl>
+                                        <p:attrNameLst>
+                                          <p:attrName>style.visibility</p:attrName>
+                                        </p:attrNameLst>
+                                      </p:cBhvr>
+                                      <p:to>
+                                        <p:strVal val="visible"/>
+                                      </p:to>
+                                    </p:set>
+                                  </p:childTnLst>
+                                </p:cTn>
+                              </p:par>
+                            </p:childTnLst>
+                          </p:cTn>
+                        </p:par>
+                      </p:childTnLst>
+                    </p:cTn>
+                  </p:par>
+                </p:childTnLst>
+              </p:cTn>
+              <p:prevCondLst>
+                <p:cond evt="onPrev" delay="0">
+                  <p:tgtEl>
+                    <p:sldTgt/>
+                  </p:tgtEl>
+                </p:cond>
+              </p:prevCondLst>
+              <p:nextCondLst>
+                <p:cond evt="onNext" delay="0">
+                  <p:tgtEl>
+                    <p:sldTgt/>
+                  </p:tgtEl>
+                </p:cond>
+              </p:nextCondLst>
+            </p:seq>
+          </p:childTnLst>
+        </p:cTn>
+      </p:par>
+    </p:tnLst>
+  </p:timing>
 </p:sld>
 </file>
 
@@ -4902,7 +7421,7 @@
           <a:p>
             <a:r>
               <a:rPr lang="de-AT" sz="2000" dirty="0"/>
-              <a:t>19.12.2023</a:t>
+              <a:t>09.02.2024</a:t>
             </a:r>
           </a:p>
         </p:txBody>
@@ -5922,7 +8441,7 @@
           <a:p>
             <a:r>
               <a:rPr lang="de-AT" sz="2000" dirty="0"/>
-              <a:t>19.12.2023</a:t>
+              <a:t>09.02.2024</a:t>
             </a:r>
           </a:p>
         </p:txBody>
@@ -7075,7 +9594,7 @@
           <a:p>
             <a:r>
               <a:rPr lang="de-AT" sz="2000" dirty="0"/>
-              <a:t>19.12.2023</a:t>
+              <a:t>09.02.2024</a:t>
             </a:r>
           </a:p>
         </p:txBody>
@@ -7556,7 +10075,7 @@
           <a:p>
             <a:r>
               <a:rPr lang="de-AT" sz="2000" dirty="0"/>
-              <a:t>19.12.2023</a:t>
+              <a:t>09.02.2024</a:t>
             </a:r>
           </a:p>
         </p:txBody>
@@ -7774,6 +10293,102 @@
           </a:prstGeom>
         </p:spPr>
       </p:pic>
+      <p:sp>
+        <p:nvSpPr>
+          <p:cNvPr id="6" name="Pfeil: nach links 5">
+            <a:extLst>
+              <a:ext uri="{FF2B5EF4-FFF2-40B4-BE49-F238E27FC236}">
+                <a16:creationId xmlns:a16="http://schemas.microsoft.com/office/drawing/2014/main" id="{9820333E-9443-9743-2369-DD7C132F3B09}"/>
+              </a:ext>
+            </a:extLst>
+          </p:cNvPr>
+          <p:cNvSpPr/>
+          <p:nvPr/>
+        </p:nvSpPr>
+        <p:spPr>
+          <a:xfrm rot="488709">
+            <a:off x="3159410" y="3586141"/>
+            <a:ext cx="3094154" cy="572947"/>
+          </a:xfrm>
+          <a:prstGeom prst="leftArrow">
+            <a:avLst>
+              <a:gd name="adj1" fmla="val 37153"/>
+              <a:gd name="adj2" fmla="val 50000"/>
+            </a:avLst>
+          </a:prstGeom>
+          <a:solidFill>
+            <a:srgbClr val="FF0000"/>
+          </a:solidFill>
+        </p:spPr>
+        <p:style>
+          <a:lnRef idx="2">
+            <a:schemeClr val="accent1">
+              <a:shade val="15000"/>
+            </a:schemeClr>
+          </a:lnRef>
+          <a:fillRef idx="1">
+            <a:schemeClr val="accent1"/>
+          </a:fillRef>
+          <a:effectRef idx="0">
+            <a:schemeClr val="accent1"/>
+          </a:effectRef>
+          <a:fontRef idx="minor">
+            <a:schemeClr val="lt1"/>
+          </a:fontRef>
+        </p:style>
+        <p:txBody>
+          <a:bodyPr rtlCol="0" anchor="ctr"/>
+          <a:lstStyle/>
+          <a:p>
+            <a:pPr algn="ctr"/>
+            <a:endParaRPr lang="de-AT"/>
+          </a:p>
+        </p:txBody>
+      </p:sp>
+      <p:sp>
+        <p:nvSpPr>
+          <p:cNvPr id="8" name="Textfeld 7">
+            <a:extLst>
+              <a:ext uri="{FF2B5EF4-FFF2-40B4-BE49-F238E27FC236}">
+                <a16:creationId xmlns:a16="http://schemas.microsoft.com/office/drawing/2014/main" id="{1BC38732-ACBF-054D-B47C-4CDD20A5BDAC}"/>
+              </a:ext>
+            </a:extLst>
+          </p:cNvPr>
+          <p:cNvSpPr txBox="1"/>
+          <p:nvPr/>
+        </p:nvSpPr>
+        <p:spPr>
+          <a:xfrm rot="515705">
+            <a:off x="4674192" y="3558570"/>
+            <a:ext cx="1761701" cy="369332"/>
+          </a:xfrm>
+          <a:prstGeom prst="rect">
+            <a:avLst/>
+          </a:prstGeom>
+          <a:noFill/>
+        </p:spPr>
+        <p:txBody>
+          <a:bodyPr wrap="none" rtlCol="0">
+            <a:spAutoFit/>
+          </a:bodyPr>
+          <a:lstStyle/>
+          <a:p>
+            <a:r>
+              <a:rPr lang="de-DE" dirty="0">
+                <a:solidFill>
+                  <a:srgbClr val="FF0000"/>
+                </a:solidFill>
+              </a:rPr>
+              <a:t>Problem: Daten?</a:t>
+            </a:r>
+            <a:endParaRPr lang="de-AT" dirty="0">
+              <a:solidFill>
+                <a:srgbClr val="FF0000"/>
+              </a:solidFill>
+            </a:endParaRPr>
+          </a:p>
+        </p:txBody>
+      </p:sp>
     </p:spTree>
     <p:extLst>
       <p:ext uri="{BB962C8B-B14F-4D97-AF65-F5344CB8AC3E}">
@@ -7972,1821 +10587,27 @@
                       </p:childTnLst>
                     </p:cTn>
                   </p:par>
-                </p:childTnLst>
-              </p:cTn>
-              <p:prevCondLst>
-                <p:cond evt="onPrev" delay="0">
-                  <p:tgtEl>
-                    <p:sldTgt/>
-                  </p:tgtEl>
-                </p:cond>
-              </p:prevCondLst>
-              <p:nextCondLst>
-                <p:cond evt="onNext" delay="0">
-                  <p:tgtEl>
-                    <p:sldTgt/>
-                  </p:tgtEl>
-                </p:cond>
-              </p:nextCondLst>
-            </p:seq>
-          </p:childTnLst>
-        </p:cTn>
-      </p:par>
-    </p:tnLst>
-  </p:timing>
-</p:sld>
-</file>
-
-<file path=ppt/slides/slide6.xml><?xml version="1.0" encoding="utf-8"?>
-<p:sld xmlns:a="http://schemas.openxmlformats.org/drawingml/2006/main" xmlns:r="http://schemas.openxmlformats.org/officeDocument/2006/relationships" xmlns:p="http://schemas.openxmlformats.org/presentationml/2006/main">
-  <p:cSld>
-    <p:spTree>
-      <p:nvGrpSpPr>
-        <p:cNvPr id="1" name="">
-          <a:extLst>
-            <a:ext uri="{FF2B5EF4-FFF2-40B4-BE49-F238E27FC236}">
-              <a16:creationId xmlns:a16="http://schemas.microsoft.com/office/drawing/2014/main" id="{DB5650D5-B0F2-7E45-B50C-85DA26BE3CD7}"/>
-            </a:ext>
-          </a:extLst>
-        </p:cNvPr>
-        <p:cNvGrpSpPr/>
-        <p:nvPr/>
-      </p:nvGrpSpPr>
-      <p:grpSpPr>
-        <a:xfrm>
-          <a:off x="0" y="0"/>
-          <a:ext cx="0" cy="0"/>
-          <a:chOff x="0" y="0"/>
-          <a:chExt cx="0" cy="0"/>
-        </a:xfrm>
-      </p:grpSpPr>
-      <p:sp>
-        <p:nvSpPr>
-          <p:cNvPr id="2" name="Titel 1">
-            <a:extLst>
-              <a:ext uri="{FF2B5EF4-FFF2-40B4-BE49-F238E27FC236}">
-                <a16:creationId xmlns:a16="http://schemas.microsoft.com/office/drawing/2014/main" id="{655129BB-48CC-82B1-CCA1-E615D1E93FED}"/>
-              </a:ext>
-            </a:extLst>
-          </p:cNvPr>
-          <p:cNvSpPr>
-            <a:spLocks noGrp="1"/>
-          </p:cNvSpPr>
-          <p:nvPr>
-            <p:ph type="ctrTitle"/>
-          </p:nvPr>
-        </p:nvSpPr>
-        <p:spPr>
-          <a:xfrm>
-            <a:off x="1523997" y="1298781"/>
-            <a:ext cx="9144000" cy="1240035"/>
-          </a:xfrm>
-        </p:spPr>
-        <p:txBody>
-          <a:bodyPr>
-            <a:normAutofit fontScale="90000"/>
-          </a:bodyPr>
-          <a:lstStyle/>
-          <a:p>
-            <a:pPr algn="l">
-              <a:lnSpc>
-                <a:spcPct val="150000"/>
-              </a:lnSpc>
-            </a:pPr>
-            <a:r>
-              <a:rPr lang="de-DE" sz="4800" dirty="0">
-                <a:solidFill>
-                  <a:schemeClr val="accent5">
-                    <a:lumMod val="75000"/>
-                  </a:schemeClr>
-                </a:solidFill>
-              </a:rPr>
-              <a:t>Event Driven Communication</a:t>
-            </a:r>
-            <a:br>
-              <a:rPr lang="de-DE" sz="4800" dirty="0"/>
-            </a:br>
-            <a:r>
-              <a:rPr lang="ko-KR" altLang="de-DE" sz="2400" spc="-150" dirty="0"/>
-              <a:t>ㅤ</a:t>
-            </a:r>
-            <a:endParaRPr lang="de-AT" sz="4800" spc="-150" dirty="0"/>
-          </a:p>
-        </p:txBody>
-      </p:sp>
-      <p:sp>
-        <p:nvSpPr>
-          <p:cNvPr id="3" name="Untertitel 2">
-            <a:extLst>
-              <a:ext uri="{FF2B5EF4-FFF2-40B4-BE49-F238E27FC236}">
-                <a16:creationId xmlns:a16="http://schemas.microsoft.com/office/drawing/2014/main" id="{052B001E-B57F-D17C-5567-70C306436D34}"/>
-              </a:ext>
-            </a:extLst>
-          </p:cNvPr>
-          <p:cNvSpPr>
-            <a:spLocks noGrp="1"/>
-          </p:cNvSpPr>
-          <p:nvPr>
-            <p:ph type="subTitle" idx="1"/>
-          </p:nvPr>
-        </p:nvSpPr>
-        <p:spPr>
-          <a:xfrm>
-            <a:off x="492625" y="148264"/>
-            <a:ext cx="2062749" cy="920543"/>
-          </a:xfrm>
-        </p:spPr>
-        <p:txBody>
-          <a:bodyPr>
-            <a:normAutofit fontScale="85000" lnSpcReduction="20000"/>
-          </a:bodyPr>
-          <a:lstStyle/>
-          <a:p>
-            <a:r>
-              <a:rPr lang="de-DE" sz="2000" dirty="0"/>
-              <a:t>HTL Saalfelden</a:t>
-            </a:r>
-          </a:p>
-          <a:p>
-            <a:r>
-              <a:rPr lang="de-DE" sz="2000" dirty="0"/>
-              <a:t>Abteilung Informatik</a:t>
-            </a:r>
-          </a:p>
-          <a:p>
-            <a:r>
-              <a:rPr lang="de-DE" sz="2000" dirty="0"/>
-              <a:t>5. AHINF – 2023/24</a:t>
-            </a:r>
-            <a:endParaRPr lang="de-AT" sz="2000" dirty="0"/>
-          </a:p>
-        </p:txBody>
-      </p:sp>
-      <p:pic>
-        <p:nvPicPr>
-          <p:cNvPr id="1026" name="Picture 2" descr="Schnuppertag: Bautechnik an der HTL Saalfelden">
-            <a:extLst>
-              <a:ext uri="{FF2B5EF4-FFF2-40B4-BE49-F238E27FC236}">
-                <a16:creationId xmlns:a16="http://schemas.microsoft.com/office/drawing/2014/main" id="{4B832CEA-99E1-2764-2FFD-72B203DF3455}"/>
-              </a:ext>
-            </a:extLst>
-          </p:cNvPr>
-          <p:cNvPicPr>
-            <a:picLocks noChangeAspect="1" noChangeArrowheads="1"/>
-          </p:cNvPicPr>
-          <p:nvPr/>
-        </p:nvPicPr>
-        <p:blipFill>
-          <a:blip r:embed="rId2">
-            <a:extLst>
-              <a:ext uri="{28A0092B-C50C-407E-A947-70E740481C1C}">
-                <a14:useLocalDpi xmlns:a14="http://schemas.microsoft.com/office/drawing/2010/main" val="0"/>
-              </a:ext>
-            </a:extLst>
-          </a:blip>
-          <a:srcRect/>
-          <a:stretch>
-            <a:fillRect/>
-          </a:stretch>
-        </p:blipFill>
-        <p:spPr bwMode="auto">
-          <a:xfrm>
-            <a:off x="11116200" y="61624"/>
-            <a:ext cx="943806" cy="1045178"/>
-          </a:xfrm>
-          <a:prstGeom prst="rect">
-            <a:avLst/>
-          </a:prstGeom>
-          <a:noFill/>
-          <a:extLst>
-            <a:ext uri="{909E8E84-426E-40DD-AFC4-6F175D3DCCD1}">
-              <a14:hiddenFill xmlns:a14="http://schemas.microsoft.com/office/drawing/2010/main">
-                <a:solidFill>
-                  <a:srgbClr val="FFFFFF"/>
-                </a:solidFill>
-              </a14:hiddenFill>
-            </a:ext>
-          </a:extLst>
-        </p:spPr>
-      </p:pic>
-      <p:sp>
-        <p:nvSpPr>
-          <p:cNvPr id="5" name="Untertitel 2">
-            <a:extLst>
-              <a:ext uri="{FF2B5EF4-FFF2-40B4-BE49-F238E27FC236}">
-                <a16:creationId xmlns:a16="http://schemas.microsoft.com/office/drawing/2014/main" id="{9A09F8E9-0160-4BB3-A03C-A95EEA6771FC}"/>
-              </a:ext>
-            </a:extLst>
-          </p:cNvPr>
-          <p:cNvSpPr txBox="1">
-            <a:spLocks/>
-          </p:cNvSpPr>
-          <p:nvPr/>
-        </p:nvSpPr>
-        <p:spPr>
-          <a:xfrm>
-            <a:off x="9268679" y="186505"/>
-            <a:ext cx="1407342" cy="844062"/>
-          </a:xfrm>
-          <a:prstGeom prst="rect">
-            <a:avLst/>
-          </a:prstGeom>
-        </p:spPr>
-        <p:txBody>
-          <a:bodyPr vert="horz" lIns="91440" tIns="45720" rIns="91440" bIns="45720" rtlCol="0">
-            <a:normAutofit/>
-          </a:bodyPr>
-          <a:lstStyle>
-            <a:lvl1pPr marL="0" indent="0" algn="ctr" defTabSz="914400" rtl="0" eaLnBrk="1" latinLnBrk="0" hangingPunct="1">
-              <a:lnSpc>
-                <a:spcPct val="90000"/>
-              </a:lnSpc>
-              <a:spcBef>
-                <a:spcPts val="1000"/>
-              </a:spcBef>
-              <a:buFont typeface="Arial" panose="020B0604020202020204" pitchFamily="34" charset="0"/>
-              <a:buNone/>
-              <a:defRPr sz="2400" kern="1200">
-                <a:solidFill>
-                  <a:schemeClr val="tx1"/>
-                </a:solidFill>
-                <a:latin typeface="+mn-lt"/>
-                <a:ea typeface="+mn-ea"/>
-                <a:cs typeface="+mn-cs"/>
-              </a:defRPr>
-            </a:lvl1pPr>
-            <a:lvl2pPr marL="457200" indent="0" algn="ctr" defTabSz="914400" rtl="0" eaLnBrk="1" latinLnBrk="0" hangingPunct="1">
-              <a:lnSpc>
-                <a:spcPct val="90000"/>
-              </a:lnSpc>
-              <a:spcBef>
-                <a:spcPts val="500"/>
-              </a:spcBef>
-              <a:buFont typeface="Arial" panose="020B0604020202020204" pitchFamily="34" charset="0"/>
-              <a:buNone/>
-              <a:defRPr sz="2000" kern="1200">
-                <a:solidFill>
-                  <a:schemeClr val="tx1"/>
-                </a:solidFill>
-                <a:latin typeface="+mn-lt"/>
-                <a:ea typeface="+mn-ea"/>
-                <a:cs typeface="+mn-cs"/>
-              </a:defRPr>
-            </a:lvl2pPr>
-            <a:lvl3pPr marL="914400" indent="0" algn="ctr" defTabSz="914400" rtl="0" eaLnBrk="1" latinLnBrk="0" hangingPunct="1">
-              <a:lnSpc>
-                <a:spcPct val="90000"/>
-              </a:lnSpc>
-              <a:spcBef>
-                <a:spcPts val="500"/>
-              </a:spcBef>
-              <a:buFont typeface="Arial" panose="020B0604020202020204" pitchFamily="34" charset="0"/>
-              <a:buNone/>
-              <a:defRPr sz="1800" kern="1200">
-                <a:solidFill>
-                  <a:schemeClr val="tx1"/>
-                </a:solidFill>
-                <a:latin typeface="+mn-lt"/>
-                <a:ea typeface="+mn-ea"/>
-                <a:cs typeface="+mn-cs"/>
-              </a:defRPr>
-            </a:lvl3pPr>
-            <a:lvl4pPr marL="1371600" indent="0" algn="ctr" defTabSz="914400" rtl="0" eaLnBrk="1" latinLnBrk="0" hangingPunct="1">
-              <a:lnSpc>
-                <a:spcPct val="90000"/>
-              </a:lnSpc>
-              <a:spcBef>
-                <a:spcPts val="500"/>
-              </a:spcBef>
-              <a:buFont typeface="Arial" panose="020B0604020202020204" pitchFamily="34" charset="0"/>
-              <a:buNone/>
-              <a:defRPr sz="1600" kern="1200">
-                <a:solidFill>
-                  <a:schemeClr val="tx1"/>
-                </a:solidFill>
-                <a:latin typeface="+mn-lt"/>
-                <a:ea typeface="+mn-ea"/>
-                <a:cs typeface="+mn-cs"/>
-              </a:defRPr>
-            </a:lvl4pPr>
-            <a:lvl5pPr marL="1828800" indent="0" algn="ctr" defTabSz="914400" rtl="0" eaLnBrk="1" latinLnBrk="0" hangingPunct="1">
-              <a:lnSpc>
-                <a:spcPct val="90000"/>
-              </a:lnSpc>
-              <a:spcBef>
-                <a:spcPts val="500"/>
-              </a:spcBef>
-              <a:buFont typeface="Arial" panose="020B0604020202020204" pitchFamily="34" charset="0"/>
-              <a:buNone/>
-              <a:defRPr sz="1600" kern="1200">
-                <a:solidFill>
-                  <a:schemeClr val="tx1"/>
-                </a:solidFill>
-                <a:latin typeface="+mn-lt"/>
-                <a:ea typeface="+mn-ea"/>
-                <a:cs typeface="+mn-cs"/>
-              </a:defRPr>
-            </a:lvl5pPr>
-            <a:lvl6pPr marL="2286000" indent="0" algn="ctr" defTabSz="914400" rtl="0" eaLnBrk="1" latinLnBrk="0" hangingPunct="1">
-              <a:lnSpc>
-                <a:spcPct val="90000"/>
-              </a:lnSpc>
-              <a:spcBef>
-                <a:spcPts val="500"/>
-              </a:spcBef>
-              <a:buFont typeface="Arial" panose="020B0604020202020204" pitchFamily="34" charset="0"/>
-              <a:buNone/>
-              <a:defRPr sz="1600" kern="1200">
-                <a:solidFill>
-                  <a:schemeClr val="tx1"/>
-                </a:solidFill>
-                <a:latin typeface="+mn-lt"/>
-                <a:ea typeface="+mn-ea"/>
-                <a:cs typeface="+mn-cs"/>
-              </a:defRPr>
-            </a:lvl6pPr>
-            <a:lvl7pPr marL="2743200" indent="0" algn="ctr" defTabSz="914400" rtl="0" eaLnBrk="1" latinLnBrk="0" hangingPunct="1">
-              <a:lnSpc>
-                <a:spcPct val="90000"/>
-              </a:lnSpc>
-              <a:spcBef>
-                <a:spcPts val="500"/>
-              </a:spcBef>
-              <a:buFont typeface="Arial" panose="020B0604020202020204" pitchFamily="34" charset="0"/>
-              <a:buNone/>
-              <a:defRPr sz="1600" kern="1200">
-                <a:solidFill>
-                  <a:schemeClr val="tx1"/>
-                </a:solidFill>
-                <a:latin typeface="+mn-lt"/>
-                <a:ea typeface="+mn-ea"/>
-                <a:cs typeface="+mn-cs"/>
-              </a:defRPr>
-            </a:lvl7pPr>
-            <a:lvl8pPr marL="3200400" indent="0" algn="ctr" defTabSz="914400" rtl="0" eaLnBrk="1" latinLnBrk="0" hangingPunct="1">
-              <a:lnSpc>
-                <a:spcPct val="90000"/>
-              </a:lnSpc>
-              <a:spcBef>
-                <a:spcPts val="500"/>
-              </a:spcBef>
-              <a:buFont typeface="Arial" panose="020B0604020202020204" pitchFamily="34" charset="0"/>
-              <a:buNone/>
-              <a:defRPr sz="1600" kern="1200">
-                <a:solidFill>
-                  <a:schemeClr val="tx1"/>
-                </a:solidFill>
-                <a:latin typeface="+mn-lt"/>
-                <a:ea typeface="+mn-ea"/>
-                <a:cs typeface="+mn-cs"/>
-              </a:defRPr>
-            </a:lvl8pPr>
-            <a:lvl9pPr marL="3657600" indent="0" algn="ctr" defTabSz="914400" rtl="0" eaLnBrk="1" latinLnBrk="0" hangingPunct="1">
-              <a:lnSpc>
-                <a:spcPct val="90000"/>
-              </a:lnSpc>
-              <a:spcBef>
-                <a:spcPts val="500"/>
-              </a:spcBef>
-              <a:buFont typeface="Arial" panose="020B0604020202020204" pitchFamily="34" charset="0"/>
-              <a:buNone/>
-              <a:defRPr sz="1600" kern="1200">
-                <a:solidFill>
-                  <a:schemeClr val="tx1"/>
-                </a:solidFill>
-                <a:latin typeface="+mn-lt"/>
-                <a:ea typeface="+mn-ea"/>
-                <a:cs typeface="+mn-cs"/>
-              </a:defRPr>
-            </a:lvl9pPr>
-          </a:lstStyle>
-          <a:p>
-            <a:pPr algn="r"/>
-            <a:r>
-              <a:rPr lang="de-DE" sz="2000" dirty="0"/>
-              <a:t>Davare</a:t>
-            </a:r>
-          </a:p>
-          <a:p>
-            <a:pPr algn="r"/>
-            <a:r>
-              <a:rPr lang="de-DE" sz="2000" dirty="0"/>
-              <a:t>Hagenhofer</a:t>
-            </a:r>
-            <a:endParaRPr lang="de-AT" sz="2000" dirty="0"/>
-          </a:p>
-        </p:txBody>
-      </p:sp>
-      <p:cxnSp>
-        <p:nvCxnSpPr>
-          <p:cNvPr id="7" name="Gerader Verbinder 6">
-            <a:extLst>
-              <a:ext uri="{FF2B5EF4-FFF2-40B4-BE49-F238E27FC236}">
-                <a16:creationId xmlns:a16="http://schemas.microsoft.com/office/drawing/2014/main" id="{E6A726F6-01CE-6284-61CA-DAE7C343698A}"/>
-              </a:ext>
-            </a:extLst>
-          </p:cNvPr>
-          <p:cNvCxnSpPr>
-            <a:cxnSpLocks/>
-          </p:cNvCxnSpPr>
-          <p:nvPr/>
-        </p:nvCxnSpPr>
-        <p:spPr>
-          <a:xfrm>
-            <a:off x="-66675" y="1142200"/>
-            <a:ext cx="12258675" cy="0"/>
-          </a:xfrm>
-          <a:prstGeom prst="line">
-            <a:avLst/>
-          </a:prstGeom>
-        </p:spPr>
-        <p:style>
-          <a:lnRef idx="1">
-            <a:schemeClr val="dk1"/>
-          </a:lnRef>
-          <a:fillRef idx="0">
-            <a:schemeClr val="dk1"/>
-          </a:fillRef>
-          <a:effectRef idx="0">
-            <a:schemeClr val="dk1"/>
-          </a:effectRef>
-          <a:fontRef idx="minor">
-            <a:schemeClr val="tx1"/>
-          </a:fontRef>
-        </p:style>
-      </p:cxnSp>
-      <p:cxnSp>
-        <p:nvCxnSpPr>
-          <p:cNvPr id="12" name="Gerader Verbinder 11">
-            <a:extLst>
-              <a:ext uri="{FF2B5EF4-FFF2-40B4-BE49-F238E27FC236}">
-                <a16:creationId xmlns:a16="http://schemas.microsoft.com/office/drawing/2014/main" id="{F1A1600E-9C04-7E56-747E-56F24B5E22DC}"/>
-              </a:ext>
-            </a:extLst>
-          </p:cNvPr>
-          <p:cNvCxnSpPr>
-            <a:cxnSpLocks/>
-          </p:cNvCxnSpPr>
-          <p:nvPr/>
-        </p:nvCxnSpPr>
-        <p:spPr>
-          <a:xfrm>
-            <a:off x="1195805" y="2186353"/>
-            <a:ext cx="9644853" cy="0"/>
-          </a:xfrm>
-          <a:prstGeom prst="line">
-            <a:avLst/>
-          </a:prstGeom>
-        </p:spPr>
-        <p:style>
-          <a:lnRef idx="1">
-            <a:schemeClr val="dk1"/>
-          </a:lnRef>
-          <a:fillRef idx="0">
-            <a:schemeClr val="dk1"/>
-          </a:fillRef>
-          <a:effectRef idx="0">
-            <a:schemeClr val="dk1"/>
-          </a:effectRef>
-          <a:fontRef idx="minor">
-            <a:schemeClr val="tx1"/>
-          </a:fontRef>
-        </p:style>
-      </p:cxnSp>
-      <p:cxnSp>
-        <p:nvCxnSpPr>
-          <p:cNvPr id="16" name="Gerader Verbinder 15">
-            <a:extLst>
-              <a:ext uri="{FF2B5EF4-FFF2-40B4-BE49-F238E27FC236}">
-                <a16:creationId xmlns:a16="http://schemas.microsoft.com/office/drawing/2014/main" id="{7B0B9D97-7037-A982-6BB7-EA6242CC15F7}"/>
-              </a:ext>
-            </a:extLst>
-          </p:cNvPr>
-          <p:cNvCxnSpPr>
-            <a:cxnSpLocks/>
-          </p:cNvCxnSpPr>
-          <p:nvPr/>
-        </p:nvCxnSpPr>
-        <p:spPr>
-          <a:xfrm>
-            <a:off x="-33340" y="6388638"/>
-            <a:ext cx="12258675" cy="0"/>
-          </a:xfrm>
-          <a:prstGeom prst="line">
-            <a:avLst/>
-          </a:prstGeom>
-        </p:spPr>
-        <p:style>
-          <a:lnRef idx="1">
-            <a:schemeClr val="dk1"/>
-          </a:lnRef>
-          <a:fillRef idx="0">
-            <a:schemeClr val="dk1"/>
-          </a:fillRef>
-          <a:effectRef idx="0">
-            <a:schemeClr val="dk1"/>
-          </a:effectRef>
-          <a:fontRef idx="minor">
-            <a:schemeClr val="tx1"/>
-          </a:fontRef>
-        </p:style>
-      </p:cxnSp>
-      <p:sp>
-        <p:nvSpPr>
-          <p:cNvPr id="20" name="Datumsplatzhalter 3">
-            <a:extLst>
-              <a:ext uri="{FF2B5EF4-FFF2-40B4-BE49-F238E27FC236}">
-                <a16:creationId xmlns:a16="http://schemas.microsoft.com/office/drawing/2014/main" id="{0DA24111-525C-027B-7D7C-B69140C01CE2}"/>
-              </a:ext>
-            </a:extLst>
-          </p:cNvPr>
-          <p:cNvSpPr>
-            <a:spLocks noGrp="1"/>
-          </p:cNvSpPr>
-          <p:nvPr>
-            <p:ph type="dt" sz="half" idx="10"/>
-          </p:nvPr>
-        </p:nvSpPr>
-        <p:spPr>
-          <a:xfrm>
-            <a:off x="838200" y="6567222"/>
-            <a:ext cx="2743200" cy="208546"/>
-          </a:xfrm>
-        </p:spPr>
-        <p:txBody>
-          <a:bodyPr/>
-          <a:lstStyle/>
-          <a:p>
-            <a:r>
-              <a:rPr lang="de-AT" sz="2000" dirty="0"/>
-              <a:t>19.12.2023</a:t>
-            </a:r>
-          </a:p>
-        </p:txBody>
-      </p:sp>
-      <p:sp>
-        <p:nvSpPr>
-          <p:cNvPr id="22" name="Foliennummernplatzhalter 21">
-            <a:extLst>
-              <a:ext uri="{FF2B5EF4-FFF2-40B4-BE49-F238E27FC236}">
-                <a16:creationId xmlns:a16="http://schemas.microsoft.com/office/drawing/2014/main" id="{B4DB84F1-6A53-DBB6-AB9A-C4A924F8F291}"/>
-              </a:ext>
-            </a:extLst>
-          </p:cNvPr>
-          <p:cNvSpPr>
-            <a:spLocks noGrp="1"/>
-          </p:cNvSpPr>
-          <p:nvPr>
-            <p:ph type="sldNum" sz="quarter" idx="12"/>
-          </p:nvPr>
-        </p:nvSpPr>
-        <p:spPr>
-          <a:xfrm>
-            <a:off x="8610600" y="6594368"/>
-            <a:ext cx="2743200" cy="154253"/>
-          </a:xfrm>
-        </p:spPr>
-        <p:txBody>
-          <a:bodyPr/>
-          <a:lstStyle/>
-          <a:p>
-            <a:r>
-              <a:rPr lang="de-AT" sz="2000" dirty="0"/>
-              <a:t>2/5</a:t>
-            </a:r>
-          </a:p>
-        </p:txBody>
-      </p:sp>
-      <p:pic>
-        <p:nvPicPr>
-          <p:cNvPr id="8" name="Grafik 7" descr="Ein Bild, das Text, Diagramm, Schrift, Reihe enthält.&#10;&#10;Automatisch generierte Beschreibung">
-            <a:extLst>
-              <a:ext uri="{FF2B5EF4-FFF2-40B4-BE49-F238E27FC236}">
-                <a16:creationId xmlns:a16="http://schemas.microsoft.com/office/drawing/2014/main" id="{ABA3B0EF-9212-6E24-233C-A460B7E5F23A}"/>
-              </a:ext>
-            </a:extLst>
-          </p:cNvPr>
-          <p:cNvPicPr>
-            <a:picLocks noChangeAspect="1"/>
-          </p:cNvPicPr>
-          <p:nvPr/>
-        </p:nvPicPr>
-        <p:blipFill>
-          <a:blip r:embed="rId3">
-            <a:extLst>
-              <a:ext uri="{28A0092B-C50C-407E-A947-70E740481C1C}">
-                <a14:useLocalDpi xmlns:a14="http://schemas.microsoft.com/office/drawing/2010/main" val="0"/>
-              </a:ext>
-            </a:extLst>
-          </a:blip>
-          <a:stretch>
-            <a:fillRect/>
-          </a:stretch>
-        </p:blipFill>
-        <p:spPr>
-          <a:xfrm>
-            <a:off x="3035706" y="2538816"/>
-            <a:ext cx="6120582" cy="3557364"/>
-          </a:xfrm>
-          <a:prstGeom prst="rect">
-            <a:avLst/>
-          </a:prstGeom>
-        </p:spPr>
-      </p:pic>
-    </p:spTree>
-    <p:extLst>
-      <p:ext uri="{BB962C8B-B14F-4D97-AF65-F5344CB8AC3E}">
-        <p14:creationId xmlns:p14="http://schemas.microsoft.com/office/powerpoint/2010/main" val="2997998359"/>
-      </p:ext>
-    </p:extLst>
-  </p:cSld>
-  <p:clrMapOvr>
-    <a:masterClrMapping/>
-  </p:clrMapOvr>
-</p:sld>
-</file>
-
-<file path=ppt/slides/slide7.xml><?xml version="1.0" encoding="utf-8"?>
-<p:sld xmlns:a="http://schemas.openxmlformats.org/drawingml/2006/main" xmlns:r="http://schemas.openxmlformats.org/officeDocument/2006/relationships" xmlns:p="http://schemas.openxmlformats.org/presentationml/2006/main">
-  <p:cSld>
-    <p:spTree>
-      <p:nvGrpSpPr>
-        <p:cNvPr id="1" name="">
-          <a:extLst>
-            <a:ext uri="{FF2B5EF4-FFF2-40B4-BE49-F238E27FC236}">
-              <a16:creationId xmlns:a16="http://schemas.microsoft.com/office/drawing/2014/main" id="{DE2AFD91-FFBD-8B5B-F05F-6D348C2E0FBB}"/>
-            </a:ext>
-          </a:extLst>
-        </p:cNvPr>
-        <p:cNvGrpSpPr/>
-        <p:nvPr/>
-      </p:nvGrpSpPr>
-      <p:grpSpPr>
-        <a:xfrm>
-          <a:off x="0" y="0"/>
-          <a:ext cx="0" cy="0"/>
-          <a:chOff x="0" y="0"/>
-          <a:chExt cx="0" cy="0"/>
-        </a:xfrm>
-      </p:grpSpPr>
-      <p:sp>
-        <p:nvSpPr>
-          <p:cNvPr id="2" name="Titel 1">
-            <a:extLst>
-              <a:ext uri="{FF2B5EF4-FFF2-40B4-BE49-F238E27FC236}">
-                <a16:creationId xmlns:a16="http://schemas.microsoft.com/office/drawing/2014/main" id="{EDAE255C-A7F0-8957-D030-70B5F5E3959B}"/>
-              </a:ext>
-            </a:extLst>
-          </p:cNvPr>
-          <p:cNvSpPr>
-            <a:spLocks noGrp="1"/>
-          </p:cNvSpPr>
-          <p:nvPr>
-            <p:ph type="ctrTitle"/>
-          </p:nvPr>
-        </p:nvSpPr>
-        <p:spPr>
-          <a:xfrm>
-            <a:off x="1079568" y="2486397"/>
-            <a:ext cx="10036632" cy="1240035"/>
-          </a:xfrm>
-        </p:spPr>
-        <p:txBody>
-          <a:bodyPr>
-            <a:normAutofit/>
-          </a:bodyPr>
-          <a:lstStyle/>
-          <a:p>
-            <a:pPr>
-              <a:lnSpc>
-                <a:spcPct val="150000"/>
-              </a:lnSpc>
-            </a:pPr>
-            <a:r>
-              <a:rPr lang="de-DE" sz="4800" dirty="0">
-                <a:solidFill>
-                  <a:schemeClr val="accent5">
-                    <a:lumMod val="75000"/>
-                  </a:schemeClr>
-                </a:solidFill>
-              </a:rPr>
-              <a:t>Aufbau des Projektes </a:t>
-            </a:r>
-            <a:endParaRPr lang="de-AT" sz="2800" spc="-150" dirty="0"/>
-          </a:p>
-        </p:txBody>
-      </p:sp>
-      <p:sp>
-        <p:nvSpPr>
-          <p:cNvPr id="3" name="Untertitel 2">
-            <a:extLst>
-              <a:ext uri="{FF2B5EF4-FFF2-40B4-BE49-F238E27FC236}">
-                <a16:creationId xmlns:a16="http://schemas.microsoft.com/office/drawing/2014/main" id="{A2DBB0EF-8485-F0E4-6A75-D02CEAAF1827}"/>
-              </a:ext>
-            </a:extLst>
-          </p:cNvPr>
-          <p:cNvSpPr>
-            <a:spLocks noGrp="1"/>
-          </p:cNvSpPr>
-          <p:nvPr>
-            <p:ph type="subTitle" idx="1"/>
-          </p:nvPr>
-        </p:nvSpPr>
-        <p:spPr>
-          <a:xfrm>
-            <a:off x="492625" y="148264"/>
-            <a:ext cx="2062749" cy="920543"/>
-          </a:xfrm>
-        </p:spPr>
-        <p:txBody>
-          <a:bodyPr>
-            <a:normAutofit fontScale="85000" lnSpcReduction="20000"/>
-          </a:bodyPr>
-          <a:lstStyle/>
-          <a:p>
-            <a:r>
-              <a:rPr lang="de-DE" sz="2000" dirty="0"/>
-              <a:t>HTL Saalfelden</a:t>
-            </a:r>
-          </a:p>
-          <a:p>
-            <a:r>
-              <a:rPr lang="de-DE" sz="2000" dirty="0"/>
-              <a:t>Abteilung Informatik</a:t>
-            </a:r>
-          </a:p>
-          <a:p>
-            <a:r>
-              <a:rPr lang="de-DE" sz="2000" dirty="0"/>
-              <a:t>5. AHINF – 2023/24</a:t>
-            </a:r>
-            <a:endParaRPr lang="de-AT" sz="2000" dirty="0"/>
-          </a:p>
-        </p:txBody>
-      </p:sp>
-      <p:pic>
-        <p:nvPicPr>
-          <p:cNvPr id="1026" name="Picture 2" descr="Schnuppertag: Bautechnik an der HTL Saalfelden">
-            <a:extLst>
-              <a:ext uri="{FF2B5EF4-FFF2-40B4-BE49-F238E27FC236}">
-                <a16:creationId xmlns:a16="http://schemas.microsoft.com/office/drawing/2014/main" id="{B4E6718C-57A3-FAF6-ACDF-1754D46F1A68}"/>
-              </a:ext>
-            </a:extLst>
-          </p:cNvPr>
-          <p:cNvPicPr>
-            <a:picLocks noChangeAspect="1" noChangeArrowheads="1"/>
-          </p:cNvPicPr>
-          <p:nvPr/>
-        </p:nvPicPr>
-        <p:blipFill>
-          <a:blip r:embed="rId2">
-            <a:extLst>
-              <a:ext uri="{28A0092B-C50C-407E-A947-70E740481C1C}">
-                <a14:useLocalDpi xmlns:a14="http://schemas.microsoft.com/office/drawing/2010/main" val="0"/>
-              </a:ext>
-            </a:extLst>
-          </a:blip>
-          <a:srcRect/>
-          <a:stretch>
-            <a:fillRect/>
-          </a:stretch>
-        </p:blipFill>
-        <p:spPr bwMode="auto">
-          <a:xfrm>
-            <a:off x="11116200" y="61624"/>
-            <a:ext cx="943806" cy="1045178"/>
-          </a:xfrm>
-          <a:prstGeom prst="rect">
-            <a:avLst/>
-          </a:prstGeom>
-          <a:noFill/>
-          <a:extLst>
-            <a:ext uri="{909E8E84-426E-40DD-AFC4-6F175D3DCCD1}">
-              <a14:hiddenFill xmlns:a14="http://schemas.microsoft.com/office/drawing/2010/main">
-                <a:solidFill>
-                  <a:srgbClr val="FFFFFF"/>
-                </a:solidFill>
-              </a14:hiddenFill>
-            </a:ext>
-          </a:extLst>
-        </p:spPr>
-      </p:pic>
-      <p:sp>
-        <p:nvSpPr>
-          <p:cNvPr id="5" name="Untertitel 2">
-            <a:extLst>
-              <a:ext uri="{FF2B5EF4-FFF2-40B4-BE49-F238E27FC236}">
-                <a16:creationId xmlns:a16="http://schemas.microsoft.com/office/drawing/2014/main" id="{8732DD61-0E5D-AE82-AA1C-07E92AB31FEE}"/>
-              </a:ext>
-            </a:extLst>
-          </p:cNvPr>
-          <p:cNvSpPr txBox="1">
-            <a:spLocks/>
-          </p:cNvSpPr>
-          <p:nvPr/>
-        </p:nvSpPr>
-        <p:spPr>
-          <a:xfrm>
-            <a:off x="9268679" y="186505"/>
-            <a:ext cx="1407342" cy="844062"/>
-          </a:xfrm>
-          <a:prstGeom prst="rect">
-            <a:avLst/>
-          </a:prstGeom>
-        </p:spPr>
-        <p:txBody>
-          <a:bodyPr vert="horz" lIns="91440" tIns="45720" rIns="91440" bIns="45720" rtlCol="0">
-            <a:normAutofit/>
-          </a:bodyPr>
-          <a:lstStyle>
-            <a:lvl1pPr marL="0" indent="0" algn="ctr" defTabSz="914400" rtl="0" eaLnBrk="1" latinLnBrk="0" hangingPunct="1">
-              <a:lnSpc>
-                <a:spcPct val="90000"/>
-              </a:lnSpc>
-              <a:spcBef>
-                <a:spcPts val="1000"/>
-              </a:spcBef>
-              <a:buFont typeface="Arial" panose="020B0604020202020204" pitchFamily="34" charset="0"/>
-              <a:buNone/>
-              <a:defRPr sz="2400" kern="1200">
-                <a:solidFill>
-                  <a:schemeClr val="tx1"/>
-                </a:solidFill>
-                <a:latin typeface="+mn-lt"/>
-                <a:ea typeface="+mn-ea"/>
-                <a:cs typeface="+mn-cs"/>
-              </a:defRPr>
-            </a:lvl1pPr>
-            <a:lvl2pPr marL="457200" indent="0" algn="ctr" defTabSz="914400" rtl="0" eaLnBrk="1" latinLnBrk="0" hangingPunct="1">
-              <a:lnSpc>
-                <a:spcPct val="90000"/>
-              </a:lnSpc>
-              <a:spcBef>
-                <a:spcPts val="500"/>
-              </a:spcBef>
-              <a:buFont typeface="Arial" panose="020B0604020202020204" pitchFamily="34" charset="0"/>
-              <a:buNone/>
-              <a:defRPr sz="2000" kern="1200">
-                <a:solidFill>
-                  <a:schemeClr val="tx1"/>
-                </a:solidFill>
-                <a:latin typeface="+mn-lt"/>
-                <a:ea typeface="+mn-ea"/>
-                <a:cs typeface="+mn-cs"/>
-              </a:defRPr>
-            </a:lvl2pPr>
-            <a:lvl3pPr marL="914400" indent="0" algn="ctr" defTabSz="914400" rtl="0" eaLnBrk="1" latinLnBrk="0" hangingPunct="1">
-              <a:lnSpc>
-                <a:spcPct val="90000"/>
-              </a:lnSpc>
-              <a:spcBef>
-                <a:spcPts val="500"/>
-              </a:spcBef>
-              <a:buFont typeface="Arial" panose="020B0604020202020204" pitchFamily="34" charset="0"/>
-              <a:buNone/>
-              <a:defRPr sz="1800" kern="1200">
-                <a:solidFill>
-                  <a:schemeClr val="tx1"/>
-                </a:solidFill>
-                <a:latin typeface="+mn-lt"/>
-                <a:ea typeface="+mn-ea"/>
-                <a:cs typeface="+mn-cs"/>
-              </a:defRPr>
-            </a:lvl3pPr>
-            <a:lvl4pPr marL="1371600" indent="0" algn="ctr" defTabSz="914400" rtl="0" eaLnBrk="1" latinLnBrk="0" hangingPunct="1">
-              <a:lnSpc>
-                <a:spcPct val="90000"/>
-              </a:lnSpc>
-              <a:spcBef>
-                <a:spcPts val="500"/>
-              </a:spcBef>
-              <a:buFont typeface="Arial" panose="020B0604020202020204" pitchFamily="34" charset="0"/>
-              <a:buNone/>
-              <a:defRPr sz="1600" kern="1200">
-                <a:solidFill>
-                  <a:schemeClr val="tx1"/>
-                </a:solidFill>
-                <a:latin typeface="+mn-lt"/>
-                <a:ea typeface="+mn-ea"/>
-                <a:cs typeface="+mn-cs"/>
-              </a:defRPr>
-            </a:lvl4pPr>
-            <a:lvl5pPr marL="1828800" indent="0" algn="ctr" defTabSz="914400" rtl="0" eaLnBrk="1" latinLnBrk="0" hangingPunct="1">
-              <a:lnSpc>
-                <a:spcPct val="90000"/>
-              </a:lnSpc>
-              <a:spcBef>
-                <a:spcPts val="500"/>
-              </a:spcBef>
-              <a:buFont typeface="Arial" panose="020B0604020202020204" pitchFamily="34" charset="0"/>
-              <a:buNone/>
-              <a:defRPr sz="1600" kern="1200">
-                <a:solidFill>
-                  <a:schemeClr val="tx1"/>
-                </a:solidFill>
-                <a:latin typeface="+mn-lt"/>
-                <a:ea typeface="+mn-ea"/>
-                <a:cs typeface="+mn-cs"/>
-              </a:defRPr>
-            </a:lvl5pPr>
-            <a:lvl6pPr marL="2286000" indent="0" algn="ctr" defTabSz="914400" rtl="0" eaLnBrk="1" latinLnBrk="0" hangingPunct="1">
-              <a:lnSpc>
-                <a:spcPct val="90000"/>
-              </a:lnSpc>
-              <a:spcBef>
-                <a:spcPts val="500"/>
-              </a:spcBef>
-              <a:buFont typeface="Arial" panose="020B0604020202020204" pitchFamily="34" charset="0"/>
-              <a:buNone/>
-              <a:defRPr sz="1600" kern="1200">
-                <a:solidFill>
-                  <a:schemeClr val="tx1"/>
-                </a:solidFill>
-                <a:latin typeface="+mn-lt"/>
-                <a:ea typeface="+mn-ea"/>
-                <a:cs typeface="+mn-cs"/>
-              </a:defRPr>
-            </a:lvl6pPr>
-            <a:lvl7pPr marL="2743200" indent="0" algn="ctr" defTabSz="914400" rtl="0" eaLnBrk="1" latinLnBrk="0" hangingPunct="1">
-              <a:lnSpc>
-                <a:spcPct val="90000"/>
-              </a:lnSpc>
-              <a:spcBef>
-                <a:spcPts val="500"/>
-              </a:spcBef>
-              <a:buFont typeface="Arial" panose="020B0604020202020204" pitchFamily="34" charset="0"/>
-              <a:buNone/>
-              <a:defRPr sz="1600" kern="1200">
-                <a:solidFill>
-                  <a:schemeClr val="tx1"/>
-                </a:solidFill>
-                <a:latin typeface="+mn-lt"/>
-                <a:ea typeface="+mn-ea"/>
-                <a:cs typeface="+mn-cs"/>
-              </a:defRPr>
-            </a:lvl7pPr>
-            <a:lvl8pPr marL="3200400" indent="0" algn="ctr" defTabSz="914400" rtl="0" eaLnBrk="1" latinLnBrk="0" hangingPunct="1">
-              <a:lnSpc>
-                <a:spcPct val="90000"/>
-              </a:lnSpc>
-              <a:spcBef>
-                <a:spcPts val="500"/>
-              </a:spcBef>
-              <a:buFont typeface="Arial" panose="020B0604020202020204" pitchFamily="34" charset="0"/>
-              <a:buNone/>
-              <a:defRPr sz="1600" kern="1200">
-                <a:solidFill>
-                  <a:schemeClr val="tx1"/>
-                </a:solidFill>
-                <a:latin typeface="+mn-lt"/>
-                <a:ea typeface="+mn-ea"/>
-                <a:cs typeface="+mn-cs"/>
-              </a:defRPr>
-            </a:lvl8pPr>
-            <a:lvl9pPr marL="3657600" indent="0" algn="ctr" defTabSz="914400" rtl="0" eaLnBrk="1" latinLnBrk="0" hangingPunct="1">
-              <a:lnSpc>
-                <a:spcPct val="90000"/>
-              </a:lnSpc>
-              <a:spcBef>
-                <a:spcPts val="500"/>
-              </a:spcBef>
-              <a:buFont typeface="Arial" panose="020B0604020202020204" pitchFamily="34" charset="0"/>
-              <a:buNone/>
-              <a:defRPr sz="1600" kern="1200">
-                <a:solidFill>
-                  <a:schemeClr val="tx1"/>
-                </a:solidFill>
-                <a:latin typeface="+mn-lt"/>
-                <a:ea typeface="+mn-ea"/>
-                <a:cs typeface="+mn-cs"/>
-              </a:defRPr>
-            </a:lvl9pPr>
-          </a:lstStyle>
-          <a:p>
-            <a:pPr algn="r"/>
-            <a:r>
-              <a:rPr lang="de-DE" sz="2000" dirty="0"/>
-              <a:t>Davare</a:t>
-            </a:r>
-          </a:p>
-          <a:p>
-            <a:pPr algn="r"/>
-            <a:r>
-              <a:rPr lang="de-DE" sz="2000" dirty="0"/>
-              <a:t>Hagenhofer</a:t>
-            </a:r>
-            <a:endParaRPr lang="de-AT" sz="2000" dirty="0"/>
-          </a:p>
-        </p:txBody>
-      </p:sp>
-      <p:cxnSp>
-        <p:nvCxnSpPr>
-          <p:cNvPr id="7" name="Gerader Verbinder 6">
-            <a:extLst>
-              <a:ext uri="{FF2B5EF4-FFF2-40B4-BE49-F238E27FC236}">
-                <a16:creationId xmlns:a16="http://schemas.microsoft.com/office/drawing/2014/main" id="{D0A71F05-3F14-3F7A-BCE7-30E2B64BD65E}"/>
-              </a:ext>
-            </a:extLst>
-          </p:cNvPr>
-          <p:cNvCxnSpPr>
-            <a:cxnSpLocks/>
-          </p:cNvCxnSpPr>
-          <p:nvPr/>
-        </p:nvCxnSpPr>
-        <p:spPr>
-          <a:xfrm>
-            <a:off x="-66675" y="1142200"/>
-            <a:ext cx="12258675" cy="0"/>
-          </a:xfrm>
-          <a:prstGeom prst="line">
-            <a:avLst/>
-          </a:prstGeom>
-        </p:spPr>
-        <p:style>
-          <a:lnRef idx="1">
-            <a:schemeClr val="dk1"/>
-          </a:lnRef>
-          <a:fillRef idx="0">
-            <a:schemeClr val="dk1"/>
-          </a:fillRef>
-          <a:effectRef idx="0">
-            <a:schemeClr val="dk1"/>
-          </a:effectRef>
-          <a:fontRef idx="minor">
-            <a:schemeClr val="tx1"/>
-          </a:fontRef>
-        </p:style>
-      </p:cxnSp>
-      <p:cxnSp>
-        <p:nvCxnSpPr>
-          <p:cNvPr id="12" name="Gerader Verbinder 11">
-            <a:extLst>
-              <a:ext uri="{FF2B5EF4-FFF2-40B4-BE49-F238E27FC236}">
-                <a16:creationId xmlns:a16="http://schemas.microsoft.com/office/drawing/2014/main" id="{A7EC68E0-24A9-4DDB-1A62-68814181C599}"/>
-              </a:ext>
-            </a:extLst>
-          </p:cNvPr>
-          <p:cNvCxnSpPr>
-            <a:cxnSpLocks/>
-          </p:cNvCxnSpPr>
-          <p:nvPr/>
-        </p:nvCxnSpPr>
-        <p:spPr>
-          <a:xfrm>
-            <a:off x="1160893" y="3982079"/>
-            <a:ext cx="9644853" cy="0"/>
-          </a:xfrm>
-          <a:prstGeom prst="line">
-            <a:avLst/>
-          </a:prstGeom>
-        </p:spPr>
-        <p:style>
-          <a:lnRef idx="1">
-            <a:schemeClr val="dk1"/>
-          </a:lnRef>
-          <a:fillRef idx="0">
-            <a:schemeClr val="dk1"/>
-          </a:fillRef>
-          <a:effectRef idx="0">
-            <a:schemeClr val="dk1"/>
-          </a:effectRef>
-          <a:fontRef idx="minor">
-            <a:schemeClr val="tx1"/>
-          </a:fontRef>
-        </p:style>
-      </p:cxnSp>
-      <p:cxnSp>
-        <p:nvCxnSpPr>
-          <p:cNvPr id="16" name="Gerader Verbinder 15">
-            <a:extLst>
-              <a:ext uri="{FF2B5EF4-FFF2-40B4-BE49-F238E27FC236}">
-                <a16:creationId xmlns:a16="http://schemas.microsoft.com/office/drawing/2014/main" id="{F6323BB4-C70A-DEC1-D832-C7D4F880668D}"/>
-              </a:ext>
-            </a:extLst>
-          </p:cNvPr>
-          <p:cNvCxnSpPr>
-            <a:cxnSpLocks/>
-          </p:cNvCxnSpPr>
-          <p:nvPr/>
-        </p:nvCxnSpPr>
-        <p:spPr>
-          <a:xfrm>
-            <a:off x="-33340" y="6379760"/>
-            <a:ext cx="12258675" cy="0"/>
-          </a:xfrm>
-          <a:prstGeom prst="line">
-            <a:avLst/>
-          </a:prstGeom>
-        </p:spPr>
-        <p:style>
-          <a:lnRef idx="1">
-            <a:schemeClr val="dk1"/>
-          </a:lnRef>
-          <a:fillRef idx="0">
-            <a:schemeClr val="dk1"/>
-          </a:fillRef>
-          <a:effectRef idx="0">
-            <a:schemeClr val="dk1"/>
-          </a:effectRef>
-          <a:fontRef idx="minor">
-            <a:schemeClr val="tx1"/>
-          </a:fontRef>
-        </p:style>
-      </p:cxnSp>
-      <p:sp>
-        <p:nvSpPr>
-          <p:cNvPr id="20" name="Datumsplatzhalter 3">
-            <a:extLst>
-              <a:ext uri="{FF2B5EF4-FFF2-40B4-BE49-F238E27FC236}">
-                <a16:creationId xmlns:a16="http://schemas.microsoft.com/office/drawing/2014/main" id="{987D0A12-830B-930D-F0CA-79478DB4EE25}"/>
-              </a:ext>
-            </a:extLst>
-          </p:cNvPr>
-          <p:cNvSpPr>
-            <a:spLocks noGrp="1"/>
-          </p:cNvSpPr>
-          <p:nvPr>
-            <p:ph type="dt" sz="half" idx="10"/>
-          </p:nvPr>
-        </p:nvSpPr>
-        <p:spPr>
-          <a:xfrm>
-            <a:off x="838200" y="6567222"/>
-            <a:ext cx="2743200" cy="208546"/>
-          </a:xfrm>
-        </p:spPr>
-        <p:txBody>
-          <a:bodyPr/>
-          <a:lstStyle/>
-          <a:p>
-            <a:r>
-              <a:rPr lang="de-AT" sz="2000" dirty="0"/>
-              <a:t>19.12.2023</a:t>
-            </a:r>
-          </a:p>
-        </p:txBody>
-      </p:sp>
-      <p:sp>
-        <p:nvSpPr>
-          <p:cNvPr id="22" name="Foliennummernplatzhalter 21">
-            <a:extLst>
-              <a:ext uri="{FF2B5EF4-FFF2-40B4-BE49-F238E27FC236}">
-                <a16:creationId xmlns:a16="http://schemas.microsoft.com/office/drawing/2014/main" id="{3DB9D43D-40F6-5AA9-7F9A-2B3294A4791C}"/>
-              </a:ext>
-            </a:extLst>
-          </p:cNvPr>
-          <p:cNvSpPr>
-            <a:spLocks noGrp="1"/>
-          </p:cNvSpPr>
-          <p:nvPr>
-            <p:ph type="sldNum" sz="quarter" idx="12"/>
-          </p:nvPr>
-        </p:nvSpPr>
-        <p:spPr>
-          <a:xfrm>
-            <a:off x="8610600" y="6594368"/>
-            <a:ext cx="2743200" cy="154253"/>
-          </a:xfrm>
-        </p:spPr>
-        <p:txBody>
-          <a:bodyPr/>
-          <a:lstStyle/>
-          <a:p>
-            <a:r>
-              <a:rPr lang="de-AT" sz="2000" dirty="0"/>
-              <a:t>4/5</a:t>
-            </a:r>
-          </a:p>
-        </p:txBody>
-      </p:sp>
-    </p:spTree>
-    <p:extLst>
-      <p:ext uri="{BB962C8B-B14F-4D97-AF65-F5344CB8AC3E}">
-        <p14:creationId xmlns:p14="http://schemas.microsoft.com/office/powerpoint/2010/main" val="2417370953"/>
-      </p:ext>
-    </p:extLst>
-  </p:cSld>
-  <p:clrMapOvr>
-    <a:masterClrMapping/>
-  </p:clrMapOvr>
-</p:sld>
-</file>
-
-<file path=ppt/slides/slide8.xml><?xml version="1.0" encoding="utf-8"?>
-<p:sld xmlns:a="http://schemas.openxmlformats.org/drawingml/2006/main" xmlns:r="http://schemas.openxmlformats.org/officeDocument/2006/relationships" xmlns:p="http://schemas.openxmlformats.org/presentationml/2006/main">
-  <p:cSld>
-    <p:spTree>
-      <p:nvGrpSpPr>
-        <p:cNvPr id="1" name="">
-          <a:extLst>
-            <a:ext uri="{FF2B5EF4-FFF2-40B4-BE49-F238E27FC236}">
-              <a16:creationId xmlns:a16="http://schemas.microsoft.com/office/drawing/2014/main" id="{1F1CB2DE-30FD-0BEE-58E7-D5A34A353598}"/>
-            </a:ext>
-          </a:extLst>
-        </p:cNvPr>
-        <p:cNvGrpSpPr/>
-        <p:nvPr/>
-      </p:nvGrpSpPr>
-      <p:grpSpPr>
-        <a:xfrm>
-          <a:off x="0" y="0"/>
-          <a:ext cx="0" cy="0"/>
-          <a:chOff x="0" y="0"/>
-          <a:chExt cx="0" cy="0"/>
-        </a:xfrm>
-      </p:grpSpPr>
-      <p:sp>
-        <p:nvSpPr>
-          <p:cNvPr id="3" name="Untertitel 2">
-            <a:extLst>
-              <a:ext uri="{FF2B5EF4-FFF2-40B4-BE49-F238E27FC236}">
-                <a16:creationId xmlns:a16="http://schemas.microsoft.com/office/drawing/2014/main" id="{458AC595-7F5B-6A9E-10A6-97A27D4489AD}"/>
-              </a:ext>
-            </a:extLst>
-          </p:cNvPr>
-          <p:cNvSpPr>
-            <a:spLocks noGrp="1"/>
-          </p:cNvSpPr>
-          <p:nvPr>
-            <p:ph type="subTitle" idx="1"/>
-          </p:nvPr>
-        </p:nvSpPr>
-        <p:spPr>
-          <a:xfrm>
-            <a:off x="492625" y="148264"/>
-            <a:ext cx="2062749" cy="920543"/>
-          </a:xfrm>
-        </p:spPr>
-        <p:txBody>
-          <a:bodyPr>
-            <a:normAutofit fontScale="85000" lnSpcReduction="20000"/>
-          </a:bodyPr>
-          <a:lstStyle/>
-          <a:p>
-            <a:r>
-              <a:rPr lang="de-DE" sz="2000" dirty="0"/>
-              <a:t>HTL Saalfelden</a:t>
-            </a:r>
-          </a:p>
-          <a:p>
-            <a:r>
-              <a:rPr lang="de-DE" sz="2000" dirty="0"/>
-              <a:t>Abteilung Informatik</a:t>
-            </a:r>
-          </a:p>
-          <a:p>
-            <a:r>
-              <a:rPr lang="de-DE" sz="2000" dirty="0"/>
-              <a:t>5. AHINF – 2023/24</a:t>
-            </a:r>
-            <a:endParaRPr lang="de-AT" sz="2000" dirty="0"/>
-          </a:p>
-        </p:txBody>
-      </p:sp>
-      <p:pic>
-        <p:nvPicPr>
-          <p:cNvPr id="1026" name="Picture 2" descr="Schnuppertag: Bautechnik an der HTL Saalfelden">
-            <a:extLst>
-              <a:ext uri="{FF2B5EF4-FFF2-40B4-BE49-F238E27FC236}">
-                <a16:creationId xmlns:a16="http://schemas.microsoft.com/office/drawing/2014/main" id="{B45EDC9A-B6C2-2CE6-246E-8E4EF63BE47C}"/>
-              </a:ext>
-            </a:extLst>
-          </p:cNvPr>
-          <p:cNvPicPr>
-            <a:picLocks noChangeAspect="1" noChangeArrowheads="1"/>
-          </p:cNvPicPr>
-          <p:nvPr/>
-        </p:nvPicPr>
-        <p:blipFill>
-          <a:blip r:embed="rId2">
-            <a:extLst>
-              <a:ext uri="{28A0092B-C50C-407E-A947-70E740481C1C}">
-                <a14:useLocalDpi xmlns:a14="http://schemas.microsoft.com/office/drawing/2010/main" val="0"/>
-              </a:ext>
-            </a:extLst>
-          </a:blip>
-          <a:srcRect/>
-          <a:stretch>
-            <a:fillRect/>
-          </a:stretch>
-        </p:blipFill>
-        <p:spPr bwMode="auto">
-          <a:xfrm>
-            <a:off x="11116200" y="61624"/>
-            <a:ext cx="943806" cy="1045178"/>
-          </a:xfrm>
-          <a:prstGeom prst="rect">
-            <a:avLst/>
-          </a:prstGeom>
-          <a:noFill/>
-          <a:extLst>
-            <a:ext uri="{909E8E84-426E-40DD-AFC4-6F175D3DCCD1}">
-              <a14:hiddenFill xmlns:a14="http://schemas.microsoft.com/office/drawing/2010/main">
-                <a:solidFill>
-                  <a:srgbClr val="FFFFFF"/>
-                </a:solidFill>
-              </a14:hiddenFill>
-            </a:ext>
-          </a:extLst>
-        </p:spPr>
-      </p:pic>
-      <p:sp>
-        <p:nvSpPr>
-          <p:cNvPr id="5" name="Untertitel 2">
-            <a:extLst>
-              <a:ext uri="{FF2B5EF4-FFF2-40B4-BE49-F238E27FC236}">
-                <a16:creationId xmlns:a16="http://schemas.microsoft.com/office/drawing/2014/main" id="{A85CFB45-39D9-2F44-3448-23C6AF99624D}"/>
-              </a:ext>
-            </a:extLst>
-          </p:cNvPr>
-          <p:cNvSpPr txBox="1">
-            <a:spLocks/>
-          </p:cNvSpPr>
-          <p:nvPr/>
-        </p:nvSpPr>
-        <p:spPr>
-          <a:xfrm>
-            <a:off x="9268679" y="186505"/>
-            <a:ext cx="1407342" cy="844062"/>
-          </a:xfrm>
-          <a:prstGeom prst="rect">
-            <a:avLst/>
-          </a:prstGeom>
-        </p:spPr>
-        <p:txBody>
-          <a:bodyPr vert="horz" lIns="91440" tIns="45720" rIns="91440" bIns="45720" rtlCol="0">
-            <a:normAutofit/>
-          </a:bodyPr>
-          <a:lstStyle>
-            <a:lvl1pPr marL="0" indent="0" algn="ctr" defTabSz="914400" rtl="0" eaLnBrk="1" latinLnBrk="0" hangingPunct="1">
-              <a:lnSpc>
-                <a:spcPct val="90000"/>
-              </a:lnSpc>
-              <a:spcBef>
-                <a:spcPts val="1000"/>
-              </a:spcBef>
-              <a:buFont typeface="Arial" panose="020B0604020202020204" pitchFamily="34" charset="0"/>
-              <a:buNone/>
-              <a:defRPr sz="2400" kern="1200">
-                <a:solidFill>
-                  <a:schemeClr val="tx1"/>
-                </a:solidFill>
-                <a:latin typeface="+mn-lt"/>
-                <a:ea typeface="+mn-ea"/>
-                <a:cs typeface="+mn-cs"/>
-              </a:defRPr>
-            </a:lvl1pPr>
-            <a:lvl2pPr marL="457200" indent="0" algn="ctr" defTabSz="914400" rtl="0" eaLnBrk="1" latinLnBrk="0" hangingPunct="1">
-              <a:lnSpc>
-                <a:spcPct val="90000"/>
-              </a:lnSpc>
-              <a:spcBef>
-                <a:spcPts val="500"/>
-              </a:spcBef>
-              <a:buFont typeface="Arial" panose="020B0604020202020204" pitchFamily="34" charset="0"/>
-              <a:buNone/>
-              <a:defRPr sz="2000" kern="1200">
-                <a:solidFill>
-                  <a:schemeClr val="tx1"/>
-                </a:solidFill>
-                <a:latin typeface="+mn-lt"/>
-                <a:ea typeface="+mn-ea"/>
-                <a:cs typeface="+mn-cs"/>
-              </a:defRPr>
-            </a:lvl2pPr>
-            <a:lvl3pPr marL="914400" indent="0" algn="ctr" defTabSz="914400" rtl="0" eaLnBrk="1" latinLnBrk="0" hangingPunct="1">
-              <a:lnSpc>
-                <a:spcPct val="90000"/>
-              </a:lnSpc>
-              <a:spcBef>
-                <a:spcPts val="500"/>
-              </a:spcBef>
-              <a:buFont typeface="Arial" panose="020B0604020202020204" pitchFamily="34" charset="0"/>
-              <a:buNone/>
-              <a:defRPr sz="1800" kern="1200">
-                <a:solidFill>
-                  <a:schemeClr val="tx1"/>
-                </a:solidFill>
-                <a:latin typeface="+mn-lt"/>
-                <a:ea typeface="+mn-ea"/>
-                <a:cs typeface="+mn-cs"/>
-              </a:defRPr>
-            </a:lvl3pPr>
-            <a:lvl4pPr marL="1371600" indent="0" algn="ctr" defTabSz="914400" rtl="0" eaLnBrk="1" latinLnBrk="0" hangingPunct="1">
-              <a:lnSpc>
-                <a:spcPct val="90000"/>
-              </a:lnSpc>
-              <a:spcBef>
-                <a:spcPts val="500"/>
-              </a:spcBef>
-              <a:buFont typeface="Arial" panose="020B0604020202020204" pitchFamily="34" charset="0"/>
-              <a:buNone/>
-              <a:defRPr sz="1600" kern="1200">
-                <a:solidFill>
-                  <a:schemeClr val="tx1"/>
-                </a:solidFill>
-                <a:latin typeface="+mn-lt"/>
-                <a:ea typeface="+mn-ea"/>
-                <a:cs typeface="+mn-cs"/>
-              </a:defRPr>
-            </a:lvl4pPr>
-            <a:lvl5pPr marL="1828800" indent="0" algn="ctr" defTabSz="914400" rtl="0" eaLnBrk="1" latinLnBrk="0" hangingPunct="1">
-              <a:lnSpc>
-                <a:spcPct val="90000"/>
-              </a:lnSpc>
-              <a:spcBef>
-                <a:spcPts val="500"/>
-              </a:spcBef>
-              <a:buFont typeface="Arial" panose="020B0604020202020204" pitchFamily="34" charset="0"/>
-              <a:buNone/>
-              <a:defRPr sz="1600" kern="1200">
-                <a:solidFill>
-                  <a:schemeClr val="tx1"/>
-                </a:solidFill>
-                <a:latin typeface="+mn-lt"/>
-                <a:ea typeface="+mn-ea"/>
-                <a:cs typeface="+mn-cs"/>
-              </a:defRPr>
-            </a:lvl5pPr>
-            <a:lvl6pPr marL="2286000" indent="0" algn="ctr" defTabSz="914400" rtl="0" eaLnBrk="1" latinLnBrk="0" hangingPunct="1">
-              <a:lnSpc>
-                <a:spcPct val="90000"/>
-              </a:lnSpc>
-              <a:spcBef>
-                <a:spcPts val="500"/>
-              </a:spcBef>
-              <a:buFont typeface="Arial" panose="020B0604020202020204" pitchFamily="34" charset="0"/>
-              <a:buNone/>
-              <a:defRPr sz="1600" kern="1200">
-                <a:solidFill>
-                  <a:schemeClr val="tx1"/>
-                </a:solidFill>
-                <a:latin typeface="+mn-lt"/>
-                <a:ea typeface="+mn-ea"/>
-                <a:cs typeface="+mn-cs"/>
-              </a:defRPr>
-            </a:lvl6pPr>
-            <a:lvl7pPr marL="2743200" indent="0" algn="ctr" defTabSz="914400" rtl="0" eaLnBrk="1" latinLnBrk="0" hangingPunct="1">
-              <a:lnSpc>
-                <a:spcPct val="90000"/>
-              </a:lnSpc>
-              <a:spcBef>
-                <a:spcPts val="500"/>
-              </a:spcBef>
-              <a:buFont typeface="Arial" panose="020B0604020202020204" pitchFamily="34" charset="0"/>
-              <a:buNone/>
-              <a:defRPr sz="1600" kern="1200">
-                <a:solidFill>
-                  <a:schemeClr val="tx1"/>
-                </a:solidFill>
-                <a:latin typeface="+mn-lt"/>
-                <a:ea typeface="+mn-ea"/>
-                <a:cs typeface="+mn-cs"/>
-              </a:defRPr>
-            </a:lvl7pPr>
-            <a:lvl8pPr marL="3200400" indent="0" algn="ctr" defTabSz="914400" rtl="0" eaLnBrk="1" latinLnBrk="0" hangingPunct="1">
-              <a:lnSpc>
-                <a:spcPct val="90000"/>
-              </a:lnSpc>
-              <a:spcBef>
-                <a:spcPts val="500"/>
-              </a:spcBef>
-              <a:buFont typeface="Arial" panose="020B0604020202020204" pitchFamily="34" charset="0"/>
-              <a:buNone/>
-              <a:defRPr sz="1600" kern="1200">
-                <a:solidFill>
-                  <a:schemeClr val="tx1"/>
-                </a:solidFill>
-                <a:latin typeface="+mn-lt"/>
-                <a:ea typeface="+mn-ea"/>
-                <a:cs typeface="+mn-cs"/>
-              </a:defRPr>
-            </a:lvl8pPr>
-            <a:lvl9pPr marL="3657600" indent="0" algn="ctr" defTabSz="914400" rtl="0" eaLnBrk="1" latinLnBrk="0" hangingPunct="1">
-              <a:lnSpc>
-                <a:spcPct val="90000"/>
-              </a:lnSpc>
-              <a:spcBef>
-                <a:spcPts val="500"/>
-              </a:spcBef>
-              <a:buFont typeface="Arial" panose="020B0604020202020204" pitchFamily="34" charset="0"/>
-              <a:buNone/>
-              <a:defRPr sz="1600" kern="1200">
-                <a:solidFill>
-                  <a:schemeClr val="tx1"/>
-                </a:solidFill>
-                <a:latin typeface="+mn-lt"/>
-                <a:ea typeface="+mn-ea"/>
-                <a:cs typeface="+mn-cs"/>
-              </a:defRPr>
-            </a:lvl9pPr>
-          </a:lstStyle>
-          <a:p>
-            <a:pPr algn="r"/>
-            <a:r>
-              <a:rPr lang="de-DE" sz="2000" dirty="0"/>
-              <a:t>Davare</a:t>
-            </a:r>
-          </a:p>
-          <a:p>
-            <a:pPr algn="r"/>
-            <a:r>
-              <a:rPr lang="de-DE" sz="2000" dirty="0"/>
-              <a:t>Hagenhofer</a:t>
-            </a:r>
-            <a:endParaRPr lang="de-AT" sz="2000" dirty="0"/>
-          </a:p>
-        </p:txBody>
-      </p:sp>
-      <p:cxnSp>
-        <p:nvCxnSpPr>
-          <p:cNvPr id="7" name="Gerader Verbinder 6">
-            <a:extLst>
-              <a:ext uri="{FF2B5EF4-FFF2-40B4-BE49-F238E27FC236}">
-                <a16:creationId xmlns:a16="http://schemas.microsoft.com/office/drawing/2014/main" id="{D8546DBC-404E-2B85-76BB-BC69A5463F85}"/>
-              </a:ext>
-            </a:extLst>
-          </p:cNvPr>
-          <p:cNvCxnSpPr>
-            <a:cxnSpLocks/>
-          </p:cNvCxnSpPr>
-          <p:nvPr/>
-        </p:nvCxnSpPr>
-        <p:spPr>
-          <a:xfrm>
-            <a:off x="-66675" y="1142200"/>
-            <a:ext cx="12258675" cy="0"/>
-          </a:xfrm>
-          <a:prstGeom prst="line">
-            <a:avLst/>
-          </a:prstGeom>
-        </p:spPr>
-        <p:style>
-          <a:lnRef idx="1">
-            <a:schemeClr val="dk1"/>
-          </a:lnRef>
-          <a:fillRef idx="0">
-            <a:schemeClr val="dk1"/>
-          </a:fillRef>
-          <a:effectRef idx="0">
-            <a:schemeClr val="dk1"/>
-          </a:effectRef>
-          <a:fontRef idx="minor">
-            <a:schemeClr val="tx1"/>
-          </a:fontRef>
-        </p:style>
-      </p:cxnSp>
-      <p:cxnSp>
-        <p:nvCxnSpPr>
-          <p:cNvPr id="16" name="Gerader Verbinder 15">
-            <a:extLst>
-              <a:ext uri="{FF2B5EF4-FFF2-40B4-BE49-F238E27FC236}">
-                <a16:creationId xmlns:a16="http://schemas.microsoft.com/office/drawing/2014/main" id="{9D845F79-1977-90CD-11B6-7632422C9B75}"/>
-              </a:ext>
-            </a:extLst>
-          </p:cNvPr>
-          <p:cNvCxnSpPr>
-            <a:cxnSpLocks/>
-          </p:cNvCxnSpPr>
-          <p:nvPr/>
-        </p:nvCxnSpPr>
-        <p:spPr>
-          <a:xfrm>
-            <a:off x="-33340" y="6388638"/>
-            <a:ext cx="12258675" cy="0"/>
-          </a:xfrm>
-          <a:prstGeom prst="line">
-            <a:avLst/>
-          </a:prstGeom>
-        </p:spPr>
-        <p:style>
-          <a:lnRef idx="1">
-            <a:schemeClr val="dk1"/>
-          </a:lnRef>
-          <a:fillRef idx="0">
-            <a:schemeClr val="dk1"/>
-          </a:fillRef>
-          <a:effectRef idx="0">
-            <a:schemeClr val="dk1"/>
-          </a:effectRef>
-          <a:fontRef idx="minor">
-            <a:schemeClr val="tx1"/>
-          </a:fontRef>
-        </p:style>
-      </p:cxnSp>
-      <p:sp>
-        <p:nvSpPr>
-          <p:cNvPr id="20" name="Datumsplatzhalter 3">
-            <a:extLst>
-              <a:ext uri="{FF2B5EF4-FFF2-40B4-BE49-F238E27FC236}">
-                <a16:creationId xmlns:a16="http://schemas.microsoft.com/office/drawing/2014/main" id="{9BA54236-0E02-281E-CE23-C8961280418A}"/>
-              </a:ext>
-            </a:extLst>
-          </p:cNvPr>
-          <p:cNvSpPr>
-            <a:spLocks noGrp="1"/>
-          </p:cNvSpPr>
-          <p:nvPr>
-            <p:ph type="dt" sz="half" idx="10"/>
-          </p:nvPr>
-        </p:nvSpPr>
-        <p:spPr>
-          <a:xfrm>
-            <a:off x="838200" y="6567222"/>
-            <a:ext cx="2743200" cy="208546"/>
-          </a:xfrm>
-        </p:spPr>
-        <p:txBody>
-          <a:bodyPr/>
-          <a:lstStyle/>
-          <a:p>
-            <a:r>
-              <a:rPr lang="de-AT" sz="2000" dirty="0"/>
-              <a:t>19.12.2023</a:t>
-            </a:r>
-          </a:p>
-        </p:txBody>
-      </p:sp>
-      <p:sp>
-        <p:nvSpPr>
-          <p:cNvPr id="22" name="Foliennummernplatzhalter 21">
-            <a:extLst>
-              <a:ext uri="{FF2B5EF4-FFF2-40B4-BE49-F238E27FC236}">
-                <a16:creationId xmlns:a16="http://schemas.microsoft.com/office/drawing/2014/main" id="{1ED7305F-D46E-9347-4DC1-DE12C3D8F643}"/>
-              </a:ext>
-            </a:extLst>
-          </p:cNvPr>
-          <p:cNvSpPr>
-            <a:spLocks noGrp="1"/>
-          </p:cNvSpPr>
-          <p:nvPr>
-            <p:ph type="sldNum" sz="quarter" idx="12"/>
-          </p:nvPr>
-        </p:nvSpPr>
-        <p:spPr>
-          <a:xfrm>
-            <a:off x="8610600" y="6594368"/>
-            <a:ext cx="2743200" cy="154253"/>
-          </a:xfrm>
-        </p:spPr>
-        <p:txBody>
-          <a:bodyPr/>
-          <a:lstStyle/>
-          <a:p>
-            <a:r>
-              <a:rPr lang="de-AT" sz="2000" dirty="0"/>
-              <a:t>2/5</a:t>
-            </a:r>
-          </a:p>
-        </p:txBody>
-      </p:sp>
-      <p:pic>
-        <p:nvPicPr>
-          <p:cNvPr id="6" name="Grafik 5" descr="Ein Bild, das Text, Diagramm, Screenshot, Kreis enthält.&#10;&#10;Automatisch generierte Beschreibung">
-            <a:extLst>
-              <a:ext uri="{FF2B5EF4-FFF2-40B4-BE49-F238E27FC236}">
-                <a16:creationId xmlns:a16="http://schemas.microsoft.com/office/drawing/2014/main" id="{14F2314B-A73A-6C3F-EC05-B06DFC7EB31B}"/>
-              </a:ext>
-            </a:extLst>
-          </p:cNvPr>
-          <p:cNvPicPr>
-            <a:picLocks noChangeAspect="1"/>
-          </p:cNvPicPr>
-          <p:nvPr/>
-        </p:nvPicPr>
-        <p:blipFill>
-          <a:blip r:embed="rId3">
-            <a:extLst>
-              <a:ext uri="{28A0092B-C50C-407E-A947-70E740481C1C}">
-                <a14:useLocalDpi xmlns:a14="http://schemas.microsoft.com/office/drawing/2010/main" val="0"/>
-              </a:ext>
-            </a:extLst>
-          </a:blip>
-          <a:stretch>
-            <a:fillRect/>
-          </a:stretch>
-        </p:blipFill>
-        <p:spPr>
-          <a:xfrm>
-            <a:off x="3356680" y="1177599"/>
-            <a:ext cx="5411964" cy="5192368"/>
-          </a:xfrm>
-          <a:prstGeom prst="rect">
-            <a:avLst/>
-          </a:prstGeom>
-        </p:spPr>
-      </p:pic>
-      <p:pic>
-        <p:nvPicPr>
-          <p:cNvPr id="8" name="Grafik 7" descr="Ein Bild, das Text, Diagramm, Screenshot, Kreis enthält.&#10;&#10;Automatisch generierte Beschreibung">
-            <a:extLst>
-              <a:ext uri="{FF2B5EF4-FFF2-40B4-BE49-F238E27FC236}">
-                <a16:creationId xmlns:a16="http://schemas.microsoft.com/office/drawing/2014/main" id="{9651CB0D-BEE7-256C-A2AC-8F3295F606BD}"/>
-              </a:ext>
-            </a:extLst>
-          </p:cNvPr>
-          <p:cNvPicPr>
-            <a:picLocks noChangeAspect="1"/>
-          </p:cNvPicPr>
-          <p:nvPr/>
-        </p:nvPicPr>
-        <p:blipFill>
-          <a:blip r:embed="rId4">
-            <a:extLst>
-              <a:ext uri="{28A0092B-C50C-407E-A947-70E740481C1C}">
-                <a14:useLocalDpi xmlns:a14="http://schemas.microsoft.com/office/drawing/2010/main" val="0"/>
-              </a:ext>
-            </a:extLst>
-          </a:blip>
-          <a:stretch>
-            <a:fillRect/>
-          </a:stretch>
-        </p:blipFill>
-        <p:spPr>
-          <a:xfrm>
-            <a:off x="3749039" y="1202303"/>
-            <a:ext cx="4861561" cy="5177000"/>
-          </a:xfrm>
-          <a:prstGeom prst="rect">
-            <a:avLst/>
-          </a:prstGeom>
-        </p:spPr>
-      </p:pic>
-      <p:pic>
-        <p:nvPicPr>
-          <p:cNvPr id="10" name="Grafik 9" descr="Ein Bild, das Diagramm, Text, Plan, Design enthält.&#10;&#10;Automatisch generierte Beschreibung">
-            <a:extLst>
-              <a:ext uri="{FF2B5EF4-FFF2-40B4-BE49-F238E27FC236}">
-                <a16:creationId xmlns:a16="http://schemas.microsoft.com/office/drawing/2014/main" id="{3EE279D8-F1EA-8E76-682E-7C6A9A72491F}"/>
-              </a:ext>
-            </a:extLst>
-          </p:cNvPr>
-          <p:cNvPicPr>
-            <a:picLocks noChangeAspect="1"/>
-          </p:cNvPicPr>
-          <p:nvPr/>
-        </p:nvPicPr>
-        <p:blipFill>
-          <a:blip r:embed="rId5">
-            <a:extLst>
-              <a:ext uri="{28A0092B-C50C-407E-A947-70E740481C1C}">
-                <a14:useLocalDpi xmlns:a14="http://schemas.microsoft.com/office/drawing/2010/main" val="0"/>
-              </a:ext>
-            </a:extLst>
-          </a:blip>
-          <a:stretch>
-            <a:fillRect/>
-          </a:stretch>
-        </p:blipFill>
-        <p:spPr>
-          <a:xfrm>
-            <a:off x="2912789" y="1249044"/>
-            <a:ext cx="6366415" cy="5049477"/>
-          </a:xfrm>
-          <a:prstGeom prst="rect">
-            <a:avLst/>
-          </a:prstGeom>
-        </p:spPr>
-      </p:pic>
-    </p:spTree>
-    <p:extLst>
-      <p:ext uri="{BB962C8B-B14F-4D97-AF65-F5344CB8AC3E}">
-        <p14:creationId xmlns:p14="http://schemas.microsoft.com/office/powerpoint/2010/main" val="589346808"/>
-      </p:ext>
-    </p:extLst>
-  </p:cSld>
-  <p:clrMapOvr>
-    <a:masterClrMapping/>
-  </p:clrMapOvr>
-  <p:timing>
-    <p:tnLst>
-      <p:par>
-        <p:cTn id="1" dur="indefinite" restart="never" nodeType="tmRoot">
-          <p:childTnLst>
-            <p:seq concurrent="1" nextAc="seek">
-              <p:cTn id="2" dur="indefinite" nodeType="mainSeq">
-                <p:childTnLst>
                   <p:par>
-                    <p:cTn id="3" fill="hold">
+                    <p:cTn id="19" fill="hold">
                       <p:stCondLst>
                         <p:cond delay="indefinite"/>
                       </p:stCondLst>
                       <p:childTnLst>
                         <p:par>
-                          <p:cTn id="4" fill="hold">
+                          <p:cTn id="20" fill="hold">
                             <p:stCondLst>
                               <p:cond delay="0"/>
                             </p:stCondLst>
                             <p:childTnLst>
                               <p:par>
-                                <p:cTn id="5" presetID="1" presetClass="entr" presetSubtype="0" fill="hold" nodeType="clickEffect">
+                                <p:cTn id="21" presetID="1" presetClass="entr" presetSubtype="0" fill="hold" grpId="0" nodeType="clickEffect">
                                   <p:stCondLst>
                                     <p:cond delay="0"/>
                                   </p:stCondLst>
                                   <p:childTnLst>
                                     <p:set>
                                       <p:cBhvr>
-                                        <p:cTn id="6" dur="1" fill="hold">
+                                        <p:cTn id="22" dur="1" fill="hold">
                                           <p:stCondLst>
                                             <p:cond delay="0"/>
                                           </p:stCondLst>
@@ -9805,39 +10626,21 @@
                                   </p:childTnLst>
                                 </p:cTn>
                               </p:par>
-                            </p:childTnLst>
-                          </p:cTn>
-                        </p:par>
-                      </p:childTnLst>
-                    </p:cTn>
-                  </p:par>
-                  <p:par>
-                    <p:cTn id="7" fill="hold">
-                      <p:stCondLst>
-                        <p:cond delay="indefinite"/>
-                      </p:stCondLst>
-                      <p:childTnLst>
-                        <p:par>
-                          <p:cTn id="8" fill="hold">
-                            <p:stCondLst>
-                              <p:cond delay="0"/>
-                            </p:stCondLst>
-                            <p:childTnLst>
                               <p:par>
-                                <p:cTn id="9" presetID="1" presetClass="entr" presetSubtype="0" fill="hold" nodeType="clickEffect">
+                                <p:cTn id="23" presetID="1" presetClass="entr" presetSubtype="0" fill="hold" grpId="0" nodeType="withEffect">
                                   <p:stCondLst>
                                     <p:cond delay="0"/>
                                   </p:stCondLst>
                                   <p:childTnLst>
                                     <p:set>
                                       <p:cBhvr>
-                                        <p:cTn id="10" dur="1" fill="hold">
+                                        <p:cTn id="24" dur="1" fill="hold">
                                           <p:stCondLst>
                                             <p:cond delay="0"/>
                                           </p:stCondLst>
                                         </p:cTn>
                                         <p:tgtEl>
-                                          <p:spTgt spid="10"/>
+                                          <p:spTgt spid="6"/>
                                         </p:tgtEl>
                                         <p:attrNameLst>
                                           <p:attrName>style.visibility</p:attrName>
@@ -9877,7 +10680,2381 @@
         </p:cTn>
       </p:par>
     </p:tnLst>
+    <p:bldLst>
+      <p:bldP spid="6" grpId="0" animBg="1"/>
+      <p:bldP spid="8" grpId="0"/>
+    </p:bldLst>
   </p:timing>
+</p:sld>
+</file>
+
+<file path=ppt/slides/slide6.xml><?xml version="1.0" encoding="utf-8"?>
+<p:sld xmlns:a="http://schemas.openxmlformats.org/drawingml/2006/main" xmlns:r="http://schemas.openxmlformats.org/officeDocument/2006/relationships" xmlns:p="http://schemas.openxmlformats.org/presentationml/2006/main">
+  <p:cSld>
+    <p:spTree>
+      <p:nvGrpSpPr>
+        <p:cNvPr id="1" name="">
+          <a:extLst>
+            <a:ext uri="{FF2B5EF4-FFF2-40B4-BE49-F238E27FC236}">
+              <a16:creationId xmlns:a16="http://schemas.microsoft.com/office/drawing/2014/main" id="{DB5650D5-B0F2-7E45-B50C-85DA26BE3CD7}"/>
+            </a:ext>
+          </a:extLst>
+        </p:cNvPr>
+        <p:cNvGrpSpPr/>
+        <p:nvPr/>
+      </p:nvGrpSpPr>
+      <p:grpSpPr>
+        <a:xfrm>
+          <a:off x="0" y="0"/>
+          <a:ext cx="0" cy="0"/>
+          <a:chOff x="0" y="0"/>
+          <a:chExt cx="0" cy="0"/>
+        </a:xfrm>
+      </p:grpSpPr>
+      <p:sp>
+        <p:nvSpPr>
+          <p:cNvPr id="2" name="Titel 1">
+            <a:extLst>
+              <a:ext uri="{FF2B5EF4-FFF2-40B4-BE49-F238E27FC236}">
+                <a16:creationId xmlns:a16="http://schemas.microsoft.com/office/drawing/2014/main" id="{655129BB-48CC-82B1-CCA1-E615D1E93FED}"/>
+              </a:ext>
+            </a:extLst>
+          </p:cNvPr>
+          <p:cNvSpPr>
+            <a:spLocks noGrp="1"/>
+          </p:cNvSpPr>
+          <p:nvPr>
+            <p:ph type="ctrTitle"/>
+          </p:nvPr>
+        </p:nvSpPr>
+        <p:spPr>
+          <a:xfrm>
+            <a:off x="1523997" y="1298781"/>
+            <a:ext cx="9144000" cy="1240035"/>
+          </a:xfrm>
+        </p:spPr>
+        <p:txBody>
+          <a:bodyPr>
+            <a:normAutofit fontScale="90000"/>
+          </a:bodyPr>
+          <a:lstStyle/>
+          <a:p>
+            <a:pPr algn="l">
+              <a:lnSpc>
+                <a:spcPct val="150000"/>
+              </a:lnSpc>
+            </a:pPr>
+            <a:r>
+              <a:rPr lang="de-DE" sz="4800" dirty="0">
+                <a:solidFill>
+                  <a:schemeClr val="accent5">
+                    <a:lumMod val="75000"/>
+                  </a:schemeClr>
+                </a:solidFill>
+              </a:rPr>
+              <a:t>Event Driven Communication</a:t>
+            </a:r>
+            <a:br>
+              <a:rPr lang="de-DE" sz="4800" dirty="0"/>
+            </a:br>
+            <a:r>
+              <a:rPr lang="ko-KR" altLang="de-DE" sz="2400" spc="-150" dirty="0"/>
+              <a:t>ㅤ</a:t>
+            </a:r>
+            <a:endParaRPr lang="de-AT" sz="4800" spc="-150" dirty="0"/>
+          </a:p>
+        </p:txBody>
+      </p:sp>
+      <p:sp>
+        <p:nvSpPr>
+          <p:cNvPr id="3" name="Untertitel 2">
+            <a:extLst>
+              <a:ext uri="{FF2B5EF4-FFF2-40B4-BE49-F238E27FC236}">
+                <a16:creationId xmlns:a16="http://schemas.microsoft.com/office/drawing/2014/main" id="{052B001E-B57F-D17C-5567-70C306436D34}"/>
+              </a:ext>
+            </a:extLst>
+          </p:cNvPr>
+          <p:cNvSpPr>
+            <a:spLocks noGrp="1"/>
+          </p:cNvSpPr>
+          <p:nvPr>
+            <p:ph type="subTitle" idx="1"/>
+          </p:nvPr>
+        </p:nvSpPr>
+        <p:spPr>
+          <a:xfrm>
+            <a:off x="492625" y="148264"/>
+            <a:ext cx="2062749" cy="920543"/>
+          </a:xfrm>
+        </p:spPr>
+        <p:txBody>
+          <a:bodyPr>
+            <a:normAutofit fontScale="85000" lnSpcReduction="20000"/>
+          </a:bodyPr>
+          <a:lstStyle/>
+          <a:p>
+            <a:r>
+              <a:rPr lang="de-DE" sz="2000" dirty="0"/>
+              <a:t>HTL Saalfelden</a:t>
+            </a:r>
+          </a:p>
+          <a:p>
+            <a:r>
+              <a:rPr lang="de-DE" sz="2000" dirty="0"/>
+              <a:t>Abteilung Informatik</a:t>
+            </a:r>
+          </a:p>
+          <a:p>
+            <a:r>
+              <a:rPr lang="de-DE" sz="2000" dirty="0"/>
+              <a:t>5. AHINF – 2023/24</a:t>
+            </a:r>
+            <a:endParaRPr lang="de-AT" sz="2000" dirty="0"/>
+          </a:p>
+        </p:txBody>
+      </p:sp>
+      <p:pic>
+        <p:nvPicPr>
+          <p:cNvPr id="1026" name="Picture 2" descr="Schnuppertag: Bautechnik an der HTL Saalfelden">
+            <a:extLst>
+              <a:ext uri="{FF2B5EF4-FFF2-40B4-BE49-F238E27FC236}">
+                <a16:creationId xmlns:a16="http://schemas.microsoft.com/office/drawing/2014/main" id="{4B832CEA-99E1-2764-2FFD-72B203DF3455}"/>
+              </a:ext>
+            </a:extLst>
+          </p:cNvPr>
+          <p:cNvPicPr>
+            <a:picLocks noChangeAspect="1" noChangeArrowheads="1"/>
+          </p:cNvPicPr>
+          <p:nvPr/>
+        </p:nvPicPr>
+        <p:blipFill>
+          <a:blip r:embed="rId2">
+            <a:extLst>
+              <a:ext uri="{28A0092B-C50C-407E-A947-70E740481C1C}">
+                <a14:useLocalDpi xmlns:a14="http://schemas.microsoft.com/office/drawing/2010/main" val="0"/>
+              </a:ext>
+            </a:extLst>
+          </a:blip>
+          <a:srcRect/>
+          <a:stretch>
+            <a:fillRect/>
+          </a:stretch>
+        </p:blipFill>
+        <p:spPr bwMode="auto">
+          <a:xfrm>
+            <a:off x="11116200" y="61624"/>
+            <a:ext cx="943806" cy="1045178"/>
+          </a:xfrm>
+          <a:prstGeom prst="rect">
+            <a:avLst/>
+          </a:prstGeom>
+          <a:noFill/>
+          <a:extLst>
+            <a:ext uri="{909E8E84-426E-40DD-AFC4-6F175D3DCCD1}">
+              <a14:hiddenFill xmlns:a14="http://schemas.microsoft.com/office/drawing/2010/main">
+                <a:solidFill>
+                  <a:srgbClr val="FFFFFF"/>
+                </a:solidFill>
+              </a14:hiddenFill>
+            </a:ext>
+          </a:extLst>
+        </p:spPr>
+      </p:pic>
+      <p:sp>
+        <p:nvSpPr>
+          <p:cNvPr id="5" name="Untertitel 2">
+            <a:extLst>
+              <a:ext uri="{FF2B5EF4-FFF2-40B4-BE49-F238E27FC236}">
+                <a16:creationId xmlns:a16="http://schemas.microsoft.com/office/drawing/2014/main" id="{9A09F8E9-0160-4BB3-A03C-A95EEA6771FC}"/>
+              </a:ext>
+            </a:extLst>
+          </p:cNvPr>
+          <p:cNvSpPr txBox="1">
+            <a:spLocks/>
+          </p:cNvSpPr>
+          <p:nvPr/>
+        </p:nvSpPr>
+        <p:spPr>
+          <a:xfrm>
+            <a:off x="9268679" y="186505"/>
+            <a:ext cx="1407342" cy="844062"/>
+          </a:xfrm>
+          <a:prstGeom prst="rect">
+            <a:avLst/>
+          </a:prstGeom>
+        </p:spPr>
+        <p:txBody>
+          <a:bodyPr vert="horz" lIns="91440" tIns="45720" rIns="91440" bIns="45720" rtlCol="0">
+            <a:normAutofit/>
+          </a:bodyPr>
+          <a:lstStyle>
+            <a:lvl1pPr marL="0" indent="0" algn="ctr" defTabSz="914400" rtl="0" eaLnBrk="1" latinLnBrk="0" hangingPunct="1">
+              <a:lnSpc>
+                <a:spcPct val="90000"/>
+              </a:lnSpc>
+              <a:spcBef>
+                <a:spcPts val="1000"/>
+              </a:spcBef>
+              <a:buFont typeface="Arial" panose="020B0604020202020204" pitchFamily="34" charset="0"/>
+              <a:buNone/>
+              <a:defRPr sz="2400" kern="1200">
+                <a:solidFill>
+                  <a:schemeClr val="tx1"/>
+                </a:solidFill>
+                <a:latin typeface="+mn-lt"/>
+                <a:ea typeface="+mn-ea"/>
+                <a:cs typeface="+mn-cs"/>
+              </a:defRPr>
+            </a:lvl1pPr>
+            <a:lvl2pPr marL="457200" indent="0" algn="ctr" defTabSz="914400" rtl="0" eaLnBrk="1" latinLnBrk="0" hangingPunct="1">
+              <a:lnSpc>
+                <a:spcPct val="90000"/>
+              </a:lnSpc>
+              <a:spcBef>
+                <a:spcPts val="500"/>
+              </a:spcBef>
+              <a:buFont typeface="Arial" panose="020B0604020202020204" pitchFamily="34" charset="0"/>
+              <a:buNone/>
+              <a:defRPr sz="2000" kern="1200">
+                <a:solidFill>
+                  <a:schemeClr val="tx1"/>
+                </a:solidFill>
+                <a:latin typeface="+mn-lt"/>
+                <a:ea typeface="+mn-ea"/>
+                <a:cs typeface="+mn-cs"/>
+              </a:defRPr>
+            </a:lvl2pPr>
+            <a:lvl3pPr marL="914400" indent="0" algn="ctr" defTabSz="914400" rtl="0" eaLnBrk="1" latinLnBrk="0" hangingPunct="1">
+              <a:lnSpc>
+                <a:spcPct val="90000"/>
+              </a:lnSpc>
+              <a:spcBef>
+                <a:spcPts val="500"/>
+              </a:spcBef>
+              <a:buFont typeface="Arial" panose="020B0604020202020204" pitchFamily="34" charset="0"/>
+              <a:buNone/>
+              <a:defRPr sz="1800" kern="1200">
+                <a:solidFill>
+                  <a:schemeClr val="tx1"/>
+                </a:solidFill>
+                <a:latin typeface="+mn-lt"/>
+                <a:ea typeface="+mn-ea"/>
+                <a:cs typeface="+mn-cs"/>
+              </a:defRPr>
+            </a:lvl3pPr>
+            <a:lvl4pPr marL="1371600" indent="0" algn="ctr" defTabSz="914400" rtl="0" eaLnBrk="1" latinLnBrk="0" hangingPunct="1">
+              <a:lnSpc>
+                <a:spcPct val="90000"/>
+              </a:lnSpc>
+              <a:spcBef>
+                <a:spcPts val="500"/>
+              </a:spcBef>
+              <a:buFont typeface="Arial" panose="020B0604020202020204" pitchFamily="34" charset="0"/>
+              <a:buNone/>
+              <a:defRPr sz="1600" kern="1200">
+                <a:solidFill>
+                  <a:schemeClr val="tx1"/>
+                </a:solidFill>
+                <a:latin typeface="+mn-lt"/>
+                <a:ea typeface="+mn-ea"/>
+                <a:cs typeface="+mn-cs"/>
+              </a:defRPr>
+            </a:lvl4pPr>
+            <a:lvl5pPr marL="1828800" indent="0" algn="ctr" defTabSz="914400" rtl="0" eaLnBrk="1" latinLnBrk="0" hangingPunct="1">
+              <a:lnSpc>
+                <a:spcPct val="90000"/>
+              </a:lnSpc>
+              <a:spcBef>
+                <a:spcPts val="500"/>
+              </a:spcBef>
+              <a:buFont typeface="Arial" panose="020B0604020202020204" pitchFamily="34" charset="0"/>
+              <a:buNone/>
+              <a:defRPr sz="1600" kern="1200">
+                <a:solidFill>
+                  <a:schemeClr val="tx1"/>
+                </a:solidFill>
+                <a:latin typeface="+mn-lt"/>
+                <a:ea typeface="+mn-ea"/>
+                <a:cs typeface="+mn-cs"/>
+              </a:defRPr>
+            </a:lvl5pPr>
+            <a:lvl6pPr marL="2286000" indent="0" algn="ctr" defTabSz="914400" rtl="0" eaLnBrk="1" latinLnBrk="0" hangingPunct="1">
+              <a:lnSpc>
+                <a:spcPct val="90000"/>
+              </a:lnSpc>
+              <a:spcBef>
+                <a:spcPts val="500"/>
+              </a:spcBef>
+              <a:buFont typeface="Arial" panose="020B0604020202020204" pitchFamily="34" charset="0"/>
+              <a:buNone/>
+              <a:defRPr sz="1600" kern="1200">
+                <a:solidFill>
+                  <a:schemeClr val="tx1"/>
+                </a:solidFill>
+                <a:latin typeface="+mn-lt"/>
+                <a:ea typeface="+mn-ea"/>
+                <a:cs typeface="+mn-cs"/>
+              </a:defRPr>
+            </a:lvl6pPr>
+            <a:lvl7pPr marL="2743200" indent="0" algn="ctr" defTabSz="914400" rtl="0" eaLnBrk="1" latinLnBrk="0" hangingPunct="1">
+              <a:lnSpc>
+                <a:spcPct val="90000"/>
+              </a:lnSpc>
+              <a:spcBef>
+                <a:spcPts val="500"/>
+              </a:spcBef>
+              <a:buFont typeface="Arial" panose="020B0604020202020204" pitchFamily="34" charset="0"/>
+              <a:buNone/>
+              <a:defRPr sz="1600" kern="1200">
+                <a:solidFill>
+                  <a:schemeClr val="tx1"/>
+                </a:solidFill>
+                <a:latin typeface="+mn-lt"/>
+                <a:ea typeface="+mn-ea"/>
+                <a:cs typeface="+mn-cs"/>
+              </a:defRPr>
+            </a:lvl7pPr>
+            <a:lvl8pPr marL="3200400" indent="0" algn="ctr" defTabSz="914400" rtl="0" eaLnBrk="1" latinLnBrk="0" hangingPunct="1">
+              <a:lnSpc>
+                <a:spcPct val="90000"/>
+              </a:lnSpc>
+              <a:spcBef>
+                <a:spcPts val="500"/>
+              </a:spcBef>
+              <a:buFont typeface="Arial" panose="020B0604020202020204" pitchFamily="34" charset="0"/>
+              <a:buNone/>
+              <a:defRPr sz="1600" kern="1200">
+                <a:solidFill>
+                  <a:schemeClr val="tx1"/>
+                </a:solidFill>
+                <a:latin typeface="+mn-lt"/>
+                <a:ea typeface="+mn-ea"/>
+                <a:cs typeface="+mn-cs"/>
+              </a:defRPr>
+            </a:lvl8pPr>
+            <a:lvl9pPr marL="3657600" indent="0" algn="ctr" defTabSz="914400" rtl="0" eaLnBrk="1" latinLnBrk="0" hangingPunct="1">
+              <a:lnSpc>
+                <a:spcPct val="90000"/>
+              </a:lnSpc>
+              <a:spcBef>
+                <a:spcPts val="500"/>
+              </a:spcBef>
+              <a:buFont typeface="Arial" panose="020B0604020202020204" pitchFamily="34" charset="0"/>
+              <a:buNone/>
+              <a:defRPr sz="1600" kern="1200">
+                <a:solidFill>
+                  <a:schemeClr val="tx1"/>
+                </a:solidFill>
+                <a:latin typeface="+mn-lt"/>
+                <a:ea typeface="+mn-ea"/>
+                <a:cs typeface="+mn-cs"/>
+              </a:defRPr>
+            </a:lvl9pPr>
+          </a:lstStyle>
+          <a:p>
+            <a:pPr algn="r"/>
+            <a:r>
+              <a:rPr lang="de-DE" sz="2000" dirty="0"/>
+              <a:t>Davare</a:t>
+            </a:r>
+          </a:p>
+          <a:p>
+            <a:pPr algn="r"/>
+            <a:r>
+              <a:rPr lang="de-DE" sz="2000" dirty="0"/>
+              <a:t>Hagenhofer</a:t>
+            </a:r>
+            <a:endParaRPr lang="de-AT" sz="2000" dirty="0"/>
+          </a:p>
+        </p:txBody>
+      </p:sp>
+      <p:cxnSp>
+        <p:nvCxnSpPr>
+          <p:cNvPr id="7" name="Gerader Verbinder 6">
+            <a:extLst>
+              <a:ext uri="{FF2B5EF4-FFF2-40B4-BE49-F238E27FC236}">
+                <a16:creationId xmlns:a16="http://schemas.microsoft.com/office/drawing/2014/main" id="{E6A726F6-01CE-6284-61CA-DAE7C343698A}"/>
+              </a:ext>
+            </a:extLst>
+          </p:cNvPr>
+          <p:cNvCxnSpPr>
+            <a:cxnSpLocks/>
+          </p:cNvCxnSpPr>
+          <p:nvPr/>
+        </p:nvCxnSpPr>
+        <p:spPr>
+          <a:xfrm>
+            <a:off x="-66675" y="1142200"/>
+            <a:ext cx="12258675" cy="0"/>
+          </a:xfrm>
+          <a:prstGeom prst="line">
+            <a:avLst/>
+          </a:prstGeom>
+        </p:spPr>
+        <p:style>
+          <a:lnRef idx="1">
+            <a:schemeClr val="dk1"/>
+          </a:lnRef>
+          <a:fillRef idx="0">
+            <a:schemeClr val="dk1"/>
+          </a:fillRef>
+          <a:effectRef idx="0">
+            <a:schemeClr val="dk1"/>
+          </a:effectRef>
+          <a:fontRef idx="minor">
+            <a:schemeClr val="tx1"/>
+          </a:fontRef>
+        </p:style>
+      </p:cxnSp>
+      <p:cxnSp>
+        <p:nvCxnSpPr>
+          <p:cNvPr id="12" name="Gerader Verbinder 11">
+            <a:extLst>
+              <a:ext uri="{FF2B5EF4-FFF2-40B4-BE49-F238E27FC236}">
+                <a16:creationId xmlns:a16="http://schemas.microsoft.com/office/drawing/2014/main" id="{F1A1600E-9C04-7E56-747E-56F24B5E22DC}"/>
+              </a:ext>
+            </a:extLst>
+          </p:cNvPr>
+          <p:cNvCxnSpPr>
+            <a:cxnSpLocks/>
+          </p:cNvCxnSpPr>
+          <p:nvPr/>
+        </p:nvCxnSpPr>
+        <p:spPr>
+          <a:xfrm>
+            <a:off x="1195805" y="2186353"/>
+            <a:ext cx="9644853" cy="0"/>
+          </a:xfrm>
+          <a:prstGeom prst="line">
+            <a:avLst/>
+          </a:prstGeom>
+        </p:spPr>
+        <p:style>
+          <a:lnRef idx="1">
+            <a:schemeClr val="dk1"/>
+          </a:lnRef>
+          <a:fillRef idx="0">
+            <a:schemeClr val="dk1"/>
+          </a:fillRef>
+          <a:effectRef idx="0">
+            <a:schemeClr val="dk1"/>
+          </a:effectRef>
+          <a:fontRef idx="minor">
+            <a:schemeClr val="tx1"/>
+          </a:fontRef>
+        </p:style>
+      </p:cxnSp>
+      <p:cxnSp>
+        <p:nvCxnSpPr>
+          <p:cNvPr id="16" name="Gerader Verbinder 15">
+            <a:extLst>
+              <a:ext uri="{FF2B5EF4-FFF2-40B4-BE49-F238E27FC236}">
+                <a16:creationId xmlns:a16="http://schemas.microsoft.com/office/drawing/2014/main" id="{7B0B9D97-7037-A982-6BB7-EA6242CC15F7}"/>
+              </a:ext>
+            </a:extLst>
+          </p:cNvPr>
+          <p:cNvCxnSpPr>
+            <a:cxnSpLocks/>
+          </p:cNvCxnSpPr>
+          <p:nvPr/>
+        </p:nvCxnSpPr>
+        <p:spPr>
+          <a:xfrm>
+            <a:off x="-33340" y="6388638"/>
+            <a:ext cx="12258675" cy="0"/>
+          </a:xfrm>
+          <a:prstGeom prst="line">
+            <a:avLst/>
+          </a:prstGeom>
+        </p:spPr>
+        <p:style>
+          <a:lnRef idx="1">
+            <a:schemeClr val="dk1"/>
+          </a:lnRef>
+          <a:fillRef idx="0">
+            <a:schemeClr val="dk1"/>
+          </a:fillRef>
+          <a:effectRef idx="0">
+            <a:schemeClr val="dk1"/>
+          </a:effectRef>
+          <a:fontRef idx="minor">
+            <a:schemeClr val="tx1"/>
+          </a:fontRef>
+        </p:style>
+      </p:cxnSp>
+      <p:sp>
+        <p:nvSpPr>
+          <p:cNvPr id="20" name="Datumsplatzhalter 3">
+            <a:extLst>
+              <a:ext uri="{FF2B5EF4-FFF2-40B4-BE49-F238E27FC236}">
+                <a16:creationId xmlns:a16="http://schemas.microsoft.com/office/drawing/2014/main" id="{0DA24111-525C-027B-7D7C-B69140C01CE2}"/>
+              </a:ext>
+            </a:extLst>
+          </p:cNvPr>
+          <p:cNvSpPr>
+            <a:spLocks noGrp="1"/>
+          </p:cNvSpPr>
+          <p:nvPr>
+            <p:ph type="dt" sz="half" idx="10"/>
+          </p:nvPr>
+        </p:nvSpPr>
+        <p:spPr>
+          <a:xfrm>
+            <a:off x="838200" y="6567222"/>
+            <a:ext cx="2743200" cy="208546"/>
+          </a:xfrm>
+        </p:spPr>
+        <p:txBody>
+          <a:bodyPr/>
+          <a:lstStyle/>
+          <a:p>
+            <a:r>
+              <a:rPr lang="de-AT" sz="2000" dirty="0"/>
+              <a:t>09.02.2024</a:t>
+            </a:r>
+          </a:p>
+        </p:txBody>
+      </p:sp>
+      <p:sp>
+        <p:nvSpPr>
+          <p:cNvPr id="22" name="Foliennummernplatzhalter 21">
+            <a:extLst>
+              <a:ext uri="{FF2B5EF4-FFF2-40B4-BE49-F238E27FC236}">
+                <a16:creationId xmlns:a16="http://schemas.microsoft.com/office/drawing/2014/main" id="{B4DB84F1-6A53-DBB6-AB9A-C4A924F8F291}"/>
+              </a:ext>
+            </a:extLst>
+          </p:cNvPr>
+          <p:cNvSpPr>
+            <a:spLocks noGrp="1"/>
+          </p:cNvSpPr>
+          <p:nvPr>
+            <p:ph type="sldNum" sz="quarter" idx="12"/>
+          </p:nvPr>
+        </p:nvSpPr>
+        <p:spPr>
+          <a:xfrm>
+            <a:off x="8610600" y="6594368"/>
+            <a:ext cx="2743200" cy="154253"/>
+          </a:xfrm>
+        </p:spPr>
+        <p:txBody>
+          <a:bodyPr/>
+          <a:lstStyle/>
+          <a:p>
+            <a:r>
+              <a:rPr lang="de-AT" sz="2000" dirty="0"/>
+              <a:t>2/5</a:t>
+            </a:r>
+          </a:p>
+        </p:txBody>
+      </p:sp>
+      <p:pic>
+        <p:nvPicPr>
+          <p:cNvPr id="8" name="Grafik 7" descr="Ein Bild, das Text, Diagramm, Schrift, Reihe enthält.&#10;&#10;Automatisch generierte Beschreibung">
+            <a:extLst>
+              <a:ext uri="{FF2B5EF4-FFF2-40B4-BE49-F238E27FC236}">
+                <a16:creationId xmlns:a16="http://schemas.microsoft.com/office/drawing/2014/main" id="{ABA3B0EF-9212-6E24-233C-A460B7E5F23A}"/>
+              </a:ext>
+            </a:extLst>
+          </p:cNvPr>
+          <p:cNvPicPr>
+            <a:picLocks noChangeAspect="1"/>
+          </p:cNvPicPr>
+          <p:nvPr/>
+        </p:nvPicPr>
+        <p:blipFill>
+          <a:blip r:embed="rId3">
+            <a:extLst>
+              <a:ext uri="{28A0092B-C50C-407E-A947-70E740481C1C}">
+                <a14:useLocalDpi xmlns:a14="http://schemas.microsoft.com/office/drawing/2010/main" val="0"/>
+              </a:ext>
+            </a:extLst>
+          </a:blip>
+          <a:stretch>
+            <a:fillRect/>
+          </a:stretch>
+        </p:blipFill>
+        <p:spPr>
+          <a:xfrm>
+            <a:off x="3035706" y="2538816"/>
+            <a:ext cx="6120582" cy="3557364"/>
+          </a:xfrm>
+          <a:prstGeom prst="rect">
+            <a:avLst/>
+          </a:prstGeom>
+        </p:spPr>
+      </p:pic>
+    </p:spTree>
+    <p:extLst>
+      <p:ext uri="{BB962C8B-B14F-4D97-AF65-F5344CB8AC3E}">
+        <p14:creationId xmlns:p14="http://schemas.microsoft.com/office/powerpoint/2010/main" val="2997998359"/>
+      </p:ext>
+    </p:extLst>
+  </p:cSld>
+  <p:clrMapOvr>
+    <a:masterClrMapping/>
+  </p:clrMapOvr>
+</p:sld>
+</file>
+
+<file path=ppt/slides/slide7.xml><?xml version="1.0" encoding="utf-8"?>
+<p:sld xmlns:a="http://schemas.openxmlformats.org/drawingml/2006/main" xmlns:r="http://schemas.openxmlformats.org/officeDocument/2006/relationships" xmlns:p="http://schemas.openxmlformats.org/presentationml/2006/main">
+  <p:cSld>
+    <p:spTree>
+      <p:nvGrpSpPr>
+        <p:cNvPr id="1" name="">
+          <a:extLst>
+            <a:ext uri="{FF2B5EF4-FFF2-40B4-BE49-F238E27FC236}">
+              <a16:creationId xmlns:a16="http://schemas.microsoft.com/office/drawing/2014/main" id="{44CB6C04-8710-4FB4-89B6-93A5C8790954}"/>
+            </a:ext>
+          </a:extLst>
+        </p:cNvPr>
+        <p:cNvGrpSpPr/>
+        <p:nvPr/>
+      </p:nvGrpSpPr>
+      <p:grpSpPr>
+        <a:xfrm>
+          <a:off x="0" y="0"/>
+          <a:ext cx="0" cy="0"/>
+          <a:chOff x="0" y="0"/>
+          <a:chExt cx="0" cy="0"/>
+        </a:xfrm>
+      </p:grpSpPr>
+      <p:sp>
+        <p:nvSpPr>
+          <p:cNvPr id="2" name="Titel 1">
+            <a:extLst>
+              <a:ext uri="{FF2B5EF4-FFF2-40B4-BE49-F238E27FC236}">
+                <a16:creationId xmlns:a16="http://schemas.microsoft.com/office/drawing/2014/main" id="{5E17DF92-80D4-5AAC-E2D1-C107AD92C547}"/>
+              </a:ext>
+            </a:extLst>
+          </p:cNvPr>
+          <p:cNvSpPr>
+            <a:spLocks noGrp="1"/>
+          </p:cNvSpPr>
+          <p:nvPr>
+            <p:ph type="ctrTitle"/>
+          </p:nvPr>
+        </p:nvSpPr>
+        <p:spPr>
+          <a:xfrm>
+            <a:off x="4709741" y="1650473"/>
+            <a:ext cx="2772511" cy="1240035"/>
+          </a:xfrm>
+        </p:spPr>
+        <p:txBody>
+          <a:bodyPr>
+            <a:normAutofit fontScale="90000"/>
+          </a:bodyPr>
+          <a:lstStyle/>
+          <a:p>
+            <a:pPr algn="l">
+              <a:lnSpc>
+                <a:spcPct val="150000"/>
+              </a:lnSpc>
+            </a:pPr>
+            <a:r>
+              <a:rPr lang="de-DE" sz="4800" spc="-150" dirty="0">
+                <a:solidFill>
+                  <a:schemeClr val="accent5">
+                    <a:lumMod val="75000"/>
+                  </a:schemeClr>
+                </a:solidFill>
+              </a:rPr>
+              <a:t>Usersettings</a:t>
+            </a:r>
+            <a:br>
+              <a:rPr lang="de-DE" sz="4800" spc="-150" dirty="0">
+                <a:solidFill>
+                  <a:schemeClr val="accent5">
+                    <a:lumMod val="75000"/>
+                  </a:schemeClr>
+                </a:solidFill>
+              </a:rPr>
+            </a:br>
+            <a:endParaRPr lang="de-AT" sz="4800" spc="-150" dirty="0"/>
+          </a:p>
+        </p:txBody>
+      </p:sp>
+      <p:sp>
+        <p:nvSpPr>
+          <p:cNvPr id="3" name="Untertitel 2">
+            <a:extLst>
+              <a:ext uri="{FF2B5EF4-FFF2-40B4-BE49-F238E27FC236}">
+                <a16:creationId xmlns:a16="http://schemas.microsoft.com/office/drawing/2014/main" id="{4543ECF7-2665-2806-4145-3635A37700B6}"/>
+              </a:ext>
+            </a:extLst>
+          </p:cNvPr>
+          <p:cNvSpPr>
+            <a:spLocks noGrp="1"/>
+          </p:cNvSpPr>
+          <p:nvPr>
+            <p:ph type="subTitle" idx="1"/>
+          </p:nvPr>
+        </p:nvSpPr>
+        <p:spPr>
+          <a:xfrm>
+            <a:off x="492625" y="148264"/>
+            <a:ext cx="2062749" cy="920543"/>
+          </a:xfrm>
+        </p:spPr>
+        <p:txBody>
+          <a:bodyPr>
+            <a:normAutofit fontScale="85000" lnSpcReduction="20000"/>
+          </a:bodyPr>
+          <a:lstStyle/>
+          <a:p>
+            <a:r>
+              <a:rPr lang="de-DE" sz="2000" dirty="0"/>
+              <a:t>HTL Saalfelden</a:t>
+            </a:r>
+          </a:p>
+          <a:p>
+            <a:r>
+              <a:rPr lang="de-DE" sz="2000" dirty="0"/>
+              <a:t>Abteilung Informatik</a:t>
+            </a:r>
+          </a:p>
+          <a:p>
+            <a:r>
+              <a:rPr lang="de-DE" sz="2000" dirty="0"/>
+              <a:t>5. AHINF – 2023/24</a:t>
+            </a:r>
+            <a:endParaRPr lang="de-AT" sz="2000" dirty="0"/>
+          </a:p>
+        </p:txBody>
+      </p:sp>
+      <p:pic>
+        <p:nvPicPr>
+          <p:cNvPr id="1026" name="Picture 2" descr="Schnuppertag: Bautechnik an der HTL Saalfelden">
+            <a:extLst>
+              <a:ext uri="{FF2B5EF4-FFF2-40B4-BE49-F238E27FC236}">
+                <a16:creationId xmlns:a16="http://schemas.microsoft.com/office/drawing/2014/main" id="{3C294785-ED4C-C6BF-04EF-EA62B36714E6}"/>
+              </a:ext>
+            </a:extLst>
+          </p:cNvPr>
+          <p:cNvPicPr>
+            <a:picLocks noChangeAspect="1" noChangeArrowheads="1"/>
+          </p:cNvPicPr>
+          <p:nvPr/>
+        </p:nvPicPr>
+        <p:blipFill>
+          <a:blip r:embed="rId2">
+            <a:extLst>
+              <a:ext uri="{28A0092B-C50C-407E-A947-70E740481C1C}">
+                <a14:useLocalDpi xmlns:a14="http://schemas.microsoft.com/office/drawing/2010/main" val="0"/>
+              </a:ext>
+            </a:extLst>
+          </a:blip>
+          <a:srcRect/>
+          <a:stretch>
+            <a:fillRect/>
+          </a:stretch>
+        </p:blipFill>
+        <p:spPr bwMode="auto">
+          <a:xfrm>
+            <a:off x="11116200" y="61624"/>
+            <a:ext cx="943806" cy="1045178"/>
+          </a:xfrm>
+          <a:prstGeom prst="rect">
+            <a:avLst/>
+          </a:prstGeom>
+          <a:noFill/>
+          <a:extLst>
+            <a:ext uri="{909E8E84-426E-40DD-AFC4-6F175D3DCCD1}">
+              <a14:hiddenFill xmlns:a14="http://schemas.microsoft.com/office/drawing/2010/main">
+                <a:solidFill>
+                  <a:srgbClr val="FFFFFF"/>
+                </a:solidFill>
+              </a14:hiddenFill>
+            </a:ext>
+          </a:extLst>
+        </p:spPr>
+      </p:pic>
+      <p:sp>
+        <p:nvSpPr>
+          <p:cNvPr id="5" name="Untertitel 2">
+            <a:extLst>
+              <a:ext uri="{FF2B5EF4-FFF2-40B4-BE49-F238E27FC236}">
+                <a16:creationId xmlns:a16="http://schemas.microsoft.com/office/drawing/2014/main" id="{DEB73F7E-F544-B56E-4EEC-D460BBB85CD6}"/>
+              </a:ext>
+            </a:extLst>
+          </p:cNvPr>
+          <p:cNvSpPr txBox="1">
+            <a:spLocks/>
+          </p:cNvSpPr>
+          <p:nvPr/>
+        </p:nvSpPr>
+        <p:spPr>
+          <a:xfrm>
+            <a:off x="9268679" y="186505"/>
+            <a:ext cx="1407342" cy="844062"/>
+          </a:xfrm>
+          <a:prstGeom prst="rect">
+            <a:avLst/>
+          </a:prstGeom>
+        </p:spPr>
+        <p:txBody>
+          <a:bodyPr vert="horz" lIns="91440" tIns="45720" rIns="91440" bIns="45720" rtlCol="0">
+            <a:normAutofit/>
+          </a:bodyPr>
+          <a:lstStyle>
+            <a:lvl1pPr marL="0" indent="0" algn="ctr" defTabSz="914400" rtl="0" eaLnBrk="1" latinLnBrk="0" hangingPunct="1">
+              <a:lnSpc>
+                <a:spcPct val="90000"/>
+              </a:lnSpc>
+              <a:spcBef>
+                <a:spcPts val="1000"/>
+              </a:spcBef>
+              <a:buFont typeface="Arial" panose="020B0604020202020204" pitchFamily="34" charset="0"/>
+              <a:buNone/>
+              <a:defRPr sz="2400" kern="1200">
+                <a:solidFill>
+                  <a:schemeClr val="tx1"/>
+                </a:solidFill>
+                <a:latin typeface="+mn-lt"/>
+                <a:ea typeface="+mn-ea"/>
+                <a:cs typeface="+mn-cs"/>
+              </a:defRPr>
+            </a:lvl1pPr>
+            <a:lvl2pPr marL="457200" indent="0" algn="ctr" defTabSz="914400" rtl="0" eaLnBrk="1" latinLnBrk="0" hangingPunct="1">
+              <a:lnSpc>
+                <a:spcPct val="90000"/>
+              </a:lnSpc>
+              <a:spcBef>
+                <a:spcPts val="500"/>
+              </a:spcBef>
+              <a:buFont typeface="Arial" panose="020B0604020202020204" pitchFamily="34" charset="0"/>
+              <a:buNone/>
+              <a:defRPr sz="2000" kern="1200">
+                <a:solidFill>
+                  <a:schemeClr val="tx1"/>
+                </a:solidFill>
+                <a:latin typeface="+mn-lt"/>
+                <a:ea typeface="+mn-ea"/>
+                <a:cs typeface="+mn-cs"/>
+              </a:defRPr>
+            </a:lvl2pPr>
+            <a:lvl3pPr marL="914400" indent="0" algn="ctr" defTabSz="914400" rtl="0" eaLnBrk="1" latinLnBrk="0" hangingPunct="1">
+              <a:lnSpc>
+                <a:spcPct val="90000"/>
+              </a:lnSpc>
+              <a:spcBef>
+                <a:spcPts val="500"/>
+              </a:spcBef>
+              <a:buFont typeface="Arial" panose="020B0604020202020204" pitchFamily="34" charset="0"/>
+              <a:buNone/>
+              <a:defRPr sz="1800" kern="1200">
+                <a:solidFill>
+                  <a:schemeClr val="tx1"/>
+                </a:solidFill>
+                <a:latin typeface="+mn-lt"/>
+                <a:ea typeface="+mn-ea"/>
+                <a:cs typeface="+mn-cs"/>
+              </a:defRPr>
+            </a:lvl3pPr>
+            <a:lvl4pPr marL="1371600" indent="0" algn="ctr" defTabSz="914400" rtl="0" eaLnBrk="1" latinLnBrk="0" hangingPunct="1">
+              <a:lnSpc>
+                <a:spcPct val="90000"/>
+              </a:lnSpc>
+              <a:spcBef>
+                <a:spcPts val="500"/>
+              </a:spcBef>
+              <a:buFont typeface="Arial" panose="020B0604020202020204" pitchFamily="34" charset="0"/>
+              <a:buNone/>
+              <a:defRPr sz="1600" kern="1200">
+                <a:solidFill>
+                  <a:schemeClr val="tx1"/>
+                </a:solidFill>
+                <a:latin typeface="+mn-lt"/>
+                <a:ea typeface="+mn-ea"/>
+                <a:cs typeface="+mn-cs"/>
+              </a:defRPr>
+            </a:lvl4pPr>
+            <a:lvl5pPr marL="1828800" indent="0" algn="ctr" defTabSz="914400" rtl="0" eaLnBrk="1" latinLnBrk="0" hangingPunct="1">
+              <a:lnSpc>
+                <a:spcPct val="90000"/>
+              </a:lnSpc>
+              <a:spcBef>
+                <a:spcPts val="500"/>
+              </a:spcBef>
+              <a:buFont typeface="Arial" panose="020B0604020202020204" pitchFamily="34" charset="0"/>
+              <a:buNone/>
+              <a:defRPr sz="1600" kern="1200">
+                <a:solidFill>
+                  <a:schemeClr val="tx1"/>
+                </a:solidFill>
+                <a:latin typeface="+mn-lt"/>
+                <a:ea typeface="+mn-ea"/>
+                <a:cs typeface="+mn-cs"/>
+              </a:defRPr>
+            </a:lvl5pPr>
+            <a:lvl6pPr marL="2286000" indent="0" algn="ctr" defTabSz="914400" rtl="0" eaLnBrk="1" latinLnBrk="0" hangingPunct="1">
+              <a:lnSpc>
+                <a:spcPct val="90000"/>
+              </a:lnSpc>
+              <a:spcBef>
+                <a:spcPts val="500"/>
+              </a:spcBef>
+              <a:buFont typeface="Arial" panose="020B0604020202020204" pitchFamily="34" charset="0"/>
+              <a:buNone/>
+              <a:defRPr sz="1600" kern="1200">
+                <a:solidFill>
+                  <a:schemeClr val="tx1"/>
+                </a:solidFill>
+                <a:latin typeface="+mn-lt"/>
+                <a:ea typeface="+mn-ea"/>
+                <a:cs typeface="+mn-cs"/>
+              </a:defRPr>
+            </a:lvl6pPr>
+            <a:lvl7pPr marL="2743200" indent="0" algn="ctr" defTabSz="914400" rtl="0" eaLnBrk="1" latinLnBrk="0" hangingPunct="1">
+              <a:lnSpc>
+                <a:spcPct val="90000"/>
+              </a:lnSpc>
+              <a:spcBef>
+                <a:spcPts val="500"/>
+              </a:spcBef>
+              <a:buFont typeface="Arial" panose="020B0604020202020204" pitchFamily="34" charset="0"/>
+              <a:buNone/>
+              <a:defRPr sz="1600" kern="1200">
+                <a:solidFill>
+                  <a:schemeClr val="tx1"/>
+                </a:solidFill>
+                <a:latin typeface="+mn-lt"/>
+                <a:ea typeface="+mn-ea"/>
+                <a:cs typeface="+mn-cs"/>
+              </a:defRPr>
+            </a:lvl7pPr>
+            <a:lvl8pPr marL="3200400" indent="0" algn="ctr" defTabSz="914400" rtl="0" eaLnBrk="1" latinLnBrk="0" hangingPunct="1">
+              <a:lnSpc>
+                <a:spcPct val="90000"/>
+              </a:lnSpc>
+              <a:spcBef>
+                <a:spcPts val="500"/>
+              </a:spcBef>
+              <a:buFont typeface="Arial" panose="020B0604020202020204" pitchFamily="34" charset="0"/>
+              <a:buNone/>
+              <a:defRPr sz="1600" kern="1200">
+                <a:solidFill>
+                  <a:schemeClr val="tx1"/>
+                </a:solidFill>
+                <a:latin typeface="+mn-lt"/>
+                <a:ea typeface="+mn-ea"/>
+                <a:cs typeface="+mn-cs"/>
+              </a:defRPr>
+            </a:lvl8pPr>
+            <a:lvl9pPr marL="3657600" indent="0" algn="ctr" defTabSz="914400" rtl="0" eaLnBrk="1" latinLnBrk="0" hangingPunct="1">
+              <a:lnSpc>
+                <a:spcPct val="90000"/>
+              </a:lnSpc>
+              <a:spcBef>
+                <a:spcPts val="500"/>
+              </a:spcBef>
+              <a:buFont typeface="Arial" panose="020B0604020202020204" pitchFamily="34" charset="0"/>
+              <a:buNone/>
+              <a:defRPr sz="1600" kern="1200">
+                <a:solidFill>
+                  <a:schemeClr val="tx1"/>
+                </a:solidFill>
+                <a:latin typeface="+mn-lt"/>
+                <a:ea typeface="+mn-ea"/>
+                <a:cs typeface="+mn-cs"/>
+              </a:defRPr>
+            </a:lvl9pPr>
+          </a:lstStyle>
+          <a:p>
+            <a:pPr algn="r"/>
+            <a:r>
+              <a:rPr lang="de-DE" sz="2000" dirty="0"/>
+              <a:t>Davare</a:t>
+            </a:r>
+          </a:p>
+          <a:p>
+            <a:pPr algn="r"/>
+            <a:r>
+              <a:rPr lang="de-DE" sz="2000" dirty="0"/>
+              <a:t>Hagenhofer</a:t>
+            </a:r>
+            <a:endParaRPr lang="de-AT" sz="2000" dirty="0"/>
+          </a:p>
+        </p:txBody>
+      </p:sp>
+      <p:cxnSp>
+        <p:nvCxnSpPr>
+          <p:cNvPr id="7" name="Gerader Verbinder 6">
+            <a:extLst>
+              <a:ext uri="{FF2B5EF4-FFF2-40B4-BE49-F238E27FC236}">
+                <a16:creationId xmlns:a16="http://schemas.microsoft.com/office/drawing/2014/main" id="{B9D66464-4EDE-4F05-665B-61F02394A965}"/>
+              </a:ext>
+            </a:extLst>
+          </p:cNvPr>
+          <p:cNvCxnSpPr>
+            <a:cxnSpLocks/>
+          </p:cNvCxnSpPr>
+          <p:nvPr/>
+        </p:nvCxnSpPr>
+        <p:spPr>
+          <a:xfrm>
+            <a:off x="-66675" y="1142200"/>
+            <a:ext cx="12258675" cy="0"/>
+          </a:xfrm>
+          <a:prstGeom prst="line">
+            <a:avLst/>
+          </a:prstGeom>
+        </p:spPr>
+        <p:style>
+          <a:lnRef idx="1">
+            <a:schemeClr val="dk1"/>
+          </a:lnRef>
+          <a:fillRef idx="0">
+            <a:schemeClr val="dk1"/>
+          </a:fillRef>
+          <a:effectRef idx="0">
+            <a:schemeClr val="dk1"/>
+          </a:effectRef>
+          <a:fontRef idx="minor">
+            <a:schemeClr val="tx1"/>
+          </a:fontRef>
+        </p:style>
+      </p:cxnSp>
+      <p:cxnSp>
+        <p:nvCxnSpPr>
+          <p:cNvPr id="16" name="Gerader Verbinder 15">
+            <a:extLst>
+              <a:ext uri="{FF2B5EF4-FFF2-40B4-BE49-F238E27FC236}">
+                <a16:creationId xmlns:a16="http://schemas.microsoft.com/office/drawing/2014/main" id="{F07D8A97-3025-B782-AE20-C5B850B46897}"/>
+              </a:ext>
+            </a:extLst>
+          </p:cNvPr>
+          <p:cNvCxnSpPr>
+            <a:cxnSpLocks/>
+          </p:cNvCxnSpPr>
+          <p:nvPr/>
+        </p:nvCxnSpPr>
+        <p:spPr>
+          <a:xfrm>
+            <a:off x="-33340" y="6388638"/>
+            <a:ext cx="12258675" cy="0"/>
+          </a:xfrm>
+          <a:prstGeom prst="line">
+            <a:avLst/>
+          </a:prstGeom>
+        </p:spPr>
+        <p:style>
+          <a:lnRef idx="1">
+            <a:schemeClr val="dk1"/>
+          </a:lnRef>
+          <a:fillRef idx="0">
+            <a:schemeClr val="dk1"/>
+          </a:fillRef>
+          <a:effectRef idx="0">
+            <a:schemeClr val="dk1"/>
+          </a:effectRef>
+          <a:fontRef idx="minor">
+            <a:schemeClr val="tx1"/>
+          </a:fontRef>
+        </p:style>
+      </p:cxnSp>
+      <p:sp>
+        <p:nvSpPr>
+          <p:cNvPr id="20" name="Datumsplatzhalter 3">
+            <a:extLst>
+              <a:ext uri="{FF2B5EF4-FFF2-40B4-BE49-F238E27FC236}">
+                <a16:creationId xmlns:a16="http://schemas.microsoft.com/office/drawing/2014/main" id="{BD2B632C-611C-A504-9127-54DFDAFB70B6}"/>
+              </a:ext>
+            </a:extLst>
+          </p:cNvPr>
+          <p:cNvSpPr>
+            <a:spLocks noGrp="1"/>
+          </p:cNvSpPr>
+          <p:nvPr>
+            <p:ph type="dt" sz="half" idx="10"/>
+          </p:nvPr>
+        </p:nvSpPr>
+        <p:spPr>
+          <a:xfrm>
+            <a:off x="838200" y="6567222"/>
+            <a:ext cx="2743200" cy="208546"/>
+          </a:xfrm>
+        </p:spPr>
+        <p:txBody>
+          <a:bodyPr/>
+          <a:lstStyle/>
+          <a:p>
+            <a:r>
+              <a:rPr lang="de-AT" sz="2000" dirty="0"/>
+              <a:t>09.02.2024</a:t>
+            </a:r>
+          </a:p>
+        </p:txBody>
+      </p:sp>
+      <p:sp>
+        <p:nvSpPr>
+          <p:cNvPr id="22" name="Foliennummernplatzhalter 21">
+            <a:extLst>
+              <a:ext uri="{FF2B5EF4-FFF2-40B4-BE49-F238E27FC236}">
+                <a16:creationId xmlns:a16="http://schemas.microsoft.com/office/drawing/2014/main" id="{20448093-4E11-56DE-5C13-6A289AA740A4}"/>
+              </a:ext>
+            </a:extLst>
+          </p:cNvPr>
+          <p:cNvSpPr>
+            <a:spLocks noGrp="1"/>
+          </p:cNvSpPr>
+          <p:nvPr>
+            <p:ph type="sldNum" sz="quarter" idx="12"/>
+          </p:nvPr>
+        </p:nvSpPr>
+        <p:spPr>
+          <a:xfrm>
+            <a:off x="8610600" y="6594368"/>
+            <a:ext cx="2743200" cy="154253"/>
+          </a:xfrm>
+        </p:spPr>
+        <p:txBody>
+          <a:bodyPr/>
+          <a:lstStyle/>
+          <a:p>
+            <a:r>
+              <a:rPr lang="de-AT" sz="2000" dirty="0"/>
+              <a:t>2/5</a:t>
+            </a:r>
+          </a:p>
+        </p:txBody>
+      </p:sp>
+      <p:pic>
+        <p:nvPicPr>
+          <p:cNvPr id="6" name="Grafik 5">
+            <a:extLst>
+              <a:ext uri="{FF2B5EF4-FFF2-40B4-BE49-F238E27FC236}">
+                <a16:creationId xmlns:a16="http://schemas.microsoft.com/office/drawing/2014/main" id="{1336A719-FE00-AF56-A813-E1817011977D}"/>
+              </a:ext>
+            </a:extLst>
+          </p:cNvPr>
+          <p:cNvPicPr>
+            <a:picLocks noChangeAspect="1"/>
+          </p:cNvPicPr>
+          <p:nvPr/>
+        </p:nvPicPr>
+        <p:blipFill>
+          <a:blip r:embed="rId3"/>
+          <a:stretch>
+            <a:fillRect/>
+          </a:stretch>
+        </p:blipFill>
+        <p:spPr>
+          <a:xfrm>
+            <a:off x="1406769" y="1894302"/>
+            <a:ext cx="8686800" cy="4476750"/>
+          </a:xfrm>
+          <a:prstGeom prst="rect">
+            <a:avLst/>
+          </a:prstGeom>
+        </p:spPr>
+      </p:pic>
+    </p:spTree>
+    <p:extLst>
+      <p:ext uri="{BB962C8B-B14F-4D97-AF65-F5344CB8AC3E}">
+        <p14:creationId xmlns:p14="http://schemas.microsoft.com/office/powerpoint/2010/main" val="3139431542"/>
+      </p:ext>
+    </p:extLst>
+  </p:cSld>
+  <p:clrMapOvr>
+    <a:masterClrMapping/>
+  </p:clrMapOvr>
+</p:sld>
+</file>
+
+<file path=ppt/slides/slide8.xml><?xml version="1.0" encoding="utf-8"?>
+<p:sld xmlns:a="http://schemas.openxmlformats.org/drawingml/2006/main" xmlns:r="http://schemas.openxmlformats.org/officeDocument/2006/relationships" xmlns:p="http://schemas.openxmlformats.org/presentationml/2006/main">
+  <p:cSld>
+    <p:spTree>
+      <p:nvGrpSpPr>
+        <p:cNvPr id="1" name="">
+          <a:extLst>
+            <a:ext uri="{FF2B5EF4-FFF2-40B4-BE49-F238E27FC236}">
+              <a16:creationId xmlns:a16="http://schemas.microsoft.com/office/drawing/2014/main" id="{B1B4E899-BEA6-F346-D119-208D9C997C6D}"/>
+            </a:ext>
+          </a:extLst>
+        </p:cNvPr>
+        <p:cNvGrpSpPr/>
+        <p:nvPr/>
+      </p:nvGrpSpPr>
+      <p:grpSpPr>
+        <a:xfrm>
+          <a:off x="0" y="0"/>
+          <a:ext cx="0" cy="0"/>
+          <a:chOff x="0" y="0"/>
+          <a:chExt cx="0" cy="0"/>
+        </a:xfrm>
+      </p:grpSpPr>
+      <p:sp>
+        <p:nvSpPr>
+          <p:cNvPr id="2" name="Titel 1">
+            <a:extLst>
+              <a:ext uri="{FF2B5EF4-FFF2-40B4-BE49-F238E27FC236}">
+                <a16:creationId xmlns:a16="http://schemas.microsoft.com/office/drawing/2014/main" id="{B32A398E-AE2D-9793-B91B-7FA77BA714E6}"/>
+              </a:ext>
+            </a:extLst>
+          </p:cNvPr>
+          <p:cNvSpPr>
+            <a:spLocks noGrp="1"/>
+          </p:cNvSpPr>
+          <p:nvPr>
+            <p:ph type="ctrTitle"/>
+          </p:nvPr>
+        </p:nvSpPr>
+        <p:spPr>
+          <a:xfrm>
+            <a:off x="4051783" y="1591857"/>
+            <a:ext cx="4088428" cy="1240035"/>
+          </a:xfrm>
+        </p:spPr>
+        <p:txBody>
+          <a:bodyPr>
+            <a:normAutofit fontScale="90000"/>
+          </a:bodyPr>
+          <a:lstStyle/>
+          <a:p>
+            <a:pPr algn="l">
+              <a:lnSpc>
+                <a:spcPct val="150000"/>
+              </a:lnSpc>
+            </a:pPr>
+            <a:r>
+              <a:rPr lang="de-DE" sz="4800" spc="-150" dirty="0" err="1">
+                <a:solidFill>
+                  <a:schemeClr val="accent5">
+                    <a:lumMod val="75000"/>
+                  </a:schemeClr>
+                </a:solidFill>
+              </a:rPr>
+              <a:t>ThemeStateService</a:t>
+            </a:r>
+            <a:br>
+              <a:rPr lang="de-DE" sz="4800" spc="-150" dirty="0">
+                <a:solidFill>
+                  <a:schemeClr val="accent5">
+                    <a:lumMod val="75000"/>
+                  </a:schemeClr>
+                </a:solidFill>
+              </a:rPr>
+            </a:br>
+            <a:endParaRPr lang="de-AT" sz="4800" spc="-150" dirty="0"/>
+          </a:p>
+        </p:txBody>
+      </p:sp>
+      <p:sp>
+        <p:nvSpPr>
+          <p:cNvPr id="3" name="Untertitel 2">
+            <a:extLst>
+              <a:ext uri="{FF2B5EF4-FFF2-40B4-BE49-F238E27FC236}">
+                <a16:creationId xmlns:a16="http://schemas.microsoft.com/office/drawing/2014/main" id="{1C9F804C-1F71-FBFF-1069-69F6478E50BD}"/>
+              </a:ext>
+            </a:extLst>
+          </p:cNvPr>
+          <p:cNvSpPr>
+            <a:spLocks noGrp="1"/>
+          </p:cNvSpPr>
+          <p:nvPr>
+            <p:ph type="subTitle" idx="1"/>
+          </p:nvPr>
+        </p:nvSpPr>
+        <p:spPr>
+          <a:xfrm>
+            <a:off x="492625" y="148264"/>
+            <a:ext cx="2062749" cy="920543"/>
+          </a:xfrm>
+        </p:spPr>
+        <p:txBody>
+          <a:bodyPr>
+            <a:normAutofit fontScale="85000" lnSpcReduction="20000"/>
+          </a:bodyPr>
+          <a:lstStyle/>
+          <a:p>
+            <a:r>
+              <a:rPr lang="de-DE" sz="2000" dirty="0"/>
+              <a:t>HTL Saalfelden</a:t>
+            </a:r>
+          </a:p>
+          <a:p>
+            <a:r>
+              <a:rPr lang="de-DE" sz="2000" dirty="0"/>
+              <a:t>Abteilung Informatik</a:t>
+            </a:r>
+          </a:p>
+          <a:p>
+            <a:r>
+              <a:rPr lang="de-DE" sz="2000" dirty="0"/>
+              <a:t>5. AHINF – 2023/24</a:t>
+            </a:r>
+            <a:endParaRPr lang="de-AT" sz="2000" dirty="0"/>
+          </a:p>
+        </p:txBody>
+      </p:sp>
+      <p:pic>
+        <p:nvPicPr>
+          <p:cNvPr id="1026" name="Picture 2" descr="Schnuppertag: Bautechnik an der HTL Saalfelden">
+            <a:extLst>
+              <a:ext uri="{FF2B5EF4-FFF2-40B4-BE49-F238E27FC236}">
+                <a16:creationId xmlns:a16="http://schemas.microsoft.com/office/drawing/2014/main" id="{D2C321D6-5065-B079-EE39-7957E0633105}"/>
+              </a:ext>
+            </a:extLst>
+          </p:cNvPr>
+          <p:cNvPicPr>
+            <a:picLocks noChangeAspect="1" noChangeArrowheads="1"/>
+          </p:cNvPicPr>
+          <p:nvPr/>
+        </p:nvPicPr>
+        <p:blipFill>
+          <a:blip r:embed="rId2">
+            <a:extLst>
+              <a:ext uri="{28A0092B-C50C-407E-A947-70E740481C1C}">
+                <a14:useLocalDpi xmlns:a14="http://schemas.microsoft.com/office/drawing/2010/main" val="0"/>
+              </a:ext>
+            </a:extLst>
+          </a:blip>
+          <a:srcRect/>
+          <a:stretch>
+            <a:fillRect/>
+          </a:stretch>
+        </p:blipFill>
+        <p:spPr bwMode="auto">
+          <a:xfrm>
+            <a:off x="11116200" y="61624"/>
+            <a:ext cx="943806" cy="1045178"/>
+          </a:xfrm>
+          <a:prstGeom prst="rect">
+            <a:avLst/>
+          </a:prstGeom>
+          <a:noFill/>
+          <a:extLst>
+            <a:ext uri="{909E8E84-426E-40DD-AFC4-6F175D3DCCD1}">
+              <a14:hiddenFill xmlns:a14="http://schemas.microsoft.com/office/drawing/2010/main">
+                <a:solidFill>
+                  <a:srgbClr val="FFFFFF"/>
+                </a:solidFill>
+              </a14:hiddenFill>
+            </a:ext>
+          </a:extLst>
+        </p:spPr>
+      </p:pic>
+      <p:sp>
+        <p:nvSpPr>
+          <p:cNvPr id="5" name="Untertitel 2">
+            <a:extLst>
+              <a:ext uri="{FF2B5EF4-FFF2-40B4-BE49-F238E27FC236}">
+                <a16:creationId xmlns:a16="http://schemas.microsoft.com/office/drawing/2014/main" id="{FB8E361F-CAD2-C568-9807-4151C89CB38B}"/>
+              </a:ext>
+            </a:extLst>
+          </p:cNvPr>
+          <p:cNvSpPr txBox="1">
+            <a:spLocks/>
+          </p:cNvSpPr>
+          <p:nvPr/>
+        </p:nvSpPr>
+        <p:spPr>
+          <a:xfrm>
+            <a:off x="9268679" y="186505"/>
+            <a:ext cx="1407342" cy="844062"/>
+          </a:xfrm>
+          <a:prstGeom prst="rect">
+            <a:avLst/>
+          </a:prstGeom>
+        </p:spPr>
+        <p:txBody>
+          <a:bodyPr vert="horz" lIns="91440" tIns="45720" rIns="91440" bIns="45720" rtlCol="0">
+            <a:normAutofit/>
+          </a:bodyPr>
+          <a:lstStyle>
+            <a:lvl1pPr marL="0" indent="0" algn="ctr" defTabSz="914400" rtl="0" eaLnBrk="1" latinLnBrk="0" hangingPunct="1">
+              <a:lnSpc>
+                <a:spcPct val="90000"/>
+              </a:lnSpc>
+              <a:spcBef>
+                <a:spcPts val="1000"/>
+              </a:spcBef>
+              <a:buFont typeface="Arial" panose="020B0604020202020204" pitchFamily="34" charset="0"/>
+              <a:buNone/>
+              <a:defRPr sz="2400" kern="1200">
+                <a:solidFill>
+                  <a:schemeClr val="tx1"/>
+                </a:solidFill>
+                <a:latin typeface="+mn-lt"/>
+                <a:ea typeface="+mn-ea"/>
+                <a:cs typeface="+mn-cs"/>
+              </a:defRPr>
+            </a:lvl1pPr>
+            <a:lvl2pPr marL="457200" indent="0" algn="ctr" defTabSz="914400" rtl="0" eaLnBrk="1" latinLnBrk="0" hangingPunct="1">
+              <a:lnSpc>
+                <a:spcPct val="90000"/>
+              </a:lnSpc>
+              <a:spcBef>
+                <a:spcPts val="500"/>
+              </a:spcBef>
+              <a:buFont typeface="Arial" panose="020B0604020202020204" pitchFamily="34" charset="0"/>
+              <a:buNone/>
+              <a:defRPr sz="2000" kern="1200">
+                <a:solidFill>
+                  <a:schemeClr val="tx1"/>
+                </a:solidFill>
+                <a:latin typeface="+mn-lt"/>
+                <a:ea typeface="+mn-ea"/>
+                <a:cs typeface="+mn-cs"/>
+              </a:defRPr>
+            </a:lvl2pPr>
+            <a:lvl3pPr marL="914400" indent="0" algn="ctr" defTabSz="914400" rtl="0" eaLnBrk="1" latinLnBrk="0" hangingPunct="1">
+              <a:lnSpc>
+                <a:spcPct val="90000"/>
+              </a:lnSpc>
+              <a:spcBef>
+                <a:spcPts val="500"/>
+              </a:spcBef>
+              <a:buFont typeface="Arial" panose="020B0604020202020204" pitchFamily="34" charset="0"/>
+              <a:buNone/>
+              <a:defRPr sz="1800" kern="1200">
+                <a:solidFill>
+                  <a:schemeClr val="tx1"/>
+                </a:solidFill>
+                <a:latin typeface="+mn-lt"/>
+                <a:ea typeface="+mn-ea"/>
+                <a:cs typeface="+mn-cs"/>
+              </a:defRPr>
+            </a:lvl3pPr>
+            <a:lvl4pPr marL="1371600" indent="0" algn="ctr" defTabSz="914400" rtl="0" eaLnBrk="1" latinLnBrk="0" hangingPunct="1">
+              <a:lnSpc>
+                <a:spcPct val="90000"/>
+              </a:lnSpc>
+              <a:spcBef>
+                <a:spcPts val="500"/>
+              </a:spcBef>
+              <a:buFont typeface="Arial" panose="020B0604020202020204" pitchFamily="34" charset="0"/>
+              <a:buNone/>
+              <a:defRPr sz="1600" kern="1200">
+                <a:solidFill>
+                  <a:schemeClr val="tx1"/>
+                </a:solidFill>
+                <a:latin typeface="+mn-lt"/>
+                <a:ea typeface="+mn-ea"/>
+                <a:cs typeface="+mn-cs"/>
+              </a:defRPr>
+            </a:lvl4pPr>
+            <a:lvl5pPr marL="1828800" indent="0" algn="ctr" defTabSz="914400" rtl="0" eaLnBrk="1" latinLnBrk="0" hangingPunct="1">
+              <a:lnSpc>
+                <a:spcPct val="90000"/>
+              </a:lnSpc>
+              <a:spcBef>
+                <a:spcPts val="500"/>
+              </a:spcBef>
+              <a:buFont typeface="Arial" panose="020B0604020202020204" pitchFamily="34" charset="0"/>
+              <a:buNone/>
+              <a:defRPr sz="1600" kern="1200">
+                <a:solidFill>
+                  <a:schemeClr val="tx1"/>
+                </a:solidFill>
+                <a:latin typeface="+mn-lt"/>
+                <a:ea typeface="+mn-ea"/>
+                <a:cs typeface="+mn-cs"/>
+              </a:defRPr>
+            </a:lvl5pPr>
+            <a:lvl6pPr marL="2286000" indent="0" algn="ctr" defTabSz="914400" rtl="0" eaLnBrk="1" latinLnBrk="0" hangingPunct="1">
+              <a:lnSpc>
+                <a:spcPct val="90000"/>
+              </a:lnSpc>
+              <a:spcBef>
+                <a:spcPts val="500"/>
+              </a:spcBef>
+              <a:buFont typeface="Arial" panose="020B0604020202020204" pitchFamily="34" charset="0"/>
+              <a:buNone/>
+              <a:defRPr sz="1600" kern="1200">
+                <a:solidFill>
+                  <a:schemeClr val="tx1"/>
+                </a:solidFill>
+                <a:latin typeface="+mn-lt"/>
+                <a:ea typeface="+mn-ea"/>
+                <a:cs typeface="+mn-cs"/>
+              </a:defRPr>
+            </a:lvl6pPr>
+            <a:lvl7pPr marL="2743200" indent="0" algn="ctr" defTabSz="914400" rtl="0" eaLnBrk="1" latinLnBrk="0" hangingPunct="1">
+              <a:lnSpc>
+                <a:spcPct val="90000"/>
+              </a:lnSpc>
+              <a:spcBef>
+                <a:spcPts val="500"/>
+              </a:spcBef>
+              <a:buFont typeface="Arial" panose="020B0604020202020204" pitchFamily="34" charset="0"/>
+              <a:buNone/>
+              <a:defRPr sz="1600" kern="1200">
+                <a:solidFill>
+                  <a:schemeClr val="tx1"/>
+                </a:solidFill>
+                <a:latin typeface="+mn-lt"/>
+                <a:ea typeface="+mn-ea"/>
+                <a:cs typeface="+mn-cs"/>
+              </a:defRPr>
+            </a:lvl7pPr>
+            <a:lvl8pPr marL="3200400" indent="0" algn="ctr" defTabSz="914400" rtl="0" eaLnBrk="1" latinLnBrk="0" hangingPunct="1">
+              <a:lnSpc>
+                <a:spcPct val="90000"/>
+              </a:lnSpc>
+              <a:spcBef>
+                <a:spcPts val="500"/>
+              </a:spcBef>
+              <a:buFont typeface="Arial" panose="020B0604020202020204" pitchFamily="34" charset="0"/>
+              <a:buNone/>
+              <a:defRPr sz="1600" kern="1200">
+                <a:solidFill>
+                  <a:schemeClr val="tx1"/>
+                </a:solidFill>
+                <a:latin typeface="+mn-lt"/>
+                <a:ea typeface="+mn-ea"/>
+                <a:cs typeface="+mn-cs"/>
+              </a:defRPr>
+            </a:lvl8pPr>
+            <a:lvl9pPr marL="3657600" indent="0" algn="ctr" defTabSz="914400" rtl="0" eaLnBrk="1" latinLnBrk="0" hangingPunct="1">
+              <a:lnSpc>
+                <a:spcPct val="90000"/>
+              </a:lnSpc>
+              <a:spcBef>
+                <a:spcPts val="500"/>
+              </a:spcBef>
+              <a:buFont typeface="Arial" panose="020B0604020202020204" pitchFamily="34" charset="0"/>
+              <a:buNone/>
+              <a:defRPr sz="1600" kern="1200">
+                <a:solidFill>
+                  <a:schemeClr val="tx1"/>
+                </a:solidFill>
+                <a:latin typeface="+mn-lt"/>
+                <a:ea typeface="+mn-ea"/>
+                <a:cs typeface="+mn-cs"/>
+              </a:defRPr>
+            </a:lvl9pPr>
+          </a:lstStyle>
+          <a:p>
+            <a:pPr algn="r"/>
+            <a:r>
+              <a:rPr lang="de-DE" sz="2000" dirty="0"/>
+              <a:t>Davare</a:t>
+            </a:r>
+          </a:p>
+          <a:p>
+            <a:pPr algn="r"/>
+            <a:r>
+              <a:rPr lang="de-DE" sz="2000" dirty="0"/>
+              <a:t>Hagenhofer</a:t>
+            </a:r>
+            <a:endParaRPr lang="de-AT" sz="2000" dirty="0"/>
+          </a:p>
+        </p:txBody>
+      </p:sp>
+      <p:cxnSp>
+        <p:nvCxnSpPr>
+          <p:cNvPr id="7" name="Gerader Verbinder 6">
+            <a:extLst>
+              <a:ext uri="{FF2B5EF4-FFF2-40B4-BE49-F238E27FC236}">
+                <a16:creationId xmlns:a16="http://schemas.microsoft.com/office/drawing/2014/main" id="{AAEC2700-2376-1E7F-A1A1-E053FC2629A7}"/>
+              </a:ext>
+            </a:extLst>
+          </p:cNvPr>
+          <p:cNvCxnSpPr>
+            <a:cxnSpLocks/>
+          </p:cNvCxnSpPr>
+          <p:nvPr/>
+        </p:nvCxnSpPr>
+        <p:spPr>
+          <a:xfrm>
+            <a:off x="-66675" y="1142200"/>
+            <a:ext cx="12258675" cy="0"/>
+          </a:xfrm>
+          <a:prstGeom prst="line">
+            <a:avLst/>
+          </a:prstGeom>
+        </p:spPr>
+        <p:style>
+          <a:lnRef idx="1">
+            <a:schemeClr val="dk1"/>
+          </a:lnRef>
+          <a:fillRef idx="0">
+            <a:schemeClr val="dk1"/>
+          </a:fillRef>
+          <a:effectRef idx="0">
+            <a:schemeClr val="dk1"/>
+          </a:effectRef>
+          <a:fontRef idx="minor">
+            <a:schemeClr val="tx1"/>
+          </a:fontRef>
+        </p:style>
+      </p:cxnSp>
+      <p:cxnSp>
+        <p:nvCxnSpPr>
+          <p:cNvPr id="16" name="Gerader Verbinder 15">
+            <a:extLst>
+              <a:ext uri="{FF2B5EF4-FFF2-40B4-BE49-F238E27FC236}">
+                <a16:creationId xmlns:a16="http://schemas.microsoft.com/office/drawing/2014/main" id="{6FAE0807-5CF3-FB0A-588C-01A26EC6788D}"/>
+              </a:ext>
+            </a:extLst>
+          </p:cNvPr>
+          <p:cNvCxnSpPr>
+            <a:cxnSpLocks/>
+          </p:cNvCxnSpPr>
+          <p:nvPr/>
+        </p:nvCxnSpPr>
+        <p:spPr>
+          <a:xfrm>
+            <a:off x="-33340" y="6388638"/>
+            <a:ext cx="12258675" cy="0"/>
+          </a:xfrm>
+          <a:prstGeom prst="line">
+            <a:avLst/>
+          </a:prstGeom>
+        </p:spPr>
+        <p:style>
+          <a:lnRef idx="1">
+            <a:schemeClr val="dk1"/>
+          </a:lnRef>
+          <a:fillRef idx="0">
+            <a:schemeClr val="dk1"/>
+          </a:fillRef>
+          <a:effectRef idx="0">
+            <a:schemeClr val="dk1"/>
+          </a:effectRef>
+          <a:fontRef idx="minor">
+            <a:schemeClr val="tx1"/>
+          </a:fontRef>
+        </p:style>
+      </p:cxnSp>
+      <p:sp>
+        <p:nvSpPr>
+          <p:cNvPr id="20" name="Datumsplatzhalter 3">
+            <a:extLst>
+              <a:ext uri="{FF2B5EF4-FFF2-40B4-BE49-F238E27FC236}">
+                <a16:creationId xmlns:a16="http://schemas.microsoft.com/office/drawing/2014/main" id="{5FC488E3-DD1B-3AF0-6334-5F1009E9DFE6}"/>
+              </a:ext>
+            </a:extLst>
+          </p:cNvPr>
+          <p:cNvSpPr>
+            <a:spLocks noGrp="1"/>
+          </p:cNvSpPr>
+          <p:nvPr>
+            <p:ph type="dt" sz="half" idx="10"/>
+          </p:nvPr>
+        </p:nvSpPr>
+        <p:spPr>
+          <a:xfrm>
+            <a:off x="838200" y="6567222"/>
+            <a:ext cx="2743200" cy="208546"/>
+          </a:xfrm>
+        </p:spPr>
+        <p:txBody>
+          <a:bodyPr/>
+          <a:lstStyle/>
+          <a:p>
+            <a:r>
+              <a:rPr lang="de-AT" sz="2000" dirty="0"/>
+              <a:t>09.02.2024</a:t>
+            </a:r>
+          </a:p>
+        </p:txBody>
+      </p:sp>
+      <p:sp>
+        <p:nvSpPr>
+          <p:cNvPr id="22" name="Foliennummernplatzhalter 21">
+            <a:extLst>
+              <a:ext uri="{FF2B5EF4-FFF2-40B4-BE49-F238E27FC236}">
+                <a16:creationId xmlns:a16="http://schemas.microsoft.com/office/drawing/2014/main" id="{FB16562F-E562-178A-3E0D-436BD79D1555}"/>
+              </a:ext>
+            </a:extLst>
+          </p:cNvPr>
+          <p:cNvSpPr>
+            <a:spLocks noGrp="1"/>
+          </p:cNvSpPr>
+          <p:nvPr>
+            <p:ph type="sldNum" sz="quarter" idx="12"/>
+          </p:nvPr>
+        </p:nvSpPr>
+        <p:spPr>
+          <a:xfrm>
+            <a:off x="8610600" y="6594368"/>
+            <a:ext cx="2743200" cy="154253"/>
+          </a:xfrm>
+        </p:spPr>
+        <p:txBody>
+          <a:bodyPr/>
+          <a:lstStyle/>
+          <a:p>
+            <a:r>
+              <a:rPr lang="de-AT" sz="2000" dirty="0"/>
+              <a:t>2/5</a:t>
+            </a:r>
+          </a:p>
+        </p:txBody>
+      </p:sp>
+      <p:pic>
+        <p:nvPicPr>
+          <p:cNvPr id="8" name="Grafik 7">
+            <a:extLst>
+              <a:ext uri="{FF2B5EF4-FFF2-40B4-BE49-F238E27FC236}">
+                <a16:creationId xmlns:a16="http://schemas.microsoft.com/office/drawing/2014/main" id="{A5C5D230-A9F8-1ACF-8544-2F931A6822BA}"/>
+              </a:ext>
+            </a:extLst>
+          </p:cNvPr>
+          <p:cNvPicPr>
+            <a:picLocks noChangeAspect="1"/>
+          </p:cNvPicPr>
+          <p:nvPr/>
+        </p:nvPicPr>
+        <p:blipFill>
+          <a:blip r:embed="rId3"/>
+          <a:stretch>
+            <a:fillRect/>
+          </a:stretch>
+        </p:blipFill>
+        <p:spPr>
+          <a:xfrm>
+            <a:off x="1900234" y="2482210"/>
+            <a:ext cx="8391525" cy="2343150"/>
+          </a:xfrm>
+          <a:prstGeom prst="rect">
+            <a:avLst/>
+          </a:prstGeom>
+        </p:spPr>
+      </p:pic>
+    </p:spTree>
+    <p:extLst>
+      <p:ext uri="{BB962C8B-B14F-4D97-AF65-F5344CB8AC3E}">
+        <p14:creationId xmlns:p14="http://schemas.microsoft.com/office/powerpoint/2010/main" val="2893566597"/>
+      </p:ext>
+    </p:extLst>
+  </p:cSld>
+  <p:clrMapOvr>
+    <a:masterClrMapping/>
+  </p:clrMapOvr>
+</p:sld>
+</file>
+
+<file path=ppt/slides/slide9.xml><?xml version="1.0" encoding="utf-8"?>
+<p:sld xmlns:a="http://schemas.openxmlformats.org/drawingml/2006/main" xmlns:r="http://schemas.openxmlformats.org/officeDocument/2006/relationships" xmlns:p="http://schemas.openxmlformats.org/presentationml/2006/main">
+  <p:cSld>
+    <p:spTree>
+      <p:nvGrpSpPr>
+        <p:cNvPr id="1" name="">
+          <a:extLst>
+            <a:ext uri="{FF2B5EF4-FFF2-40B4-BE49-F238E27FC236}">
+              <a16:creationId xmlns:a16="http://schemas.microsoft.com/office/drawing/2014/main" id="{7BDFB2C5-6674-F888-B52B-A4A7A92BE5E7}"/>
+            </a:ext>
+          </a:extLst>
+        </p:cNvPr>
+        <p:cNvGrpSpPr/>
+        <p:nvPr/>
+      </p:nvGrpSpPr>
+      <p:grpSpPr>
+        <a:xfrm>
+          <a:off x="0" y="0"/>
+          <a:ext cx="0" cy="0"/>
+          <a:chOff x="0" y="0"/>
+          <a:chExt cx="0" cy="0"/>
+        </a:xfrm>
+      </p:grpSpPr>
+      <p:sp>
+        <p:nvSpPr>
+          <p:cNvPr id="2" name="Titel 1">
+            <a:extLst>
+              <a:ext uri="{FF2B5EF4-FFF2-40B4-BE49-F238E27FC236}">
+                <a16:creationId xmlns:a16="http://schemas.microsoft.com/office/drawing/2014/main" id="{E22AE471-5E92-0025-2180-CDB9230D7414}"/>
+              </a:ext>
+            </a:extLst>
+          </p:cNvPr>
+          <p:cNvSpPr>
+            <a:spLocks noGrp="1"/>
+          </p:cNvSpPr>
+          <p:nvPr>
+            <p:ph type="ctrTitle"/>
+          </p:nvPr>
+        </p:nvSpPr>
+        <p:spPr>
+          <a:xfrm>
+            <a:off x="4051783" y="1591857"/>
+            <a:ext cx="4088428" cy="1240035"/>
+          </a:xfrm>
+        </p:spPr>
+        <p:txBody>
+          <a:bodyPr>
+            <a:normAutofit fontScale="90000"/>
+          </a:bodyPr>
+          <a:lstStyle/>
+          <a:p>
+            <a:pPr algn="l">
+              <a:lnSpc>
+                <a:spcPct val="150000"/>
+              </a:lnSpc>
+            </a:pPr>
+            <a:r>
+              <a:rPr lang="de-DE" sz="4800" spc="-150" dirty="0" err="1">
+                <a:solidFill>
+                  <a:schemeClr val="accent5">
+                    <a:lumMod val="75000"/>
+                  </a:schemeClr>
+                </a:solidFill>
+              </a:rPr>
+              <a:t>ThemeStateService</a:t>
+            </a:r>
+            <a:br>
+              <a:rPr lang="de-DE" sz="4800" spc="-150" dirty="0">
+                <a:solidFill>
+                  <a:schemeClr val="accent5">
+                    <a:lumMod val="75000"/>
+                  </a:schemeClr>
+                </a:solidFill>
+              </a:rPr>
+            </a:br>
+            <a:endParaRPr lang="de-AT" sz="4800" spc="-150" dirty="0"/>
+          </a:p>
+        </p:txBody>
+      </p:sp>
+      <p:sp>
+        <p:nvSpPr>
+          <p:cNvPr id="3" name="Untertitel 2">
+            <a:extLst>
+              <a:ext uri="{FF2B5EF4-FFF2-40B4-BE49-F238E27FC236}">
+                <a16:creationId xmlns:a16="http://schemas.microsoft.com/office/drawing/2014/main" id="{32C5ABF2-0E37-382E-8D99-0198F76E8CBB}"/>
+              </a:ext>
+            </a:extLst>
+          </p:cNvPr>
+          <p:cNvSpPr>
+            <a:spLocks noGrp="1"/>
+          </p:cNvSpPr>
+          <p:nvPr>
+            <p:ph type="subTitle" idx="1"/>
+          </p:nvPr>
+        </p:nvSpPr>
+        <p:spPr>
+          <a:xfrm>
+            <a:off x="492625" y="148264"/>
+            <a:ext cx="2062749" cy="920543"/>
+          </a:xfrm>
+        </p:spPr>
+        <p:txBody>
+          <a:bodyPr>
+            <a:normAutofit fontScale="85000" lnSpcReduction="20000"/>
+          </a:bodyPr>
+          <a:lstStyle/>
+          <a:p>
+            <a:r>
+              <a:rPr lang="de-DE" sz="2000" dirty="0"/>
+              <a:t>HTL Saalfelden</a:t>
+            </a:r>
+          </a:p>
+          <a:p>
+            <a:r>
+              <a:rPr lang="de-DE" sz="2000" dirty="0"/>
+              <a:t>Abteilung Informatik</a:t>
+            </a:r>
+          </a:p>
+          <a:p>
+            <a:r>
+              <a:rPr lang="de-DE" sz="2000" dirty="0"/>
+              <a:t>5. AHINF – 2023/24</a:t>
+            </a:r>
+            <a:endParaRPr lang="de-AT" sz="2000" dirty="0"/>
+          </a:p>
+        </p:txBody>
+      </p:sp>
+      <p:pic>
+        <p:nvPicPr>
+          <p:cNvPr id="1026" name="Picture 2" descr="Schnuppertag: Bautechnik an der HTL Saalfelden">
+            <a:extLst>
+              <a:ext uri="{FF2B5EF4-FFF2-40B4-BE49-F238E27FC236}">
+                <a16:creationId xmlns:a16="http://schemas.microsoft.com/office/drawing/2014/main" id="{FCDD9D02-E2F1-3109-6524-451C2DDC1C75}"/>
+              </a:ext>
+            </a:extLst>
+          </p:cNvPr>
+          <p:cNvPicPr>
+            <a:picLocks noChangeAspect="1" noChangeArrowheads="1"/>
+          </p:cNvPicPr>
+          <p:nvPr/>
+        </p:nvPicPr>
+        <p:blipFill>
+          <a:blip r:embed="rId2">
+            <a:extLst>
+              <a:ext uri="{28A0092B-C50C-407E-A947-70E740481C1C}">
+                <a14:useLocalDpi xmlns:a14="http://schemas.microsoft.com/office/drawing/2010/main" val="0"/>
+              </a:ext>
+            </a:extLst>
+          </a:blip>
+          <a:srcRect/>
+          <a:stretch>
+            <a:fillRect/>
+          </a:stretch>
+        </p:blipFill>
+        <p:spPr bwMode="auto">
+          <a:xfrm>
+            <a:off x="11116200" y="61624"/>
+            <a:ext cx="943806" cy="1045178"/>
+          </a:xfrm>
+          <a:prstGeom prst="rect">
+            <a:avLst/>
+          </a:prstGeom>
+          <a:noFill/>
+          <a:extLst>
+            <a:ext uri="{909E8E84-426E-40DD-AFC4-6F175D3DCCD1}">
+              <a14:hiddenFill xmlns:a14="http://schemas.microsoft.com/office/drawing/2010/main">
+                <a:solidFill>
+                  <a:srgbClr val="FFFFFF"/>
+                </a:solidFill>
+              </a14:hiddenFill>
+            </a:ext>
+          </a:extLst>
+        </p:spPr>
+      </p:pic>
+      <p:sp>
+        <p:nvSpPr>
+          <p:cNvPr id="5" name="Untertitel 2">
+            <a:extLst>
+              <a:ext uri="{FF2B5EF4-FFF2-40B4-BE49-F238E27FC236}">
+                <a16:creationId xmlns:a16="http://schemas.microsoft.com/office/drawing/2014/main" id="{AF3F1EBE-8994-CB81-E2F2-DC7FCCB15FBE}"/>
+              </a:ext>
+            </a:extLst>
+          </p:cNvPr>
+          <p:cNvSpPr txBox="1">
+            <a:spLocks/>
+          </p:cNvSpPr>
+          <p:nvPr/>
+        </p:nvSpPr>
+        <p:spPr>
+          <a:xfrm>
+            <a:off x="9268679" y="186505"/>
+            <a:ext cx="1407342" cy="844062"/>
+          </a:xfrm>
+          <a:prstGeom prst="rect">
+            <a:avLst/>
+          </a:prstGeom>
+        </p:spPr>
+        <p:txBody>
+          <a:bodyPr vert="horz" lIns="91440" tIns="45720" rIns="91440" bIns="45720" rtlCol="0">
+            <a:normAutofit/>
+          </a:bodyPr>
+          <a:lstStyle>
+            <a:lvl1pPr marL="0" indent="0" algn="ctr" defTabSz="914400" rtl="0" eaLnBrk="1" latinLnBrk="0" hangingPunct="1">
+              <a:lnSpc>
+                <a:spcPct val="90000"/>
+              </a:lnSpc>
+              <a:spcBef>
+                <a:spcPts val="1000"/>
+              </a:spcBef>
+              <a:buFont typeface="Arial" panose="020B0604020202020204" pitchFamily="34" charset="0"/>
+              <a:buNone/>
+              <a:defRPr sz="2400" kern="1200">
+                <a:solidFill>
+                  <a:schemeClr val="tx1"/>
+                </a:solidFill>
+                <a:latin typeface="+mn-lt"/>
+                <a:ea typeface="+mn-ea"/>
+                <a:cs typeface="+mn-cs"/>
+              </a:defRPr>
+            </a:lvl1pPr>
+            <a:lvl2pPr marL="457200" indent="0" algn="ctr" defTabSz="914400" rtl="0" eaLnBrk="1" latinLnBrk="0" hangingPunct="1">
+              <a:lnSpc>
+                <a:spcPct val="90000"/>
+              </a:lnSpc>
+              <a:spcBef>
+                <a:spcPts val="500"/>
+              </a:spcBef>
+              <a:buFont typeface="Arial" panose="020B0604020202020204" pitchFamily="34" charset="0"/>
+              <a:buNone/>
+              <a:defRPr sz="2000" kern="1200">
+                <a:solidFill>
+                  <a:schemeClr val="tx1"/>
+                </a:solidFill>
+                <a:latin typeface="+mn-lt"/>
+                <a:ea typeface="+mn-ea"/>
+                <a:cs typeface="+mn-cs"/>
+              </a:defRPr>
+            </a:lvl2pPr>
+            <a:lvl3pPr marL="914400" indent="0" algn="ctr" defTabSz="914400" rtl="0" eaLnBrk="1" latinLnBrk="0" hangingPunct="1">
+              <a:lnSpc>
+                <a:spcPct val="90000"/>
+              </a:lnSpc>
+              <a:spcBef>
+                <a:spcPts val="500"/>
+              </a:spcBef>
+              <a:buFont typeface="Arial" panose="020B0604020202020204" pitchFamily="34" charset="0"/>
+              <a:buNone/>
+              <a:defRPr sz="1800" kern="1200">
+                <a:solidFill>
+                  <a:schemeClr val="tx1"/>
+                </a:solidFill>
+                <a:latin typeface="+mn-lt"/>
+                <a:ea typeface="+mn-ea"/>
+                <a:cs typeface="+mn-cs"/>
+              </a:defRPr>
+            </a:lvl3pPr>
+            <a:lvl4pPr marL="1371600" indent="0" algn="ctr" defTabSz="914400" rtl="0" eaLnBrk="1" latinLnBrk="0" hangingPunct="1">
+              <a:lnSpc>
+                <a:spcPct val="90000"/>
+              </a:lnSpc>
+              <a:spcBef>
+                <a:spcPts val="500"/>
+              </a:spcBef>
+              <a:buFont typeface="Arial" panose="020B0604020202020204" pitchFamily="34" charset="0"/>
+              <a:buNone/>
+              <a:defRPr sz="1600" kern="1200">
+                <a:solidFill>
+                  <a:schemeClr val="tx1"/>
+                </a:solidFill>
+                <a:latin typeface="+mn-lt"/>
+                <a:ea typeface="+mn-ea"/>
+                <a:cs typeface="+mn-cs"/>
+              </a:defRPr>
+            </a:lvl4pPr>
+            <a:lvl5pPr marL="1828800" indent="0" algn="ctr" defTabSz="914400" rtl="0" eaLnBrk="1" latinLnBrk="0" hangingPunct="1">
+              <a:lnSpc>
+                <a:spcPct val="90000"/>
+              </a:lnSpc>
+              <a:spcBef>
+                <a:spcPts val="500"/>
+              </a:spcBef>
+              <a:buFont typeface="Arial" panose="020B0604020202020204" pitchFamily="34" charset="0"/>
+              <a:buNone/>
+              <a:defRPr sz="1600" kern="1200">
+                <a:solidFill>
+                  <a:schemeClr val="tx1"/>
+                </a:solidFill>
+                <a:latin typeface="+mn-lt"/>
+                <a:ea typeface="+mn-ea"/>
+                <a:cs typeface="+mn-cs"/>
+              </a:defRPr>
+            </a:lvl5pPr>
+            <a:lvl6pPr marL="2286000" indent="0" algn="ctr" defTabSz="914400" rtl="0" eaLnBrk="1" latinLnBrk="0" hangingPunct="1">
+              <a:lnSpc>
+                <a:spcPct val="90000"/>
+              </a:lnSpc>
+              <a:spcBef>
+                <a:spcPts val="500"/>
+              </a:spcBef>
+              <a:buFont typeface="Arial" panose="020B0604020202020204" pitchFamily="34" charset="0"/>
+              <a:buNone/>
+              <a:defRPr sz="1600" kern="1200">
+                <a:solidFill>
+                  <a:schemeClr val="tx1"/>
+                </a:solidFill>
+                <a:latin typeface="+mn-lt"/>
+                <a:ea typeface="+mn-ea"/>
+                <a:cs typeface="+mn-cs"/>
+              </a:defRPr>
+            </a:lvl6pPr>
+            <a:lvl7pPr marL="2743200" indent="0" algn="ctr" defTabSz="914400" rtl="0" eaLnBrk="1" latinLnBrk="0" hangingPunct="1">
+              <a:lnSpc>
+                <a:spcPct val="90000"/>
+              </a:lnSpc>
+              <a:spcBef>
+                <a:spcPts val="500"/>
+              </a:spcBef>
+              <a:buFont typeface="Arial" panose="020B0604020202020204" pitchFamily="34" charset="0"/>
+              <a:buNone/>
+              <a:defRPr sz="1600" kern="1200">
+                <a:solidFill>
+                  <a:schemeClr val="tx1"/>
+                </a:solidFill>
+                <a:latin typeface="+mn-lt"/>
+                <a:ea typeface="+mn-ea"/>
+                <a:cs typeface="+mn-cs"/>
+              </a:defRPr>
+            </a:lvl7pPr>
+            <a:lvl8pPr marL="3200400" indent="0" algn="ctr" defTabSz="914400" rtl="0" eaLnBrk="1" latinLnBrk="0" hangingPunct="1">
+              <a:lnSpc>
+                <a:spcPct val="90000"/>
+              </a:lnSpc>
+              <a:spcBef>
+                <a:spcPts val="500"/>
+              </a:spcBef>
+              <a:buFont typeface="Arial" panose="020B0604020202020204" pitchFamily="34" charset="0"/>
+              <a:buNone/>
+              <a:defRPr sz="1600" kern="1200">
+                <a:solidFill>
+                  <a:schemeClr val="tx1"/>
+                </a:solidFill>
+                <a:latin typeface="+mn-lt"/>
+                <a:ea typeface="+mn-ea"/>
+                <a:cs typeface="+mn-cs"/>
+              </a:defRPr>
+            </a:lvl8pPr>
+            <a:lvl9pPr marL="3657600" indent="0" algn="ctr" defTabSz="914400" rtl="0" eaLnBrk="1" latinLnBrk="0" hangingPunct="1">
+              <a:lnSpc>
+                <a:spcPct val="90000"/>
+              </a:lnSpc>
+              <a:spcBef>
+                <a:spcPts val="500"/>
+              </a:spcBef>
+              <a:buFont typeface="Arial" panose="020B0604020202020204" pitchFamily="34" charset="0"/>
+              <a:buNone/>
+              <a:defRPr sz="1600" kern="1200">
+                <a:solidFill>
+                  <a:schemeClr val="tx1"/>
+                </a:solidFill>
+                <a:latin typeface="+mn-lt"/>
+                <a:ea typeface="+mn-ea"/>
+                <a:cs typeface="+mn-cs"/>
+              </a:defRPr>
+            </a:lvl9pPr>
+          </a:lstStyle>
+          <a:p>
+            <a:pPr algn="r"/>
+            <a:r>
+              <a:rPr lang="de-DE" sz="2000" dirty="0"/>
+              <a:t>Davare</a:t>
+            </a:r>
+          </a:p>
+          <a:p>
+            <a:pPr algn="r"/>
+            <a:r>
+              <a:rPr lang="de-DE" sz="2000" dirty="0"/>
+              <a:t>Hagenhofer</a:t>
+            </a:r>
+            <a:endParaRPr lang="de-AT" sz="2000" dirty="0"/>
+          </a:p>
+        </p:txBody>
+      </p:sp>
+      <p:cxnSp>
+        <p:nvCxnSpPr>
+          <p:cNvPr id="7" name="Gerader Verbinder 6">
+            <a:extLst>
+              <a:ext uri="{FF2B5EF4-FFF2-40B4-BE49-F238E27FC236}">
+                <a16:creationId xmlns:a16="http://schemas.microsoft.com/office/drawing/2014/main" id="{AD1EED52-3413-0C41-AEDC-2522F106BF30}"/>
+              </a:ext>
+            </a:extLst>
+          </p:cNvPr>
+          <p:cNvCxnSpPr>
+            <a:cxnSpLocks/>
+          </p:cNvCxnSpPr>
+          <p:nvPr/>
+        </p:nvCxnSpPr>
+        <p:spPr>
+          <a:xfrm>
+            <a:off x="-66675" y="1142200"/>
+            <a:ext cx="12258675" cy="0"/>
+          </a:xfrm>
+          <a:prstGeom prst="line">
+            <a:avLst/>
+          </a:prstGeom>
+        </p:spPr>
+        <p:style>
+          <a:lnRef idx="1">
+            <a:schemeClr val="dk1"/>
+          </a:lnRef>
+          <a:fillRef idx="0">
+            <a:schemeClr val="dk1"/>
+          </a:fillRef>
+          <a:effectRef idx="0">
+            <a:schemeClr val="dk1"/>
+          </a:effectRef>
+          <a:fontRef idx="minor">
+            <a:schemeClr val="tx1"/>
+          </a:fontRef>
+        </p:style>
+      </p:cxnSp>
+      <p:cxnSp>
+        <p:nvCxnSpPr>
+          <p:cNvPr id="16" name="Gerader Verbinder 15">
+            <a:extLst>
+              <a:ext uri="{FF2B5EF4-FFF2-40B4-BE49-F238E27FC236}">
+                <a16:creationId xmlns:a16="http://schemas.microsoft.com/office/drawing/2014/main" id="{9BF91227-E1BE-B6AF-9E00-64CF0239ADE4}"/>
+              </a:ext>
+            </a:extLst>
+          </p:cNvPr>
+          <p:cNvCxnSpPr>
+            <a:cxnSpLocks/>
+          </p:cNvCxnSpPr>
+          <p:nvPr/>
+        </p:nvCxnSpPr>
+        <p:spPr>
+          <a:xfrm>
+            <a:off x="-33340" y="6388638"/>
+            <a:ext cx="12258675" cy="0"/>
+          </a:xfrm>
+          <a:prstGeom prst="line">
+            <a:avLst/>
+          </a:prstGeom>
+        </p:spPr>
+        <p:style>
+          <a:lnRef idx="1">
+            <a:schemeClr val="dk1"/>
+          </a:lnRef>
+          <a:fillRef idx="0">
+            <a:schemeClr val="dk1"/>
+          </a:fillRef>
+          <a:effectRef idx="0">
+            <a:schemeClr val="dk1"/>
+          </a:effectRef>
+          <a:fontRef idx="minor">
+            <a:schemeClr val="tx1"/>
+          </a:fontRef>
+        </p:style>
+      </p:cxnSp>
+      <p:sp>
+        <p:nvSpPr>
+          <p:cNvPr id="20" name="Datumsplatzhalter 3">
+            <a:extLst>
+              <a:ext uri="{FF2B5EF4-FFF2-40B4-BE49-F238E27FC236}">
+                <a16:creationId xmlns:a16="http://schemas.microsoft.com/office/drawing/2014/main" id="{5E3F53EC-1830-CEA5-95F6-0C1F8F31743B}"/>
+              </a:ext>
+            </a:extLst>
+          </p:cNvPr>
+          <p:cNvSpPr>
+            <a:spLocks noGrp="1"/>
+          </p:cNvSpPr>
+          <p:nvPr>
+            <p:ph type="dt" sz="half" idx="10"/>
+          </p:nvPr>
+        </p:nvSpPr>
+        <p:spPr>
+          <a:xfrm>
+            <a:off x="838200" y="6567222"/>
+            <a:ext cx="2743200" cy="208546"/>
+          </a:xfrm>
+        </p:spPr>
+        <p:txBody>
+          <a:bodyPr/>
+          <a:lstStyle/>
+          <a:p>
+            <a:r>
+              <a:rPr lang="de-AT" sz="2000" dirty="0"/>
+              <a:t>09.02.2024</a:t>
+            </a:r>
+          </a:p>
+        </p:txBody>
+      </p:sp>
+      <p:sp>
+        <p:nvSpPr>
+          <p:cNvPr id="22" name="Foliennummernplatzhalter 21">
+            <a:extLst>
+              <a:ext uri="{FF2B5EF4-FFF2-40B4-BE49-F238E27FC236}">
+                <a16:creationId xmlns:a16="http://schemas.microsoft.com/office/drawing/2014/main" id="{1C571C1A-1070-A258-AEF2-E2AF8A20607F}"/>
+              </a:ext>
+            </a:extLst>
+          </p:cNvPr>
+          <p:cNvSpPr>
+            <a:spLocks noGrp="1"/>
+          </p:cNvSpPr>
+          <p:nvPr>
+            <p:ph type="sldNum" sz="quarter" idx="12"/>
+          </p:nvPr>
+        </p:nvSpPr>
+        <p:spPr>
+          <a:xfrm>
+            <a:off x="8610600" y="6594368"/>
+            <a:ext cx="2743200" cy="154253"/>
+          </a:xfrm>
+        </p:spPr>
+        <p:txBody>
+          <a:bodyPr/>
+          <a:lstStyle/>
+          <a:p>
+            <a:r>
+              <a:rPr lang="de-AT" sz="2000" dirty="0"/>
+              <a:t>2/5</a:t>
+            </a:r>
+          </a:p>
+        </p:txBody>
+      </p:sp>
+      <p:pic>
+        <p:nvPicPr>
+          <p:cNvPr id="8" name="Grafik 7">
+            <a:extLst>
+              <a:ext uri="{FF2B5EF4-FFF2-40B4-BE49-F238E27FC236}">
+                <a16:creationId xmlns:a16="http://schemas.microsoft.com/office/drawing/2014/main" id="{B7E9EC81-2BE8-7D05-B736-248E26046317}"/>
+              </a:ext>
+            </a:extLst>
+          </p:cNvPr>
+          <p:cNvPicPr>
+            <a:picLocks noChangeAspect="1"/>
+          </p:cNvPicPr>
+          <p:nvPr/>
+        </p:nvPicPr>
+        <p:blipFill>
+          <a:blip r:embed="rId3"/>
+          <a:stretch>
+            <a:fillRect/>
+          </a:stretch>
+        </p:blipFill>
+        <p:spPr>
+          <a:xfrm>
+            <a:off x="1900234" y="2482210"/>
+            <a:ext cx="8391525" cy="2343150"/>
+          </a:xfrm>
+          <a:prstGeom prst="rect">
+            <a:avLst/>
+          </a:prstGeom>
+        </p:spPr>
+      </p:pic>
+      <p:pic>
+        <p:nvPicPr>
+          <p:cNvPr id="14" name="Grafik 13">
+            <a:extLst>
+              <a:ext uri="{FF2B5EF4-FFF2-40B4-BE49-F238E27FC236}">
+                <a16:creationId xmlns:a16="http://schemas.microsoft.com/office/drawing/2014/main" id="{5B422E2F-6B1C-DF80-3C54-A8D42EFE9353}"/>
+              </a:ext>
+            </a:extLst>
+          </p:cNvPr>
+          <p:cNvPicPr>
+            <a:picLocks noChangeAspect="1"/>
+          </p:cNvPicPr>
+          <p:nvPr/>
+        </p:nvPicPr>
+        <p:blipFill>
+          <a:blip r:embed="rId4"/>
+          <a:stretch>
+            <a:fillRect/>
+          </a:stretch>
+        </p:blipFill>
+        <p:spPr>
+          <a:xfrm>
+            <a:off x="801476" y="1951992"/>
+            <a:ext cx="10589040" cy="2873368"/>
+          </a:xfrm>
+          <a:prstGeom prst="rect">
+            <a:avLst/>
+          </a:prstGeom>
+        </p:spPr>
+      </p:pic>
+      <p:pic>
+        <p:nvPicPr>
+          <p:cNvPr id="19" name="Grafik 18">
+            <a:extLst>
+              <a:ext uri="{FF2B5EF4-FFF2-40B4-BE49-F238E27FC236}">
+                <a16:creationId xmlns:a16="http://schemas.microsoft.com/office/drawing/2014/main" id="{C0FD35C9-CD0D-3932-8186-3DD664C6225B}"/>
+              </a:ext>
+            </a:extLst>
+          </p:cNvPr>
+          <p:cNvPicPr>
+            <a:picLocks noChangeAspect="1"/>
+          </p:cNvPicPr>
+          <p:nvPr/>
+        </p:nvPicPr>
+        <p:blipFill>
+          <a:blip r:embed="rId5"/>
+          <a:stretch>
+            <a:fillRect/>
+          </a:stretch>
+        </p:blipFill>
+        <p:spPr>
+          <a:xfrm>
+            <a:off x="801476" y="4932916"/>
+            <a:ext cx="8143875" cy="1038225"/>
+          </a:xfrm>
+          <a:prstGeom prst="rect">
+            <a:avLst/>
+          </a:prstGeom>
+        </p:spPr>
+      </p:pic>
+    </p:spTree>
+    <p:extLst>
+      <p:ext uri="{BB962C8B-B14F-4D97-AF65-F5344CB8AC3E}">
+        <p14:creationId xmlns:p14="http://schemas.microsoft.com/office/powerpoint/2010/main" val="3821459875"/>
+      </p:ext>
+    </p:extLst>
+  </p:cSld>
+  <p:clrMapOvr>
+    <a:masterClrMapping/>
+  </p:clrMapOvr>
 </p:sld>
 </file>
 

--- a/Praesentation0802.pptx
+++ b/Praesentation0802.pptx
@@ -5,7 +5,7 @@
     <p:sldMasterId id="2147483648" r:id="rId1"/>
   </p:sldMasterIdLst>
   <p:notesMasterIdLst>
-    <p:notesMasterId r:id="rId15"/>
+    <p:notesMasterId r:id="rId21"/>
   </p:notesMasterIdLst>
   <p:sldIdLst>
     <p:sldId id="256" r:id="rId2"/>
@@ -19,8 +19,14 @@
     <p:sldId id="281" r:id="rId10"/>
     <p:sldId id="282" r:id="rId11"/>
     <p:sldId id="283" r:id="rId12"/>
-    <p:sldId id="276" r:id="rId13"/>
-    <p:sldId id="275" r:id="rId14"/>
+    <p:sldId id="284" r:id="rId13"/>
+    <p:sldId id="290" r:id="rId14"/>
+    <p:sldId id="292" r:id="rId15"/>
+    <p:sldId id="276" r:id="rId16"/>
+    <p:sldId id="289" r:id="rId17"/>
+    <p:sldId id="286" r:id="rId18"/>
+    <p:sldId id="287" r:id="rId19"/>
+    <p:sldId id="275" r:id="rId20"/>
   </p:sldIdLst>
   <p:sldSz cx="12192000" cy="6858000"/>
   <p:notesSz cx="6858000" cy="9144000"/>
@@ -209,7 +215,7 @@
           <a:p>
             <a:fld id="{06E39849-EB8A-4AFE-972D-A20981D05A5B}" type="datetimeFigureOut">
               <a:rPr lang="de-AT" smtClean="0"/>
-              <a:t>08.02.2024</a:t>
+              <a:t>09.02.2024</a:t>
             </a:fld>
             <a:endParaRPr lang="de-AT"/>
           </a:p>
@@ -626,7 +632,7 @@
           <a:p>
             <a:fld id="{B0F5E689-6FB0-47B8-A95B-CB592B495881}" type="datetime1">
               <a:rPr lang="de-AT" smtClean="0"/>
-              <a:t>08.02.2024</a:t>
+              <a:t>09.02.2024</a:t>
             </a:fld>
             <a:endParaRPr lang="de-AT"/>
           </a:p>
@@ -829,7 +835,7 @@
           <a:p>
             <a:fld id="{C8D62036-FB84-4B82-8777-664F74F8855C}" type="datetime1">
               <a:rPr lang="de-AT" smtClean="0"/>
-              <a:t>08.02.2024</a:t>
+              <a:t>09.02.2024</a:t>
             </a:fld>
             <a:endParaRPr lang="de-AT"/>
           </a:p>
@@ -1042,7 +1048,7 @@
           <a:p>
             <a:fld id="{13E4BDD4-A583-42AD-987F-C82B03B084D1}" type="datetime1">
               <a:rPr lang="de-AT" smtClean="0"/>
-              <a:t>08.02.2024</a:t>
+              <a:t>09.02.2024</a:t>
             </a:fld>
             <a:endParaRPr lang="de-AT"/>
           </a:p>
@@ -1245,7 +1251,7 @@
           <a:p>
             <a:fld id="{C29CA335-4FBD-47E0-807B-4683D9B44AA4}" type="datetime1">
               <a:rPr lang="de-AT" smtClean="0"/>
-              <a:t>08.02.2024</a:t>
+              <a:t>09.02.2024</a:t>
             </a:fld>
             <a:endParaRPr lang="de-AT"/>
           </a:p>
@@ -1524,7 +1530,7 @@
           <a:p>
             <a:fld id="{AFDCEBE2-D374-40BB-A33A-B0539738ADEA}" type="datetime1">
               <a:rPr lang="de-AT" smtClean="0"/>
-              <a:t>08.02.2024</a:t>
+              <a:t>09.02.2024</a:t>
             </a:fld>
             <a:endParaRPr lang="de-AT"/>
           </a:p>
@@ -1795,7 +1801,7 @@
           <a:p>
             <a:fld id="{260C3E31-5573-4835-BDF0-CFCAEC0FD388}" type="datetime1">
               <a:rPr lang="de-AT" smtClean="0"/>
-              <a:t>08.02.2024</a:t>
+              <a:t>09.02.2024</a:t>
             </a:fld>
             <a:endParaRPr lang="de-AT"/>
           </a:p>
@@ -2213,7 +2219,7 @@
           <a:p>
             <a:fld id="{BDC481D6-E9A5-4704-8EA4-0BE1DB382CC6}" type="datetime1">
               <a:rPr lang="de-AT" smtClean="0"/>
-              <a:t>08.02.2024</a:t>
+              <a:t>09.02.2024</a:t>
             </a:fld>
             <a:endParaRPr lang="de-AT"/>
           </a:p>
@@ -2358,7 +2364,7 @@
           <a:p>
             <a:fld id="{8B89AF20-1724-476B-84B3-48C44CE55642}" type="datetime1">
               <a:rPr lang="de-AT" smtClean="0"/>
-              <a:t>08.02.2024</a:t>
+              <a:t>09.02.2024</a:t>
             </a:fld>
             <a:endParaRPr lang="de-AT"/>
           </a:p>
@@ -2474,7 +2480,7 @@
           <a:p>
             <a:fld id="{E0C5703E-CC03-401E-811D-B9B118916BCC}" type="datetime1">
               <a:rPr lang="de-AT" smtClean="0"/>
-              <a:t>08.02.2024</a:t>
+              <a:t>09.02.2024</a:t>
             </a:fld>
             <a:endParaRPr lang="de-AT"/>
           </a:p>
@@ -2790,7 +2796,7 @@
           <a:p>
             <a:fld id="{E5D902D7-F6F2-454C-8D7D-D357709E86A7}" type="datetime1">
               <a:rPr lang="de-AT" smtClean="0"/>
-              <a:t>08.02.2024</a:t>
+              <a:t>09.02.2024</a:t>
             </a:fld>
             <a:endParaRPr lang="de-AT"/>
           </a:p>
@@ -3082,7 +3088,7 @@
           <a:p>
             <a:fld id="{08BF30C2-9E16-4F21-AA79-1C19DCCCA702}" type="datetime1">
               <a:rPr lang="de-AT" smtClean="0"/>
-              <a:t>08.02.2024</a:t>
+              <a:t>09.02.2024</a:t>
             </a:fld>
             <a:endParaRPr lang="de-AT"/>
           </a:p>
@@ -3328,7 +3334,7 @@
           <a:p>
             <a:fld id="{B875D9F4-5CE3-4698-B5CE-21856BB04447}" type="datetime1">
               <a:rPr lang="de-AT" smtClean="0"/>
-              <a:t>08.02.2024</a:t>
+              <a:t>09.02.2024</a:t>
             </a:fld>
             <a:endParaRPr lang="de-AT"/>
           </a:p>
@@ -5638,6 +5644,1594 @@
         <p:cNvPr id="1" name="">
           <a:extLst>
             <a:ext uri="{FF2B5EF4-FFF2-40B4-BE49-F238E27FC236}">
+              <a16:creationId xmlns:a16="http://schemas.microsoft.com/office/drawing/2014/main" id="{4E658EFE-3F6D-8C55-8A77-D4419786BB9C}"/>
+            </a:ext>
+          </a:extLst>
+        </p:cNvPr>
+        <p:cNvGrpSpPr/>
+        <p:nvPr/>
+      </p:nvGrpSpPr>
+      <p:grpSpPr>
+        <a:xfrm>
+          <a:off x="0" y="0"/>
+          <a:ext cx="0" cy="0"/>
+          <a:chOff x="0" y="0"/>
+          <a:chExt cx="0" cy="0"/>
+        </a:xfrm>
+      </p:grpSpPr>
+      <p:sp>
+        <p:nvSpPr>
+          <p:cNvPr id="2" name="Titel 1">
+            <a:extLst>
+              <a:ext uri="{FF2B5EF4-FFF2-40B4-BE49-F238E27FC236}">
+                <a16:creationId xmlns:a16="http://schemas.microsoft.com/office/drawing/2014/main" id="{B07214DB-8DAA-E89D-7764-BA12842F57B4}"/>
+              </a:ext>
+            </a:extLst>
+          </p:cNvPr>
+          <p:cNvSpPr>
+            <a:spLocks noGrp="1"/>
+          </p:cNvSpPr>
+          <p:nvPr>
+            <p:ph type="ctrTitle"/>
+          </p:nvPr>
+        </p:nvSpPr>
+        <p:spPr>
+          <a:xfrm>
+            <a:off x="1079568" y="2486397"/>
+            <a:ext cx="10036632" cy="1240035"/>
+          </a:xfrm>
+        </p:spPr>
+        <p:txBody>
+          <a:bodyPr>
+            <a:normAutofit/>
+          </a:bodyPr>
+          <a:lstStyle/>
+          <a:p>
+            <a:pPr>
+              <a:lnSpc>
+                <a:spcPct val="150000"/>
+              </a:lnSpc>
+            </a:pPr>
+            <a:r>
+              <a:rPr lang="de-DE" sz="4800" dirty="0">
+                <a:solidFill>
+                  <a:schemeClr val="accent5">
+                    <a:lumMod val="75000"/>
+                  </a:schemeClr>
+                </a:solidFill>
+              </a:rPr>
+              <a:t>Projektvorstellung Mobileapp</a:t>
+            </a:r>
+            <a:endParaRPr lang="de-AT" sz="2800" spc="-150" dirty="0"/>
+          </a:p>
+        </p:txBody>
+      </p:sp>
+      <p:sp>
+        <p:nvSpPr>
+          <p:cNvPr id="3" name="Untertitel 2">
+            <a:extLst>
+              <a:ext uri="{FF2B5EF4-FFF2-40B4-BE49-F238E27FC236}">
+                <a16:creationId xmlns:a16="http://schemas.microsoft.com/office/drawing/2014/main" id="{B2091DF3-36C7-6487-EC24-7D9CFC9B3D17}"/>
+              </a:ext>
+            </a:extLst>
+          </p:cNvPr>
+          <p:cNvSpPr>
+            <a:spLocks noGrp="1"/>
+          </p:cNvSpPr>
+          <p:nvPr>
+            <p:ph type="subTitle" idx="1"/>
+          </p:nvPr>
+        </p:nvSpPr>
+        <p:spPr>
+          <a:xfrm>
+            <a:off x="492625" y="148264"/>
+            <a:ext cx="2062749" cy="920543"/>
+          </a:xfrm>
+        </p:spPr>
+        <p:txBody>
+          <a:bodyPr>
+            <a:normAutofit fontScale="85000" lnSpcReduction="20000"/>
+          </a:bodyPr>
+          <a:lstStyle/>
+          <a:p>
+            <a:r>
+              <a:rPr lang="de-DE" sz="2000" dirty="0"/>
+              <a:t>HTL Saalfelden</a:t>
+            </a:r>
+          </a:p>
+          <a:p>
+            <a:r>
+              <a:rPr lang="de-DE" sz="2000" dirty="0"/>
+              <a:t>Abteilung Informatik</a:t>
+            </a:r>
+          </a:p>
+          <a:p>
+            <a:r>
+              <a:rPr lang="de-DE" sz="2000" dirty="0"/>
+              <a:t>5. AHINF – 2023/24</a:t>
+            </a:r>
+            <a:endParaRPr lang="de-AT" sz="2000" dirty="0"/>
+          </a:p>
+        </p:txBody>
+      </p:sp>
+      <p:pic>
+        <p:nvPicPr>
+          <p:cNvPr id="1026" name="Picture 2" descr="Schnuppertag: Bautechnik an der HTL Saalfelden">
+            <a:extLst>
+              <a:ext uri="{FF2B5EF4-FFF2-40B4-BE49-F238E27FC236}">
+                <a16:creationId xmlns:a16="http://schemas.microsoft.com/office/drawing/2014/main" id="{22B59AD4-B25C-4792-9210-FB4E5D09D93A}"/>
+              </a:ext>
+            </a:extLst>
+          </p:cNvPr>
+          <p:cNvPicPr>
+            <a:picLocks noChangeAspect="1" noChangeArrowheads="1"/>
+          </p:cNvPicPr>
+          <p:nvPr/>
+        </p:nvPicPr>
+        <p:blipFill>
+          <a:blip r:embed="rId2">
+            <a:extLst>
+              <a:ext uri="{28A0092B-C50C-407E-A947-70E740481C1C}">
+                <a14:useLocalDpi xmlns:a14="http://schemas.microsoft.com/office/drawing/2010/main" val="0"/>
+              </a:ext>
+            </a:extLst>
+          </a:blip>
+          <a:srcRect/>
+          <a:stretch>
+            <a:fillRect/>
+          </a:stretch>
+        </p:blipFill>
+        <p:spPr bwMode="auto">
+          <a:xfrm>
+            <a:off x="11116200" y="61624"/>
+            <a:ext cx="943806" cy="1045178"/>
+          </a:xfrm>
+          <a:prstGeom prst="rect">
+            <a:avLst/>
+          </a:prstGeom>
+          <a:noFill/>
+          <a:extLst>
+            <a:ext uri="{909E8E84-426E-40DD-AFC4-6F175D3DCCD1}">
+              <a14:hiddenFill xmlns:a14="http://schemas.microsoft.com/office/drawing/2010/main">
+                <a:solidFill>
+                  <a:srgbClr val="FFFFFF"/>
+                </a:solidFill>
+              </a14:hiddenFill>
+            </a:ext>
+          </a:extLst>
+        </p:spPr>
+      </p:pic>
+      <p:sp>
+        <p:nvSpPr>
+          <p:cNvPr id="5" name="Untertitel 2">
+            <a:extLst>
+              <a:ext uri="{FF2B5EF4-FFF2-40B4-BE49-F238E27FC236}">
+                <a16:creationId xmlns:a16="http://schemas.microsoft.com/office/drawing/2014/main" id="{CF2BABBB-45A4-CB26-A423-EFA6232F6E16}"/>
+              </a:ext>
+            </a:extLst>
+          </p:cNvPr>
+          <p:cNvSpPr txBox="1">
+            <a:spLocks/>
+          </p:cNvSpPr>
+          <p:nvPr/>
+        </p:nvSpPr>
+        <p:spPr>
+          <a:xfrm>
+            <a:off x="9268679" y="186505"/>
+            <a:ext cx="1407342" cy="844062"/>
+          </a:xfrm>
+          <a:prstGeom prst="rect">
+            <a:avLst/>
+          </a:prstGeom>
+        </p:spPr>
+        <p:txBody>
+          <a:bodyPr vert="horz" lIns="91440" tIns="45720" rIns="91440" bIns="45720" rtlCol="0">
+            <a:normAutofit/>
+          </a:bodyPr>
+          <a:lstStyle>
+            <a:lvl1pPr marL="0" indent="0" algn="ctr" defTabSz="914400" rtl="0" eaLnBrk="1" latinLnBrk="0" hangingPunct="1">
+              <a:lnSpc>
+                <a:spcPct val="90000"/>
+              </a:lnSpc>
+              <a:spcBef>
+                <a:spcPts val="1000"/>
+              </a:spcBef>
+              <a:buFont typeface="Arial" panose="020B0604020202020204" pitchFamily="34" charset="0"/>
+              <a:buNone/>
+              <a:defRPr sz="2400" kern="1200">
+                <a:solidFill>
+                  <a:schemeClr val="tx1"/>
+                </a:solidFill>
+                <a:latin typeface="+mn-lt"/>
+                <a:ea typeface="+mn-ea"/>
+                <a:cs typeface="+mn-cs"/>
+              </a:defRPr>
+            </a:lvl1pPr>
+            <a:lvl2pPr marL="457200" indent="0" algn="ctr" defTabSz="914400" rtl="0" eaLnBrk="1" latinLnBrk="0" hangingPunct="1">
+              <a:lnSpc>
+                <a:spcPct val="90000"/>
+              </a:lnSpc>
+              <a:spcBef>
+                <a:spcPts val="500"/>
+              </a:spcBef>
+              <a:buFont typeface="Arial" panose="020B0604020202020204" pitchFamily="34" charset="0"/>
+              <a:buNone/>
+              <a:defRPr sz="2000" kern="1200">
+                <a:solidFill>
+                  <a:schemeClr val="tx1"/>
+                </a:solidFill>
+                <a:latin typeface="+mn-lt"/>
+                <a:ea typeface="+mn-ea"/>
+                <a:cs typeface="+mn-cs"/>
+              </a:defRPr>
+            </a:lvl2pPr>
+            <a:lvl3pPr marL="914400" indent="0" algn="ctr" defTabSz="914400" rtl="0" eaLnBrk="1" latinLnBrk="0" hangingPunct="1">
+              <a:lnSpc>
+                <a:spcPct val="90000"/>
+              </a:lnSpc>
+              <a:spcBef>
+                <a:spcPts val="500"/>
+              </a:spcBef>
+              <a:buFont typeface="Arial" panose="020B0604020202020204" pitchFamily="34" charset="0"/>
+              <a:buNone/>
+              <a:defRPr sz="1800" kern="1200">
+                <a:solidFill>
+                  <a:schemeClr val="tx1"/>
+                </a:solidFill>
+                <a:latin typeface="+mn-lt"/>
+                <a:ea typeface="+mn-ea"/>
+                <a:cs typeface="+mn-cs"/>
+              </a:defRPr>
+            </a:lvl3pPr>
+            <a:lvl4pPr marL="1371600" indent="0" algn="ctr" defTabSz="914400" rtl="0" eaLnBrk="1" latinLnBrk="0" hangingPunct="1">
+              <a:lnSpc>
+                <a:spcPct val="90000"/>
+              </a:lnSpc>
+              <a:spcBef>
+                <a:spcPts val="500"/>
+              </a:spcBef>
+              <a:buFont typeface="Arial" panose="020B0604020202020204" pitchFamily="34" charset="0"/>
+              <a:buNone/>
+              <a:defRPr sz="1600" kern="1200">
+                <a:solidFill>
+                  <a:schemeClr val="tx1"/>
+                </a:solidFill>
+                <a:latin typeface="+mn-lt"/>
+                <a:ea typeface="+mn-ea"/>
+                <a:cs typeface="+mn-cs"/>
+              </a:defRPr>
+            </a:lvl4pPr>
+            <a:lvl5pPr marL="1828800" indent="0" algn="ctr" defTabSz="914400" rtl="0" eaLnBrk="1" latinLnBrk="0" hangingPunct="1">
+              <a:lnSpc>
+                <a:spcPct val="90000"/>
+              </a:lnSpc>
+              <a:spcBef>
+                <a:spcPts val="500"/>
+              </a:spcBef>
+              <a:buFont typeface="Arial" panose="020B0604020202020204" pitchFamily="34" charset="0"/>
+              <a:buNone/>
+              <a:defRPr sz="1600" kern="1200">
+                <a:solidFill>
+                  <a:schemeClr val="tx1"/>
+                </a:solidFill>
+                <a:latin typeface="+mn-lt"/>
+                <a:ea typeface="+mn-ea"/>
+                <a:cs typeface="+mn-cs"/>
+              </a:defRPr>
+            </a:lvl5pPr>
+            <a:lvl6pPr marL="2286000" indent="0" algn="ctr" defTabSz="914400" rtl="0" eaLnBrk="1" latinLnBrk="0" hangingPunct="1">
+              <a:lnSpc>
+                <a:spcPct val="90000"/>
+              </a:lnSpc>
+              <a:spcBef>
+                <a:spcPts val="500"/>
+              </a:spcBef>
+              <a:buFont typeface="Arial" panose="020B0604020202020204" pitchFamily="34" charset="0"/>
+              <a:buNone/>
+              <a:defRPr sz="1600" kern="1200">
+                <a:solidFill>
+                  <a:schemeClr val="tx1"/>
+                </a:solidFill>
+                <a:latin typeface="+mn-lt"/>
+                <a:ea typeface="+mn-ea"/>
+                <a:cs typeface="+mn-cs"/>
+              </a:defRPr>
+            </a:lvl6pPr>
+            <a:lvl7pPr marL="2743200" indent="0" algn="ctr" defTabSz="914400" rtl="0" eaLnBrk="1" latinLnBrk="0" hangingPunct="1">
+              <a:lnSpc>
+                <a:spcPct val="90000"/>
+              </a:lnSpc>
+              <a:spcBef>
+                <a:spcPts val="500"/>
+              </a:spcBef>
+              <a:buFont typeface="Arial" panose="020B0604020202020204" pitchFamily="34" charset="0"/>
+              <a:buNone/>
+              <a:defRPr sz="1600" kern="1200">
+                <a:solidFill>
+                  <a:schemeClr val="tx1"/>
+                </a:solidFill>
+                <a:latin typeface="+mn-lt"/>
+                <a:ea typeface="+mn-ea"/>
+                <a:cs typeface="+mn-cs"/>
+              </a:defRPr>
+            </a:lvl7pPr>
+            <a:lvl8pPr marL="3200400" indent="0" algn="ctr" defTabSz="914400" rtl="0" eaLnBrk="1" latinLnBrk="0" hangingPunct="1">
+              <a:lnSpc>
+                <a:spcPct val="90000"/>
+              </a:lnSpc>
+              <a:spcBef>
+                <a:spcPts val="500"/>
+              </a:spcBef>
+              <a:buFont typeface="Arial" panose="020B0604020202020204" pitchFamily="34" charset="0"/>
+              <a:buNone/>
+              <a:defRPr sz="1600" kern="1200">
+                <a:solidFill>
+                  <a:schemeClr val="tx1"/>
+                </a:solidFill>
+                <a:latin typeface="+mn-lt"/>
+                <a:ea typeface="+mn-ea"/>
+                <a:cs typeface="+mn-cs"/>
+              </a:defRPr>
+            </a:lvl8pPr>
+            <a:lvl9pPr marL="3657600" indent="0" algn="ctr" defTabSz="914400" rtl="0" eaLnBrk="1" latinLnBrk="0" hangingPunct="1">
+              <a:lnSpc>
+                <a:spcPct val="90000"/>
+              </a:lnSpc>
+              <a:spcBef>
+                <a:spcPts val="500"/>
+              </a:spcBef>
+              <a:buFont typeface="Arial" panose="020B0604020202020204" pitchFamily="34" charset="0"/>
+              <a:buNone/>
+              <a:defRPr sz="1600" kern="1200">
+                <a:solidFill>
+                  <a:schemeClr val="tx1"/>
+                </a:solidFill>
+                <a:latin typeface="+mn-lt"/>
+                <a:ea typeface="+mn-ea"/>
+                <a:cs typeface="+mn-cs"/>
+              </a:defRPr>
+            </a:lvl9pPr>
+          </a:lstStyle>
+          <a:p>
+            <a:pPr algn="r"/>
+            <a:r>
+              <a:rPr lang="de-DE" sz="2000" dirty="0"/>
+              <a:t>Davare</a:t>
+            </a:r>
+          </a:p>
+          <a:p>
+            <a:pPr algn="r"/>
+            <a:r>
+              <a:rPr lang="de-DE" sz="2000" dirty="0"/>
+              <a:t>Hagenhofer</a:t>
+            </a:r>
+            <a:endParaRPr lang="de-AT" sz="2000" dirty="0"/>
+          </a:p>
+        </p:txBody>
+      </p:sp>
+      <p:cxnSp>
+        <p:nvCxnSpPr>
+          <p:cNvPr id="7" name="Gerader Verbinder 6">
+            <a:extLst>
+              <a:ext uri="{FF2B5EF4-FFF2-40B4-BE49-F238E27FC236}">
+                <a16:creationId xmlns:a16="http://schemas.microsoft.com/office/drawing/2014/main" id="{84BEA969-D64C-AD9E-020C-1BC991DAB378}"/>
+              </a:ext>
+            </a:extLst>
+          </p:cNvPr>
+          <p:cNvCxnSpPr>
+            <a:cxnSpLocks/>
+          </p:cNvCxnSpPr>
+          <p:nvPr/>
+        </p:nvCxnSpPr>
+        <p:spPr>
+          <a:xfrm>
+            <a:off x="-66675" y="1142200"/>
+            <a:ext cx="12258675" cy="0"/>
+          </a:xfrm>
+          <a:prstGeom prst="line">
+            <a:avLst/>
+          </a:prstGeom>
+        </p:spPr>
+        <p:style>
+          <a:lnRef idx="1">
+            <a:schemeClr val="dk1"/>
+          </a:lnRef>
+          <a:fillRef idx="0">
+            <a:schemeClr val="dk1"/>
+          </a:fillRef>
+          <a:effectRef idx="0">
+            <a:schemeClr val="dk1"/>
+          </a:effectRef>
+          <a:fontRef idx="minor">
+            <a:schemeClr val="tx1"/>
+          </a:fontRef>
+        </p:style>
+      </p:cxnSp>
+      <p:cxnSp>
+        <p:nvCxnSpPr>
+          <p:cNvPr id="12" name="Gerader Verbinder 11">
+            <a:extLst>
+              <a:ext uri="{FF2B5EF4-FFF2-40B4-BE49-F238E27FC236}">
+                <a16:creationId xmlns:a16="http://schemas.microsoft.com/office/drawing/2014/main" id="{3D67C434-1147-09BB-356C-46874A810A4C}"/>
+              </a:ext>
+            </a:extLst>
+          </p:cNvPr>
+          <p:cNvCxnSpPr>
+            <a:cxnSpLocks/>
+          </p:cNvCxnSpPr>
+          <p:nvPr/>
+        </p:nvCxnSpPr>
+        <p:spPr>
+          <a:xfrm>
+            <a:off x="1160893" y="3982079"/>
+            <a:ext cx="9644853" cy="0"/>
+          </a:xfrm>
+          <a:prstGeom prst="line">
+            <a:avLst/>
+          </a:prstGeom>
+        </p:spPr>
+        <p:style>
+          <a:lnRef idx="1">
+            <a:schemeClr val="dk1"/>
+          </a:lnRef>
+          <a:fillRef idx="0">
+            <a:schemeClr val="dk1"/>
+          </a:fillRef>
+          <a:effectRef idx="0">
+            <a:schemeClr val="dk1"/>
+          </a:effectRef>
+          <a:fontRef idx="minor">
+            <a:schemeClr val="tx1"/>
+          </a:fontRef>
+        </p:style>
+      </p:cxnSp>
+      <p:cxnSp>
+        <p:nvCxnSpPr>
+          <p:cNvPr id="16" name="Gerader Verbinder 15">
+            <a:extLst>
+              <a:ext uri="{FF2B5EF4-FFF2-40B4-BE49-F238E27FC236}">
+                <a16:creationId xmlns:a16="http://schemas.microsoft.com/office/drawing/2014/main" id="{B09D8151-5F6D-E6F1-18CE-4CEF6F649828}"/>
+              </a:ext>
+            </a:extLst>
+          </p:cNvPr>
+          <p:cNvCxnSpPr>
+            <a:cxnSpLocks/>
+          </p:cNvCxnSpPr>
+          <p:nvPr/>
+        </p:nvCxnSpPr>
+        <p:spPr>
+          <a:xfrm>
+            <a:off x="-33340" y="6379760"/>
+            <a:ext cx="12258675" cy="0"/>
+          </a:xfrm>
+          <a:prstGeom prst="line">
+            <a:avLst/>
+          </a:prstGeom>
+        </p:spPr>
+        <p:style>
+          <a:lnRef idx="1">
+            <a:schemeClr val="dk1"/>
+          </a:lnRef>
+          <a:fillRef idx="0">
+            <a:schemeClr val="dk1"/>
+          </a:fillRef>
+          <a:effectRef idx="0">
+            <a:schemeClr val="dk1"/>
+          </a:effectRef>
+          <a:fontRef idx="minor">
+            <a:schemeClr val="tx1"/>
+          </a:fontRef>
+        </p:style>
+      </p:cxnSp>
+      <p:sp>
+        <p:nvSpPr>
+          <p:cNvPr id="20" name="Datumsplatzhalter 3">
+            <a:extLst>
+              <a:ext uri="{FF2B5EF4-FFF2-40B4-BE49-F238E27FC236}">
+                <a16:creationId xmlns:a16="http://schemas.microsoft.com/office/drawing/2014/main" id="{5748EBF3-4CF5-EC67-95D7-6A4996769EC4}"/>
+              </a:ext>
+            </a:extLst>
+          </p:cNvPr>
+          <p:cNvSpPr>
+            <a:spLocks noGrp="1"/>
+          </p:cNvSpPr>
+          <p:nvPr>
+            <p:ph type="dt" sz="half" idx="10"/>
+          </p:nvPr>
+        </p:nvSpPr>
+        <p:spPr>
+          <a:xfrm>
+            <a:off x="838200" y="6567222"/>
+            <a:ext cx="2743200" cy="208546"/>
+          </a:xfrm>
+        </p:spPr>
+        <p:txBody>
+          <a:bodyPr/>
+          <a:lstStyle/>
+          <a:p>
+            <a:r>
+              <a:rPr lang="de-AT" sz="2000" dirty="0"/>
+              <a:t>09.02.2024</a:t>
+            </a:r>
+          </a:p>
+        </p:txBody>
+      </p:sp>
+      <p:sp>
+        <p:nvSpPr>
+          <p:cNvPr id="22" name="Foliennummernplatzhalter 21">
+            <a:extLst>
+              <a:ext uri="{FF2B5EF4-FFF2-40B4-BE49-F238E27FC236}">
+                <a16:creationId xmlns:a16="http://schemas.microsoft.com/office/drawing/2014/main" id="{8B62CFD0-18B8-E769-284D-B6C171AB6CAC}"/>
+              </a:ext>
+            </a:extLst>
+          </p:cNvPr>
+          <p:cNvSpPr>
+            <a:spLocks noGrp="1"/>
+          </p:cNvSpPr>
+          <p:nvPr>
+            <p:ph type="sldNum" sz="quarter" idx="12"/>
+          </p:nvPr>
+        </p:nvSpPr>
+        <p:spPr>
+          <a:xfrm>
+            <a:off x="8610600" y="6594368"/>
+            <a:ext cx="2743200" cy="154253"/>
+          </a:xfrm>
+        </p:spPr>
+        <p:txBody>
+          <a:bodyPr/>
+          <a:lstStyle/>
+          <a:p>
+            <a:r>
+              <a:rPr lang="de-AT" sz="2000" dirty="0"/>
+              <a:t>4/5</a:t>
+            </a:r>
+          </a:p>
+        </p:txBody>
+      </p:sp>
+    </p:spTree>
+    <p:extLst>
+      <p:ext uri="{BB962C8B-B14F-4D97-AF65-F5344CB8AC3E}">
+        <p14:creationId xmlns:p14="http://schemas.microsoft.com/office/powerpoint/2010/main" val="3973090398"/>
+      </p:ext>
+    </p:extLst>
+  </p:cSld>
+  <p:clrMapOvr>
+    <a:masterClrMapping/>
+  </p:clrMapOvr>
+</p:sld>
+</file>
+
+<file path=ppt/slides/slide13.xml><?xml version="1.0" encoding="utf-8"?>
+<p:sld xmlns:a="http://schemas.openxmlformats.org/drawingml/2006/main" xmlns:r="http://schemas.openxmlformats.org/officeDocument/2006/relationships" xmlns:p="http://schemas.openxmlformats.org/presentationml/2006/main">
+  <p:cSld>
+    <p:spTree>
+      <p:nvGrpSpPr>
+        <p:cNvPr id="1" name="">
+          <a:extLst>
+            <a:ext uri="{FF2B5EF4-FFF2-40B4-BE49-F238E27FC236}">
+              <a16:creationId xmlns:a16="http://schemas.microsoft.com/office/drawing/2014/main" id="{6FC447F4-2516-014F-4232-01EF8694D944}"/>
+            </a:ext>
+          </a:extLst>
+        </p:cNvPr>
+        <p:cNvGrpSpPr/>
+        <p:nvPr/>
+      </p:nvGrpSpPr>
+      <p:grpSpPr>
+        <a:xfrm>
+          <a:off x="0" y="0"/>
+          <a:ext cx="0" cy="0"/>
+          <a:chOff x="0" y="0"/>
+          <a:chExt cx="0" cy="0"/>
+        </a:xfrm>
+      </p:grpSpPr>
+      <p:sp>
+        <p:nvSpPr>
+          <p:cNvPr id="3" name="Untertitel 2">
+            <a:extLst>
+              <a:ext uri="{FF2B5EF4-FFF2-40B4-BE49-F238E27FC236}">
+                <a16:creationId xmlns:a16="http://schemas.microsoft.com/office/drawing/2014/main" id="{273AE3EC-998B-290B-DFD9-60C57600A90E}"/>
+              </a:ext>
+            </a:extLst>
+          </p:cNvPr>
+          <p:cNvSpPr>
+            <a:spLocks noGrp="1"/>
+          </p:cNvSpPr>
+          <p:nvPr>
+            <p:ph type="subTitle" idx="1"/>
+          </p:nvPr>
+        </p:nvSpPr>
+        <p:spPr>
+          <a:xfrm>
+            <a:off x="492625" y="148264"/>
+            <a:ext cx="2062749" cy="920543"/>
+          </a:xfrm>
+        </p:spPr>
+        <p:txBody>
+          <a:bodyPr>
+            <a:normAutofit fontScale="85000" lnSpcReduction="20000"/>
+          </a:bodyPr>
+          <a:lstStyle/>
+          <a:p>
+            <a:r>
+              <a:rPr lang="de-DE" sz="2000" dirty="0"/>
+              <a:t>HTL Saalfelden</a:t>
+            </a:r>
+          </a:p>
+          <a:p>
+            <a:r>
+              <a:rPr lang="de-DE" sz="2000" dirty="0"/>
+              <a:t>Abteilung Informatik</a:t>
+            </a:r>
+          </a:p>
+          <a:p>
+            <a:r>
+              <a:rPr lang="de-DE" sz="2000" dirty="0"/>
+              <a:t>5. AHINF – 2023/24</a:t>
+            </a:r>
+            <a:endParaRPr lang="de-AT" sz="2000" dirty="0"/>
+          </a:p>
+        </p:txBody>
+      </p:sp>
+      <p:pic>
+        <p:nvPicPr>
+          <p:cNvPr id="1026" name="Picture 2" descr="Schnuppertag: Bautechnik an der HTL Saalfelden">
+            <a:extLst>
+              <a:ext uri="{FF2B5EF4-FFF2-40B4-BE49-F238E27FC236}">
+                <a16:creationId xmlns:a16="http://schemas.microsoft.com/office/drawing/2014/main" id="{55E74664-E7BB-DB99-0DB7-03BAC91D4D80}"/>
+              </a:ext>
+            </a:extLst>
+          </p:cNvPr>
+          <p:cNvPicPr>
+            <a:picLocks noChangeAspect="1" noChangeArrowheads="1"/>
+          </p:cNvPicPr>
+          <p:nvPr/>
+        </p:nvPicPr>
+        <p:blipFill>
+          <a:blip r:embed="rId2">
+            <a:extLst>
+              <a:ext uri="{28A0092B-C50C-407E-A947-70E740481C1C}">
+                <a14:useLocalDpi xmlns:a14="http://schemas.microsoft.com/office/drawing/2010/main" val="0"/>
+              </a:ext>
+            </a:extLst>
+          </a:blip>
+          <a:srcRect/>
+          <a:stretch>
+            <a:fillRect/>
+          </a:stretch>
+        </p:blipFill>
+        <p:spPr bwMode="auto">
+          <a:xfrm>
+            <a:off x="11116200" y="61624"/>
+            <a:ext cx="943806" cy="1045178"/>
+          </a:xfrm>
+          <a:prstGeom prst="rect">
+            <a:avLst/>
+          </a:prstGeom>
+          <a:noFill/>
+          <a:extLst>
+            <a:ext uri="{909E8E84-426E-40DD-AFC4-6F175D3DCCD1}">
+              <a14:hiddenFill xmlns:a14="http://schemas.microsoft.com/office/drawing/2010/main">
+                <a:solidFill>
+                  <a:srgbClr val="FFFFFF"/>
+                </a:solidFill>
+              </a14:hiddenFill>
+            </a:ext>
+          </a:extLst>
+        </p:spPr>
+      </p:pic>
+      <p:sp>
+        <p:nvSpPr>
+          <p:cNvPr id="5" name="Untertitel 2">
+            <a:extLst>
+              <a:ext uri="{FF2B5EF4-FFF2-40B4-BE49-F238E27FC236}">
+                <a16:creationId xmlns:a16="http://schemas.microsoft.com/office/drawing/2014/main" id="{8D68D595-FBBE-CC0D-A371-6A82DE22D0E2}"/>
+              </a:ext>
+            </a:extLst>
+          </p:cNvPr>
+          <p:cNvSpPr txBox="1">
+            <a:spLocks/>
+          </p:cNvSpPr>
+          <p:nvPr/>
+        </p:nvSpPr>
+        <p:spPr>
+          <a:xfrm>
+            <a:off x="9268679" y="186505"/>
+            <a:ext cx="1407342" cy="844062"/>
+          </a:xfrm>
+          <a:prstGeom prst="rect">
+            <a:avLst/>
+          </a:prstGeom>
+        </p:spPr>
+        <p:txBody>
+          <a:bodyPr vert="horz" lIns="91440" tIns="45720" rIns="91440" bIns="45720" rtlCol="0">
+            <a:normAutofit/>
+          </a:bodyPr>
+          <a:lstStyle>
+            <a:lvl1pPr marL="0" indent="0" algn="ctr" defTabSz="914400" rtl="0" eaLnBrk="1" latinLnBrk="0" hangingPunct="1">
+              <a:lnSpc>
+                <a:spcPct val="90000"/>
+              </a:lnSpc>
+              <a:spcBef>
+                <a:spcPts val="1000"/>
+              </a:spcBef>
+              <a:buFont typeface="Arial" panose="020B0604020202020204" pitchFamily="34" charset="0"/>
+              <a:buNone/>
+              <a:defRPr sz="2400" kern="1200">
+                <a:solidFill>
+                  <a:schemeClr val="tx1"/>
+                </a:solidFill>
+                <a:latin typeface="+mn-lt"/>
+                <a:ea typeface="+mn-ea"/>
+                <a:cs typeface="+mn-cs"/>
+              </a:defRPr>
+            </a:lvl1pPr>
+            <a:lvl2pPr marL="457200" indent="0" algn="ctr" defTabSz="914400" rtl="0" eaLnBrk="1" latinLnBrk="0" hangingPunct="1">
+              <a:lnSpc>
+                <a:spcPct val="90000"/>
+              </a:lnSpc>
+              <a:spcBef>
+                <a:spcPts val="500"/>
+              </a:spcBef>
+              <a:buFont typeface="Arial" panose="020B0604020202020204" pitchFamily="34" charset="0"/>
+              <a:buNone/>
+              <a:defRPr sz="2000" kern="1200">
+                <a:solidFill>
+                  <a:schemeClr val="tx1"/>
+                </a:solidFill>
+                <a:latin typeface="+mn-lt"/>
+                <a:ea typeface="+mn-ea"/>
+                <a:cs typeface="+mn-cs"/>
+              </a:defRPr>
+            </a:lvl2pPr>
+            <a:lvl3pPr marL="914400" indent="0" algn="ctr" defTabSz="914400" rtl="0" eaLnBrk="1" latinLnBrk="0" hangingPunct="1">
+              <a:lnSpc>
+                <a:spcPct val="90000"/>
+              </a:lnSpc>
+              <a:spcBef>
+                <a:spcPts val="500"/>
+              </a:spcBef>
+              <a:buFont typeface="Arial" panose="020B0604020202020204" pitchFamily="34" charset="0"/>
+              <a:buNone/>
+              <a:defRPr sz="1800" kern="1200">
+                <a:solidFill>
+                  <a:schemeClr val="tx1"/>
+                </a:solidFill>
+                <a:latin typeface="+mn-lt"/>
+                <a:ea typeface="+mn-ea"/>
+                <a:cs typeface="+mn-cs"/>
+              </a:defRPr>
+            </a:lvl3pPr>
+            <a:lvl4pPr marL="1371600" indent="0" algn="ctr" defTabSz="914400" rtl="0" eaLnBrk="1" latinLnBrk="0" hangingPunct="1">
+              <a:lnSpc>
+                <a:spcPct val="90000"/>
+              </a:lnSpc>
+              <a:spcBef>
+                <a:spcPts val="500"/>
+              </a:spcBef>
+              <a:buFont typeface="Arial" panose="020B0604020202020204" pitchFamily="34" charset="0"/>
+              <a:buNone/>
+              <a:defRPr sz="1600" kern="1200">
+                <a:solidFill>
+                  <a:schemeClr val="tx1"/>
+                </a:solidFill>
+                <a:latin typeface="+mn-lt"/>
+                <a:ea typeface="+mn-ea"/>
+                <a:cs typeface="+mn-cs"/>
+              </a:defRPr>
+            </a:lvl4pPr>
+            <a:lvl5pPr marL="1828800" indent="0" algn="ctr" defTabSz="914400" rtl="0" eaLnBrk="1" latinLnBrk="0" hangingPunct="1">
+              <a:lnSpc>
+                <a:spcPct val="90000"/>
+              </a:lnSpc>
+              <a:spcBef>
+                <a:spcPts val="500"/>
+              </a:spcBef>
+              <a:buFont typeface="Arial" panose="020B0604020202020204" pitchFamily="34" charset="0"/>
+              <a:buNone/>
+              <a:defRPr sz="1600" kern="1200">
+                <a:solidFill>
+                  <a:schemeClr val="tx1"/>
+                </a:solidFill>
+                <a:latin typeface="+mn-lt"/>
+                <a:ea typeface="+mn-ea"/>
+                <a:cs typeface="+mn-cs"/>
+              </a:defRPr>
+            </a:lvl5pPr>
+            <a:lvl6pPr marL="2286000" indent="0" algn="ctr" defTabSz="914400" rtl="0" eaLnBrk="1" latinLnBrk="0" hangingPunct="1">
+              <a:lnSpc>
+                <a:spcPct val="90000"/>
+              </a:lnSpc>
+              <a:spcBef>
+                <a:spcPts val="500"/>
+              </a:spcBef>
+              <a:buFont typeface="Arial" panose="020B0604020202020204" pitchFamily="34" charset="0"/>
+              <a:buNone/>
+              <a:defRPr sz="1600" kern="1200">
+                <a:solidFill>
+                  <a:schemeClr val="tx1"/>
+                </a:solidFill>
+                <a:latin typeface="+mn-lt"/>
+                <a:ea typeface="+mn-ea"/>
+                <a:cs typeface="+mn-cs"/>
+              </a:defRPr>
+            </a:lvl6pPr>
+            <a:lvl7pPr marL="2743200" indent="0" algn="ctr" defTabSz="914400" rtl="0" eaLnBrk="1" latinLnBrk="0" hangingPunct="1">
+              <a:lnSpc>
+                <a:spcPct val="90000"/>
+              </a:lnSpc>
+              <a:spcBef>
+                <a:spcPts val="500"/>
+              </a:spcBef>
+              <a:buFont typeface="Arial" panose="020B0604020202020204" pitchFamily="34" charset="0"/>
+              <a:buNone/>
+              <a:defRPr sz="1600" kern="1200">
+                <a:solidFill>
+                  <a:schemeClr val="tx1"/>
+                </a:solidFill>
+                <a:latin typeface="+mn-lt"/>
+                <a:ea typeface="+mn-ea"/>
+                <a:cs typeface="+mn-cs"/>
+              </a:defRPr>
+            </a:lvl7pPr>
+            <a:lvl8pPr marL="3200400" indent="0" algn="ctr" defTabSz="914400" rtl="0" eaLnBrk="1" latinLnBrk="0" hangingPunct="1">
+              <a:lnSpc>
+                <a:spcPct val="90000"/>
+              </a:lnSpc>
+              <a:spcBef>
+                <a:spcPts val="500"/>
+              </a:spcBef>
+              <a:buFont typeface="Arial" panose="020B0604020202020204" pitchFamily="34" charset="0"/>
+              <a:buNone/>
+              <a:defRPr sz="1600" kern="1200">
+                <a:solidFill>
+                  <a:schemeClr val="tx1"/>
+                </a:solidFill>
+                <a:latin typeface="+mn-lt"/>
+                <a:ea typeface="+mn-ea"/>
+                <a:cs typeface="+mn-cs"/>
+              </a:defRPr>
+            </a:lvl8pPr>
+            <a:lvl9pPr marL="3657600" indent="0" algn="ctr" defTabSz="914400" rtl="0" eaLnBrk="1" latinLnBrk="0" hangingPunct="1">
+              <a:lnSpc>
+                <a:spcPct val="90000"/>
+              </a:lnSpc>
+              <a:spcBef>
+                <a:spcPts val="500"/>
+              </a:spcBef>
+              <a:buFont typeface="Arial" panose="020B0604020202020204" pitchFamily="34" charset="0"/>
+              <a:buNone/>
+              <a:defRPr sz="1600" kern="1200">
+                <a:solidFill>
+                  <a:schemeClr val="tx1"/>
+                </a:solidFill>
+                <a:latin typeface="+mn-lt"/>
+                <a:ea typeface="+mn-ea"/>
+                <a:cs typeface="+mn-cs"/>
+              </a:defRPr>
+            </a:lvl9pPr>
+          </a:lstStyle>
+          <a:p>
+            <a:pPr algn="r"/>
+            <a:r>
+              <a:rPr lang="de-DE" sz="2000" dirty="0"/>
+              <a:t>Davare</a:t>
+            </a:r>
+          </a:p>
+          <a:p>
+            <a:pPr algn="r"/>
+            <a:r>
+              <a:rPr lang="de-DE" sz="2000" dirty="0"/>
+              <a:t>Hagenhofer</a:t>
+            </a:r>
+            <a:endParaRPr lang="de-AT" sz="2000" dirty="0"/>
+          </a:p>
+        </p:txBody>
+      </p:sp>
+      <p:cxnSp>
+        <p:nvCxnSpPr>
+          <p:cNvPr id="7" name="Gerader Verbinder 6">
+            <a:extLst>
+              <a:ext uri="{FF2B5EF4-FFF2-40B4-BE49-F238E27FC236}">
+                <a16:creationId xmlns:a16="http://schemas.microsoft.com/office/drawing/2014/main" id="{B0A3E08C-4734-1921-F822-F97610C5732E}"/>
+              </a:ext>
+            </a:extLst>
+          </p:cNvPr>
+          <p:cNvCxnSpPr>
+            <a:cxnSpLocks/>
+          </p:cNvCxnSpPr>
+          <p:nvPr/>
+        </p:nvCxnSpPr>
+        <p:spPr>
+          <a:xfrm>
+            <a:off x="-66675" y="1142200"/>
+            <a:ext cx="12258675" cy="0"/>
+          </a:xfrm>
+          <a:prstGeom prst="line">
+            <a:avLst/>
+          </a:prstGeom>
+        </p:spPr>
+        <p:style>
+          <a:lnRef idx="1">
+            <a:schemeClr val="dk1"/>
+          </a:lnRef>
+          <a:fillRef idx="0">
+            <a:schemeClr val="dk1"/>
+          </a:fillRef>
+          <a:effectRef idx="0">
+            <a:schemeClr val="dk1"/>
+          </a:effectRef>
+          <a:fontRef idx="minor">
+            <a:schemeClr val="tx1"/>
+          </a:fontRef>
+        </p:style>
+      </p:cxnSp>
+      <p:cxnSp>
+        <p:nvCxnSpPr>
+          <p:cNvPr id="16" name="Gerader Verbinder 15">
+            <a:extLst>
+              <a:ext uri="{FF2B5EF4-FFF2-40B4-BE49-F238E27FC236}">
+                <a16:creationId xmlns:a16="http://schemas.microsoft.com/office/drawing/2014/main" id="{677B9DBB-F3F6-31C7-6B7A-B4B9D00B18DF}"/>
+              </a:ext>
+            </a:extLst>
+          </p:cNvPr>
+          <p:cNvCxnSpPr>
+            <a:cxnSpLocks/>
+          </p:cNvCxnSpPr>
+          <p:nvPr/>
+        </p:nvCxnSpPr>
+        <p:spPr>
+          <a:xfrm>
+            <a:off x="-33340" y="6388638"/>
+            <a:ext cx="12258675" cy="0"/>
+          </a:xfrm>
+          <a:prstGeom prst="line">
+            <a:avLst/>
+          </a:prstGeom>
+        </p:spPr>
+        <p:style>
+          <a:lnRef idx="1">
+            <a:schemeClr val="dk1"/>
+          </a:lnRef>
+          <a:fillRef idx="0">
+            <a:schemeClr val="dk1"/>
+          </a:fillRef>
+          <a:effectRef idx="0">
+            <a:schemeClr val="dk1"/>
+          </a:effectRef>
+          <a:fontRef idx="minor">
+            <a:schemeClr val="tx1"/>
+          </a:fontRef>
+        </p:style>
+      </p:cxnSp>
+      <p:sp>
+        <p:nvSpPr>
+          <p:cNvPr id="20" name="Datumsplatzhalter 3">
+            <a:extLst>
+              <a:ext uri="{FF2B5EF4-FFF2-40B4-BE49-F238E27FC236}">
+                <a16:creationId xmlns:a16="http://schemas.microsoft.com/office/drawing/2014/main" id="{252A3441-F0A3-460E-B9E8-7DEFD128195F}"/>
+              </a:ext>
+            </a:extLst>
+          </p:cNvPr>
+          <p:cNvSpPr>
+            <a:spLocks noGrp="1"/>
+          </p:cNvSpPr>
+          <p:nvPr>
+            <p:ph type="dt" sz="half" idx="10"/>
+          </p:nvPr>
+        </p:nvSpPr>
+        <p:spPr>
+          <a:xfrm>
+            <a:off x="838200" y="6567222"/>
+            <a:ext cx="2743200" cy="208546"/>
+          </a:xfrm>
+        </p:spPr>
+        <p:txBody>
+          <a:bodyPr/>
+          <a:lstStyle/>
+          <a:p>
+            <a:r>
+              <a:rPr lang="de-AT" sz="2000" dirty="0"/>
+              <a:t>09.02.2024</a:t>
+            </a:r>
+          </a:p>
+        </p:txBody>
+      </p:sp>
+      <p:sp>
+        <p:nvSpPr>
+          <p:cNvPr id="22" name="Foliennummernplatzhalter 21">
+            <a:extLst>
+              <a:ext uri="{FF2B5EF4-FFF2-40B4-BE49-F238E27FC236}">
+                <a16:creationId xmlns:a16="http://schemas.microsoft.com/office/drawing/2014/main" id="{44F878A7-A3CE-861F-D9A3-17E02A3AC7EA}"/>
+              </a:ext>
+            </a:extLst>
+          </p:cNvPr>
+          <p:cNvSpPr>
+            <a:spLocks noGrp="1"/>
+          </p:cNvSpPr>
+          <p:nvPr>
+            <p:ph type="sldNum" sz="quarter" idx="12"/>
+          </p:nvPr>
+        </p:nvSpPr>
+        <p:spPr>
+          <a:xfrm>
+            <a:off x="8610600" y="6594368"/>
+            <a:ext cx="2743200" cy="154253"/>
+          </a:xfrm>
+        </p:spPr>
+        <p:txBody>
+          <a:bodyPr/>
+          <a:lstStyle/>
+          <a:p>
+            <a:r>
+              <a:rPr lang="de-AT" sz="2000" dirty="0"/>
+              <a:t>2/5</a:t>
+            </a:r>
+          </a:p>
+        </p:txBody>
+      </p:sp>
+      <p:pic>
+        <p:nvPicPr>
+          <p:cNvPr id="10" name="Grafik 9">
+            <a:extLst>
+              <a:ext uri="{FF2B5EF4-FFF2-40B4-BE49-F238E27FC236}">
+                <a16:creationId xmlns:a16="http://schemas.microsoft.com/office/drawing/2014/main" id="{DB9AC7FA-0E27-E9B5-69A9-700F4524DB4F}"/>
+              </a:ext>
+            </a:extLst>
+          </p:cNvPr>
+          <p:cNvPicPr>
+            <a:picLocks noChangeAspect="1"/>
+          </p:cNvPicPr>
+          <p:nvPr/>
+        </p:nvPicPr>
+        <p:blipFill>
+          <a:blip r:embed="rId3"/>
+          <a:stretch>
+            <a:fillRect/>
+          </a:stretch>
+        </p:blipFill>
+        <p:spPr>
+          <a:xfrm>
+            <a:off x="1356360" y="1347930"/>
+            <a:ext cx="9479279" cy="4685724"/>
+          </a:xfrm>
+          <a:prstGeom prst="rect">
+            <a:avLst/>
+          </a:prstGeom>
+        </p:spPr>
+      </p:pic>
+    </p:spTree>
+    <p:extLst>
+      <p:ext uri="{BB962C8B-B14F-4D97-AF65-F5344CB8AC3E}">
+        <p14:creationId xmlns:p14="http://schemas.microsoft.com/office/powerpoint/2010/main" val="3124185121"/>
+      </p:ext>
+    </p:extLst>
+  </p:cSld>
+  <p:clrMapOvr>
+    <a:masterClrMapping/>
+  </p:clrMapOvr>
+</p:sld>
+</file>
+
+<file path=ppt/slides/slide14.xml><?xml version="1.0" encoding="utf-8"?>
+<p:sld xmlns:a="http://schemas.openxmlformats.org/drawingml/2006/main" xmlns:r="http://schemas.openxmlformats.org/officeDocument/2006/relationships" xmlns:p="http://schemas.openxmlformats.org/presentationml/2006/main">
+  <p:cSld>
+    <p:spTree>
+      <p:nvGrpSpPr>
+        <p:cNvPr id="1" name="">
+          <a:extLst>
+            <a:ext uri="{FF2B5EF4-FFF2-40B4-BE49-F238E27FC236}">
+              <a16:creationId xmlns:a16="http://schemas.microsoft.com/office/drawing/2014/main" id="{1562F1B2-60F2-2A3B-7870-58C2E4CC3586}"/>
+            </a:ext>
+          </a:extLst>
+        </p:cNvPr>
+        <p:cNvGrpSpPr/>
+        <p:nvPr/>
+      </p:nvGrpSpPr>
+      <p:grpSpPr>
+        <a:xfrm>
+          <a:off x="0" y="0"/>
+          <a:ext cx="0" cy="0"/>
+          <a:chOff x="0" y="0"/>
+          <a:chExt cx="0" cy="0"/>
+        </a:xfrm>
+      </p:grpSpPr>
+      <p:sp>
+        <p:nvSpPr>
+          <p:cNvPr id="3" name="Untertitel 2">
+            <a:extLst>
+              <a:ext uri="{FF2B5EF4-FFF2-40B4-BE49-F238E27FC236}">
+                <a16:creationId xmlns:a16="http://schemas.microsoft.com/office/drawing/2014/main" id="{BE8A11B9-B575-6304-476A-9A3985D524A1}"/>
+              </a:ext>
+            </a:extLst>
+          </p:cNvPr>
+          <p:cNvSpPr>
+            <a:spLocks noGrp="1"/>
+          </p:cNvSpPr>
+          <p:nvPr>
+            <p:ph type="subTitle" idx="1"/>
+          </p:nvPr>
+        </p:nvSpPr>
+        <p:spPr>
+          <a:xfrm>
+            <a:off x="492625" y="148264"/>
+            <a:ext cx="2062749" cy="920543"/>
+          </a:xfrm>
+        </p:spPr>
+        <p:txBody>
+          <a:bodyPr>
+            <a:normAutofit fontScale="85000" lnSpcReduction="20000"/>
+          </a:bodyPr>
+          <a:lstStyle/>
+          <a:p>
+            <a:r>
+              <a:rPr lang="de-DE" sz="2000" dirty="0"/>
+              <a:t>HTL Saalfelden</a:t>
+            </a:r>
+          </a:p>
+          <a:p>
+            <a:r>
+              <a:rPr lang="de-DE" sz="2000" dirty="0"/>
+              <a:t>Abteilung Informatik</a:t>
+            </a:r>
+          </a:p>
+          <a:p>
+            <a:r>
+              <a:rPr lang="de-DE" sz="2000" dirty="0"/>
+              <a:t>5. AHINF – 2023/24</a:t>
+            </a:r>
+            <a:endParaRPr lang="de-AT" sz="2000" dirty="0"/>
+          </a:p>
+        </p:txBody>
+      </p:sp>
+      <p:pic>
+        <p:nvPicPr>
+          <p:cNvPr id="1026" name="Picture 2" descr="Schnuppertag: Bautechnik an der HTL Saalfelden">
+            <a:extLst>
+              <a:ext uri="{FF2B5EF4-FFF2-40B4-BE49-F238E27FC236}">
+                <a16:creationId xmlns:a16="http://schemas.microsoft.com/office/drawing/2014/main" id="{307F6E92-0936-1F20-A7B9-56B39416154F}"/>
+              </a:ext>
+            </a:extLst>
+          </p:cNvPr>
+          <p:cNvPicPr>
+            <a:picLocks noChangeAspect="1" noChangeArrowheads="1"/>
+          </p:cNvPicPr>
+          <p:nvPr/>
+        </p:nvPicPr>
+        <p:blipFill>
+          <a:blip r:embed="rId2">
+            <a:extLst>
+              <a:ext uri="{28A0092B-C50C-407E-A947-70E740481C1C}">
+                <a14:useLocalDpi xmlns:a14="http://schemas.microsoft.com/office/drawing/2010/main" val="0"/>
+              </a:ext>
+            </a:extLst>
+          </a:blip>
+          <a:srcRect/>
+          <a:stretch>
+            <a:fillRect/>
+          </a:stretch>
+        </p:blipFill>
+        <p:spPr bwMode="auto">
+          <a:xfrm>
+            <a:off x="11116200" y="61624"/>
+            <a:ext cx="943806" cy="1045178"/>
+          </a:xfrm>
+          <a:prstGeom prst="rect">
+            <a:avLst/>
+          </a:prstGeom>
+          <a:noFill/>
+          <a:extLst>
+            <a:ext uri="{909E8E84-426E-40DD-AFC4-6F175D3DCCD1}">
+              <a14:hiddenFill xmlns:a14="http://schemas.microsoft.com/office/drawing/2010/main">
+                <a:solidFill>
+                  <a:srgbClr val="FFFFFF"/>
+                </a:solidFill>
+              </a14:hiddenFill>
+            </a:ext>
+          </a:extLst>
+        </p:spPr>
+      </p:pic>
+      <p:sp>
+        <p:nvSpPr>
+          <p:cNvPr id="5" name="Untertitel 2">
+            <a:extLst>
+              <a:ext uri="{FF2B5EF4-FFF2-40B4-BE49-F238E27FC236}">
+                <a16:creationId xmlns:a16="http://schemas.microsoft.com/office/drawing/2014/main" id="{54CC2301-BF3C-6BC0-E122-A8913F1DA9BB}"/>
+              </a:ext>
+            </a:extLst>
+          </p:cNvPr>
+          <p:cNvSpPr txBox="1">
+            <a:spLocks/>
+          </p:cNvSpPr>
+          <p:nvPr/>
+        </p:nvSpPr>
+        <p:spPr>
+          <a:xfrm>
+            <a:off x="9268679" y="186505"/>
+            <a:ext cx="1407342" cy="844062"/>
+          </a:xfrm>
+          <a:prstGeom prst="rect">
+            <a:avLst/>
+          </a:prstGeom>
+        </p:spPr>
+        <p:txBody>
+          <a:bodyPr vert="horz" lIns="91440" tIns="45720" rIns="91440" bIns="45720" rtlCol="0">
+            <a:normAutofit/>
+          </a:bodyPr>
+          <a:lstStyle>
+            <a:lvl1pPr marL="0" indent="0" algn="ctr" defTabSz="914400" rtl="0" eaLnBrk="1" latinLnBrk="0" hangingPunct="1">
+              <a:lnSpc>
+                <a:spcPct val="90000"/>
+              </a:lnSpc>
+              <a:spcBef>
+                <a:spcPts val="1000"/>
+              </a:spcBef>
+              <a:buFont typeface="Arial" panose="020B0604020202020204" pitchFamily="34" charset="0"/>
+              <a:buNone/>
+              <a:defRPr sz="2400" kern="1200">
+                <a:solidFill>
+                  <a:schemeClr val="tx1"/>
+                </a:solidFill>
+                <a:latin typeface="+mn-lt"/>
+                <a:ea typeface="+mn-ea"/>
+                <a:cs typeface="+mn-cs"/>
+              </a:defRPr>
+            </a:lvl1pPr>
+            <a:lvl2pPr marL="457200" indent="0" algn="ctr" defTabSz="914400" rtl="0" eaLnBrk="1" latinLnBrk="0" hangingPunct="1">
+              <a:lnSpc>
+                <a:spcPct val="90000"/>
+              </a:lnSpc>
+              <a:spcBef>
+                <a:spcPts val="500"/>
+              </a:spcBef>
+              <a:buFont typeface="Arial" panose="020B0604020202020204" pitchFamily="34" charset="0"/>
+              <a:buNone/>
+              <a:defRPr sz="2000" kern="1200">
+                <a:solidFill>
+                  <a:schemeClr val="tx1"/>
+                </a:solidFill>
+                <a:latin typeface="+mn-lt"/>
+                <a:ea typeface="+mn-ea"/>
+                <a:cs typeface="+mn-cs"/>
+              </a:defRPr>
+            </a:lvl2pPr>
+            <a:lvl3pPr marL="914400" indent="0" algn="ctr" defTabSz="914400" rtl="0" eaLnBrk="1" latinLnBrk="0" hangingPunct="1">
+              <a:lnSpc>
+                <a:spcPct val="90000"/>
+              </a:lnSpc>
+              <a:spcBef>
+                <a:spcPts val="500"/>
+              </a:spcBef>
+              <a:buFont typeface="Arial" panose="020B0604020202020204" pitchFamily="34" charset="0"/>
+              <a:buNone/>
+              <a:defRPr sz="1800" kern="1200">
+                <a:solidFill>
+                  <a:schemeClr val="tx1"/>
+                </a:solidFill>
+                <a:latin typeface="+mn-lt"/>
+                <a:ea typeface="+mn-ea"/>
+                <a:cs typeface="+mn-cs"/>
+              </a:defRPr>
+            </a:lvl3pPr>
+            <a:lvl4pPr marL="1371600" indent="0" algn="ctr" defTabSz="914400" rtl="0" eaLnBrk="1" latinLnBrk="0" hangingPunct="1">
+              <a:lnSpc>
+                <a:spcPct val="90000"/>
+              </a:lnSpc>
+              <a:spcBef>
+                <a:spcPts val="500"/>
+              </a:spcBef>
+              <a:buFont typeface="Arial" panose="020B0604020202020204" pitchFamily="34" charset="0"/>
+              <a:buNone/>
+              <a:defRPr sz="1600" kern="1200">
+                <a:solidFill>
+                  <a:schemeClr val="tx1"/>
+                </a:solidFill>
+                <a:latin typeface="+mn-lt"/>
+                <a:ea typeface="+mn-ea"/>
+                <a:cs typeface="+mn-cs"/>
+              </a:defRPr>
+            </a:lvl4pPr>
+            <a:lvl5pPr marL="1828800" indent="0" algn="ctr" defTabSz="914400" rtl="0" eaLnBrk="1" latinLnBrk="0" hangingPunct="1">
+              <a:lnSpc>
+                <a:spcPct val="90000"/>
+              </a:lnSpc>
+              <a:spcBef>
+                <a:spcPts val="500"/>
+              </a:spcBef>
+              <a:buFont typeface="Arial" panose="020B0604020202020204" pitchFamily="34" charset="0"/>
+              <a:buNone/>
+              <a:defRPr sz="1600" kern="1200">
+                <a:solidFill>
+                  <a:schemeClr val="tx1"/>
+                </a:solidFill>
+                <a:latin typeface="+mn-lt"/>
+                <a:ea typeface="+mn-ea"/>
+                <a:cs typeface="+mn-cs"/>
+              </a:defRPr>
+            </a:lvl5pPr>
+            <a:lvl6pPr marL="2286000" indent="0" algn="ctr" defTabSz="914400" rtl="0" eaLnBrk="1" latinLnBrk="0" hangingPunct="1">
+              <a:lnSpc>
+                <a:spcPct val="90000"/>
+              </a:lnSpc>
+              <a:spcBef>
+                <a:spcPts val="500"/>
+              </a:spcBef>
+              <a:buFont typeface="Arial" panose="020B0604020202020204" pitchFamily="34" charset="0"/>
+              <a:buNone/>
+              <a:defRPr sz="1600" kern="1200">
+                <a:solidFill>
+                  <a:schemeClr val="tx1"/>
+                </a:solidFill>
+                <a:latin typeface="+mn-lt"/>
+                <a:ea typeface="+mn-ea"/>
+                <a:cs typeface="+mn-cs"/>
+              </a:defRPr>
+            </a:lvl6pPr>
+            <a:lvl7pPr marL="2743200" indent="0" algn="ctr" defTabSz="914400" rtl="0" eaLnBrk="1" latinLnBrk="0" hangingPunct="1">
+              <a:lnSpc>
+                <a:spcPct val="90000"/>
+              </a:lnSpc>
+              <a:spcBef>
+                <a:spcPts val="500"/>
+              </a:spcBef>
+              <a:buFont typeface="Arial" panose="020B0604020202020204" pitchFamily="34" charset="0"/>
+              <a:buNone/>
+              <a:defRPr sz="1600" kern="1200">
+                <a:solidFill>
+                  <a:schemeClr val="tx1"/>
+                </a:solidFill>
+                <a:latin typeface="+mn-lt"/>
+                <a:ea typeface="+mn-ea"/>
+                <a:cs typeface="+mn-cs"/>
+              </a:defRPr>
+            </a:lvl7pPr>
+            <a:lvl8pPr marL="3200400" indent="0" algn="ctr" defTabSz="914400" rtl="0" eaLnBrk="1" latinLnBrk="0" hangingPunct="1">
+              <a:lnSpc>
+                <a:spcPct val="90000"/>
+              </a:lnSpc>
+              <a:spcBef>
+                <a:spcPts val="500"/>
+              </a:spcBef>
+              <a:buFont typeface="Arial" panose="020B0604020202020204" pitchFamily="34" charset="0"/>
+              <a:buNone/>
+              <a:defRPr sz="1600" kern="1200">
+                <a:solidFill>
+                  <a:schemeClr val="tx1"/>
+                </a:solidFill>
+                <a:latin typeface="+mn-lt"/>
+                <a:ea typeface="+mn-ea"/>
+                <a:cs typeface="+mn-cs"/>
+              </a:defRPr>
+            </a:lvl8pPr>
+            <a:lvl9pPr marL="3657600" indent="0" algn="ctr" defTabSz="914400" rtl="0" eaLnBrk="1" latinLnBrk="0" hangingPunct="1">
+              <a:lnSpc>
+                <a:spcPct val="90000"/>
+              </a:lnSpc>
+              <a:spcBef>
+                <a:spcPts val="500"/>
+              </a:spcBef>
+              <a:buFont typeface="Arial" panose="020B0604020202020204" pitchFamily="34" charset="0"/>
+              <a:buNone/>
+              <a:defRPr sz="1600" kern="1200">
+                <a:solidFill>
+                  <a:schemeClr val="tx1"/>
+                </a:solidFill>
+                <a:latin typeface="+mn-lt"/>
+                <a:ea typeface="+mn-ea"/>
+                <a:cs typeface="+mn-cs"/>
+              </a:defRPr>
+            </a:lvl9pPr>
+          </a:lstStyle>
+          <a:p>
+            <a:pPr algn="r"/>
+            <a:r>
+              <a:rPr lang="de-DE" sz="2000" dirty="0"/>
+              <a:t>Davare</a:t>
+            </a:r>
+          </a:p>
+          <a:p>
+            <a:pPr algn="r"/>
+            <a:r>
+              <a:rPr lang="de-DE" sz="2000" dirty="0"/>
+              <a:t>Hagenhofer</a:t>
+            </a:r>
+            <a:endParaRPr lang="de-AT" sz="2000" dirty="0"/>
+          </a:p>
+        </p:txBody>
+      </p:sp>
+      <p:cxnSp>
+        <p:nvCxnSpPr>
+          <p:cNvPr id="7" name="Gerader Verbinder 6">
+            <a:extLst>
+              <a:ext uri="{FF2B5EF4-FFF2-40B4-BE49-F238E27FC236}">
+                <a16:creationId xmlns:a16="http://schemas.microsoft.com/office/drawing/2014/main" id="{A58A216C-BCDC-8C88-F032-FDDC332FD334}"/>
+              </a:ext>
+            </a:extLst>
+          </p:cNvPr>
+          <p:cNvCxnSpPr>
+            <a:cxnSpLocks/>
+          </p:cNvCxnSpPr>
+          <p:nvPr/>
+        </p:nvCxnSpPr>
+        <p:spPr>
+          <a:xfrm>
+            <a:off x="-66675" y="1142200"/>
+            <a:ext cx="12258675" cy="0"/>
+          </a:xfrm>
+          <a:prstGeom prst="line">
+            <a:avLst/>
+          </a:prstGeom>
+        </p:spPr>
+        <p:style>
+          <a:lnRef idx="1">
+            <a:schemeClr val="dk1"/>
+          </a:lnRef>
+          <a:fillRef idx="0">
+            <a:schemeClr val="dk1"/>
+          </a:fillRef>
+          <a:effectRef idx="0">
+            <a:schemeClr val="dk1"/>
+          </a:effectRef>
+          <a:fontRef idx="minor">
+            <a:schemeClr val="tx1"/>
+          </a:fontRef>
+        </p:style>
+      </p:cxnSp>
+      <p:cxnSp>
+        <p:nvCxnSpPr>
+          <p:cNvPr id="16" name="Gerader Verbinder 15">
+            <a:extLst>
+              <a:ext uri="{FF2B5EF4-FFF2-40B4-BE49-F238E27FC236}">
+                <a16:creationId xmlns:a16="http://schemas.microsoft.com/office/drawing/2014/main" id="{DAD78146-576E-A96C-056D-0A1F56B9BF22}"/>
+              </a:ext>
+            </a:extLst>
+          </p:cNvPr>
+          <p:cNvCxnSpPr>
+            <a:cxnSpLocks/>
+          </p:cNvCxnSpPr>
+          <p:nvPr/>
+        </p:nvCxnSpPr>
+        <p:spPr>
+          <a:xfrm>
+            <a:off x="-33340" y="6388638"/>
+            <a:ext cx="12258675" cy="0"/>
+          </a:xfrm>
+          <a:prstGeom prst="line">
+            <a:avLst/>
+          </a:prstGeom>
+        </p:spPr>
+        <p:style>
+          <a:lnRef idx="1">
+            <a:schemeClr val="dk1"/>
+          </a:lnRef>
+          <a:fillRef idx="0">
+            <a:schemeClr val="dk1"/>
+          </a:fillRef>
+          <a:effectRef idx="0">
+            <a:schemeClr val="dk1"/>
+          </a:effectRef>
+          <a:fontRef idx="minor">
+            <a:schemeClr val="tx1"/>
+          </a:fontRef>
+        </p:style>
+      </p:cxnSp>
+      <p:sp>
+        <p:nvSpPr>
+          <p:cNvPr id="20" name="Datumsplatzhalter 3">
+            <a:extLst>
+              <a:ext uri="{FF2B5EF4-FFF2-40B4-BE49-F238E27FC236}">
+                <a16:creationId xmlns:a16="http://schemas.microsoft.com/office/drawing/2014/main" id="{715D0FED-2C6A-00EA-0B5C-F5396D70139F}"/>
+              </a:ext>
+            </a:extLst>
+          </p:cNvPr>
+          <p:cNvSpPr>
+            <a:spLocks noGrp="1"/>
+          </p:cNvSpPr>
+          <p:nvPr>
+            <p:ph type="dt" sz="half" idx="10"/>
+          </p:nvPr>
+        </p:nvSpPr>
+        <p:spPr>
+          <a:xfrm>
+            <a:off x="838200" y="6567222"/>
+            <a:ext cx="2743200" cy="208546"/>
+          </a:xfrm>
+        </p:spPr>
+        <p:txBody>
+          <a:bodyPr/>
+          <a:lstStyle/>
+          <a:p>
+            <a:r>
+              <a:rPr lang="de-AT" sz="2000" dirty="0"/>
+              <a:t>09.02.2024</a:t>
+            </a:r>
+          </a:p>
+        </p:txBody>
+      </p:sp>
+      <p:sp>
+        <p:nvSpPr>
+          <p:cNvPr id="22" name="Foliennummernplatzhalter 21">
+            <a:extLst>
+              <a:ext uri="{FF2B5EF4-FFF2-40B4-BE49-F238E27FC236}">
+                <a16:creationId xmlns:a16="http://schemas.microsoft.com/office/drawing/2014/main" id="{2669A105-1319-B01D-2C84-692AC0AA6677}"/>
+              </a:ext>
+            </a:extLst>
+          </p:cNvPr>
+          <p:cNvSpPr>
+            <a:spLocks noGrp="1"/>
+          </p:cNvSpPr>
+          <p:nvPr>
+            <p:ph type="sldNum" sz="quarter" idx="12"/>
+          </p:nvPr>
+        </p:nvSpPr>
+        <p:spPr>
+          <a:xfrm>
+            <a:off x="8610600" y="6594368"/>
+            <a:ext cx="2743200" cy="154253"/>
+          </a:xfrm>
+        </p:spPr>
+        <p:txBody>
+          <a:bodyPr/>
+          <a:lstStyle/>
+          <a:p>
+            <a:r>
+              <a:rPr lang="de-AT" sz="2000" dirty="0"/>
+              <a:t>2/5</a:t>
+            </a:r>
+          </a:p>
+        </p:txBody>
+      </p:sp>
+      <p:pic>
+        <p:nvPicPr>
+          <p:cNvPr id="4" name="Grafik 3">
+            <a:extLst>
+              <a:ext uri="{FF2B5EF4-FFF2-40B4-BE49-F238E27FC236}">
+                <a16:creationId xmlns:a16="http://schemas.microsoft.com/office/drawing/2014/main" id="{4DB27605-50AC-A20A-DB12-9F5A3D2C2312}"/>
+              </a:ext>
+            </a:extLst>
+          </p:cNvPr>
+          <p:cNvPicPr>
+            <a:picLocks noChangeAspect="1"/>
+          </p:cNvPicPr>
+          <p:nvPr/>
+        </p:nvPicPr>
+        <p:blipFill>
+          <a:blip r:embed="rId3"/>
+          <a:stretch>
+            <a:fillRect/>
+          </a:stretch>
+        </p:blipFill>
+        <p:spPr>
+          <a:xfrm>
+            <a:off x="2947146" y="1320784"/>
+            <a:ext cx="6297707" cy="4862123"/>
+          </a:xfrm>
+          <a:prstGeom prst="rect">
+            <a:avLst/>
+          </a:prstGeom>
+        </p:spPr>
+      </p:pic>
+    </p:spTree>
+    <p:extLst>
+      <p:ext uri="{BB962C8B-B14F-4D97-AF65-F5344CB8AC3E}">
+        <p14:creationId xmlns:p14="http://schemas.microsoft.com/office/powerpoint/2010/main" val="1923406601"/>
+      </p:ext>
+    </p:extLst>
+  </p:cSld>
+  <p:clrMapOvr>
+    <a:masterClrMapping/>
+  </p:clrMapOvr>
+</p:sld>
+</file>
+
+<file path=ppt/slides/slide15.xml><?xml version="1.0" encoding="utf-8"?>
+<p:sld xmlns:a="http://schemas.openxmlformats.org/drawingml/2006/main" xmlns:r="http://schemas.openxmlformats.org/officeDocument/2006/relationships" xmlns:p="http://schemas.openxmlformats.org/presentationml/2006/main">
+  <p:cSld>
+    <p:spTree>
+      <p:nvGrpSpPr>
+        <p:cNvPr id="1" name="">
+          <a:extLst>
+            <a:ext uri="{FF2B5EF4-FFF2-40B4-BE49-F238E27FC236}">
               <a16:creationId xmlns:a16="http://schemas.microsoft.com/office/drawing/2014/main" id="{DE2AFD91-FFBD-8B5B-F05F-6D348C2E0FBB}"/>
             </a:ext>
           </a:extLst>
@@ -6196,7 +7790,1538 @@
 </p:sld>
 </file>
 
-<file path=ppt/slides/slide13.xml><?xml version="1.0" encoding="utf-8"?>
+<file path=ppt/slides/slide16.xml><?xml version="1.0" encoding="utf-8"?>
+<p:sld xmlns:a="http://schemas.openxmlformats.org/drawingml/2006/main" xmlns:r="http://schemas.openxmlformats.org/officeDocument/2006/relationships" xmlns:p="http://schemas.openxmlformats.org/presentationml/2006/main">
+  <p:cSld>
+    <p:spTree>
+      <p:nvGrpSpPr>
+        <p:cNvPr id="1" name="">
+          <a:extLst>
+            <a:ext uri="{FF2B5EF4-FFF2-40B4-BE49-F238E27FC236}">
+              <a16:creationId xmlns:a16="http://schemas.microsoft.com/office/drawing/2014/main" id="{CA1AB332-D529-119D-7241-FBE48712CF1E}"/>
+            </a:ext>
+          </a:extLst>
+        </p:cNvPr>
+        <p:cNvGrpSpPr/>
+        <p:nvPr/>
+      </p:nvGrpSpPr>
+      <p:grpSpPr>
+        <a:xfrm>
+          <a:off x="0" y="0"/>
+          <a:ext cx="0" cy="0"/>
+          <a:chOff x="0" y="0"/>
+          <a:chExt cx="0" cy="0"/>
+        </a:xfrm>
+      </p:grpSpPr>
+      <p:sp>
+        <p:nvSpPr>
+          <p:cNvPr id="3" name="Untertitel 2">
+            <a:extLst>
+              <a:ext uri="{FF2B5EF4-FFF2-40B4-BE49-F238E27FC236}">
+                <a16:creationId xmlns:a16="http://schemas.microsoft.com/office/drawing/2014/main" id="{96A32A24-CA30-DD31-7EDD-4B5DC360846B}"/>
+              </a:ext>
+            </a:extLst>
+          </p:cNvPr>
+          <p:cNvSpPr>
+            <a:spLocks noGrp="1"/>
+          </p:cNvSpPr>
+          <p:nvPr>
+            <p:ph type="subTitle" idx="1"/>
+          </p:nvPr>
+        </p:nvSpPr>
+        <p:spPr>
+          <a:xfrm>
+            <a:off x="492625" y="148264"/>
+            <a:ext cx="2062749" cy="920543"/>
+          </a:xfrm>
+        </p:spPr>
+        <p:txBody>
+          <a:bodyPr>
+            <a:normAutofit fontScale="85000" lnSpcReduction="20000"/>
+          </a:bodyPr>
+          <a:lstStyle/>
+          <a:p>
+            <a:r>
+              <a:rPr lang="de-DE" sz="2000" dirty="0"/>
+              <a:t>HTL Saalfelden</a:t>
+            </a:r>
+          </a:p>
+          <a:p>
+            <a:r>
+              <a:rPr lang="de-DE" sz="2000" dirty="0"/>
+              <a:t>Abteilung Informatik</a:t>
+            </a:r>
+          </a:p>
+          <a:p>
+            <a:r>
+              <a:rPr lang="de-DE" sz="2000" dirty="0"/>
+              <a:t>5. AHINF – 2023/24</a:t>
+            </a:r>
+            <a:endParaRPr lang="de-AT" sz="2000" dirty="0"/>
+          </a:p>
+        </p:txBody>
+      </p:sp>
+      <p:pic>
+        <p:nvPicPr>
+          <p:cNvPr id="1026" name="Picture 2" descr="Schnuppertag: Bautechnik an der HTL Saalfelden">
+            <a:extLst>
+              <a:ext uri="{FF2B5EF4-FFF2-40B4-BE49-F238E27FC236}">
+                <a16:creationId xmlns:a16="http://schemas.microsoft.com/office/drawing/2014/main" id="{20F932EE-EE6D-7748-9E93-08217ED22EA3}"/>
+              </a:ext>
+            </a:extLst>
+          </p:cNvPr>
+          <p:cNvPicPr>
+            <a:picLocks noChangeAspect="1" noChangeArrowheads="1"/>
+          </p:cNvPicPr>
+          <p:nvPr/>
+        </p:nvPicPr>
+        <p:blipFill>
+          <a:blip r:embed="rId2">
+            <a:extLst>
+              <a:ext uri="{28A0092B-C50C-407E-A947-70E740481C1C}">
+                <a14:useLocalDpi xmlns:a14="http://schemas.microsoft.com/office/drawing/2010/main" val="0"/>
+              </a:ext>
+            </a:extLst>
+          </a:blip>
+          <a:srcRect/>
+          <a:stretch>
+            <a:fillRect/>
+          </a:stretch>
+        </p:blipFill>
+        <p:spPr bwMode="auto">
+          <a:xfrm>
+            <a:off x="11116200" y="61624"/>
+            <a:ext cx="943806" cy="1045178"/>
+          </a:xfrm>
+          <a:prstGeom prst="rect">
+            <a:avLst/>
+          </a:prstGeom>
+          <a:noFill/>
+          <a:extLst>
+            <a:ext uri="{909E8E84-426E-40DD-AFC4-6F175D3DCCD1}">
+              <a14:hiddenFill xmlns:a14="http://schemas.microsoft.com/office/drawing/2010/main">
+                <a:solidFill>
+                  <a:srgbClr val="FFFFFF"/>
+                </a:solidFill>
+              </a14:hiddenFill>
+            </a:ext>
+          </a:extLst>
+        </p:spPr>
+      </p:pic>
+      <p:sp>
+        <p:nvSpPr>
+          <p:cNvPr id="5" name="Untertitel 2">
+            <a:extLst>
+              <a:ext uri="{FF2B5EF4-FFF2-40B4-BE49-F238E27FC236}">
+                <a16:creationId xmlns:a16="http://schemas.microsoft.com/office/drawing/2014/main" id="{BF6754EB-C050-A920-C97A-6ABD573F8E88}"/>
+              </a:ext>
+            </a:extLst>
+          </p:cNvPr>
+          <p:cNvSpPr txBox="1">
+            <a:spLocks/>
+          </p:cNvSpPr>
+          <p:nvPr/>
+        </p:nvSpPr>
+        <p:spPr>
+          <a:xfrm>
+            <a:off x="9268679" y="186505"/>
+            <a:ext cx="1407342" cy="844062"/>
+          </a:xfrm>
+          <a:prstGeom prst="rect">
+            <a:avLst/>
+          </a:prstGeom>
+        </p:spPr>
+        <p:txBody>
+          <a:bodyPr vert="horz" lIns="91440" tIns="45720" rIns="91440" bIns="45720" rtlCol="0">
+            <a:normAutofit/>
+          </a:bodyPr>
+          <a:lstStyle>
+            <a:lvl1pPr marL="0" indent="0" algn="ctr" defTabSz="914400" rtl="0" eaLnBrk="1" latinLnBrk="0" hangingPunct="1">
+              <a:lnSpc>
+                <a:spcPct val="90000"/>
+              </a:lnSpc>
+              <a:spcBef>
+                <a:spcPts val="1000"/>
+              </a:spcBef>
+              <a:buFont typeface="Arial" panose="020B0604020202020204" pitchFamily="34" charset="0"/>
+              <a:buNone/>
+              <a:defRPr sz="2400" kern="1200">
+                <a:solidFill>
+                  <a:schemeClr val="tx1"/>
+                </a:solidFill>
+                <a:latin typeface="+mn-lt"/>
+                <a:ea typeface="+mn-ea"/>
+                <a:cs typeface="+mn-cs"/>
+              </a:defRPr>
+            </a:lvl1pPr>
+            <a:lvl2pPr marL="457200" indent="0" algn="ctr" defTabSz="914400" rtl="0" eaLnBrk="1" latinLnBrk="0" hangingPunct="1">
+              <a:lnSpc>
+                <a:spcPct val="90000"/>
+              </a:lnSpc>
+              <a:spcBef>
+                <a:spcPts val="500"/>
+              </a:spcBef>
+              <a:buFont typeface="Arial" panose="020B0604020202020204" pitchFamily="34" charset="0"/>
+              <a:buNone/>
+              <a:defRPr sz="2000" kern="1200">
+                <a:solidFill>
+                  <a:schemeClr val="tx1"/>
+                </a:solidFill>
+                <a:latin typeface="+mn-lt"/>
+                <a:ea typeface="+mn-ea"/>
+                <a:cs typeface="+mn-cs"/>
+              </a:defRPr>
+            </a:lvl2pPr>
+            <a:lvl3pPr marL="914400" indent="0" algn="ctr" defTabSz="914400" rtl="0" eaLnBrk="1" latinLnBrk="0" hangingPunct="1">
+              <a:lnSpc>
+                <a:spcPct val="90000"/>
+              </a:lnSpc>
+              <a:spcBef>
+                <a:spcPts val="500"/>
+              </a:spcBef>
+              <a:buFont typeface="Arial" panose="020B0604020202020204" pitchFamily="34" charset="0"/>
+              <a:buNone/>
+              <a:defRPr sz="1800" kern="1200">
+                <a:solidFill>
+                  <a:schemeClr val="tx1"/>
+                </a:solidFill>
+                <a:latin typeface="+mn-lt"/>
+                <a:ea typeface="+mn-ea"/>
+                <a:cs typeface="+mn-cs"/>
+              </a:defRPr>
+            </a:lvl3pPr>
+            <a:lvl4pPr marL="1371600" indent="0" algn="ctr" defTabSz="914400" rtl="0" eaLnBrk="1" latinLnBrk="0" hangingPunct="1">
+              <a:lnSpc>
+                <a:spcPct val="90000"/>
+              </a:lnSpc>
+              <a:spcBef>
+                <a:spcPts val="500"/>
+              </a:spcBef>
+              <a:buFont typeface="Arial" panose="020B0604020202020204" pitchFamily="34" charset="0"/>
+              <a:buNone/>
+              <a:defRPr sz="1600" kern="1200">
+                <a:solidFill>
+                  <a:schemeClr val="tx1"/>
+                </a:solidFill>
+                <a:latin typeface="+mn-lt"/>
+                <a:ea typeface="+mn-ea"/>
+                <a:cs typeface="+mn-cs"/>
+              </a:defRPr>
+            </a:lvl4pPr>
+            <a:lvl5pPr marL="1828800" indent="0" algn="ctr" defTabSz="914400" rtl="0" eaLnBrk="1" latinLnBrk="0" hangingPunct="1">
+              <a:lnSpc>
+                <a:spcPct val="90000"/>
+              </a:lnSpc>
+              <a:spcBef>
+                <a:spcPts val="500"/>
+              </a:spcBef>
+              <a:buFont typeface="Arial" panose="020B0604020202020204" pitchFamily="34" charset="0"/>
+              <a:buNone/>
+              <a:defRPr sz="1600" kern="1200">
+                <a:solidFill>
+                  <a:schemeClr val="tx1"/>
+                </a:solidFill>
+                <a:latin typeface="+mn-lt"/>
+                <a:ea typeface="+mn-ea"/>
+                <a:cs typeface="+mn-cs"/>
+              </a:defRPr>
+            </a:lvl5pPr>
+            <a:lvl6pPr marL="2286000" indent="0" algn="ctr" defTabSz="914400" rtl="0" eaLnBrk="1" latinLnBrk="0" hangingPunct="1">
+              <a:lnSpc>
+                <a:spcPct val="90000"/>
+              </a:lnSpc>
+              <a:spcBef>
+                <a:spcPts val="500"/>
+              </a:spcBef>
+              <a:buFont typeface="Arial" panose="020B0604020202020204" pitchFamily="34" charset="0"/>
+              <a:buNone/>
+              <a:defRPr sz="1600" kern="1200">
+                <a:solidFill>
+                  <a:schemeClr val="tx1"/>
+                </a:solidFill>
+                <a:latin typeface="+mn-lt"/>
+                <a:ea typeface="+mn-ea"/>
+                <a:cs typeface="+mn-cs"/>
+              </a:defRPr>
+            </a:lvl6pPr>
+            <a:lvl7pPr marL="2743200" indent="0" algn="ctr" defTabSz="914400" rtl="0" eaLnBrk="1" latinLnBrk="0" hangingPunct="1">
+              <a:lnSpc>
+                <a:spcPct val="90000"/>
+              </a:lnSpc>
+              <a:spcBef>
+                <a:spcPts val="500"/>
+              </a:spcBef>
+              <a:buFont typeface="Arial" panose="020B0604020202020204" pitchFamily="34" charset="0"/>
+              <a:buNone/>
+              <a:defRPr sz="1600" kern="1200">
+                <a:solidFill>
+                  <a:schemeClr val="tx1"/>
+                </a:solidFill>
+                <a:latin typeface="+mn-lt"/>
+                <a:ea typeface="+mn-ea"/>
+                <a:cs typeface="+mn-cs"/>
+              </a:defRPr>
+            </a:lvl7pPr>
+            <a:lvl8pPr marL="3200400" indent="0" algn="ctr" defTabSz="914400" rtl="0" eaLnBrk="1" latinLnBrk="0" hangingPunct="1">
+              <a:lnSpc>
+                <a:spcPct val="90000"/>
+              </a:lnSpc>
+              <a:spcBef>
+                <a:spcPts val="500"/>
+              </a:spcBef>
+              <a:buFont typeface="Arial" panose="020B0604020202020204" pitchFamily="34" charset="0"/>
+              <a:buNone/>
+              <a:defRPr sz="1600" kern="1200">
+                <a:solidFill>
+                  <a:schemeClr val="tx1"/>
+                </a:solidFill>
+                <a:latin typeface="+mn-lt"/>
+                <a:ea typeface="+mn-ea"/>
+                <a:cs typeface="+mn-cs"/>
+              </a:defRPr>
+            </a:lvl8pPr>
+            <a:lvl9pPr marL="3657600" indent="0" algn="ctr" defTabSz="914400" rtl="0" eaLnBrk="1" latinLnBrk="0" hangingPunct="1">
+              <a:lnSpc>
+                <a:spcPct val="90000"/>
+              </a:lnSpc>
+              <a:spcBef>
+                <a:spcPts val="500"/>
+              </a:spcBef>
+              <a:buFont typeface="Arial" panose="020B0604020202020204" pitchFamily="34" charset="0"/>
+              <a:buNone/>
+              <a:defRPr sz="1600" kern="1200">
+                <a:solidFill>
+                  <a:schemeClr val="tx1"/>
+                </a:solidFill>
+                <a:latin typeface="+mn-lt"/>
+                <a:ea typeface="+mn-ea"/>
+                <a:cs typeface="+mn-cs"/>
+              </a:defRPr>
+            </a:lvl9pPr>
+          </a:lstStyle>
+          <a:p>
+            <a:pPr algn="r"/>
+            <a:r>
+              <a:rPr lang="de-DE" sz="2000" dirty="0"/>
+              <a:t>Davare</a:t>
+            </a:r>
+          </a:p>
+          <a:p>
+            <a:pPr algn="r"/>
+            <a:r>
+              <a:rPr lang="de-DE" sz="2000" dirty="0"/>
+              <a:t>Hagenhofer</a:t>
+            </a:r>
+            <a:endParaRPr lang="de-AT" sz="2000" dirty="0"/>
+          </a:p>
+        </p:txBody>
+      </p:sp>
+      <p:cxnSp>
+        <p:nvCxnSpPr>
+          <p:cNvPr id="7" name="Gerader Verbinder 6">
+            <a:extLst>
+              <a:ext uri="{FF2B5EF4-FFF2-40B4-BE49-F238E27FC236}">
+                <a16:creationId xmlns:a16="http://schemas.microsoft.com/office/drawing/2014/main" id="{E2250614-247A-A9C1-F279-BB3148AC5926}"/>
+              </a:ext>
+            </a:extLst>
+          </p:cNvPr>
+          <p:cNvCxnSpPr>
+            <a:cxnSpLocks/>
+          </p:cNvCxnSpPr>
+          <p:nvPr/>
+        </p:nvCxnSpPr>
+        <p:spPr>
+          <a:xfrm>
+            <a:off x="-66675" y="1142200"/>
+            <a:ext cx="12258675" cy="0"/>
+          </a:xfrm>
+          <a:prstGeom prst="line">
+            <a:avLst/>
+          </a:prstGeom>
+        </p:spPr>
+        <p:style>
+          <a:lnRef idx="1">
+            <a:schemeClr val="dk1"/>
+          </a:lnRef>
+          <a:fillRef idx="0">
+            <a:schemeClr val="dk1"/>
+          </a:fillRef>
+          <a:effectRef idx="0">
+            <a:schemeClr val="dk1"/>
+          </a:effectRef>
+          <a:fontRef idx="minor">
+            <a:schemeClr val="tx1"/>
+          </a:fontRef>
+        </p:style>
+      </p:cxnSp>
+      <p:cxnSp>
+        <p:nvCxnSpPr>
+          <p:cNvPr id="16" name="Gerader Verbinder 15">
+            <a:extLst>
+              <a:ext uri="{FF2B5EF4-FFF2-40B4-BE49-F238E27FC236}">
+                <a16:creationId xmlns:a16="http://schemas.microsoft.com/office/drawing/2014/main" id="{B6F20626-8985-1897-6D70-D4D31A671A05}"/>
+              </a:ext>
+            </a:extLst>
+          </p:cNvPr>
+          <p:cNvCxnSpPr>
+            <a:cxnSpLocks/>
+          </p:cNvCxnSpPr>
+          <p:nvPr/>
+        </p:nvCxnSpPr>
+        <p:spPr>
+          <a:xfrm>
+            <a:off x="-33340" y="6388638"/>
+            <a:ext cx="12258675" cy="0"/>
+          </a:xfrm>
+          <a:prstGeom prst="line">
+            <a:avLst/>
+          </a:prstGeom>
+        </p:spPr>
+        <p:style>
+          <a:lnRef idx="1">
+            <a:schemeClr val="dk1"/>
+          </a:lnRef>
+          <a:fillRef idx="0">
+            <a:schemeClr val="dk1"/>
+          </a:fillRef>
+          <a:effectRef idx="0">
+            <a:schemeClr val="dk1"/>
+          </a:effectRef>
+          <a:fontRef idx="minor">
+            <a:schemeClr val="tx1"/>
+          </a:fontRef>
+        </p:style>
+      </p:cxnSp>
+      <p:sp>
+        <p:nvSpPr>
+          <p:cNvPr id="20" name="Datumsplatzhalter 3">
+            <a:extLst>
+              <a:ext uri="{FF2B5EF4-FFF2-40B4-BE49-F238E27FC236}">
+                <a16:creationId xmlns:a16="http://schemas.microsoft.com/office/drawing/2014/main" id="{15CA3785-5E3E-1EE5-85FF-F9E7C01FD778}"/>
+              </a:ext>
+            </a:extLst>
+          </p:cNvPr>
+          <p:cNvSpPr>
+            <a:spLocks noGrp="1"/>
+          </p:cNvSpPr>
+          <p:nvPr>
+            <p:ph type="dt" sz="half" idx="10"/>
+          </p:nvPr>
+        </p:nvSpPr>
+        <p:spPr>
+          <a:xfrm>
+            <a:off x="838200" y="6567222"/>
+            <a:ext cx="2743200" cy="208546"/>
+          </a:xfrm>
+        </p:spPr>
+        <p:txBody>
+          <a:bodyPr/>
+          <a:lstStyle/>
+          <a:p>
+            <a:r>
+              <a:rPr lang="de-AT" sz="2000" dirty="0"/>
+              <a:t>09.02.2024</a:t>
+            </a:r>
+          </a:p>
+        </p:txBody>
+      </p:sp>
+      <p:sp>
+        <p:nvSpPr>
+          <p:cNvPr id="22" name="Foliennummernplatzhalter 21">
+            <a:extLst>
+              <a:ext uri="{FF2B5EF4-FFF2-40B4-BE49-F238E27FC236}">
+                <a16:creationId xmlns:a16="http://schemas.microsoft.com/office/drawing/2014/main" id="{6B058537-5EC9-4D20-58BD-8B9B50E8D73A}"/>
+              </a:ext>
+            </a:extLst>
+          </p:cNvPr>
+          <p:cNvSpPr>
+            <a:spLocks noGrp="1"/>
+          </p:cNvSpPr>
+          <p:nvPr>
+            <p:ph type="sldNum" sz="quarter" idx="12"/>
+          </p:nvPr>
+        </p:nvSpPr>
+        <p:spPr>
+          <a:xfrm>
+            <a:off x="8610600" y="6594368"/>
+            <a:ext cx="2743200" cy="154253"/>
+          </a:xfrm>
+        </p:spPr>
+        <p:txBody>
+          <a:bodyPr/>
+          <a:lstStyle/>
+          <a:p>
+            <a:r>
+              <a:rPr lang="de-AT" sz="2000" dirty="0"/>
+              <a:t>2/5</a:t>
+            </a:r>
+          </a:p>
+        </p:txBody>
+      </p:sp>
+      <p:pic>
+        <p:nvPicPr>
+          <p:cNvPr id="4" name="Grafik 3">
+            <a:extLst>
+              <a:ext uri="{FF2B5EF4-FFF2-40B4-BE49-F238E27FC236}">
+                <a16:creationId xmlns:a16="http://schemas.microsoft.com/office/drawing/2014/main" id="{E7A14D2C-3604-872D-FCEB-73FCC41F8078}"/>
+              </a:ext>
+            </a:extLst>
+          </p:cNvPr>
+          <p:cNvPicPr>
+            <a:picLocks noChangeAspect="1"/>
+          </p:cNvPicPr>
+          <p:nvPr/>
+        </p:nvPicPr>
+        <p:blipFill>
+          <a:blip r:embed="rId3"/>
+          <a:stretch>
+            <a:fillRect/>
+          </a:stretch>
+        </p:blipFill>
+        <p:spPr>
+          <a:xfrm>
+            <a:off x="581025" y="1695450"/>
+            <a:ext cx="11029950" cy="3467100"/>
+          </a:xfrm>
+          <a:prstGeom prst="rect">
+            <a:avLst/>
+          </a:prstGeom>
+        </p:spPr>
+      </p:pic>
+    </p:spTree>
+    <p:extLst>
+      <p:ext uri="{BB962C8B-B14F-4D97-AF65-F5344CB8AC3E}">
+        <p14:creationId xmlns:p14="http://schemas.microsoft.com/office/powerpoint/2010/main" val="140437154"/>
+      </p:ext>
+    </p:extLst>
+  </p:cSld>
+  <p:clrMapOvr>
+    <a:masterClrMapping/>
+  </p:clrMapOvr>
+</p:sld>
+</file>
+
+<file path=ppt/slides/slide17.xml><?xml version="1.0" encoding="utf-8"?>
+<p:sld xmlns:a="http://schemas.openxmlformats.org/drawingml/2006/main" xmlns:r="http://schemas.openxmlformats.org/officeDocument/2006/relationships" xmlns:p="http://schemas.openxmlformats.org/presentationml/2006/main">
+  <p:cSld>
+    <p:spTree>
+      <p:nvGrpSpPr>
+        <p:cNvPr id="1" name="">
+          <a:extLst>
+            <a:ext uri="{FF2B5EF4-FFF2-40B4-BE49-F238E27FC236}">
+              <a16:creationId xmlns:a16="http://schemas.microsoft.com/office/drawing/2014/main" id="{1902D0BA-E9B8-9900-827C-B8675E832D6C}"/>
+            </a:ext>
+          </a:extLst>
+        </p:cNvPr>
+        <p:cNvGrpSpPr/>
+        <p:nvPr/>
+      </p:nvGrpSpPr>
+      <p:grpSpPr>
+        <a:xfrm>
+          <a:off x="0" y="0"/>
+          <a:ext cx="0" cy="0"/>
+          <a:chOff x="0" y="0"/>
+          <a:chExt cx="0" cy="0"/>
+        </a:xfrm>
+      </p:grpSpPr>
+      <p:sp>
+        <p:nvSpPr>
+          <p:cNvPr id="3" name="Untertitel 2">
+            <a:extLst>
+              <a:ext uri="{FF2B5EF4-FFF2-40B4-BE49-F238E27FC236}">
+                <a16:creationId xmlns:a16="http://schemas.microsoft.com/office/drawing/2014/main" id="{C8AB8822-70BB-6F2C-4818-EBC3259C0E4F}"/>
+              </a:ext>
+            </a:extLst>
+          </p:cNvPr>
+          <p:cNvSpPr>
+            <a:spLocks noGrp="1"/>
+          </p:cNvSpPr>
+          <p:nvPr>
+            <p:ph type="subTitle" idx="1"/>
+          </p:nvPr>
+        </p:nvSpPr>
+        <p:spPr>
+          <a:xfrm>
+            <a:off x="492625" y="148264"/>
+            <a:ext cx="2062749" cy="920543"/>
+          </a:xfrm>
+        </p:spPr>
+        <p:txBody>
+          <a:bodyPr>
+            <a:normAutofit fontScale="85000" lnSpcReduction="20000"/>
+          </a:bodyPr>
+          <a:lstStyle/>
+          <a:p>
+            <a:r>
+              <a:rPr lang="de-DE" sz="2000" dirty="0"/>
+              <a:t>HTL Saalfelden</a:t>
+            </a:r>
+          </a:p>
+          <a:p>
+            <a:r>
+              <a:rPr lang="de-DE" sz="2000" dirty="0"/>
+              <a:t>Abteilung Informatik</a:t>
+            </a:r>
+          </a:p>
+          <a:p>
+            <a:r>
+              <a:rPr lang="de-DE" sz="2000" dirty="0"/>
+              <a:t>5. AHINF – 2023/24</a:t>
+            </a:r>
+            <a:endParaRPr lang="de-AT" sz="2000" dirty="0"/>
+          </a:p>
+        </p:txBody>
+      </p:sp>
+      <p:pic>
+        <p:nvPicPr>
+          <p:cNvPr id="1026" name="Picture 2" descr="Schnuppertag: Bautechnik an der HTL Saalfelden">
+            <a:extLst>
+              <a:ext uri="{FF2B5EF4-FFF2-40B4-BE49-F238E27FC236}">
+                <a16:creationId xmlns:a16="http://schemas.microsoft.com/office/drawing/2014/main" id="{F1DBAC94-AAD7-008C-6254-BC8FE2247601}"/>
+              </a:ext>
+            </a:extLst>
+          </p:cNvPr>
+          <p:cNvPicPr>
+            <a:picLocks noChangeAspect="1" noChangeArrowheads="1"/>
+          </p:cNvPicPr>
+          <p:nvPr/>
+        </p:nvPicPr>
+        <p:blipFill>
+          <a:blip r:embed="rId2">
+            <a:extLst>
+              <a:ext uri="{28A0092B-C50C-407E-A947-70E740481C1C}">
+                <a14:useLocalDpi xmlns:a14="http://schemas.microsoft.com/office/drawing/2010/main" val="0"/>
+              </a:ext>
+            </a:extLst>
+          </a:blip>
+          <a:srcRect/>
+          <a:stretch>
+            <a:fillRect/>
+          </a:stretch>
+        </p:blipFill>
+        <p:spPr bwMode="auto">
+          <a:xfrm>
+            <a:off x="11116200" y="61624"/>
+            <a:ext cx="943806" cy="1045178"/>
+          </a:xfrm>
+          <a:prstGeom prst="rect">
+            <a:avLst/>
+          </a:prstGeom>
+          <a:noFill/>
+          <a:extLst>
+            <a:ext uri="{909E8E84-426E-40DD-AFC4-6F175D3DCCD1}">
+              <a14:hiddenFill xmlns:a14="http://schemas.microsoft.com/office/drawing/2010/main">
+                <a:solidFill>
+                  <a:srgbClr val="FFFFFF"/>
+                </a:solidFill>
+              </a14:hiddenFill>
+            </a:ext>
+          </a:extLst>
+        </p:spPr>
+      </p:pic>
+      <p:sp>
+        <p:nvSpPr>
+          <p:cNvPr id="5" name="Untertitel 2">
+            <a:extLst>
+              <a:ext uri="{FF2B5EF4-FFF2-40B4-BE49-F238E27FC236}">
+                <a16:creationId xmlns:a16="http://schemas.microsoft.com/office/drawing/2014/main" id="{105BB35F-07F7-AC38-DF86-AEFE10929F54}"/>
+              </a:ext>
+            </a:extLst>
+          </p:cNvPr>
+          <p:cNvSpPr txBox="1">
+            <a:spLocks/>
+          </p:cNvSpPr>
+          <p:nvPr/>
+        </p:nvSpPr>
+        <p:spPr>
+          <a:xfrm>
+            <a:off x="9268679" y="186505"/>
+            <a:ext cx="1407342" cy="844062"/>
+          </a:xfrm>
+          <a:prstGeom prst="rect">
+            <a:avLst/>
+          </a:prstGeom>
+        </p:spPr>
+        <p:txBody>
+          <a:bodyPr vert="horz" lIns="91440" tIns="45720" rIns="91440" bIns="45720" rtlCol="0">
+            <a:normAutofit/>
+          </a:bodyPr>
+          <a:lstStyle>
+            <a:lvl1pPr marL="0" indent="0" algn="ctr" defTabSz="914400" rtl="0" eaLnBrk="1" latinLnBrk="0" hangingPunct="1">
+              <a:lnSpc>
+                <a:spcPct val="90000"/>
+              </a:lnSpc>
+              <a:spcBef>
+                <a:spcPts val="1000"/>
+              </a:spcBef>
+              <a:buFont typeface="Arial" panose="020B0604020202020204" pitchFamily="34" charset="0"/>
+              <a:buNone/>
+              <a:defRPr sz="2400" kern="1200">
+                <a:solidFill>
+                  <a:schemeClr val="tx1"/>
+                </a:solidFill>
+                <a:latin typeface="+mn-lt"/>
+                <a:ea typeface="+mn-ea"/>
+                <a:cs typeface="+mn-cs"/>
+              </a:defRPr>
+            </a:lvl1pPr>
+            <a:lvl2pPr marL="457200" indent="0" algn="ctr" defTabSz="914400" rtl="0" eaLnBrk="1" latinLnBrk="0" hangingPunct="1">
+              <a:lnSpc>
+                <a:spcPct val="90000"/>
+              </a:lnSpc>
+              <a:spcBef>
+                <a:spcPts val="500"/>
+              </a:spcBef>
+              <a:buFont typeface="Arial" panose="020B0604020202020204" pitchFamily="34" charset="0"/>
+              <a:buNone/>
+              <a:defRPr sz="2000" kern="1200">
+                <a:solidFill>
+                  <a:schemeClr val="tx1"/>
+                </a:solidFill>
+                <a:latin typeface="+mn-lt"/>
+                <a:ea typeface="+mn-ea"/>
+                <a:cs typeface="+mn-cs"/>
+              </a:defRPr>
+            </a:lvl2pPr>
+            <a:lvl3pPr marL="914400" indent="0" algn="ctr" defTabSz="914400" rtl="0" eaLnBrk="1" latinLnBrk="0" hangingPunct="1">
+              <a:lnSpc>
+                <a:spcPct val="90000"/>
+              </a:lnSpc>
+              <a:spcBef>
+                <a:spcPts val="500"/>
+              </a:spcBef>
+              <a:buFont typeface="Arial" panose="020B0604020202020204" pitchFamily="34" charset="0"/>
+              <a:buNone/>
+              <a:defRPr sz="1800" kern="1200">
+                <a:solidFill>
+                  <a:schemeClr val="tx1"/>
+                </a:solidFill>
+                <a:latin typeface="+mn-lt"/>
+                <a:ea typeface="+mn-ea"/>
+                <a:cs typeface="+mn-cs"/>
+              </a:defRPr>
+            </a:lvl3pPr>
+            <a:lvl4pPr marL="1371600" indent="0" algn="ctr" defTabSz="914400" rtl="0" eaLnBrk="1" latinLnBrk="0" hangingPunct="1">
+              <a:lnSpc>
+                <a:spcPct val="90000"/>
+              </a:lnSpc>
+              <a:spcBef>
+                <a:spcPts val="500"/>
+              </a:spcBef>
+              <a:buFont typeface="Arial" panose="020B0604020202020204" pitchFamily="34" charset="0"/>
+              <a:buNone/>
+              <a:defRPr sz="1600" kern="1200">
+                <a:solidFill>
+                  <a:schemeClr val="tx1"/>
+                </a:solidFill>
+                <a:latin typeface="+mn-lt"/>
+                <a:ea typeface="+mn-ea"/>
+                <a:cs typeface="+mn-cs"/>
+              </a:defRPr>
+            </a:lvl4pPr>
+            <a:lvl5pPr marL="1828800" indent="0" algn="ctr" defTabSz="914400" rtl="0" eaLnBrk="1" latinLnBrk="0" hangingPunct="1">
+              <a:lnSpc>
+                <a:spcPct val="90000"/>
+              </a:lnSpc>
+              <a:spcBef>
+                <a:spcPts val="500"/>
+              </a:spcBef>
+              <a:buFont typeface="Arial" panose="020B0604020202020204" pitchFamily="34" charset="0"/>
+              <a:buNone/>
+              <a:defRPr sz="1600" kern="1200">
+                <a:solidFill>
+                  <a:schemeClr val="tx1"/>
+                </a:solidFill>
+                <a:latin typeface="+mn-lt"/>
+                <a:ea typeface="+mn-ea"/>
+                <a:cs typeface="+mn-cs"/>
+              </a:defRPr>
+            </a:lvl5pPr>
+            <a:lvl6pPr marL="2286000" indent="0" algn="ctr" defTabSz="914400" rtl="0" eaLnBrk="1" latinLnBrk="0" hangingPunct="1">
+              <a:lnSpc>
+                <a:spcPct val="90000"/>
+              </a:lnSpc>
+              <a:spcBef>
+                <a:spcPts val="500"/>
+              </a:spcBef>
+              <a:buFont typeface="Arial" panose="020B0604020202020204" pitchFamily="34" charset="0"/>
+              <a:buNone/>
+              <a:defRPr sz="1600" kern="1200">
+                <a:solidFill>
+                  <a:schemeClr val="tx1"/>
+                </a:solidFill>
+                <a:latin typeface="+mn-lt"/>
+                <a:ea typeface="+mn-ea"/>
+                <a:cs typeface="+mn-cs"/>
+              </a:defRPr>
+            </a:lvl6pPr>
+            <a:lvl7pPr marL="2743200" indent="0" algn="ctr" defTabSz="914400" rtl="0" eaLnBrk="1" latinLnBrk="0" hangingPunct="1">
+              <a:lnSpc>
+                <a:spcPct val="90000"/>
+              </a:lnSpc>
+              <a:spcBef>
+                <a:spcPts val="500"/>
+              </a:spcBef>
+              <a:buFont typeface="Arial" panose="020B0604020202020204" pitchFamily="34" charset="0"/>
+              <a:buNone/>
+              <a:defRPr sz="1600" kern="1200">
+                <a:solidFill>
+                  <a:schemeClr val="tx1"/>
+                </a:solidFill>
+                <a:latin typeface="+mn-lt"/>
+                <a:ea typeface="+mn-ea"/>
+                <a:cs typeface="+mn-cs"/>
+              </a:defRPr>
+            </a:lvl7pPr>
+            <a:lvl8pPr marL="3200400" indent="0" algn="ctr" defTabSz="914400" rtl="0" eaLnBrk="1" latinLnBrk="0" hangingPunct="1">
+              <a:lnSpc>
+                <a:spcPct val="90000"/>
+              </a:lnSpc>
+              <a:spcBef>
+                <a:spcPts val="500"/>
+              </a:spcBef>
+              <a:buFont typeface="Arial" panose="020B0604020202020204" pitchFamily="34" charset="0"/>
+              <a:buNone/>
+              <a:defRPr sz="1600" kern="1200">
+                <a:solidFill>
+                  <a:schemeClr val="tx1"/>
+                </a:solidFill>
+                <a:latin typeface="+mn-lt"/>
+                <a:ea typeface="+mn-ea"/>
+                <a:cs typeface="+mn-cs"/>
+              </a:defRPr>
+            </a:lvl8pPr>
+            <a:lvl9pPr marL="3657600" indent="0" algn="ctr" defTabSz="914400" rtl="0" eaLnBrk="1" latinLnBrk="0" hangingPunct="1">
+              <a:lnSpc>
+                <a:spcPct val="90000"/>
+              </a:lnSpc>
+              <a:spcBef>
+                <a:spcPts val="500"/>
+              </a:spcBef>
+              <a:buFont typeface="Arial" panose="020B0604020202020204" pitchFamily="34" charset="0"/>
+              <a:buNone/>
+              <a:defRPr sz="1600" kern="1200">
+                <a:solidFill>
+                  <a:schemeClr val="tx1"/>
+                </a:solidFill>
+                <a:latin typeface="+mn-lt"/>
+                <a:ea typeface="+mn-ea"/>
+                <a:cs typeface="+mn-cs"/>
+              </a:defRPr>
+            </a:lvl9pPr>
+          </a:lstStyle>
+          <a:p>
+            <a:pPr algn="r"/>
+            <a:r>
+              <a:rPr lang="de-DE" sz="2000" dirty="0"/>
+              <a:t>Davare</a:t>
+            </a:r>
+          </a:p>
+          <a:p>
+            <a:pPr algn="r"/>
+            <a:r>
+              <a:rPr lang="de-DE" sz="2000" dirty="0"/>
+              <a:t>Hagenhofer</a:t>
+            </a:r>
+            <a:endParaRPr lang="de-AT" sz="2000" dirty="0"/>
+          </a:p>
+        </p:txBody>
+      </p:sp>
+      <p:cxnSp>
+        <p:nvCxnSpPr>
+          <p:cNvPr id="7" name="Gerader Verbinder 6">
+            <a:extLst>
+              <a:ext uri="{FF2B5EF4-FFF2-40B4-BE49-F238E27FC236}">
+                <a16:creationId xmlns:a16="http://schemas.microsoft.com/office/drawing/2014/main" id="{31E42E1D-1C51-3CF0-DB5C-C4290B6F3E57}"/>
+              </a:ext>
+            </a:extLst>
+          </p:cNvPr>
+          <p:cNvCxnSpPr>
+            <a:cxnSpLocks/>
+          </p:cNvCxnSpPr>
+          <p:nvPr/>
+        </p:nvCxnSpPr>
+        <p:spPr>
+          <a:xfrm>
+            <a:off x="-66675" y="1142200"/>
+            <a:ext cx="12258675" cy="0"/>
+          </a:xfrm>
+          <a:prstGeom prst="line">
+            <a:avLst/>
+          </a:prstGeom>
+        </p:spPr>
+        <p:style>
+          <a:lnRef idx="1">
+            <a:schemeClr val="dk1"/>
+          </a:lnRef>
+          <a:fillRef idx="0">
+            <a:schemeClr val="dk1"/>
+          </a:fillRef>
+          <a:effectRef idx="0">
+            <a:schemeClr val="dk1"/>
+          </a:effectRef>
+          <a:fontRef idx="minor">
+            <a:schemeClr val="tx1"/>
+          </a:fontRef>
+        </p:style>
+      </p:cxnSp>
+      <p:cxnSp>
+        <p:nvCxnSpPr>
+          <p:cNvPr id="16" name="Gerader Verbinder 15">
+            <a:extLst>
+              <a:ext uri="{FF2B5EF4-FFF2-40B4-BE49-F238E27FC236}">
+                <a16:creationId xmlns:a16="http://schemas.microsoft.com/office/drawing/2014/main" id="{E82784FB-D46B-521D-3067-FBB57810EADE}"/>
+              </a:ext>
+            </a:extLst>
+          </p:cNvPr>
+          <p:cNvCxnSpPr>
+            <a:cxnSpLocks/>
+          </p:cNvCxnSpPr>
+          <p:nvPr/>
+        </p:nvCxnSpPr>
+        <p:spPr>
+          <a:xfrm>
+            <a:off x="-33340" y="6388638"/>
+            <a:ext cx="12258675" cy="0"/>
+          </a:xfrm>
+          <a:prstGeom prst="line">
+            <a:avLst/>
+          </a:prstGeom>
+        </p:spPr>
+        <p:style>
+          <a:lnRef idx="1">
+            <a:schemeClr val="dk1"/>
+          </a:lnRef>
+          <a:fillRef idx="0">
+            <a:schemeClr val="dk1"/>
+          </a:fillRef>
+          <a:effectRef idx="0">
+            <a:schemeClr val="dk1"/>
+          </a:effectRef>
+          <a:fontRef idx="minor">
+            <a:schemeClr val="tx1"/>
+          </a:fontRef>
+        </p:style>
+      </p:cxnSp>
+      <p:sp>
+        <p:nvSpPr>
+          <p:cNvPr id="20" name="Datumsplatzhalter 3">
+            <a:extLst>
+              <a:ext uri="{FF2B5EF4-FFF2-40B4-BE49-F238E27FC236}">
+                <a16:creationId xmlns:a16="http://schemas.microsoft.com/office/drawing/2014/main" id="{A0B6D7B1-20CE-E1C9-15D5-F3E7666E5042}"/>
+              </a:ext>
+            </a:extLst>
+          </p:cNvPr>
+          <p:cNvSpPr>
+            <a:spLocks noGrp="1"/>
+          </p:cNvSpPr>
+          <p:nvPr>
+            <p:ph type="dt" sz="half" idx="10"/>
+          </p:nvPr>
+        </p:nvSpPr>
+        <p:spPr>
+          <a:xfrm>
+            <a:off x="838200" y="6567222"/>
+            <a:ext cx="2743200" cy="208546"/>
+          </a:xfrm>
+        </p:spPr>
+        <p:txBody>
+          <a:bodyPr/>
+          <a:lstStyle/>
+          <a:p>
+            <a:r>
+              <a:rPr lang="de-AT" sz="2000" dirty="0"/>
+              <a:t>09.02.2024</a:t>
+            </a:r>
+          </a:p>
+        </p:txBody>
+      </p:sp>
+      <p:sp>
+        <p:nvSpPr>
+          <p:cNvPr id="22" name="Foliennummernplatzhalter 21">
+            <a:extLst>
+              <a:ext uri="{FF2B5EF4-FFF2-40B4-BE49-F238E27FC236}">
+                <a16:creationId xmlns:a16="http://schemas.microsoft.com/office/drawing/2014/main" id="{A0192BCD-3735-CD2D-E033-7A49BE5B9011}"/>
+              </a:ext>
+            </a:extLst>
+          </p:cNvPr>
+          <p:cNvSpPr>
+            <a:spLocks noGrp="1"/>
+          </p:cNvSpPr>
+          <p:nvPr>
+            <p:ph type="sldNum" sz="quarter" idx="12"/>
+          </p:nvPr>
+        </p:nvSpPr>
+        <p:spPr>
+          <a:xfrm>
+            <a:off x="8610600" y="6594368"/>
+            <a:ext cx="2743200" cy="154253"/>
+          </a:xfrm>
+        </p:spPr>
+        <p:txBody>
+          <a:bodyPr/>
+          <a:lstStyle/>
+          <a:p>
+            <a:r>
+              <a:rPr lang="de-AT" sz="2000" dirty="0"/>
+              <a:t>2/5</a:t>
+            </a:r>
+          </a:p>
+        </p:txBody>
+      </p:sp>
+      <p:pic>
+        <p:nvPicPr>
+          <p:cNvPr id="10" name="Grafik 9">
+            <a:extLst>
+              <a:ext uri="{FF2B5EF4-FFF2-40B4-BE49-F238E27FC236}">
+                <a16:creationId xmlns:a16="http://schemas.microsoft.com/office/drawing/2014/main" id="{7683CEA9-461A-F510-A35A-A0EEAE36D209}"/>
+              </a:ext>
+            </a:extLst>
+          </p:cNvPr>
+          <p:cNvPicPr>
+            <a:picLocks noChangeAspect="1"/>
+          </p:cNvPicPr>
+          <p:nvPr/>
+        </p:nvPicPr>
+        <p:blipFill rotWithShape="1">
+          <a:blip r:embed="rId3"/>
+          <a:srcRect b="61111"/>
+          <a:stretch/>
+        </p:blipFill>
+        <p:spPr>
+          <a:xfrm>
+            <a:off x="544802" y="1765290"/>
+            <a:ext cx="11102395" cy="3477259"/>
+          </a:xfrm>
+          <a:prstGeom prst="rect">
+            <a:avLst/>
+          </a:prstGeom>
+        </p:spPr>
+      </p:pic>
+    </p:spTree>
+    <p:extLst>
+      <p:ext uri="{BB962C8B-B14F-4D97-AF65-F5344CB8AC3E}">
+        <p14:creationId xmlns:p14="http://schemas.microsoft.com/office/powerpoint/2010/main" val="4090555362"/>
+      </p:ext>
+    </p:extLst>
+  </p:cSld>
+  <p:clrMapOvr>
+    <a:masterClrMapping/>
+  </p:clrMapOvr>
+</p:sld>
+</file>
+
+<file path=ppt/slides/slide18.xml><?xml version="1.0" encoding="utf-8"?>
+<p:sld xmlns:a="http://schemas.openxmlformats.org/drawingml/2006/main" xmlns:r="http://schemas.openxmlformats.org/officeDocument/2006/relationships" xmlns:p="http://schemas.openxmlformats.org/presentationml/2006/main">
+  <p:cSld>
+    <p:spTree>
+      <p:nvGrpSpPr>
+        <p:cNvPr id="1" name="">
+          <a:extLst>
+            <a:ext uri="{FF2B5EF4-FFF2-40B4-BE49-F238E27FC236}">
+              <a16:creationId xmlns:a16="http://schemas.microsoft.com/office/drawing/2014/main" id="{D01A4439-059E-051F-7D7A-4C9A865861C5}"/>
+            </a:ext>
+          </a:extLst>
+        </p:cNvPr>
+        <p:cNvGrpSpPr/>
+        <p:nvPr/>
+      </p:nvGrpSpPr>
+      <p:grpSpPr>
+        <a:xfrm>
+          <a:off x="0" y="0"/>
+          <a:ext cx="0" cy="0"/>
+          <a:chOff x="0" y="0"/>
+          <a:chExt cx="0" cy="0"/>
+        </a:xfrm>
+      </p:grpSpPr>
+      <p:sp>
+        <p:nvSpPr>
+          <p:cNvPr id="3" name="Untertitel 2">
+            <a:extLst>
+              <a:ext uri="{FF2B5EF4-FFF2-40B4-BE49-F238E27FC236}">
+                <a16:creationId xmlns:a16="http://schemas.microsoft.com/office/drawing/2014/main" id="{6CC6201B-C7EB-0C25-4603-E0E1070428EF}"/>
+              </a:ext>
+            </a:extLst>
+          </p:cNvPr>
+          <p:cNvSpPr>
+            <a:spLocks noGrp="1"/>
+          </p:cNvSpPr>
+          <p:nvPr>
+            <p:ph type="subTitle" idx="1"/>
+          </p:nvPr>
+        </p:nvSpPr>
+        <p:spPr>
+          <a:xfrm>
+            <a:off x="492625" y="148264"/>
+            <a:ext cx="2062749" cy="920543"/>
+          </a:xfrm>
+        </p:spPr>
+        <p:txBody>
+          <a:bodyPr>
+            <a:normAutofit fontScale="85000" lnSpcReduction="20000"/>
+          </a:bodyPr>
+          <a:lstStyle/>
+          <a:p>
+            <a:r>
+              <a:rPr lang="de-DE" sz="2000" dirty="0"/>
+              <a:t>HTL Saalfelden</a:t>
+            </a:r>
+          </a:p>
+          <a:p>
+            <a:r>
+              <a:rPr lang="de-DE" sz="2000" dirty="0"/>
+              <a:t>Abteilung Informatik</a:t>
+            </a:r>
+          </a:p>
+          <a:p>
+            <a:r>
+              <a:rPr lang="de-DE" sz="2000" dirty="0"/>
+              <a:t>5. AHINF – 2023/24</a:t>
+            </a:r>
+            <a:endParaRPr lang="de-AT" sz="2000" dirty="0"/>
+          </a:p>
+        </p:txBody>
+      </p:sp>
+      <p:pic>
+        <p:nvPicPr>
+          <p:cNvPr id="1026" name="Picture 2" descr="Schnuppertag: Bautechnik an der HTL Saalfelden">
+            <a:extLst>
+              <a:ext uri="{FF2B5EF4-FFF2-40B4-BE49-F238E27FC236}">
+                <a16:creationId xmlns:a16="http://schemas.microsoft.com/office/drawing/2014/main" id="{5303F666-6EA8-53E5-8F4D-2832DD490E37}"/>
+              </a:ext>
+            </a:extLst>
+          </p:cNvPr>
+          <p:cNvPicPr>
+            <a:picLocks noChangeAspect="1" noChangeArrowheads="1"/>
+          </p:cNvPicPr>
+          <p:nvPr/>
+        </p:nvPicPr>
+        <p:blipFill>
+          <a:blip r:embed="rId2">
+            <a:extLst>
+              <a:ext uri="{28A0092B-C50C-407E-A947-70E740481C1C}">
+                <a14:useLocalDpi xmlns:a14="http://schemas.microsoft.com/office/drawing/2010/main" val="0"/>
+              </a:ext>
+            </a:extLst>
+          </a:blip>
+          <a:srcRect/>
+          <a:stretch>
+            <a:fillRect/>
+          </a:stretch>
+        </p:blipFill>
+        <p:spPr bwMode="auto">
+          <a:xfrm>
+            <a:off x="11116200" y="61624"/>
+            <a:ext cx="943806" cy="1045178"/>
+          </a:xfrm>
+          <a:prstGeom prst="rect">
+            <a:avLst/>
+          </a:prstGeom>
+          <a:noFill/>
+          <a:extLst>
+            <a:ext uri="{909E8E84-426E-40DD-AFC4-6F175D3DCCD1}">
+              <a14:hiddenFill xmlns:a14="http://schemas.microsoft.com/office/drawing/2010/main">
+                <a:solidFill>
+                  <a:srgbClr val="FFFFFF"/>
+                </a:solidFill>
+              </a14:hiddenFill>
+            </a:ext>
+          </a:extLst>
+        </p:spPr>
+      </p:pic>
+      <p:sp>
+        <p:nvSpPr>
+          <p:cNvPr id="5" name="Untertitel 2">
+            <a:extLst>
+              <a:ext uri="{FF2B5EF4-FFF2-40B4-BE49-F238E27FC236}">
+                <a16:creationId xmlns:a16="http://schemas.microsoft.com/office/drawing/2014/main" id="{FF3310B5-75D7-F9F1-422C-5A3AE05CD459}"/>
+              </a:ext>
+            </a:extLst>
+          </p:cNvPr>
+          <p:cNvSpPr txBox="1">
+            <a:spLocks/>
+          </p:cNvSpPr>
+          <p:nvPr/>
+        </p:nvSpPr>
+        <p:spPr>
+          <a:xfrm>
+            <a:off x="9268679" y="186505"/>
+            <a:ext cx="1407342" cy="844062"/>
+          </a:xfrm>
+          <a:prstGeom prst="rect">
+            <a:avLst/>
+          </a:prstGeom>
+        </p:spPr>
+        <p:txBody>
+          <a:bodyPr vert="horz" lIns="91440" tIns="45720" rIns="91440" bIns="45720" rtlCol="0">
+            <a:normAutofit/>
+          </a:bodyPr>
+          <a:lstStyle>
+            <a:lvl1pPr marL="0" indent="0" algn="ctr" defTabSz="914400" rtl="0" eaLnBrk="1" latinLnBrk="0" hangingPunct="1">
+              <a:lnSpc>
+                <a:spcPct val="90000"/>
+              </a:lnSpc>
+              <a:spcBef>
+                <a:spcPts val="1000"/>
+              </a:spcBef>
+              <a:buFont typeface="Arial" panose="020B0604020202020204" pitchFamily="34" charset="0"/>
+              <a:buNone/>
+              <a:defRPr sz="2400" kern="1200">
+                <a:solidFill>
+                  <a:schemeClr val="tx1"/>
+                </a:solidFill>
+                <a:latin typeface="+mn-lt"/>
+                <a:ea typeface="+mn-ea"/>
+                <a:cs typeface="+mn-cs"/>
+              </a:defRPr>
+            </a:lvl1pPr>
+            <a:lvl2pPr marL="457200" indent="0" algn="ctr" defTabSz="914400" rtl="0" eaLnBrk="1" latinLnBrk="0" hangingPunct="1">
+              <a:lnSpc>
+                <a:spcPct val="90000"/>
+              </a:lnSpc>
+              <a:spcBef>
+                <a:spcPts val="500"/>
+              </a:spcBef>
+              <a:buFont typeface="Arial" panose="020B0604020202020204" pitchFamily="34" charset="0"/>
+              <a:buNone/>
+              <a:defRPr sz="2000" kern="1200">
+                <a:solidFill>
+                  <a:schemeClr val="tx1"/>
+                </a:solidFill>
+                <a:latin typeface="+mn-lt"/>
+                <a:ea typeface="+mn-ea"/>
+                <a:cs typeface="+mn-cs"/>
+              </a:defRPr>
+            </a:lvl2pPr>
+            <a:lvl3pPr marL="914400" indent="0" algn="ctr" defTabSz="914400" rtl="0" eaLnBrk="1" latinLnBrk="0" hangingPunct="1">
+              <a:lnSpc>
+                <a:spcPct val="90000"/>
+              </a:lnSpc>
+              <a:spcBef>
+                <a:spcPts val="500"/>
+              </a:spcBef>
+              <a:buFont typeface="Arial" panose="020B0604020202020204" pitchFamily="34" charset="0"/>
+              <a:buNone/>
+              <a:defRPr sz="1800" kern="1200">
+                <a:solidFill>
+                  <a:schemeClr val="tx1"/>
+                </a:solidFill>
+                <a:latin typeface="+mn-lt"/>
+                <a:ea typeface="+mn-ea"/>
+                <a:cs typeface="+mn-cs"/>
+              </a:defRPr>
+            </a:lvl3pPr>
+            <a:lvl4pPr marL="1371600" indent="0" algn="ctr" defTabSz="914400" rtl="0" eaLnBrk="1" latinLnBrk="0" hangingPunct="1">
+              <a:lnSpc>
+                <a:spcPct val="90000"/>
+              </a:lnSpc>
+              <a:spcBef>
+                <a:spcPts val="500"/>
+              </a:spcBef>
+              <a:buFont typeface="Arial" panose="020B0604020202020204" pitchFamily="34" charset="0"/>
+              <a:buNone/>
+              <a:defRPr sz="1600" kern="1200">
+                <a:solidFill>
+                  <a:schemeClr val="tx1"/>
+                </a:solidFill>
+                <a:latin typeface="+mn-lt"/>
+                <a:ea typeface="+mn-ea"/>
+                <a:cs typeface="+mn-cs"/>
+              </a:defRPr>
+            </a:lvl4pPr>
+            <a:lvl5pPr marL="1828800" indent="0" algn="ctr" defTabSz="914400" rtl="0" eaLnBrk="1" latinLnBrk="0" hangingPunct="1">
+              <a:lnSpc>
+                <a:spcPct val="90000"/>
+              </a:lnSpc>
+              <a:spcBef>
+                <a:spcPts val="500"/>
+              </a:spcBef>
+              <a:buFont typeface="Arial" panose="020B0604020202020204" pitchFamily="34" charset="0"/>
+              <a:buNone/>
+              <a:defRPr sz="1600" kern="1200">
+                <a:solidFill>
+                  <a:schemeClr val="tx1"/>
+                </a:solidFill>
+                <a:latin typeface="+mn-lt"/>
+                <a:ea typeface="+mn-ea"/>
+                <a:cs typeface="+mn-cs"/>
+              </a:defRPr>
+            </a:lvl5pPr>
+            <a:lvl6pPr marL="2286000" indent="0" algn="ctr" defTabSz="914400" rtl="0" eaLnBrk="1" latinLnBrk="0" hangingPunct="1">
+              <a:lnSpc>
+                <a:spcPct val="90000"/>
+              </a:lnSpc>
+              <a:spcBef>
+                <a:spcPts val="500"/>
+              </a:spcBef>
+              <a:buFont typeface="Arial" panose="020B0604020202020204" pitchFamily="34" charset="0"/>
+              <a:buNone/>
+              <a:defRPr sz="1600" kern="1200">
+                <a:solidFill>
+                  <a:schemeClr val="tx1"/>
+                </a:solidFill>
+                <a:latin typeface="+mn-lt"/>
+                <a:ea typeface="+mn-ea"/>
+                <a:cs typeface="+mn-cs"/>
+              </a:defRPr>
+            </a:lvl6pPr>
+            <a:lvl7pPr marL="2743200" indent="0" algn="ctr" defTabSz="914400" rtl="0" eaLnBrk="1" latinLnBrk="0" hangingPunct="1">
+              <a:lnSpc>
+                <a:spcPct val="90000"/>
+              </a:lnSpc>
+              <a:spcBef>
+                <a:spcPts val="500"/>
+              </a:spcBef>
+              <a:buFont typeface="Arial" panose="020B0604020202020204" pitchFamily="34" charset="0"/>
+              <a:buNone/>
+              <a:defRPr sz="1600" kern="1200">
+                <a:solidFill>
+                  <a:schemeClr val="tx1"/>
+                </a:solidFill>
+                <a:latin typeface="+mn-lt"/>
+                <a:ea typeface="+mn-ea"/>
+                <a:cs typeface="+mn-cs"/>
+              </a:defRPr>
+            </a:lvl7pPr>
+            <a:lvl8pPr marL="3200400" indent="0" algn="ctr" defTabSz="914400" rtl="0" eaLnBrk="1" latinLnBrk="0" hangingPunct="1">
+              <a:lnSpc>
+                <a:spcPct val="90000"/>
+              </a:lnSpc>
+              <a:spcBef>
+                <a:spcPts val="500"/>
+              </a:spcBef>
+              <a:buFont typeface="Arial" panose="020B0604020202020204" pitchFamily="34" charset="0"/>
+              <a:buNone/>
+              <a:defRPr sz="1600" kern="1200">
+                <a:solidFill>
+                  <a:schemeClr val="tx1"/>
+                </a:solidFill>
+                <a:latin typeface="+mn-lt"/>
+                <a:ea typeface="+mn-ea"/>
+                <a:cs typeface="+mn-cs"/>
+              </a:defRPr>
+            </a:lvl8pPr>
+            <a:lvl9pPr marL="3657600" indent="0" algn="ctr" defTabSz="914400" rtl="0" eaLnBrk="1" latinLnBrk="0" hangingPunct="1">
+              <a:lnSpc>
+                <a:spcPct val="90000"/>
+              </a:lnSpc>
+              <a:spcBef>
+                <a:spcPts val="500"/>
+              </a:spcBef>
+              <a:buFont typeface="Arial" panose="020B0604020202020204" pitchFamily="34" charset="0"/>
+              <a:buNone/>
+              <a:defRPr sz="1600" kern="1200">
+                <a:solidFill>
+                  <a:schemeClr val="tx1"/>
+                </a:solidFill>
+                <a:latin typeface="+mn-lt"/>
+                <a:ea typeface="+mn-ea"/>
+                <a:cs typeface="+mn-cs"/>
+              </a:defRPr>
+            </a:lvl9pPr>
+          </a:lstStyle>
+          <a:p>
+            <a:pPr algn="r"/>
+            <a:r>
+              <a:rPr lang="de-DE" sz="2000" dirty="0"/>
+              <a:t>Davare</a:t>
+            </a:r>
+          </a:p>
+          <a:p>
+            <a:pPr algn="r"/>
+            <a:r>
+              <a:rPr lang="de-DE" sz="2000" dirty="0"/>
+              <a:t>Hagenhofer</a:t>
+            </a:r>
+            <a:endParaRPr lang="de-AT" sz="2000" dirty="0"/>
+          </a:p>
+        </p:txBody>
+      </p:sp>
+      <p:cxnSp>
+        <p:nvCxnSpPr>
+          <p:cNvPr id="7" name="Gerader Verbinder 6">
+            <a:extLst>
+              <a:ext uri="{FF2B5EF4-FFF2-40B4-BE49-F238E27FC236}">
+                <a16:creationId xmlns:a16="http://schemas.microsoft.com/office/drawing/2014/main" id="{C0667FD1-5089-679C-0BDC-D31EB3665109}"/>
+              </a:ext>
+            </a:extLst>
+          </p:cNvPr>
+          <p:cNvCxnSpPr>
+            <a:cxnSpLocks/>
+          </p:cNvCxnSpPr>
+          <p:nvPr/>
+        </p:nvCxnSpPr>
+        <p:spPr>
+          <a:xfrm>
+            <a:off x="-66675" y="1142200"/>
+            <a:ext cx="12258675" cy="0"/>
+          </a:xfrm>
+          <a:prstGeom prst="line">
+            <a:avLst/>
+          </a:prstGeom>
+        </p:spPr>
+        <p:style>
+          <a:lnRef idx="1">
+            <a:schemeClr val="dk1"/>
+          </a:lnRef>
+          <a:fillRef idx="0">
+            <a:schemeClr val="dk1"/>
+          </a:fillRef>
+          <a:effectRef idx="0">
+            <a:schemeClr val="dk1"/>
+          </a:effectRef>
+          <a:fontRef idx="minor">
+            <a:schemeClr val="tx1"/>
+          </a:fontRef>
+        </p:style>
+      </p:cxnSp>
+      <p:cxnSp>
+        <p:nvCxnSpPr>
+          <p:cNvPr id="16" name="Gerader Verbinder 15">
+            <a:extLst>
+              <a:ext uri="{FF2B5EF4-FFF2-40B4-BE49-F238E27FC236}">
+                <a16:creationId xmlns:a16="http://schemas.microsoft.com/office/drawing/2014/main" id="{B8D2E3D7-D9D7-2611-C526-6C1627E79C5C}"/>
+              </a:ext>
+            </a:extLst>
+          </p:cNvPr>
+          <p:cNvCxnSpPr>
+            <a:cxnSpLocks/>
+          </p:cNvCxnSpPr>
+          <p:nvPr/>
+        </p:nvCxnSpPr>
+        <p:spPr>
+          <a:xfrm>
+            <a:off x="-33340" y="6388638"/>
+            <a:ext cx="12258675" cy="0"/>
+          </a:xfrm>
+          <a:prstGeom prst="line">
+            <a:avLst/>
+          </a:prstGeom>
+        </p:spPr>
+        <p:style>
+          <a:lnRef idx="1">
+            <a:schemeClr val="dk1"/>
+          </a:lnRef>
+          <a:fillRef idx="0">
+            <a:schemeClr val="dk1"/>
+          </a:fillRef>
+          <a:effectRef idx="0">
+            <a:schemeClr val="dk1"/>
+          </a:effectRef>
+          <a:fontRef idx="minor">
+            <a:schemeClr val="tx1"/>
+          </a:fontRef>
+        </p:style>
+      </p:cxnSp>
+      <p:sp>
+        <p:nvSpPr>
+          <p:cNvPr id="20" name="Datumsplatzhalter 3">
+            <a:extLst>
+              <a:ext uri="{FF2B5EF4-FFF2-40B4-BE49-F238E27FC236}">
+                <a16:creationId xmlns:a16="http://schemas.microsoft.com/office/drawing/2014/main" id="{87FA9621-7865-DDC8-54D8-09650AB0E076}"/>
+              </a:ext>
+            </a:extLst>
+          </p:cNvPr>
+          <p:cNvSpPr>
+            <a:spLocks noGrp="1"/>
+          </p:cNvSpPr>
+          <p:nvPr>
+            <p:ph type="dt" sz="half" idx="10"/>
+          </p:nvPr>
+        </p:nvSpPr>
+        <p:spPr>
+          <a:xfrm>
+            <a:off x="838200" y="6567222"/>
+            <a:ext cx="2743200" cy="208546"/>
+          </a:xfrm>
+        </p:spPr>
+        <p:txBody>
+          <a:bodyPr/>
+          <a:lstStyle/>
+          <a:p>
+            <a:r>
+              <a:rPr lang="de-AT" sz="2000" dirty="0"/>
+              <a:t>09.02.2024</a:t>
+            </a:r>
+          </a:p>
+        </p:txBody>
+      </p:sp>
+      <p:sp>
+        <p:nvSpPr>
+          <p:cNvPr id="22" name="Foliennummernplatzhalter 21">
+            <a:extLst>
+              <a:ext uri="{FF2B5EF4-FFF2-40B4-BE49-F238E27FC236}">
+                <a16:creationId xmlns:a16="http://schemas.microsoft.com/office/drawing/2014/main" id="{60E192DF-B306-86EB-E5D9-676C02C20FB3}"/>
+              </a:ext>
+            </a:extLst>
+          </p:cNvPr>
+          <p:cNvSpPr>
+            <a:spLocks noGrp="1"/>
+          </p:cNvSpPr>
+          <p:nvPr>
+            <p:ph type="sldNum" sz="quarter" idx="12"/>
+          </p:nvPr>
+        </p:nvSpPr>
+        <p:spPr>
+          <a:xfrm>
+            <a:off x="8610600" y="6594368"/>
+            <a:ext cx="2743200" cy="154253"/>
+          </a:xfrm>
+        </p:spPr>
+        <p:txBody>
+          <a:bodyPr/>
+          <a:lstStyle/>
+          <a:p>
+            <a:r>
+              <a:rPr lang="de-AT" sz="2000" dirty="0"/>
+              <a:t>2/5</a:t>
+            </a:r>
+          </a:p>
+        </p:txBody>
+      </p:sp>
+      <p:pic>
+        <p:nvPicPr>
+          <p:cNvPr id="4" name="Grafik 3">
+            <a:extLst>
+              <a:ext uri="{FF2B5EF4-FFF2-40B4-BE49-F238E27FC236}">
+                <a16:creationId xmlns:a16="http://schemas.microsoft.com/office/drawing/2014/main" id="{904B174E-B66D-6827-CD0C-1FC35D2CA3B3}"/>
+              </a:ext>
+            </a:extLst>
+          </p:cNvPr>
+          <p:cNvPicPr>
+            <a:picLocks noChangeAspect="1"/>
+          </p:cNvPicPr>
+          <p:nvPr/>
+        </p:nvPicPr>
+        <p:blipFill rotWithShape="1">
+          <a:blip r:embed="rId3"/>
+          <a:srcRect t="38857"/>
+          <a:stretch/>
+        </p:blipFill>
+        <p:spPr>
+          <a:xfrm>
+            <a:off x="1404976" y="1347930"/>
+            <a:ext cx="9382047" cy="4620007"/>
+          </a:xfrm>
+          <a:prstGeom prst="rect">
+            <a:avLst/>
+          </a:prstGeom>
+        </p:spPr>
+      </p:pic>
+    </p:spTree>
+    <p:extLst>
+      <p:ext uri="{BB962C8B-B14F-4D97-AF65-F5344CB8AC3E}">
+        <p14:creationId xmlns:p14="http://schemas.microsoft.com/office/powerpoint/2010/main" val="3228513360"/>
+      </p:ext>
+    </p:extLst>
+  </p:cSld>
+  <p:clrMapOvr>
+    <a:masterClrMapping/>
+  </p:clrMapOvr>
+</p:sld>
+</file>
+
+<file path=ppt/slides/slide19.xml><?xml version="1.0" encoding="utf-8"?>
 <p:sld xmlns:a="http://schemas.openxmlformats.org/drawingml/2006/main" xmlns:r="http://schemas.openxmlformats.org/officeDocument/2006/relationships" xmlns:p="http://schemas.openxmlformats.org/presentationml/2006/main">
   <p:cSld>
     <p:spTree>
@@ -7453,9 +10578,10 @@
           <a:lstStyle/>
           <a:p>
             <a:r>
-              <a:rPr lang="de-AT" sz="2000" dirty="0"/>
-              <a:t>2/5</a:t>
-            </a:r>
+              <a:rPr lang="de-DE" sz="2000" dirty="0"/>
+              <a:t>2/19</a:t>
+            </a:r>
+            <a:endParaRPr lang="de-AT" sz="2000" dirty="0"/>
           </a:p>
         </p:txBody>
       </p:sp>
@@ -9143,7 +12269,7 @@
                   </a:schemeClr>
                 </a:solidFill>
               </a:rPr>
-              <a:t>Projektvorstellung</a:t>
+              <a:t>Projektvorstellung Webapp</a:t>
             </a:r>
             <a:endParaRPr lang="de-AT" sz="2800" spc="-150" dirty="0"/>
           </a:p>
